--- a/trunk/Docs/eip 10.09.11/myNETwork.pptx
+++ b/trunk/Docs/eip 10.09.11/myNETwork.pptx
@@ -4042,14 +4042,6 @@
               </a:rPr>
               <a:t>Silverlight</a:t>
             </a:r>
-            <a:r>
-              <a:rPr lang="fr-FR" dirty="0" smtClean="0">
-                <a:solidFill>
-                  <a:schemeClr val="bg1"/>
-                </a:solidFill>
-              </a:rPr>
-              <a:t> Statistiques/Retours</a:t>
-            </a:r>
             <a:endParaRPr lang="fr-FR" dirty="0">
               <a:solidFill>
                 <a:schemeClr val="bg1"/>
@@ -4060,7 +4052,7 @@
       </p:sp>
       <p:sp>
         <p:nvSpPr>
-          <p:cNvPr id="8" name="Espace réservé du contenu 7"/>
+          <p:cNvPr id="5" name="Espace réservé du contenu 7"/>
           <p:cNvSpPr>
             <a:spLocks noGrp="1"/>
           </p:cNvSpPr>
@@ -4070,18 +4062,81 @@
         </p:nvSpPr>
         <p:spPr>
           <a:xfrm>
-            <a:off x="457200" y="1068224"/>
-            <a:ext cx="8229600" cy="5170206"/>
+            <a:off x="457200" y="1905712"/>
+            <a:ext cx="8229600" cy="4320000"/>
           </a:xfrm>
         </p:spPr>
         <p:txBody>
           <a:bodyPr/>
           <a:lstStyle/>
           <a:p>
-            <a:endParaRPr lang="fr-FR" sz="2000" dirty="0" smtClean="0">
+            <a:endParaRPr lang="fr-FR" sz="2400" dirty="0" smtClean="0">
               <a:solidFill>
                 <a:schemeClr val="accent5"/>
               </a:solidFill>
+            </a:endParaRPr>
+          </a:p>
+        </p:txBody>
+      </p:sp>
+      <p:sp>
+        <p:nvSpPr>
+          <p:cNvPr id="6" name="Titre 3"/>
+          <p:cNvSpPr txBox="1">
+            <a:spLocks/>
+          </p:cNvSpPr>
+          <p:nvPr/>
+        </p:nvSpPr>
+        <p:spPr bwMode="auto">
+          <a:xfrm>
+            <a:off x="609600" y="1132015"/>
+            <a:ext cx="8229600" cy="626997"/>
+          </a:xfrm>
+          <a:prstGeom prst="rect">
+            <a:avLst/>
+          </a:prstGeom>
+          <a:noFill/>
+          <a:ln w="9525">
+            <a:noFill/>
+            <a:miter lim="800000"/>
+            <a:headEnd/>
+            <a:tailEnd/>
+          </a:ln>
+        </p:spPr>
+        <p:txBody>
+          <a:bodyPr vert="horz" wrap="square" lIns="91440" tIns="45720" rIns="91440" bIns="45720" numCol="1" anchor="ctr" anchorCtr="0" compatLnSpc="1">
+            <a:prstTxWarp prst="textNoShape">
+              <a:avLst/>
+            </a:prstTxWarp>
+          </a:bodyPr>
+          <a:lstStyle/>
+          <a:p>
+            <a:pPr lvl="0" fontAlgn="base">
+              <a:spcBef>
+                <a:spcPct val="0"/>
+              </a:spcBef>
+              <a:spcAft>
+                <a:spcPct val="0"/>
+              </a:spcAft>
+              <a:defRPr/>
+            </a:pPr>
+            <a:r>
+              <a:rPr lang="fr-FR" sz="3600" dirty="0" smtClean="0">
+                <a:latin typeface="+mj-lt"/>
+                <a:ea typeface="ＭＳ Ｐゴシック" charset="-128"/>
+                <a:cs typeface="ＭＳ Ｐゴシック" charset="-128"/>
+              </a:rPr>
+              <a:t>Statistiques/Retours</a:t>
+            </a:r>
+            <a:endParaRPr kumimoji="0" lang="fr-FR" sz="3600" b="0" i="0" u="none" strike="noStrike" kern="1200" cap="none" spc="0" normalizeH="0" baseline="0" noProof="0" dirty="0">
+              <a:ln>
+                <a:noFill/>
+              </a:ln>
+              <a:effectLst/>
+              <a:uLnTx/>
+              <a:uFillTx/>
+              <a:latin typeface="+mj-lt"/>
+              <a:ea typeface="ＭＳ Ｐゴシック" charset="-128"/>
+              <a:cs typeface="ＭＳ Ｐゴシック" charset="-128"/>
             </a:endParaRPr>
           </a:p>
         </p:txBody>
@@ -4147,14 +4202,6 @@
               </a:rPr>
               <a:t>Silverlight</a:t>
             </a:r>
-            <a:r>
-              <a:rPr lang="fr-FR" dirty="0" smtClean="0">
-                <a:solidFill>
-                  <a:schemeClr val="bg1"/>
-                </a:solidFill>
-              </a:rPr>
-              <a:t> Démonstration</a:t>
-            </a:r>
             <a:endParaRPr lang="fr-FR" dirty="0">
               <a:solidFill>
                 <a:schemeClr val="bg1"/>
@@ -4187,6 +4234,101 @@
               <a:solidFill>
                 <a:schemeClr val="accent5"/>
               </a:solidFill>
+            </a:endParaRPr>
+          </a:p>
+        </p:txBody>
+      </p:sp>
+      <p:pic>
+        <p:nvPicPr>
+          <p:cNvPr id="6" name="Espace réservé du contenu 11" descr="MyNetworkBulle.png"/>
+          <p:cNvPicPr>
+            <a:picLocks noChangeAspect="1"/>
+          </p:cNvPicPr>
+          <p:nvPr/>
+        </p:nvPicPr>
+        <p:blipFill>
+          <a:blip r:embed="rId2"/>
+          <a:srcRect l="-54613" r="-54613"/>
+          <a:stretch>
+            <a:fillRect/>
+          </a:stretch>
+        </p:blipFill>
+        <p:spPr bwMode="auto">
+          <a:xfrm>
+            <a:off x="937729" y="1839301"/>
+            <a:ext cx="7143750" cy="3928802"/>
+          </a:xfrm>
+          <a:prstGeom prst="rect">
+            <a:avLst/>
+          </a:prstGeom>
+          <a:noFill/>
+          <a:ln w="9525">
+            <a:noFill/>
+            <a:miter lim="800000"/>
+            <a:headEnd/>
+            <a:tailEnd/>
+          </a:ln>
+        </p:spPr>
+      </p:pic>
+      <p:sp>
+        <p:nvSpPr>
+          <p:cNvPr id="7" name="Titre 3"/>
+          <p:cNvSpPr txBox="1">
+            <a:spLocks/>
+          </p:cNvSpPr>
+          <p:nvPr/>
+        </p:nvSpPr>
+        <p:spPr bwMode="auto">
+          <a:xfrm>
+            <a:off x="609600" y="1132015"/>
+            <a:ext cx="8229600" cy="626997"/>
+          </a:xfrm>
+          <a:prstGeom prst="rect">
+            <a:avLst/>
+          </a:prstGeom>
+          <a:noFill/>
+          <a:ln w="9525">
+            <a:noFill/>
+            <a:miter lim="800000"/>
+            <a:headEnd/>
+            <a:tailEnd/>
+          </a:ln>
+        </p:spPr>
+        <p:txBody>
+          <a:bodyPr vert="horz" wrap="square" lIns="91440" tIns="45720" rIns="91440" bIns="45720" numCol="1" anchor="ctr" anchorCtr="0" compatLnSpc="1">
+            <a:prstTxWarp prst="textNoShape">
+              <a:avLst/>
+            </a:prstTxWarp>
+          </a:bodyPr>
+          <a:lstStyle/>
+          <a:p>
+            <a:pPr lvl="0" fontAlgn="base">
+              <a:spcBef>
+                <a:spcPct val="0"/>
+              </a:spcBef>
+              <a:spcAft>
+                <a:spcPct val="0"/>
+              </a:spcAft>
+              <a:defRPr/>
+            </a:pPr>
+            <a:r>
+              <a:rPr lang="fr-FR" sz="3600" dirty="0" smtClean="0">
+                <a:latin typeface="+mj-lt"/>
+                <a:ea typeface="ＭＳ Ｐゴシック" charset="-128"/>
+                <a:cs typeface="ＭＳ Ｐゴシック" charset="-128"/>
+              </a:rPr>
+              <a:t>Démonstration</a:t>
+            </a:r>
+            <a:endParaRPr kumimoji="0" lang="fr-FR" sz="3600" b="0" i="0" u="none" strike="noStrike" kern="1200" cap="none" spc="0" normalizeH="0" baseline="0" noProof="0" dirty="0">
+              <a:ln>
+                <a:noFill/>
+              </a:ln>
+              <a:effectLst/>
+              <a:uLnTx/>
+              <a:uFillTx/>
+              <a:latin typeface="+mj-lt"/>
+              <a:ea typeface="ＭＳ Ｐゴシック" charset="-128"/>
+              <a:cs typeface="ＭＳ Ｐゴシック" charset="-128"/>
             </a:endParaRPr>
           </a:p>
         </p:txBody>
@@ -4250,7 +4392,7 @@
                   <a:schemeClr val="bg1"/>
                 </a:solidFill>
               </a:rPr>
-              <a:t>Windows Phone 7 </a:t>
+              <a:t>Windows Phone </a:t>
             </a:r>
             <a:r>
               <a:rPr lang="fr-FR" dirty="0" smtClean="0">
@@ -4258,7 +4400,7 @@
                   <a:schemeClr val="bg1"/>
                 </a:solidFill>
               </a:rPr>
-              <a:t>Spécifications</a:t>
+              <a:t>7</a:t>
             </a:r>
             <a:endParaRPr lang="fr-FR" dirty="0">
               <a:solidFill>
@@ -4270,7 +4412,7 @@
       </p:sp>
       <p:sp>
         <p:nvSpPr>
-          <p:cNvPr id="8" name="Espace réservé du contenu 7"/>
+          <p:cNvPr id="5" name="Espace réservé du contenu 7"/>
           <p:cNvSpPr>
             <a:spLocks noGrp="1"/>
           </p:cNvSpPr>
@@ -4280,18 +4422,81 @@
         </p:nvSpPr>
         <p:spPr>
           <a:xfrm>
-            <a:off x="457200" y="1068224"/>
-            <a:ext cx="8229600" cy="5170206"/>
+            <a:off x="457200" y="1905712"/>
+            <a:ext cx="8229600" cy="4320000"/>
           </a:xfrm>
         </p:spPr>
         <p:txBody>
           <a:bodyPr/>
           <a:lstStyle/>
           <a:p>
-            <a:endParaRPr lang="fr-FR" sz="2000" dirty="0" smtClean="0">
+            <a:endParaRPr lang="fr-FR" sz="2400" dirty="0" smtClean="0">
               <a:solidFill>
                 <a:schemeClr val="accent5"/>
               </a:solidFill>
+            </a:endParaRPr>
+          </a:p>
+        </p:txBody>
+      </p:sp>
+      <p:sp>
+        <p:nvSpPr>
+          <p:cNvPr id="6" name="Titre 3"/>
+          <p:cNvSpPr txBox="1">
+            <a:spLocks/>
+          </p:cNvSpPr>
+          <p:nvPr/>
+        </p:nvSpPr>
+        <p:spPr bwMode="auto">
+          <a:xfrm>
+            <a:off x="609600" y="1132015"/>
+            <a:ext cx="8229600" cy="626997"/>
+          </a:xfrm>
+          <a:prstGeom prst="rect">
+            <a:avLst/>
+          </a:prstGeom>
+          <a:noFill/>
+          <a:ln w="9525">
+            <a:noFill/>
+            <a:miter lim="800000"/>
+            <a:headEnd/>
+            <a:tailEnd/>
+          </a:ln>
+        </p:spPr>
+        <p:txBody>
+          <a:bodyPr vert="horz" wrap="square" lIns="91440" tIns="45720" rIns="91440" bIns="45720" numCol="1" anchor="ctr" anchorCtr="0" compatLnSpc="1">
+            <a:prstTxWarp prst="textNoShape">
+              <a:avLst/>
+            </a:prstTxWarp>
+          </a:bodyPr>
+          <a:lstStyle/>
+          <a:p>
+            <a:pPr lvl="0" fontAlgn="base">
+              <a:spcBef>
+                <a:spcPct val="0"/>
+              </a:spcBef>
+              <a:spcAft>
+                <a:spcPct val="0"/>
+              </a:spcAft>
+              <a:defRPr/>
+            </a:pPr>
+            <a:r>
+              <a:rPr lang="fr-FR" sz="3600" dirty="0" smtClean="0">
+                <a:latin typeface="+mj-lt"/>
+                <a:ea typeface="ＭＳ Ｐゴシック" charset="-128"/>
+                <a:cs typeface="ＭＳ Ｐゴシック" charset="-128"/>
+              </a:rPr>
+              <a:t>Spécifications</a:t>
+            </a:r>
+            <a:endParaRPr kumimoji="0" lang="fr-FR" sz="3600" b="0" i="0" u="none" strike="noStrike" kern="1200" cap="none" spc="0" normalizeH="0" baseline="0" noProof="0" dirty="0">
+              <a:ln>
+                <a:noFill/>
+              </a:ln>
+              <a:effectLst/>
+              <a:uLnTx/>
+              <a:uFillTx/>
+              <a:latin typeface="+mj-lt"/>
+              <a:ea typeface="ＭＳ Ｐゴシック" charset="-128"/>
+              <a:cs typeface="ＭＳ Ｐゴシック" charset="-128"/>
             </a:endParaRPr>
           </a:p>
         </p:txBody>
@@ -4355,7 +4560,15 @@
                   <a:schemeClr val="bg1"/>
                 </a:solidFill>
               </a:rPr>
-              <a:t>Windows Phone 7 Démonstration</a:t>
+              <a:t>Windows Phone </a:t>
+            </a:r>
+            <a:r>
+              <a:rPr lang="fr-FR" dirty="0" smtClean="0">
+                <a:solidFill>
+                  <a:schemeClr val="bg1"/>
+                </a:solidFill>
+              </a:rPr>
+              <a:t>7</a:t>
             </a:r>
             <a:endParaRPr lang="fr-FR" dirty="0">
               <a:solidFill>
@@ -4389,6 +4602,101 @@
               <a:solidFill>
                 <a:schemeClr val="accent5"/>
               </a:solidFill>
+            </a:endParaRPr>
+          </a:p>
+        </p:txBody>
+      </p:sp>
+      <p:pic>
+        <p:nvPicPr>
+          <p:cNvPr id="6" name="Espace réservé du contenu 11" descr="MyNetworkBulle.png"/>
+          <p:cNvPicPr>
+            <a:picLocks noChangeAspect="1"/>
+          </p:cNvPicPr>
+          <p:nvPr/>
+        </p:nvPicPr>
+        <p:blipFill>
+          <a:blip r:embed="rId2"/>
+          <a:srcRect l="-54613" r="-54613"/>
+          <a:stretch>
+            <a:fillRect/>
+          </a:stretch>
+        </p:blipFill>
+        <p:spPr bwMode="auto">
+          <a:xfrm>
+            <a:off x="937729" y="1839301"/>
+            <a:ext cx="7143750" cy="3928802"/>
+          </a:xfrm>
+          <a:prstGeom prst="rect">
+            <a:avLst/>
+          </a:prstGeom>
+          <a:noFill/>
+          <a:ln w="9525">
+            <a:noFill/>
+            <a:miter lim="800000"/>
+            <a:headEnd/>
+            <a:tailEnd/>
+          </a:ln>
+        </p:spPr>
+      </p:pic>
+      <p:sp>
+        <p:nvSpPr>
+          <p:cNvPr id="7" name="Titre 3"/>
+          <p:cNvSpPr txBox="1">
+            <a:spLocks/>
+          </p:cNvSpPr>
+          <p:nvPr/>
+        </p:nvSpPr>
+        <p:spPr bwMode="auto">
+          <a:xfrm>
+            <a:off x="609600" y="1132015"/>
+            <a:ext cx="8229600" cy="626997"/>
+          </a:xfrm>
+          <a:prstGeom prst="rect">
+            <a:avLst/>
+          </a:prstGeom>
+          <a:noFill/>
+          <a:ln w="9525">
+            <a:noFill/>
+            <a:miter lim="800000"/>
+            <a:headEnd/>
+            <a:tailEnd/>
+          </a:ln>
+        </p:spPr>
+        <p:txBody>
+          <a:bodyPr vert="horz" wrap="square" lIns="91440" tIns="45720" rIns="91440" bIns="45720" numCol="1" anchor="ctr" anchorCtr="0" compatLnSpc="1">
+            <a:prstTxWarp prst="textNoShape">
+              <a:avLst/>
+            </a:prstTxWarp>
+          </a:bodyPr>
+          <a:lstStyle/>
+          <a:p>
+            <a:pPr lvl="0" fontAlgn="base">
+              <a:spcBef>
+                <a:spcPct val="0"/>
+              </a:spcBef>
+              <a:spcAft>
+                <a:spcPct val="0"/>
+              </a:spcAft>
+              <a:defRPr/>
+            </a:pPr>
+            <a:r>
+              <a:rPr lang="fr-FR" sz="3600" dirty="0" smtClean="0">
+                <a:latin typeface="+mj-lt"/>
+                <a:ea typeface="ＭＳ Ｐゴシック" charset="-128"/>
+                <a:cs typeface="ＭＳ Ｐゴシック" charset="-128"/>
+              </a:rPr>
+              <a:t>Démonstration</a:t>
+            </a:r>
+            <a:endParaRPr kumimoji="0" lang="fr-FR" sz="3600" b="0" i="0" u="none" strike="noStrike" kern="1200" cap="none" spc="0" normalizeH="0" baseline="0" noProof="0" dirty="0">
+              <a:ln>
+                <a:noFill/>
+              </a:ln>
+              <a:effectLst/>
+              <a:uLnTx/>
+              <a:uFillTx/>
+              <a:latin typeface="+mj-lt"/>
+              <a:ea typeface="ＭＳ Ｐゴシック" charset="-128"/>
+              <a:cs typeface="ＭＳ Ｐゴシック" charset="-128"/>
             </a:endParaRPr>
           </a:p>
         </p:txBody>
@@ -5580,7 +5888,17 @@
                   <a:schemeClr val="accent5"/>
                 </a:solidFill>
               </a:rPr>
-              <a:t> </a:t>
+              <a:t> Statistique/Retours</a:t>
+            </a:r>
+          </a:p>
+          <a:p>
+            <a:r>
+              <a:rPr lang="fr-FR" sz="2000" dirty="0" err="1" smtClean="0">
+                <a:solidFill>
+                  <a:schemeClr val="accent5"/>
+                </a:solidFill>
+              </a:rPr>
+              <a:t>Silverlight</a:t>
             </a:r>
             <a:r>
               <a:rPr lang="fr-FR" sz="2000" dirty="0" smtClean="0">
@@ -5588,53 +5906,37 @@
                   <a:schemeClr val="accent5"/>
                 </a:solidFill>
               </a:rPr>
-              <a:t>Statistique/Retours</a:t>
-            </a:r>
-            <a:endParaRPr lang="fr-FR" sz="2000" dirty="0" smtClean="0">
-              <a:solidFill>
-                <a:schemeClr val="accent5"/>
-              </a:solidFill>
-            </a:endParaRPr>
-          </a:p>
-          <a:p>
-            <a:r>
-              <a:rPr lang="fr-FR" sz="2000" dirty="0" err="1" smtClean="0">
-                <a:solidFill>
-                  <a:schemeClr val="accent5"/>
-                </a:solidFill>
-              </a:rPr>
-              <a:t>Silverlight</a:t>
-            </a:r>
+              <a:t> Démonstration</a:t>
+            </a:r>
+          </a:p>
+          <a:p>
             <a:r>
               <a:rPr lang="fr-FR" sz="2000" dirty="0" smtClean="0">
                 <a:solidFill>
                   <a:schemeClr val="accent5"/>
                 </a:solidFill>
               </a:rPr>
-              <a:t> </a:t>
-            </a:r>
+              <a:t>Windows Phone 7 Spécifications</a:t>
+            </a:r>
+          </a:p>
+          <a:p>
             <a:r>
               <a:rPr lang="fr-FR" sz="2000" dirty="0" smtClean="0">
                 <a:solidFill>
                   <a:schemeClr val="accent5"/>
                 </a:solidFill>
               </a:rPr>
-              <a:t>Démonstration</a:t>
-            </a:r>
-            <a:endParaRPr lang="fr-FR" sz="2000" dirty="0" smtClean="0">
-              <a:solidFill>
-                <a:schemeClr val="accent5"/>
-              </a:solidFill>
-            </a:endParaRPr>
+              <a:t>Windows Phone 7 Démonstration</a:t>
+            </a:r>
           </a:p>
           <a:p>
             <a:r>
               <a:rPr lang="fr-FR" sz="2000" dirty="0" smtClean="0">
                 <a:solidFill>
-                  <a:schemeClr val="accent5"/>
-                </a:solidFill>
-              </a:rPr>
-              <a:t>Windows Phone 7 Spécifications</a:t>
+                  <a:schemeClr val="bg2"/>
+                </a:solidFill>
+              </a:rPr>
+              <a:t>IOS</a:t>
             </a:r>
           </a:p>
           <a:p>
@@ -5644,43 +5946,18 @@
                   <a:schemeClr val="accent5"/>
                 </a:solidFill>
               </a:rPr>
-              <a:t>Windows Phone 7 Démonstration</a:t>
+              <a:t>Bilan</a:t>
             </a:r>
           </a:p>
           <a:p>
             <a:r>
               <a:rPr lang="fr-FR" sz="2000" dirty="0" smtClean="0">
                 <a:solidFill>
-                  <a:schemeClr val="bg2"/>
-                </a:solidFill>
-              </a:rPr>
-              <a:t>IOS</a:t>
-            </a:r>
-          </a:p>
-          <a:p>
-            <a:r>
-              <a:rPr lang="fr-FR" sz="2000" dirty="0" smtClean="0">
-                <a:solidFill>
-                  <a:schemeClr val="accent5"/>
-                </a:solidFill>
-              </a:rPr>
-              <a:t>Bilan</a:t>
-            </a:r>
-          </a:p>
-          <a:p>
-            <a:r>
-              <a:rPr lang="fr-FR" sz="2000" dirty="0" smtClean="0">
-                <a:solidFill>
                   <a:schemeClr val="accent5"/>
                 </a:solidFill>
               </a:rPr>
               <a:t>Conclusion</a:t>
             </a:r>
-            <a:endParaRPr lang="fr-FR" sz="2000" dirty="0" smtClean="0">
-              <a:solidFill>
-                <a:schemeClr val="accent5"/>
-              </a:solidFill>
-            </a:endParaRPr>
           </a:p>
         </p:txBody>
       </p:sp>
@@ -5799,23 +6076,7 @@
                   <a:schemeClr val="accent5"/>
                 </a:solidFill>
               </a:rPr>
-              <a:t>Aurélien B</a:t>
-            </a:r>
-            <a:r>
-              <a:rPr lang="fr-FR" sz="2400" dirty="0" smtClean="0">
-                <a:solidFill>
-                  <a:schemeClr val="accent5"/>
-                </a:solidFill>
-              </a:rPr>
-              <a:t>É</a:t>
-            </a:r>
-            <a:r>
-              <a:rPr lang="fr-FR" sz="2400" dirty="0" smtClean="0">
-                <a:solidFill>
-                  <a:schemeClr val="accent5"/>
-                </a:solidFill>
-              </a:rPr>
-              <a:t>DUER</a:t>
+              <a:t>Aurélien BÉDUER</a:t>
             </a:r>
           </a:p>
           <a:p>
@@ -6074,15 +6335,7 @@
                   <a:schemeClr val="accent5"/>
                 </a:solidFill>
               </a:rPr>
-              <a:t> – </a:t>
-            </a:r>
-            <a:r>
-              <a:rPr lang="fr-FR" sz="2400" dirty="0" smtClean="0">
-                <a:solidFill>
-                  <a:schemeClr val="accent5"/>
-                </a:solidFill>
-              </a:rPr>
-              <a:t>50 millions de membres actifs</a:t>
+              <a:t> – 50 millions de membres actifs</a:t>
             </a:r>
           </a:p>
           <a:p>
@@ -6163,15 +6416,7 @@
                   <a:schemeClr val="accent5"/>
                 </a:solidFill>
               </a:rPr>
-              <a:t>Windows Phone 7 – </a:t>
-            </a:r>
-            <a:r>
-              <a:rPr lang="fr-FR" sz="2000" dirty="0" smtClean="0">
-                <a:solidFill>
-                  <a:schemeClr val="accent5"/>
-                </a:solidFill>
-              </a:rPr>
-              <a:t>Microsoft </a:t>
+              <a:t>Windows Phone 7 – Microsoft </a:t>
             </a:r>
             <a:r>
               <a:rPr lang="fr-FR" sz="2000" dirty="0" err="1" smtClean="0">
@@ -6249,11 +6494,6 @@
               </a:rPr>
               <a:t>,…</a:t>
             </a:r>
-            <a:endParaRPr lang="fr-FR" sz="2400" dirty="0" smtClean="0">
-              <a:solidFill>
-                <a:schemeClr val="accent5"/>
-              </a:solidFill>
-            </a:endParaRPr>
           </a:p>
         </p:txBody>
       </p:sp>
@@ -6423,33 +6663,17 @@
                   <a:schemeClr val="accent5"/>
                 </a:solidFill>
               </a:rPr>
-              <a:t>Moins d'une dizaine d'acteur sur le </a:t>
-            </a:r>
+              <a:t>Moins d'une dizaine d'acteur sur le marché</a:t>
+            </a:r>
+          </a:p>
+          <a:p>
             <a:r>
               <a:rPr lang="fr-FR" sz="2400" dirty="0" smtClean="0">
                 <a:solidFill>
                   <a:schemeClr val="accent5"/>
                 </a:solidFill>
               </a:rPr>
-              <a:t>marché</a:t>
-            </a:r>
-          </a:p>
-          <a:p>
-            <a:r>
-              <a:rPr lang="fr-FR" sz="2400" dirty="0" smtClean="0">
-                <a:solidFill>
-                  <a:schemeClr val="accent5"/>
-                </a:solidFill>
-              </a:rPr>
-              <a:t>Les plus utilisé </a:t>
-            </a:r>
-            <a:r>
-              <a:rPr lang="fr-FR" sz="2400" dirty="0" smtClean="0">
-                <a:solidFill>
-                  <a:schemeClr val="accent5"/>
-                </a:solidFill>
-              </a:rPr>
-              <a:t>alliant les deux réseau: </a:t>
+              <a:t>Les plus utilisé alliant les deux réseau: </a:t>
             </a:r>
           </a:p>
           <a:p>
@@ -6468,7 +6692,15 @@
                   <a:schemeClr val="accent5"/>
                 </a:solidFill>
               </a:rPr>
-              <a:t> </a:t>
+              <a:t> – </a:t>
+            </a:r>
+            <a:r>
+              <a:rPr lang="fr-FR" sz="2000" dirty="0" err="1" smtClean="0">
+                <a:solidFill>
+                  <a:schemeClr val="accent5"/>
+                </a:solidFill>
+              </a:rPr>
+              <a:t>Twitter</a:t>
             </a:r>
             <a:r>
               <a:rPr lang="fr-FR" sz="2000" dirty="0" smtClean="0">
@@ -6476,7 +6708,15 @@
                   <a:schemeClr val="accent5"/>
                 </a:solidFill>
               </a:rPr>
-              <a:t>–</a:t>
+              <a:t>, </a:t>
+            </a:r>
+            <a:r>
+              <a:rPr lang="fr-FR" sz="2000" dirty="0" err="1" smtClean="0">
+                <a:solidFill>
+                  <a:schemeClr val="accent5"/>
+                </a:solidFill>
+              </a:rPr>
+              <a:t>Facebook</a:t>
             </a:r>
             <a:r>
               <a:rPr lang="fr-FR" sz="2000" dirty="0" smtClean="0">
@@ -6484,7 +6724,7 @@
                   <a:schemeClr val="accent5"/>
                 </a:solidFill>
               </a:rPr>
-              <a:t> </a:t>
+              <a:t> – PC/Mac/Linux (</a:t>
             </a:r>
             <a:r>
               <a:rPr lang="fr-FR" sz="2000" dirty="0" err="1" smtClean="0">
@@ -6492,6 +6732,73 @@
                   <a:schemeClr val="accent5"/>
                 </a:solidFill>
               </a:rPr>
+              <a:t>Silverlight</a:t>
+            </a:r>
+            <a:r>
+              <a:rPr lang="fr-FR" sz="2000" dirty="0" smtClean="0">
+                <a:solidFill>
+                  <a:schemeClr val="accent5"/>
+                </a:solidFill>
+              </a:rPr>
+              <a:t>), </a:t>
+            </a:r>
+            <a:r>
+              <a:rPr lang="fr-FR" sz="2000" dirty="0" err="1" smtClean="0">
+                <a:solidFill>
+                  <a:schemeClr val="accent5"/>
+                </a:solidFill>
+              </a:rPr>
+              <a:t>Android</a:t>
+            </a:r>
+            <a:r>
+              <a:rPr lang="fr-FR" sz="2000" dirty="0" smtClean="0">
+                <a:solidFill>
+                  <a:schemeClr val="accent5"/>
+                </a:solidFill>
+              </a:rPr>
+              <a:t>, </a:t>
+            </a:r>
+            <a:r>
+              <a:rPr lang="fr-FR" sz="2000" dirty="0" err="1" smtClean="0">
+                <a:solidFill>
+                  <a:schemeClr val="accent5"/>
+                </a:solidFill>
+              </a:rPr>
+              <a:t>iPhone</a:t>
+            </a:r>
+            <a:r>
+              <a:rPr lang="fr-FR" sz="2000" dirty="0" smtClean="0">
+                <a:solidFill>
+                  <a:schemeClr val="accent5"/>
+                </a:solidFill>
+              </a:rPr>
+              <a:t>, WP7</a:t>
+            </a:r>
+          </a:p>
+          <a:p>
+            <a:pPr lvl="1"/>
+            <a:r>
+              <a:rPr lang="fr-FR" sz="2000" b="1" dirty="0" err="1" smtClean="0">
+                <a:solidFill>
+                  <a:schemeClr val="accent5"/>
+                </a:solidFill>
+              </a:rPr>
+              <a:t>TweetDeck</a:t>
+            </a:r>
+            <a:r>
+              <a:rPr lang="fr-FR" sz="2000" dirty="0" smtClean="0">
+                <a:solidFill>
+                  <a:schemeClr val="accent5"/>
+                </a:solidFill>
+              </a:rPr>
+              <a:t> – </a:t>
+            </a:r>
+            <a:r>
+              <a:rPr lang="fr-FR" sz="2000" dirty="0" err="1" smtClean="0">
+                <a:solidFill>
+                  <a:schemeClr val="accent5"/>
+                </a:solidFill>
+              </a:rPr>
               <a:t>Twitter</a:t>
             </a:r>
             <a:r>
@@ -6516,154 +6823,7 @@
                   <a:schemeClr val="accent5"/>
                 </a:solidFill>
               </a:rPr>
-              <a:t> –</a:t>
-            </a:r>
-            <a:r>
-              <a:rPr lang="fr-FR" sz="2000" dirty="0" smtClean="0">
-                <a:solidFill>
-                  <a:schemeClr val="accent5"/>
-                </a:solidFill>
-              </a:rPr>
-              <a:t> </a:t>
-            </a:r>
-            <a:r>
-              <a:rPr lang="fr-FR" sz="2000" dirty="0" smtClean="0">
-                <a:solidFill>
-                  <a:schemeClr val="accent5"/>
-                </a:solidFill>
-              </a:rPr>
-              <a:t>PC/Mac/Linux (</a:t>
-            </a:r>
-            <a:r>
-              <a:rPr lang="fr-FR" sz="2000" dirty="0" err="1" smtClean="0">
-                <a:solidFill>
-                  <a:schemeClr val="accent5"/>
-                </a:solidFill>
-              </a:rPr>
-              <a:t>Silverlight</a:t>
-            </a:r>
-            <a:r>
-              <a:rPr lang="fr-FR" sz="2000" dirty="0" smtClean="0">
-                <a:solidFill>
-                  <a:schemeClr val="accent5"/>
-                </a:solidFill>
-              </a:rPr>
-              <a:t>), </a:t>
-            </a:r>
-            <a:r>
-              <a:rPr lang="fr-FR" sz="2000" dirty="0" err="1" smtClean="0">
-                <a:solidFill>
-                  <a:schemeClr val="accent5"/>
-                </a:solidFill>
-              </a:rPr>
-              <a:t>Android</a:t>
-            </a:r>
-            <a:r>
-              <a:rPr lang="fr-FR" sz="2000" dirty="0" smtClean="0">
-                <a:solidFill>
-                  <a:schemeClr val="accent5"/>
-                </a:solidFill>
-              </a:rPr>
-              <a:t>, </a:t>
-            </a:r>
-            <a:r>
-              <a:rPr lang="fr-FR" sz="2000" dirty="0" err="1" smtClean="0">
-                <a:solidFill>
-                  <a:schemeClr val="accent5"/>
-                </a:solidFill>
-              </a:rPr>
-              <a:t>iPhone</a:t>
-            </a:r>
-            <a:r>
-              <a:rPr lang="fr-FR" sz="2000" dirty="0" smtClean="0">
-                <a:solidFill>
-                  <a:schemeClr val="accent5"/>
-                </a:solidFill>
-              </a:rPr>
-              <a:t>, </a:t>
-            </a:r>
-            <a:r>
-              <a:rPr lang="fr-FR" sz="2000" dirty="0" smtClean="0">
-                <a:solidFill>
-                  <a:schemeClr val="accent5"/>
-                </a:solidFill>
-              </a:rPr>
-              <a:t>WP7</a:t>
-            </a:r>
-          </a:p>
-          <a:p>
-            <a:pPr lvl="1"/>
-            <a:r>
-              <a:rPr lang="fr-FR" sz="2000" b="1" dirty="0" err="1" smtClean="0">
-                <a:solidFill>
-                  <a:schemeClr val="accent5"/>
-                </a:solidFill>
-              </a:rPr>
-              <a:t>TweetDeck</a:t>
-            </a:r>
-            <a:r>
-              <a:rPr lang="fr-FR" sz="2000" dirty="0" smtClean="0">
-                <a:solidFill>
-                  <a:schemeClr val="accent5"/>
-                </a:solidFill>
-              </a:rPr>
-              <a:t> –</a:t>
-            </a:r>
-            <a:r>
-              <a:rPr lang="fr-FR" sz="2000" dirty="0" smtClean="0">
-                <a:solidFill>
-                  <a:schemeClr val="accent5"/>
-                </a:solidFill>
-              </a:rPr>
-              <a:t> </a:t>
-            </a:r>
-            <a:r>
-              <a:rPr lang="fr-FR" sz="2000" dirty="0" err="1" smtClean="0">
-                <a:solidFill>
-                  <a:schemeClr val="accent5"/>
-                </a:solidFill>
-              </a:rPr>
-              <a:t>Twitter</a:t>
-            </a:r>
-            <a:r>
-              <a:rPr lang="fr-FR" sz="2000" dirty="0" smtClean="0">
-                <a:solidFill>
-                  <a:schemeClr val="accent5"/>
-                </a:solidFill>
-              </a:rPr>
-              <a:t>, </a:t>
-            </a:r>
-            <a:r>
-              <a:rPr lang="fr-FR" sz="2000" dirty="0" err="1" smtClean="0">
-                <a:solidFill>
-                  <a:schemeClr val="accent5"/>
-                </a:solidFill>
-              </a:rPr>
-              <a:t>Facebook</a:t>
-            </a:r>
-            <a:r>
-              <a:rPr lang="fr-FR" sz="2000" dirty="0" smtClean="0">
-                <a:solidFill>
-                  <a:schemeClr val="accent5"/>
-                </a:solidFill>
-              </a:rPr>
-              <a:t> –</a:t>
-            </a:r>
-            <a:r>
-              <a:rPr lang="fr-FR" sz="2000" dirty="0" smtClean="0">
-                <a:solidFill>
-                  <a:schemeClr val="accent5"/>
-                </a:solidFill>
-              </a:rPr>
-              <a:t> </a:t>
-            </a:r>
-            <a:r>
-              <a:rPr lang="fr-FR" sz="2000" dirty="0" smtClean="0">
-                <a:solidFill>
-                  <a:schemeClr val="accent5"/>
-                </a:solidFill>
-              </a:rPr>
-              <a:t>PC/Mac/Linux (Adobe Air ou Chrome </a:t>
+              <a:t> – PC/Mac/Linux (Adobe Air ou Chrome </a:t>
             </a:r>
             <a:r>
               <a:rPr lang="fr-FR" sz="2000" dirty="0" err="1" smtClean="0">
@@ -6718,15 +6878,7 @@
                   <a:schemeClr val="accent5"/>
                 </a:solidFill>
               </a:rPr>
-              <a:t>Les gros acteur </a:t>
-            </a:r>
-            <a:r>
-              <a:rPr lang="fr-FR" sz="2400" dirty="0" smtClean="0">
-                <a:solidFill>
-                  <a:schemeClr val="accent5"/>
-                </a:solidFill>
-              </a:rPr>
-              <a:t>gérant un seul des réseau:</a:t>
+              <a:t>Les gros acteur gérant un seul des réseau:</a:t>
             </a:r>
           </a:p>
           <a:p>
@@ -6745,31 +6897,7 @@
                   <a:schemeClr val="accent5"/>
                 </a:solidFill>
               </a:rPr>
-              <a:t> –</a:t>
-            </a:r>
-            <a:r>
-              <a:rPr lang="fr-FR" sz="2000" dirty="0" smtClean="0">
-                <a:solidFill>
-                  <a:schemeClr val="accent5"/>
-                </a:solidFill>
-              </a:rPr>
-              <a:t> Tout </a:t>
-            </a:r>
-            <a:r>
-              <a:rPr lang="fr-FR" sz="2000" dirty="0" smtClean="0">
-                <a:solidFill>
-                  <a:schemeClr val="accent5"/>
-                </a:solidFill>
-              </a:rPr>
-              <a:t>les </a:t>
-            </a:r>
-            <a:r>
-              <a:rPr lang="fr-FR" sz="2000" dirty="0" smtClean="0">
-                <a:solidFill>
-                  <a:schemeClr val="accent5"/>
-                </a:solidFill>
-              </a:rPr>
-              <a:t>supports</a:t>
+              <a:t> – Tout les supports</a:t>
             </a:r>
           </a:p>
           <a:p>
@@ -6828,7 +6956,15 @@
                   <a:schemeClr val="accent5"/>
                 </a:solidFill>
               </a:rPr>
-              <a:t> –</a:t>
+              <a:t> – </a:t>
+            </a:r>
+            <a:r>
+              <a:rPr lang="fr-FR" sz="2000" dirty="0" err="1" smtClean="0">
+                <a:solidFill>
+                  <a:schemeClr val="accent5"/>
+                </a:solidFill>
+              </a:rPr>
+              <a:t>Facebook</a:t>
             </a:r>
             <a:r>
               <a:rPr lang="fr-FR" sz="2000" dirty="0" smtClean="0">
@@ -6836,7 +6972,7 @@
                   <a:schemeClr val="accent5"/>
                 </a:solidFill>
               </a:rPr>
-              <a:t> </a:t>
+              <a:t> – </a:t>
             </a:r>
             <a:r>
               <a:rPr lang="fr-FR" sz="2000" dirty="0" err="1" smtClean="0">
@@ -6844,7 +6980,7 @@
                   <a:schemeClr val="accent5"/>
                 </a:solidFill>
               </a:rPr>
-              <a:t>Facebook</a:t>
+              <a:t>Silverlight</a:t>
             </a:r>
             <a:r>
               <a:rPr lang="fr-FR" sz="2000" dirty="0" smtClean="0">
@@ -6852,37 +6988,8 @@
                   <a:schemeClr val="accent5"/>
                 </a:solidFill>
               </a:rPr>
-              <a:t> –</a:t>
-            </a:r>
-            <a:r>
-              <a:rPr lang="fr-FR" sz="2000" dirty="0" smtClean="0">
-                <a:solidFill>
-                  <a:schemeClr val="accent5"/>
-                </a:solidFill>
-              </a:rPr>
-              <a:t> </a:t>
-            </a:r>
-            <a:r>
-              <a:rPr lang="fr-FR" sz="2000" dirty="0" err="1" smtClean="0">
-                <a:solidFill>
-                  <a:schemeClr val="accent5"/>
-                </a:solidFill>
-              </a:rPr>
-              <a:t>Silverlight</a:t>
-            </a:r>
-            <a:r>
-              <a:rPr lang="fr-FR" sz="2000" dirty="0" smtClean="0">
-                <a:solidFill>
-                  <a:schemeClr val="accent5"/>
-                </a:solidFill>
-              </a:rPr>
               <a:t> et WP7</a:t>
             </a:r>
-            <a:endParaRPr lang="fr-FR" sz="2000" dirty="0" smtClean="0">
-              <a:solidFill>
-                <a:schemeClr val="accent5"/>
-              </a:solidFill>
-            </a:endParaRPr>
           </a:p>
         </p:txBody>
       </p:sp>
@@ -6947,14 +7054,6 @@
               </a:rPr>
               <a:t>Android</a:t>
             </a:r>
-            <a:r>
-              <a:rPr lang="fr-FR" dirty="0" smtClean="0">
-                <a:solidFill>
-                  <a:schemeClr val="bg1"/>
-                </a:solidFill>
-              </a:rPr>
-              <a:t> Spécifications</a:t>
-            </a:r>
             <a:endParaRPr lang="fr-FR" dirty="0">
               <a:solidFill>
                 <a:schemeClr val="bg1"/>
@@ -6975,18 +7074,183 @@
         </p:nvSpPr>
         <p:spPr>
           <a:xfrm>
-            <a:off x="457200" y="1068224"/>
-            <a:ext cx="8229600" cy="5170206"/>
+            <a:off x="457200" y="1905712"/>
+            <a:ext cx="8229600" cy="4320000"/>
           </a:xfrm>
         </p:spPr>
         <p:txBody>
           <a:bodyPr/>
           <a:lstStyle/>
           <a:p>
-            <a:endParaRPr lang="fr-FR" sz="2000" dirty="0" smtClean="0">
+            <a:r>
+              <a:rPr lang="fr-FR" sz="2400" dirty="0" smtClean="0">
+                <a:solidFill>
+                  <a:schemeClr val="accent5"/>
+                </a:solidFill>
+              </a:rPr>
+              <a:t>Fils d’actualités, liste d’amis des compte fusionné</a:t>
+            </a:r>
+          </a:p>
+          <a:p>
+            <a:r>
+              <a:rPr lang="fr-FR" sz="2400" dirty="0" smtClean="0">
+                <a:solidFill>
+                  <a:schemeClr val="accent5"/>
+                </a:solidFill>
+              </a:rPr>
+              <a:t>Post de statut multi comptes</a:t>
+            </a:r>
+          </a:p>
+          <a:p>
+            <a:r>
+              <a:rPr lang="fr-FR" sz="2400" dirty="0" smtClean="0">
+                <a:solidFill>
+                  <a:schemeClr val="accent5"/>
+                </a:solidFill>
+              </a:rPr>
+              <a:t>Chat </a:t>
+            </a:r>
+            <a:r>
+              <a:rPr lang="fr-FR" sz="2400" dirty="0" err="1" smtClean="0">
+                <a:solidFill>
+                  <a:schemeClr val="accent5"/>
+                </a:solidFill>
+              </a:rPr>
+              <a:t>Facebook</a:t>
+            </a:r>
+            <a:endParaRPr lang="fr-FR" sz="2400" dirty="0" smtClean="0">
               <a:solidFill>
                 <a:schemeClr val="accent5"/>
               </a:solidFill>
+            </a:endParaRPr>
+          </a:p>
+          <a:p>
+            <a:r>
+              <a:rPr lang="fr-FR" sz="2400" dirty="0" smtClean="0">
+                <a:solidFill>
+                  <a:schemeClr val="accent5"/>
+                </a:solidFill>
+              </a:rPr>
+              <a:t>Recherche &amp; Trends </a:t>
+            </a:r>
+            <a:r>
+              <a:rPr lang="fr-FR" sz="2400" dirty="0" err="1" smtClean="0">
+                <a:solidFill>
+                  <a:schemeClr val="accent5"/>
+                </a:solidFill>
+              </a:rPr>
+              <a:t>Twitter</a:t>
+            </a:r>
+            <a:endParaRPr lang="fr-FR" sz="2400" dirty="0" smtClean="0">
+              <a:solidFill>
+                <a:schemeClr val="accent5"/>
+              </a:solidFill>
+            </a:endParaRPr>
+          </a:p>
+          <a:p>
+            <a:r>
+              <a:rPr lang="fr-FR" sz="2400" dirty="0" smtClean="0">
+                <a:solidFill>
+                  <a:schemeClr val="accent5"/>
+                </a:solidFill>
+              </a:rPr>
+              <a:t>Affichage des profils des amis avec photo, vidéo, info, mur</a:t>
+            </a:r>
+          </a:p>
+          <a:p>
+            <a:r>
+              <a:rPr lang="fr-FR" sz="2400" dirty="0" smtClean="0">
+                <a:solidFill>
+                  <a:schemeClr val="accent5"/>
+                </a:solidFill>
+              </a:rPr>
+              <a:t>Notifications</a:t>
+            </a:r>
+          </a:p>
+          <a:p>
+            <a:r>
+              <a:rPr lang="fr-FR" sz="2400" dirty="0" err="1" smtClean="0">
+                <a:solidFill>
+                  <a:schemeClr val="accent5"/>
+                </a:solidFill>
+              </a:rPr>
+              <a:t>Retweet</a:t>
+            </a:r>
+            <a:r>
+              <a:rPr lang="fr-FR" sz="2400" dirty="0" smtClean="0">
+                <a:solidFill>
+                  <a:schemeClr val="accent5"/>
+                </a:solidFill>
+              </a:rPr>
+              <a:t> et comment</a:t>
+            </a:r>
+            <a:endParaRPr lang="fr-FR" sz="2400" dirty="0" smtClean="0">
+              <a:solidFill>
+                <a:schemeClr val="accent5"/>
+              </a:solidFill>
+            </a:endParaRPr>
+          </a:p>
+        </p:txBody>
+      </p:sp>
+      <p:sp>
+        <p:nvSpPr>
+          <p:cNvPr id="5" name="Titre 3"/>
+          <p:cNvSpPr txBox="1">
+            <a:spLocks/>
+          </p:cNvSpPr>
+          <p:nvPr/>
+        </p:nvSpPr>
+        <p:spPr bwMode="auto">
+          <a:xfrm>
+            <a:off x="609600" y="1132015"/>
+            <a:ext cx="8229600" cy="626997"/>
+          </a:xfrm>
+          <a:prstGeom prst="rect">
+            <a:avLst/>
+          </a:prstGeom>
+          <a:noFill/>
+          <a:ln w="9525">
+            <a:noFill/>
+            <a:miter lim="800000"/>
+            <a:headEnd/>
+            <a:tailEnd/>
+          </a:ln>
+        </p:spPr>
+        <p:txBody>
+          <a:bodyPr vert="horz" wrap="square" lIns="91440" tIns="45720" rIns="91440" bIns="45720" numCol="1" anchor="ctr" anchorCtr="0" compatLnSpc="1">
+            <a:prstTxWarp prst="textNoShape">
+              <a:avLst/>
+            </a:prstTxWarp>
+          </a:bodyPr>
+          <a:lstStyle/>
+          <a:p>
+            <a:pPr lvl="0" fontAlgn="base">
+              <a:spcBef>
+                <a:spcPct val="0"/>
+              </a:spcBef>
+              <a:spcAft>
+                <a:spcPct val="0"/>
+              </a:spcAft>
+              <a:defRPr/>
+            </a:pPr>
+            <a:r>
+              <a:rPr lang="fr-FR" sz="3600" dirty="0" smtClean="0">
+                <a:latin typeface="+mj-lt"/>
+                <a:ea typeface="ＭＳ Ｐゴシック" charset="-128"/>
+                <a:cs typeface="ＭＳ Ｐゴシック" charset="-128"/>
+              </a:rPr>
+              <a:t>Spécifications</a:t>
+            </a:r>
+            <a:endParaRPr kumimoji="0" lang="fr-FR" sz="3600" b="0" i="0" u="none" strike="noStrike" kern="1200" cap="none" spc="0" normalizeH="0" baseline="0" noProof="0" dirty="0">
+              <a:ln>
+                <a:noFill/>
+              </a:ln>
+              <a:effectLst/>
+              <a:uLnTx/>
+              <a:uFillTx/>
+              <a:latin typeface="+mj-lt"/>
+              <a:ea typeface="ＭＳ Ｐゴシック" charset="-128"/>
+              <a:cs typeface="ＭＳ Ｐゴシック" charset="-128"/>
             </a:endParaRPr>
           </a:p>
         </p:txBody>
@@ -7052,22 +7316,6 @@
               </a:rPr>
               <a:t>Android</a:t>
             </a:r>
-            <a:r>
-              <a:rPr lang="fr-FR" dirty="0" smtClean="0">
-                <a:solidFill>
-                  <a:schemeClr val="bg1"/>
-                </a:solidFill>
-              </a:rPr>
-              <a:t> </a:t>
-            </a:r>
-            <a:r>
-              <a:rPr lang="fr-FR" dirty="0" smtClean="0">
-                <a:solidFill>
-                  <a:schemeClr val="bg1"/>
-                </a:solidFill>
-              </a:rPr>
-              <a:t>Statistiques/Retours</a:t>
-            </a:r>
             <a:endParaRPr lang="fr-FR" dirty="0">
               <a:solidFill>
                 <a:schemeClr val="bg1"/>
@@ -7078,7 +7326,7 @@
       </p:sp>
       <p:sp>
         <p:nvSpPr>
-          <p:cNvPr id="8" name="Espace réservé du contenu 7"/>
+          <p:cNvPr id="7" name="Espace réservé du contenu 7"/>
           <p:cNvSpPr>
             <a:spLocks noGrp="1"/>
           </p:cNvSpPr>
@@ -7088,18 +7336,131 @@
         </p:nvSpPr>
         <p:spPr>
           <a:xfrm>
-            <a:off x="457200" y="1068224"/>
-            <a:ext cx="8229600" cy="5170206"/>
+            <a:off x="457200" y="1905712"/>
+            <a:ext cx="8229600" cy="4320000"/>
           </a:xfrm>
         </p:spPr>
         <p:txBody>
           <a:bodyPr/>
           <a:lstStyle/>
           <a:p>
-            <a:endParaRPr lang="fr-FR" sz="2000" dirty="0" smtClean="0">
+            <a:r>
+              <a:rPr lang="fr-FR" sz="2400" dirty="0" smtClean="0">
+                <a:solidFill>
+                  <a:schemeClr val="accent5"/>
+                </a:solidFill>
+              </a:rPr>
+              <a:t>+ de 4 000 téléchargement</a:t>
+            </a:r>
+          </a:p>
+          <a:p>
+            <a:r>
+              <a:rPr lang="fr-FR" sz="2400" dirty="0" smtClean="0">
+                <a:solidFill>
+                  <a:schemeClr val="accent5"/>
+                </a:solidFill>
+              </a:rPr>
+              <a:t>XXXX actions (a voir avec le </a:t>
+            </a:r>
+            <a:r>
+              <a:rPr lang="fr-FR" sz="2400" dirty="0" err="1" smtClean="0">
+                <a:solidFill>
+                  <a:schemeClr val="accent5"/>
+                </a:solidFill>
+              </a:rPr>
+              <a:t>google</a:t>
+            </a:r>
+            <a:r>
+              <a:rPr lang="fr-FR" sz="2400" dirty="0" smtClean="0">
+                <a:solidFill>
+                  <a:schemeClr val="accent5"/>
+                </a:solidFill>
+              </a:rPr>
+              <a:t> </a:t>
+            </a:r>
+            <a:r>
+              <a:rPr lang="fr-FR" sz="2400" dirty="0" err="1" smtClean="0">
+                <a:solidFill>
+                  <a:schemeClr val="accent5"/>
+                </a:solidFill>
+              </a:rPr>
+              <a:t>analytics</a:t>
+            </a:r>
+            <a:r>
+              <a:rPr lang="fr-FR" sz="2400" dirty="0" smtClean="0">
+                <a:solidFill>
+                  <a:schemeClr val="accent5"/>
+                </a:solidFill>
+              </a:rPr>
+              <a:t>)</a:t>
+            </a:r>
+            <a:endParaRPr lang="fr-FR" sz="2400" dirty="0" smtClean="0">
               <a:solidFill>
                 <a:schemeClr val="accent5"/>
               </a:solidFill>
+            </a:endParaRPr>
+          </a:p>
+        </p:txBody>
+      </p:sp>
+      <p:sp>
+        <p:nvSpPr>
+          <p:cNvPr id="9" name="Titre 3"/>
+          <p:cNvSpPr txBox="1">
+            <a:spLocks/>
+          </p:cNvSpPr>
+          <p:nvPr/>
+        </p:nvSpPr>
+        <p:spPr bwMode="auto">
+          <a:xfrm>
+            <a:off x="609600" y="1132015"/>
+            <a:ext cx="8229600" cy="626997"/>
+          </a:xfrm>
+          <a:prstGeom prst="rect">
+            <a:avLst/>
+          </a:prstGeom>
+          <a:noFill/>
+          <a:ln w="9525">
+            <a:noFill/>
+            <a:miter lim="800000"/>
+            <a:headEnd/>
+            <a:tailEnd/>
+          </a:ln>
+        </p:spPr>
+        <p:txBody>
+          <a:bodyPr vert="horz" wrap="square" lIns="91440" tIns="45720" rIns="91440" bIns="45720" numCol="1" anchor="ctr" anchorCtr="0" compatLnSpc="1">
+            <a:prstTxWarp prst="textNoShape">
+              <a:avLst/>
+            </a:prstTxWarp>
+          </a:bodyPr>
+          <a:lstStyle/>
+          <a:p>
+            <a:pPr lvl="0" fontAlgn="base">
+              <a:spcBef>
+                <a:spcPct val="0"/>
+              </a:spcBef>
+              <a:spcAft>
+                <a:spcPct val="0"/>
+              </a:spcAft>
+              <a:defRPr/>
+            </a:pPr>
+            <a:r>
+              <a:rPr lang="fr-FR" sz="3600" dirty="0" smtClean="0">
+                <a:latin typeface="+mj-lt"/>
+                <a:ea typeface="ＭＳ Ｐゴシック" charset="-128"/>
+                <a:cs typeface="ＭＳ Ｐゴシック" charset="-128"/>
+              </a:rPr>
+              <a:t>Statistiques/Retours</a:t>
+            </a:r>
+            <a:endParaRPr kumimoji="0" lang="fr-FR" sz="3600" b="0" i="0" u="none" strike="noStrike" kern="1200" cap="none" spc="0" normalizeH="0" baseline="0" noProof="0" dirty="0">
+              <a:ln>
+                <a:noFill/>
+              </a:ln>
+              <a:effectLst/>
+              <a:uLnTx/>
+              <a:uFillTx/>
+              <a:latin typeface="+mj-lt"/>
+              <a:ea typeface="ＭＳ Ｐゴシック" charset="-128"/>
+              <a:cs typeface="ＭＳ Ｐゴシック" charset="-128"/>
             </a:endParaRPr>
           </a:p>
         </p:txBody>
@@ -7165,22 +7526,6 @@
               </a:rPr>
               <a:t>Android</a:t>
             </a:r>
-            <a:r>
-              <a:rPr lang="fr-FR" dirty="0" smtClean="0">
-                <a:solidFill>
-                  <a:schemeClr val="bg1"/>
-                </a:solidFill>
-              </a:rPr>
-              <a:t> </a:t>
-            </a:r>
-            <a:r>
-              <a:rPr lang="fr-FR" dirty="0" smtClean="0">
-                <a:solidFill>
-                  <a:schemeClr val="bg1"/>
-                </a:solidFill>
-              </a:rPr>
-              <a:t>Démonstration</a:t>
-            </a:r>
             <a:endParaRPr lang="fr-FR" dirty="0">
               <a:solidFill>
                 <a:schemeClr val="bg1"/>
@@ -7213,6 +7558,101 @@
               <a:solidFill>
                 <a:schemeClr val="accent5"/>
               </a:solidFill>
+            </a:endParaRPr>
+          </a:p>
+        </p:txBody>
+      </p:sp>
+      <p:pic>
+        <p:nvPicPr>
+          <p:cNvPr id="5" name="Espace réservé du contenu 11" descr="MyNetworkBulle.png"/>
+          <p:cNvPicPr>
+            <a:picLocks noChangeAspect="1"/>
+          </p:cNvPicPr>
+          <p:nvPr/>
+        </p:nvPicPr>
+        <p:blipFill>
+          <a:blip r:embed="rId2"/>
+          <a:srcRect l="-54613" r="-54613"/>
+          <a:stretch>
+            <a:fillRect/>
+          </a:stretch>
+        </p:blipFill>
+        <p:spPr bwMode="auto">
+          <a:xfrm>
+            <a:off x="937729" y="1839301"/>
+            <a:ext cx="7143750" cy="3928802"/>
+          </a:xfrm>
+          <a:prstGeom prst="rect">
+            <a:avLst/>
+          </a:prstGeom>
+          <a:noFill/>
+          <a:ln w="9525">
+            <a:noFill/>
+            <a:miter lim="800000"/>
+            <a:headEnd/>
+            <a:tailEnd/>
+          </a:ln>
+        </p:spPr>
+      </p:pic>
+      <p:sp>
+        <p:nvSpPr>
+          <p:cNvPr id="9" name="Titre 3"/>
+          <p:cNvSpPr txBox="1">
+            <a:spLocks/>
+          </p:cNvSpPr>
+          <p:nvPr/>
+        </p:nvSpPr>
+        <p:spPr bwMode="auto">
+          <a:xfrm>
+            <a:off x="609600" y="1132015"/>
+            <a:ext cx="8229600" cy="626997"/>
+          </a:xfrm>
+          <a:prstGeom prst="rect">
+            <a:avLst/>
+          </a:prstGeom>
+          <a:noFill/>
+          <a:ln w="9525">
+            <a:noFill/>
+            <a:miter lim="800000"/>
+            <a:headEnd/>
+            <a:tailEnd/>
+          </a:ln>
+        </p:spPr>
+        <p:txBody>
+          <a:bodyPr vert="horz" wrap="square" lIns="91440" tIns="45720" rIns="91440" bIns="45720" numCol="1" anchor="ctr" anchorCtr="0" compatLnSpc="1">
+            <a:prstTxWarp prst="textNoShape">
+              <a:avLst/>
+            </a:prstTxWarp>
+          </a:bodyPr>
+          <a:lstStyle/>
+          <a:p>
+            <a:pPr lvl="0" fontAlgn="base">
+              <a:spcBef>
+                <a:spcPct val="0"/>
+              </a:spcBef>
+              <a:spcAft>
+                <a:spcPct val="0"/>
+              </a:spcAft>
+              <a:defRPr/>
+            </a:pPr>
+            <a:r>
+              <a:rPr lang="fr-FR" sz="3600" dirty="0" smtClean="0">
+                <a:latin typeface="+mj-lt"/>
+                <a:ea typeface="ＭＳ Ｐゴシック" charset="-128"/>
+                <a:cs typeface="ＭＳ Ｐゴシック" charset="-128"/>
+              </a:rPr>
+              <a:t>Démonstration</a:t>
+            </a:r>
+            <a:endParaRPr kumimoji="0" lang="fr-FR" sz="3600" b="0" i="0" u="none" strike="noStrike" kern="1200" cap="none" spc="0" normalizeH="0" baseline="0" noProof="0" dirty="0">
+              <a:ln>
+                <a:noFill/>
+              </a:ln>
+              <a:effectLst/>
+              <a:uLnTx/>
+              <a:uFillTx/>
+              <a:latin typeface="+mj-lt"/>
+              <a:ea typeface="ＭＳ Ｐゴシック" charset="-128"/>
+              <a:cs typeface="ＭＳ Ｐゴシック" charset="-128"/>
             </a:endParaRPr>
           </a:p>
         </p:txBody>
@@ -7278,14 +7718,6 @@
               </a:rPr>
               <a:t>Silverlight</a:t>
             </a:r>
-            <a:r>
-              <a:rPr lang="fr-FR" dirty="0" smtClean="0">
-                <a:solidFill>
-                  <a:schemeClr val="bg1"/>
-                </a:solidFill>
-              </a:rPr>
-              <a:t> Spécifications</a:t>
-            </a:r>
             <a:endParaRPr lang="fr-FR" dirty="0">
               <a:solidFill>
                 <a:schemeClr val="bg1"/>
@@ -7296,7 +7728,7 @@
       </p:sp>
       <p:sp>
         <p:nvSpPr>
-          <p:cNvPr id="8" name="Espace réservé du contenu 7"/>
+          <p:cNvPr id="5" name="Espace réservé du contenu 7"/>
           <p:cNvSpPr>
             <a:spLocks noGrp="1"/>
           </p:cNvSpPr>
@@ -7306,18 +7738,207 @@
         </p:nvSpPr>
         <p:spPr>
           <a:xfrm>
-            <a:off x="457200" y="1068224"/>
-            <a:ext cx="8229600" cy="5170206"/>
+            <a:off x="457200" y="1905712"/>
+            <a:ext cx="8229600" cy="4320000"/>
           </a:xfrm>
         </p:spPr>
         <p:txBody>
           <a:bodyPr/>
           <a:lstStyle/>
           <a:p>
-            <a:endParaRPr lang="fr-FR" sz="2000" dirty="0" smtClean="0">
+            <a:r>
+              <a:rPr lang="fr-FR" sz="2400" dirty="0" smtClean="0">
+                <a:solidFill>
+                  <a:schemeClr val="accent5"/>
+                </a:solidFill>
+              </a:rPr>
+              <a:t>Fils d’actualités, liste d’amis des compte fusionné</a:t>
+            </a:r>
+          </a:p>
+          <a:p>
+            <a:r>
+              <a:rPr lang="fr-FR" sz="2400" dirty="0" smtClean="0">
+                <a:solidFill>
+                  <a:schemeClr val="accent5"/>
+                </a:solidFill>
+              </a:rPr>
+              <a:t>Post de statut et </a:t>
+            </a:r>
+            <a:r>
+              <a:rPr lang="fr-FR" sz="2400" dirty="0" err="1" smtClean="0">
+                <a:solidFill>
+                  <a:schemeClr val="accent5"/>
+                </a:solidFill>
+              </a:rPr>
+              <a:t>imagesmulti</a:t>
+            </a:r>
+            <a:r>
+              <a:rPr lang="fr-FR" sz="2400" dirty="0" smtClean="0">
+                <a:solidFill>
+                  <a:schemeClr val="accent5"/>
+                </a:solidFill>
+              </a:rPr>
+              <a:t> comptes</a:t>
+            </a:r>
+          </a:p>
+          <a:p>
+            <a:r>
+              <a:rPr lang="fr-FR" sz="2400" dirty="0" smtClean="0">
+                <a:solidFill>
+                  <a:schemeClr val="accent5"/>
+                </a:solidFill>
+              </a:rPr>
+              <a:t>Messages </a:t>
+            </a:r>
+            <a:r>
+              <a:rPr lang="fr-FR" sz="2400" dirty="0" err="1" smtClean="0">
+                <a:solidFill>
+                  <a:schemeClr val="accent5"/>
+                </a:solidFill>
+              </a:rPr>
+              <a:t>Facebook</a:t>
+            </a:r>
+            <a:endParaRPr lang="fr-FR" sz="2400" dirty="0" smtClean="0">
               <a:solidFill>
                 <a:schemeClr val="accent5"/>
               </a:solidFill>
+            </a:endParaRPr>
+          </a:p>
+          <a:p>
+            <a:r>
+              <a:rPr lang="fr-FR" sz="2400" dirty="0" smtClean="0">
+                <a:solidFill>
+                  <a:schemeClr val="accent5"/>
+                </a:solidFill>
+              </a:rPr>
+              <a:t>Notifications</a:t>
+            </a:r>
+          </a:p>
+          <a:p>
+            <a:r>
+              <a:rPr lang="fr-FR" sz="2400" dirty="0" err="1" smtClean="0">
+                <a:solidFill>
+                  <a:schemeClr val="accent5"/>
+                </a:solidFill>
+              </a:rPr>
+              <a:t>Raccourcisseur</a:t>
+            </a:r>
+            <a:r>
+              <a:rPr lang="fr-FR" sz="2400" dirty="0" smtClean="0">
+                <a:solidFill>
+                  <a:schemeClr val="accent5"/>
+                </a:solidFill>
+              </a:rPr>
+              <a:t> d’url dans les </a:t>
+            </a:r>
+            <a:r>
+              <a:rPr lang="fr-FR" sz="2400" dirty="0" err="1" smtClean="0">
+                <a:solidFill>
+                  <a:schemeClr val="accent5"/>
+                </a:solidFill>
+              </a:rPr>
+              <a:t>status</a:t>
+            </a:r>
+            <a:endParaRPr lang="fr-FR" sz="2400" dirty="0" smtClean="0">
+              <a:solidFill>
+                <a:schemeClr val="accent5"/>
+              </a:solidFill>
+            </a:endParaRPr>
+          </a:p>
+          <a:p>
+            <a:r>
+              <a:rPr lang="fr-FR" sz="2400" dirty="0" smtClean="0">
+                <a:solidFill>
+                  <a:schemeClr val="accent5"/>
+                </a:solidFill>
+              </a:rPr>
+              <a:t>Affichage des profils des amis avec photo, vidéo, info, mur</a:t>
+            </a:r>
+          </a:p>
+          <a:p>
+            <a:r>
+              <a:rPr lang="fr-FR" sz="2400" dirty="0" err="1" smtClean="0">
+                <a:solidFill>
+                  <a:schemeClr val="accent5"/>
+                </a:solidFill>
+              </a:rPr>
+              <a:t>Retweet</a:t>
+            </a:r>
+            <a:r>
+              <a:rPr lang="fr-FR" sz="2400" dirty="0" smtClean="0">
+                <a:solidFill>
+                  <a:schemeClr val="accent5"/>
+                </a:solidFill>
+              </a:rPr>
+              <a:t> et comment</a:t>
+            </a:r>
+            <a:endParaRPr lang="fr-FR" sz="2400" dirty="0" smtClean="0">
+              <a:solidFill>
+                <a:schemeClr val="accent5"/>
+              </a:solidFill>
+            </a:endParaRPr>
+          </a:p>
+        </p:txBody>
+      </p:sp>
+      <p:sp>
+        <p:nvSpPr>
+          <p:cNvPr id="6" name="Titre 3"/>
+          <p:cNvSpPr txBox="1">
+            <a:spLocks/>
+          </p:cNvSpPr>
+          <p:nvPr/>
+        </p:nvSpPr>
+        <p:spPr bwMode="auto">
+          <a:xfrm>
+            <a:off x="609600" y="1132015"/>
+            <a:ext cx="8229600" cy="626997"/>
+          </a:xfrm>
+          <a:prstGeom prst="rect">
+            <a:avLst/>
+          </a:prstGeom>
+          <a:noFill/>
+          <a:ln w="9525">
+            <a:noFill/>
+            <a:miter lim="800000"/>
+            <a:headEnd/>
+            <a:tailEnd/>
+          </a:ln>
+        </p:spPr>
+        <p:txBody>
+          <a:bodyPr vert="horz" wrap="square" lIns="91440" tIns="45720" rIns="91440" bIns="45720" numCol="1" anchor="ctr" anchorCtr="0" compatLnSpc="1">
+            <a:prstTxWarp prst="textNoShape">
+              <a:avLst/>
+            </a:prstTxWarp>
+          </a:bodyPr>
+          <a:lstStyle/>
+          <a:p>
+            <a:pPr lvl="0" fontAlgn="base">
+              <a:spcBef>
+                <a:spcPct val="0"/>
+              </a:spcBef>
+              <a:spcAft>
+                <a:spcPct val="0"/>
+              </a:spcAft>
+              <a:defRPr/>
+            </a:pPr>
+            <a:r>
+              <a:rPr lang="fr-FR" sz="3600" dirty="0" smtClean="0">
+                <a:latin typeface="+mj-lt"/>
+                <a:ea typeface="ＭＳ Ｐゴシック" charset="-128"/>
+                <a:cs typeface="ＭＳ Ｐゴシック" charset="-128"/>
+              </a:rPr>
+              <a:t>Spécifications</a:t>
+            </a:r>
+            <a:endParaRPr kumimoji="0" lang="fr-FR" sz="3600" b="0" i="0" u="none" strike="noStrike" kern="1200" cap="none" spc="0" normalizeH="0" baseline="0" noProof="0" dirty="0">
+              <a:ln>
+                <a:noFill/>
+              </a:ln>
+              <a:effectLst/>
+              <a:uLnTx/>
+              <a:uFillTx/>
+              <a:latin typeface="+mj-lt"/>
+              <a:ea typeface="ＭＳ Ｐゴシック" charset="-128"/>
+              <a:cs typeface="ＭＳ Ｐゴシック" charset="-128"/>
             </a:endParaRPr>
           </a:p>
         </p:txBody>

--- a/trunk/Docs/eip 10.09.11/myNETwork.pptx
+++ b/trunk/Docs/eip 10.09.11/myNETwork.pptx
@@ -4392,15 +4392,7 @@
                   <a:schemeClr val="bg1"/>
                 </a:solidFill>
               </a:rPr>
-              <a:t>Windows Phone </a:t>
-            </a:r>
-            <a:r>
-              <a:rPr lang="fr-FR" dirty="0" smtClean="0">
-                <a:solidFill>
-                  <a:schemeClr val="bg1"/>
-                </a:solidFill>
-              </a:rPr>
-              <a:t>7</a:t>
+              <a:t>Windows Phone 7</a:t>
             </a:r>
             <a:endParaRPr lang="fr-FR" dirty="0">
               <a:solidFill>
@@ -4560,15 +4552,7 @@
                   <a:schemeClr val="bg1"/>
                 </a:solidFill>
               </a:rPr>
-              <a:t>Windows Phone </a:t>
-            </a:r>
-            <a:r>
-              <a:rPr lang="fr-FR" dirty="0" smtClean="0">
-                <a:solidFill>
-                  <a:schemeClr val="bg1"/>
-                </a:solidFill>
-              </a:rPr>
-              <a:t>7</a:t>
+              <a:t>Windows Phone 7</a:t>
             </a:r>
             <a:endParaRPr lang="fr-FR" dirty="0">
               <a:solidFill>
@@ -7184,11 +7168,6 @@
               </a:rPr>
               <a:t> et comment</a:t>
             </a:r>
-            <a:endParaRPr lang="fr-FR" sz="2400" dirty="0" smtClean="0">
-              <a:solidFill>
-                <a:schemeClr val="accent5"/>
-              </a:solidFill>
-            </a:endParaRPr>
           </a:p>
         </p:txBody>
       </p:sp>
@@ -7345,60 +7324,75 @@
           <a:lstStyle/>
           <a:p>
             <a:r>
-              <a:rPr lang="fr-FR" sz="2400" dirty="0" smtClean="0">
-                <a:solidFill>
-                  <a:schemeClr val="accent5"/>
-                </a:solidFill>
-              </a:rPr>
-              <a:t>+ de 4 000 téléchargement</a:t>
-            </a:r>
-          </a:p>
-          <a:p>
-            <a:r>
-              <a:rPr lang="fr-FR" sz="2400" dirty="0" smtClean="0">
-                <a:solidFill>
-                  <a:schemeClr val="accent5"/>
-                </a:solidFill>
-              </a:rPr>
-              <a:t>XXXX actions (a voir avec le </a:t>
-            </a:r>
-            <a:r>
-              <a:rPr lang="fr-FR" sz="2400" dirty="0" err="1" smtClean="0">
-                <a:solidFill>
-                  <a:schemeClr val="accent5"/>
-                </a:solidFill>
-              </a:rPr>
-              <a:t>google</a:t>
-            </a:r>
-            <a:r>
-              <a:rPr lang="fr-FR" sz="2400" dirty="0" smtClean="0">
-                <a:solidFill>
-                  <a:schemeClr val="accent5"/>
-                </a:solidFill>
-              </a:rPr>
-              <a:t> </a:t>
-            </a:r>
-            <a:r>
-              <a:rPr lang="fr-FR" sz="2400" dirty="0" err="1" smtClean="0">
-                <a:solidFill>
-                  <a:schemeClr val="accent5"/>
-                </a:solidFill>
-              </a:rPr>
-              <a:t>analytics</a:t>
-            </a:r>
-            <a:r>
-              <a:rPr lang="fr-FR" sz="2400" dirty="0" smtClean="0">
-                <a:solidFill>
-                  <a:schemeClr val="accent5"/>
-                </a:solidFill>
-              </a:rPr>
-              <a:t>)</a:t>
+              <a:rPr lang="fr-FR" sz="2400" smtClean="0">
+                <a:solidFill>
+                  <a:schemeClr val="accent5"/>
+                </a:solidFill>
+              </a:rPr>
+              <a:t>1944 téléchargement (unique ?)</a:t>
             </a:r>
             <a:endParaRPr lang="fr-FR" sz="2400" dirty="0" smtClean="0">
               <a:solidFill>
                 <a:schemeClr val="accent5"/>
               </a:solidFill>
             </a:endParaRPr>
+          </a:p>
+          <a:p>
+            <a:r>
+              <a:rPr lang="fr-FR" sz="2400" dirty="0" smtClean="0">
+                <a:solidFill>
+                  <a:schemeClr val="accent5"/>
+                </a:solidFill>
+              </a:rPr>
+              <a:t>615 utilisateurs actifs</a:t>
+            </a:r>
+            <a:endParaRPr lang="fr-FR" sz="2400" dirty="0" smtClean="0">
+              <a:solidFill>
+                <a:schemeClr val="accent5"/>
+              </a:solidFill>
+            </a:endParaRPr>
+          </a:p>
+          <a:p>
+            <a:r>
+              <a:rPr lang="fr-FR" sz="2400" dirty="0" smtClean="0">
+                <a:solidFill>
+                  <a:schemeClr val="accent5"/>
+                </a:solidFill>
+              </a:rPr>
+              <a:t>XXXX actions (a voir avec le </a:t>
+            </a:r>
+            <a:r>
+              <a:rPr lang="fr-FR" sz="2400" dirty="0" err="1" smtClean="0">
+                <a:solidFill>
+                  <a:schemeClr val="accent5"/>
+                </a:solidFill>
+              </a:rPr>
+              <a:t>google</a:t>
+            </a:r>
+            <a:r>
+              <a:rPr lang="fr-FR" sz="2400" dirty="0" smtClean="0">
+                <a:solidFill>
+                  <a:schemeClr val="accent5"/>
+                </a:solidFill>
+              </a:rPr>
+              <a:t> </a:t>
+            </a:r>
+            <a:r>
+              <a:rPr lang="fr-FR" sz="2400" dirty="0" err="1" smtClean="0">
+                <a:solidFill>
+                  <a:schemeClr val="accent5"/>
+                </a:solidFill>
+              </a:rPr>
+              <a:t>analytics</a:t>
+            </a:r>
+            <a:r>
+              <a:rPr lang="fr-FR" sz="2400" dirty="0" smtClean="0">
+                <a:solidFill>
+                  <a:schemeClr val="accent5"/>
+                </a:solidFill>
+              </a:rPr>
+              <a:t>)</a:t>
+            </a:r>
           </a:p>
         </p:txBody>
       </p:sp>
@@ -7872,11 +7866,6 @@
               </a:rPr>
               <a:t> et comment</a:t>
             </a:r>
-            <a:endParaRPr lang="fr-FR" sz="2400" dirty="0" smtClean="0">
-              <a:solidFill>
-                <a:schemeClr val="accent5"/>
-              </a:solidFill>
-            </a:endParaRPr>
           </a:p>
         </p:txBody>
       </p:sp>

--- a/trunk/Docs/eip 10.09.11/myNETwork.pptx
+++ b/trunk/Docs/eip 10.09.11/myNETwork.pptx
@@ -7166,8 +7166,31 @@
                   <a:schemeClr val="accent5"/>
                 </a:solidFill>
               </a:rPr>
-              <a:t> et comment</a:t>
-            </a:r>
+              <a:t> et </a:t>
+            </a:r>
+            <a:r>
+              <a:rPr lang="fr-FR" sz="2400" dirty="0" smtClean="0">
+                <a:solidFill>
+                  <a:schemeClr val="accent5"/>
+                </a:solidFill>
+              </a:rPr>
+              <a:t>comment</a:t>
+            </a:r>
+          </a:p>
+          <a:p>
+            <a:r>
+              <a:rPr lang="fr-FR" sz="2400" smtClean="0">
+                <a:solidFill>
+                  <a:schemeClr val="accent5"/>
+                </a:solidFill>
+              </a:rPr>
+              <a:t>Multi Langue</a:t>
+            </a:r>
+            <a:endParaRPr lang="fr-FR" sz="2400" dirty="0" smtClean="0">
+              <a:solidFill>
+                <a:schemeClr val="accent5"/>
+              </a:solidFill>
+            </a:endParaRPr>
           </a:p>
         </p:txBody>
       </p:sp>
@@ -7346,11 +7369,6 @@
               </a:rPr>
               <a:t>615 utilisateurs actifs</a:t>
             </a:r>
-            <a:endParaRPr lang="fr-FR" sz="2400" dirty="0" smtClean="0">
-              <a:solidFill>
-                <a:schemeClr val="accent5"/>
-              </a:solidFill>
-            </a:endParaRPr>
           </a:p>
           <a:p>
             <a:r>
@@ -7756,23 +7774,7 @@
                   <a:schemeClr val="accent5"/>
                 </a:solidFill>
               </a:rPr>
-              <a:t>Post de statut et </a:t>
-            </a:r>
-            <a:r>
-              <a:rPr lang="fr-FR" sz="2400" dirty="0" err="1" smtClean="0">
-                <a:solidFill>
-                  <a:schemeClr val="accent5"/>
-                </a:solidFill>
-              </a:rPr>
-              <a:t>imagesmulti</a:t>
-            </a:r>
-            <a:r>
-              <a:rPr lang="fr-FR" sz="2400" dirty="0" smtClean="0">
-                <a:solidFill>
-                  <a:schemeClr val="accent5"/>
-                </a:solidFill>
-              </a:rPr>
-              <a:t> comptes</a:t>
+              <a:t>Post de statut et images multi comptes</a:t>
             </a:r>
           </a:p>
           <a:p>
@@ -7823,15 +7825,15 @@
                   <a:schemeClr val="accent5"/>
                 </a:solidFill>
               </a:rPr>
-              <a:t> d’url dans les </a:t>
-            </a:r>
-            <a:r>
-              <a:rPr lang="fr-FR" sz="2400" dirty="0" err="1" smtClean="0">
-                <a:solidFill>
-                  <a:schemeClr val="accent5"/>
-                </a:solidFill>
-              </a:rPr>
-              <a:t>status</a:t>
+              <a:t> d’url dans </a:t>
+            </a:r>
+            <a:r>
+              <a:rPr lang="fr-FR" sz="2400" smtClean="0">
+                <a:solidFill>
+                  <a:schemeClr val="accent5"/>
+                </a:solidFill>
+              </a:rPr>
+              <a:t>les statut</a:t>
             </a:r>
             <a:endParaRPr lang="fr-FR" sz="2400" dirty="0" smtClean="0">
               <a:solidFill>

--- a/trunk/Docs/eip 10.09.11/myNETwork.pptx
+++ b/trunk/Docs/eip 10.09.11/myNETwork.pptx
@@ -4070,6 +4070,38 @@
           <a:bodyPr/>
           <a:lstStyle/>
           <a:p>
+            <a:r>
+              <a:rPr lang="fr-FR" sz="2400" dirty="0" smtClean="0">
+                <a:solidFill>
+                  <a:schemeClr val="accent5"/>
+                </a:solidFill>
+              </a:rPr>
+              <a:t>Humm pas de </a:t>
+            </a:r>
+            <a:r>
+              <a:rPr lang="fr-FR" sz="2400" dirty="0" err="1" smtClean="0">
+                <a:solidFill>
+                  <a:schemeClr val="accent5"/>
+                </a:solidFill>
+              </a:rPr>
+              <a:t>stats</a:t>
+            </a:r>
+            <a:r>
+              <a:rPr lang="fr-FR" sz="2400" dirty="0" smtClean="0">
+                <a:solidFill>
+                  <a:schemeClr val="accent5"/>
+                </a:solidFill>
+              </a:rPr>
+              <a:t> </a:t>
+            </a:r>
+            <a:r>
+              <a:rPr lang="fr-FR" sz="2400" dirty="0" smtClean="0">
+                <a:solidFill>
+                  <a:schemeClr val="accent5"/>
+                </a:solidFill>
+              </a:rPr>
+              <a:t>.. Peux être passer à une démo…</a:t>
+            </a:r>
             <a:endParaRPr lang="fr-FR" sz="2400" dirty="0" smtClean="0">
               <a:solidFill>
                 <a:schemeClr val="accent5"/>
@@ -4968,6 +5000,49 @@
           <a:bodyPr/>
           <a:lstStyle/>
           <a:p>
+            <a:pPr>
+              <a:buNone/>
+            </a:pPr>
+            <a:r>
+              <a:rPr lang="fr-FR" sz="2000" dirty="0" smtClean="0">
+                <a:solidFill>
+                  <a:schemeClr val="accent5"/>
+                </a:solidFill>
+              </a:rPr>
+              <a:t>(un </a:t>
+            </a:r>
+            <a:r>
+              <a:rPr lang="fr-FR" sz="2000" dirty="0" err="1" smtClean="0">
+                <a:solidFill>
+                  <a:schemeClr val="accent5"/>
+                </a:solidFill>
+              </a:rPr>
+              <a:t>slide</a:t>
+            </a:r>
+            <a:r>
+              <a:rPr lang="fr-FR" sz="2000" dirty="0" smtClean="0">
+                <a:solidFill>
+                  <a:schemeClr val="accent5"/>
+                </a:solidFill>
+              </a:rPr>
+              <a:t> ou passage directement à 17 ce </a:t>
+            </a:r>
+            <a:r>
+              <a:rPr lang="fr-FR" sz="2000" smtClean="0">
+                <a:solidFill>
+                  <a:schemeClr val="accent5"/>
+                </a:solidFill>
+              </a:rPr>
+              <a:t>qui permettra </a:t>
+            </a:r>
+            <a:r>
+              <a:rPr lang="fr-FR" sz="2000" dirty="0" smtClean="0">
+                <a:solidFill>
+                  <a:schemeClr val="accent5"/>
+                </a:solidFill>
+              </a:rPr>
+              <a:t>d’enchainer sur les questions)</a:t>
+            </a:r>
             <a:endParaRPr lang="fr-FR" sz="2000" dirty="0" smtClean="0">
               <a:solidFill>
                 <a:schemeClr val="accent5"/>
@@ -7166,15 +7241,7 @@
                   <a:schemeClr val="accent5"/>
                 </a:solidFill>
               </a:rPr>
-              <a:t> et </a:t>
-            </a:r>
-            <a:r>
-              <a:rPr lang="fr-FR" sz="2400" dirty="0" smtClean="0">
-                <a:solidFill>
-                  <a:schemeClr val="accent5"/>
-                </a:solidFill>
-              </a:rPr>
-              <a:t>comment</a:t>
+              <a:t> et comment</a:t>
             </a:r>
           </a:p>
           <a:p>

--- a/trunk/Docs/eip 10.09.11/myNETwork.pptx
+++ b/trunk/Docs/eip 10.09.11/myNETwork.pptx
@@ -14,19 +14,19 @@
     <p:sldId id="260" r:id="rId2"/>
     <p:sldId id="261" r:id="rId3"/>
     <p:sldId id="265" r:id="rId4"/>
-    <p:sldId id="263" r:id="rId5"/>
-    <p:sldId id="267" r:id="rId6"/>
-    <p:sldId id="268" r:id="rId7"/>
-    <p:sldId id="269" r:id="rId8"/>
-    <p:sldId id="270" r:id="rId9"/>
-    <p:sldId id="271" r:id="rId10"/>
-    <p:sldId id="272" r:id="rId11"/>
-    <p:sldId id="273" r:id="rId12"/>
-    <p:sldId id="274" r:id="rId13"/>
-    <p:sldId id="275" r:id="rId14"/>
-    <p:sldId id="276" r:id="rId15"/>
+    <p:sldId id="279" r:id="rId5"/>
+    <p:sldId id="263" r:id="rId6"/>
+    <p:sldId id="267" r:id="rId7"/>
+    <p:sldId id="271" r:id="rId8"/>
+    <p:sldId id="273" r:id="rId9"/>
+    <p:sldId id="268" r:id="rId10"/>
+    <p:sldId id="270" r:id="rId11"/>
+    <p:sldId id="274" r:id="rId12"/>
+    <p:sldId id="275" r:id="rId13"/>
+    <p:sldId id="276" r:id="rId14"/>
+    <p:sldId id="269" r:id="rId15"/>
     <p:sldId id="277" r:id="rId16"/>
-    <p:sldId id="278" r:id="rId17"/>
+    <p:sldId id="280" r:id="rId17"/>
     <p:sldId id="262" r:id="rId18"/>
     <p:sldId id="266" r:id="rId19"/>
     <p:sldId id="258" r:id="rId20"/>
@@ -214,7 +214,7 @@
             <a:fld id="{A3291612-96C3-FB49-ADA5-B02F4C585055}" type="datetimeFigureOut">
               <a:rPr lang="fr-FR" smtClean="0"/>
               <a:pPr/>
-              <a:t>07/09/2011</a:t>
+              <a:t>08/09/2011</a:t>
             </a:fld>
             <a:endParaRPr lang="fr-FR"/>
           </a:p>
@@ -376,7 +376,7 @@
             <a:fld id="{C5949931-6558-954D-A879-86C3E86B48F0}" type="datetimeFigureOut">
               <a:rPr lang="fr-FR" smtClean="0"/>
               <a:pPr/>
-              <a:t>07/09/2011</a:t>
+              <a:t>08/09/2011</a:t>
             </a:fld>
             <a:endParaRPr lang="fr-FR"/>
           </a:p>
@@ -828,7 +828,7 @@
             <a:fld id="{B60B5DCD-40DC-5844-9C05-E0DFE5F22869}" type="datetimeFigureOut">
               <a:rPr lang="fr-FR" smtClean="0"/>
               <a:pPr/>
-              <a:t>07/09/2011</a:t>
+              <a:t>08/09/2011</a:t>
             </a:fld>
             <a:endParaRPr lang="fr-FR"/>
           </a:p>
@@ -1007,7 +1007,7 @@
             <a:fld id="{B60B5DCD-40DC-5844-9C05-E0DFE5F22869}" type="datetimeFigureOut">
               <a:rPr lang="fr-FR" smtClean="0"/>
               <a:pPr/>
-              <a:t>07/09/2011</a:t>
+              <a:t>08/09/2011</a:t>
             </a:fld>
             <a:endParaRPr lang="fr-FR"/>
           </a:p>
@@ -1196,7 +1196,7 @@
             <a:fld id="{B60B5DCD-40DC-5844-9C05-E0DFE5F22869}" type="datetimeFigureOut">
               <a:rPr lang="fr-FR" smtClean="0"/>
               <a:pPr/>
-              <a:t>07/09/2011</a:t>
+              <a:t>08/09/2011</a:t>
             </a:fld>
             <a:endParaRPr lang="fr-FR"/>
           </a:p>
@@ -1375,7 +1375,7 @@
             <a:fld id="{B60B5DCD-40DC-5844-9C05-E0DFE5F22869}" type="datetimeFigureOut">
               <a:rPr lang="fr-FR" smtClean="0"/>
               <a:pPr/>
-              <a:t>07/09/2011</a:t>
+              <a:t>08/09/2011</a:t>
             </a:fld>
             <a:endParaRPr lang="fr-FR"/>
           </a:p>
@@ -1630,7 +1630,7 @@
             <a:fld id="{B60B5DCD-40DC-5844-9C05-E0DFE5F22869}" type="datetimeFigureOut">
               <a:rPr lang="fr-FR" smtClean="0"/>
               <a:pPr/>
-              <a:t>07/09/2011</a:t>
+              <a:t>08/09/2011</a:t>
             </a:fld>
             <a:endParaRPr lang="fr-FR"/>
           </a:p>
@@ -1927,7 +1927,7 @@
             <a:fld id="{B60B5DCD-40DC-5844-9C05-E0DFE5F22869}" type="datetimeFigureOut">
               <a:rPr lang="fr-FR" smtClean="0"/>
               <a:pPr/>
-              <a:t>07/09/2011</a:t>
+              <a:t>08/09/2011</a:t>
             </a:fld>
             <a:endParaRPr lang="fr-FR"/>
           </a:p>
@@ -2358,7 +2358,7 @@
             <a:fld id="{B60B5DCD-40DC-5844-9C05-E0DFE5F22869}" type="datetimeFigureOut">
               <a:rPr lang="fr-FR" smtClean="0"/>
               <a:pPr/>
-              <a:t>07/09/2011</a:t>
+              <a:t>08/09/2011</a:t>
             </a:fld>
             <a:endParaRPr lang="fr-FR"/>
           </a:p>
@@ -2485,7 +2485,7 @@
             <a:fld id="{B60B5DCD-40DC-5844-9C05-E0DFE5F22869}" type="datetimeFigureOut">
               <a:rPr lang="fr-FR" smtClean="0"/>
               <a:pPr/>
-              <a:t>07/09/2011</a:t>
+              <a:t>08/09/2011</a:t>
             </a:fld>
             <a:endParaRPr lang="fr-FR"/>
           </a:p>
@@ -2589,7 +2589,7 @@
             <a:fld id="{B60B5DCD-40DC-5844-9C05-E0DFE5F22869}" type="datetimeFigureOut">
               <a:rPr lang="fr-FR" smtClean="0"/>
               <a:pPr/>
-              <a:t>07/09/2011</a:t>
+              <a:t>08/09/2011</a:t>
             </a:fld>
             <a:endParaRPr lang="fr-FR"/>
           </a:p>
@@ -2875,7 +2875,7 @@
             <a:fld id="{B60B5DCD-40DC-5844-9C05-E0DFE5F22869}" type="datetimeFigureOut">
               <a:rPr lang="fr-FR" smtClean="0"/>
               <a:pPr/>
-              <a:t>07/09/2011</a:t>
+              <a:t>08/09/2011</a:t>
             </a:fld>
             <a:endParaRPr lang="fr-FR"/>
           </a:p>
@@ -3143,7 +3143,7 @@
             <a:fld id="{B60B5DCD-40DC-5844-9C05-E0DFE5F22869}" type="datetimeFigureOut">
               <a:rPr lang="fr-FR" smtClean="0"/>
               <a:pPr/>
-              <a:t>07/09/2011</a:t>
+              <a:t>08/09/2011</a:t>
             </a:fld>
             <a:endParaRPr lang="fr-FR"/>
           </a:p>
@@ -3394,7 +3394,7 @@
             <a:fld id="{B60B5DCD-40DC-5844-9C05-E0DFE5F22869}" type="datetimeFigureOut">
               <a:rPr lang="fr-FR" smtClean="0"/>
               <a:pPr/>
-              <a:t>07/09/2011</a:t>
+              <a:t>08/09/2011</a:t>
             </a:fld>
             <a:endParaRPr lang="fr-FR"/>
           </a:p>
@@ -4040,7 +4040,7 @@
                   <a:schemeClr val="bg1"/>
                 </a:solidFill>
               </a:rPr>
-              <a:t>Silverlight</a:t>
+              <a:t>Android</a:t>
             </a:r>
             <a:endParaRPr lang="fr-FR" dirty="0">
               <a:solidFill>
@@ -4052,7 +4052,7 @@
       </p:sp>
       <p:sp>
         <p:nvSpPr>
-          <p:cNvPr id="5" name="Espace réservé du contenu 7"/>
+          <p:cNvPr id="8" name="Espace réservé du contenu 7"/>
           <p:cNvSpPr>
             <a:spLocks noGrp="1"/>
           </p:cNvSpPr>
@@ -4062,47 +4062,15 @@
         </p:nvSpPr>
         <p:spPr>
           <a:xfrm>
-            <a:off x="457200" y="1905712"/>
-            <a:ext cx="8229600" cy="4320000"/>
+            <a:off x="457200" y="1068224"/>
+            <a:ext cx="8229600" cy="5170206"/>
           </a:xfrm>
         </p:spPr>
         <p:txBody>
           <a:bodyPr/>
           <a:lstStyle/>
           <a:p>
-            <a:r>
-              <a:rPr lang="fr-FR" sz="2400" dirty="0" smtClean="0">
-                <a:solidFill>
-                  <a:schemeClr val="accent5"/>
-                </a:solidFill>
-              </a:rPr>
-              <a:t>Humm pas de </a:t>
-            </a:r>
-            <a:r>
-              <a:rPr lang="fr-FR" sz="2400" dirty="0" err="1" smtClean="0">
-                <a:solidFill>
-                  <a:schemeClr val="accent5"/>
-                </a:solidFill>
-              </a:rPr>
-              <a:t>stats</a:t>
-            </a:r>
-            <a:r>
-              <a:rPr lang="fr-FR" sz="2400" dirty="0" smtClean="0">
-                <a:solidFill>
-                  <a:schemeClr val="accent5"/>
-                </a:solidFill>
-              </a:rPr>
-              <a:t> </a:t>
-            </a:r>
-            <a:r>
-              <a:rPr lang="fr-FR" sz="2400" dirty="0" smtClean="0">
-                <a:solidFill>
-                  <a:schemeClr val="accent5"/>
-                </a:solidFill>
-              </a:rPr>
-              <a:t>.. Peux être passer à une démo…</a:t>
-            </a:r>
-            <a:endParaRPr lang="fr-FR" sz="2400" dirty="0" smtClean="0">
+            <a:endParaRPr lang="fr-FR" sz="2000" dirty="0" smtClean="0">
               <a:solidFill>
                 <a:schemeClr val="accent5"/>
               </a:solidFill>
@@ -4110,9 +4078,41 @@
           </a:p>
         </p:txBody>
       </p:sp>
-      <p:sp>
-        <p:nvSpPr>
-          <p:cNvPr id="6" name="Titre 3"/>
+      <p:pic>
+        <p:nvPicPr>
+          <p:cNvPr id="5" name="Espace réservé du contenu 11" descr="MyNetworkBulle.png"/>
+          <p:cNvPicPr>
+            <a:picLocks noChangeAspect="1"/>
+          </p:cNvPicPr>
+          <p:nvPr/>
+        </p:nvPicPr>
+        <p:blipFill>
+          <a:blip r:embed="rId2"/>
+          <a:srcRect l="-54613" r="-54613"/>
+          <a:stretch>
+            <a:fillRect/>
+          </a:stretch>
+        </p:blipFill>
+        <p:spPr bwMode="auto">
+          <a:xfrm>
+            <a:off x="937729" y="1839301"/>
+            <a:ext cx="7143750" cy="3928802"/>
+          </a:xfrm>
+          <a:prstGeom prst="rect">
+            <a:avLst/>
+          </a:prstGeom>
+          <a:noFill/>
+          <a:ln w="9525">
+            <a:noFill/>
+            <a:miter lim="800000"/>
+            <a:headEnd/>
+            <a:tailEnd/>
+          </a:ln>
+        </p:spPr>
+      </p:pic>
+      <p:sp>
+        <p:nvSpPr>
+          <p:cNvPr id="9" name="Titre 3"/>
           <p:cNvSpPr txBox="1">
             <a:spLocks/>
           </p:cNvSpPr>
@@ -4157,7 +4157,7 @@
                 <a:ea typeface="ＭＳ Ｐゴシック" charset="-128"/>
                 <a:cs typeface="ＭＳ Ｐゴシック" charset="-128"/>
               </a:rPr>
-              <a:t>Statistiques/Retours</a:t>
+              <a:t>Démonstration</a:t>
             </a:r>
             <a:endParaRPr kumimoji="0" lang="fr-FR" sz="3600" b="0" i="0" u="none" strike="noStrike" kern="1200" cap="none" spc="0" normalizeH="0" baseline="0" noProof="0" dirty="0">
               <a:ln>
@@ -4227,12 +4227,172 @@
           <a:p>
             <a:pPr algn="l"/>
             <a:r>
-              <a:rPr lang="fr-FR" dirty="0" err="1" smtClean="0">
+              <a:rPr lang="fr-FR" dirty="0" smtClean="0">
                 <a:solidFill>
                   <a:schemeClr val="bg1"/>
                 </a:solidFill>
               </a:rPr>
-              <a:t>Silverlight</a:t>
+              <a:t>Windows Phone 7</a:t>
+            </a:r>
+            <a:endParaRPr lang="fr-FR" dirty="0">
+              <a:solidFill>
+                <a:schemeClr val="bg1"/>
+              </a:solidFill>
+            </a:endParaRPr>
+          </a:p>
+        </p:txBody>
+      </p:sp>
+      <p:sp>
+        <p:nvSpPr>
+          <p:cNvPr id="5" name="Espace réservé du contenu 7"/>
+          <p:cNvSpPr>
+            <a:spLocks noGrp="1"/>
+          </p:cNvSpPr>
+          <p:nvPr>
+            <p:ph idx="1"/>
+          </p:nvPr>
+        </p:nvSpPr>
+        <p:spPr>
+          <a:xfrm>
+            <a:off x="457200" y="1905712"/>
+            <a:ext cx="8229600" cy="4320000"/>
+          </a:xfrm>
+        </p:spPr>
+        <p:txBody>
+          <a:bodyPr/>
+          <a:lstStyle/>
+          <a:p>
+            <a:endParaRPr lang="fr-FR" sz="2400" dirty="0" smtClean="0">
+              <a:solidFill>
+                <a:schemeClr val="accent5"/>
+              </a:solidFill>
+            </a:endParaRPr>
+          </a:p>
+        </p:txBody>
+      </p:sp>
+      <p:sp>
+        <p:nvSpPr>
+          <p:cNvPr id="6" name="Titre 3"/>
+          <p:cNvSpPr txBox="1">
+            <a:spLocks/>
+          </p:cNvSpPr>
+          <p:nvPr/>
+        </p:nvSpPr>
+        <p:spPr bwMode="auto">
+          <a:xfrm>
+            <a:off x="609600" y="1132015"/>
+            <a:ext cx="8229600" cy="626997"/>
+          </a:xfrm>
+          <a:prstGeom prst="rect">
+            <a:avLst/>
+          </a:prstGeom>
+          <a:noFill/>
+          <a:ln w="9525">
+            <a:noFill/>
+            <a:miter lim="800000"/>
+            <a:headEnd/>
+            <a:tailEnd/>
+          </a:ln>
+        </p:spPr>
+        <p:txBody>
+          <a:bodyPr vert="horz" wrap="square" lIns="91440" tIns="45720" rIns="91440" bIns="45720" numCol="1" anchor="ctr" anchorCtr="0" compatLnSpc="1">
+            <a:prstTxWarp prst="textNoShape">
+              <a:avLst/>
+            </a:prstTxWarp>
+          </a:bodyPr>
+          <a:lstStyle/>
+          <a:p>
+            <a:pPr lvl="0" fontAlgn="base">
+              <a:spcBef>
+                <a:spcPct val="0"/>
+              </a:spcBef>
+              <a:spcAft>
+                <a:spcPct val="0"/>
+              </a:spcAft>
+              <a:defRPr/>
+            </a:pPr>
+            <a:r>
+              <a:rPr lang="fr-FR" sz="3600" dirty="0" smtClean="0">
+                <a:latin typeface="+mj-lt"/>
+                <a:ea typeface="ＭＳ Ｐゴシック" charset="-128"/>
+                <a:cs typeface="ＭＳ Ｐゴシック" charset="-128"/>
+              </a:rPr>
+              <a:t>Spécifications</a:t>
+            </a:r>
+            <a:endParaRPr kumimoji="0" lang="fr-FR" sz="3600" b="0" i="0" u="none" strike="noStrike" kern="1200" cap="none" spc="0" normalizeH="0" baseline="0" noProof="0" dirty="0">
+              <a:ln>
+                <a:noFill/>
+              </a:ln>
+              <a:effectLst/>
+              <a:uLnTx/>
+              <a:uFillTx/>
+              <a:latin typeface="+mj-lt"/>
+              <a:ea typeface="ＭＳ Ｐゴシック" charset="-128"/>
+              <a:cs typeface="ＭＳ Ｐゴシック" charset="-128"/>
+            </a:endParaRPr>
+          </a:p>
+        </p:txBody>
+      </p:sp>
+    </p:spTree>
+  </p:cSld>
+  <p:clrMapOvr>
+    <a:masterClrMapping/>
+  </p:clrMapOvr>
+  <p:timing>
+    <p:tnLst>
+      <p:par>
+        <p:cTn id="1" dur="indefinite" restart="never" nodeType="tmRoot"/>
+      </p:par>
+    </p:tnLst>
+  </p:timing>
+</p:sld>
+</file>
+
+<file path=ppt/slides/slide12.xml><?xml version="1.0" encoding="utf-8"?>
+<p:sld xmlns:a="http://schemas.openxmlformats.org/drawingml/2006/main" xmlns:r="http://schemas.openxmlformats.org/officeDocument/2006/relationships" xmlns:p="http://schemas.openxmlformats.org/presentationml/2006/main">
+  <p:cSld>
+    <p:spTree>
+      <p:nvGrpSpPr>
+        <p:cNvPr id="1" name=""/>
+        <p:cNvGrpSpPr/>
+        <p:nvPr/>
+      </p:nvGrpSpPr>
+      <p:grpSpPr>
+        <a:xfrm>
+          <a:off x="0" y="0"/>
+          <a:ext cx="0" cy="0"/>
+          <a:chOff x="0" y="0"/>
+          <a:chExt cx="0" cy="0"/>
+        </a:xfrm>
+      </p:grpSpPr>
+      <p:sp>
+        <p:nvSpPr>
+          <p:cNvPr id="4" name="Titre 3"/>
+          <p:cNvSpPr>
+            <a:spLocks noGrp="1"/>
+          </p:cNvSpPr>
+          <p:nvPr>
+            <p:ph type="title"/>
+          </p:nvPr>
+        </p:nvSpPr>
+        <p:spPr>
+          <a:xfrm>
+            <a:off x="457200" y="155120"/>
+            <a:ext cx="8229600" cy="626997"/>
+          </a:xfrm>
+        </p:spPr>
+        <p:txBody>
+          <a:bodyPr/>
+          <a:lstStyle/>
+          <a:p>
+            <a:pPr algn="l"/>
+            <a:r>
+              <a:rPr lang="fr-FR" dirty="0" smtClean="0">
+                <a:solidFill>
+                  <a:schemeClr val="bg1"/>
+                </a:solidFill>
+              </a:rPr>
+              <a:t>Windows Phone 7</a:t>
             </a:r>
             <a:endParaRPr lang="fr-FR" dirty="0">
               <a:solidFill>
@@ -4380,166 +4540,6 @@
 </p:sld>
 </file>
 
-<file path=ppt/slides/slide12.xml><?xml version="1.0" encoding="utf-8"?>
-<p:sld xmlns:a="http://schemas.openxmlformats.org/drawingml/2006/main" xmlns:r="http://schemas.openxmlformats.org/officeDocument/2006/relationships" xmlns:p="http://schemas.openxmlformats.org/presentationml/2006/main">
-  <p:cSld>
-    <p:spTree>
-      <p:nvGrpSpPr>
-        <p:cNvPr id="1" name=""/>
-        <p:cNvGrpSpPr/>
-        <p:nvPr/>
-      </p:nvGrpSpPr>
-      <p:grpSpPr>
-        <a:xfrm>
-          <a:off x="0" y="0"/>
-          <a:ext cx="0" cy="0"/>
-          <a:chOff x="0" y="0"/>
-          <a:chExt cx="0" cy="0"/>
-        </a:xfrm>
-      </p:grpSpPr>
-      <p:sp>
-        <p:nvSpPr>
-          <p:cNvPr id="4" name="Titre 3"/>
-          <p:cNvSpPr>
-            <a:spLocks noGrp="1"/>
-          </p:cNvSpPr>
-          <p:nvPr>
-            <p:ph type="title"/>
-          </p:nvPr>
-        </p:nvSpPr>
-        <p:spPr>
-          <a:xfrm>
-            <a:off x="457200" y="155120"/>
-            <a:ext cx="8229600" cy="626997"/>
-          </a:xfrm>
-        </p:spPr>
-        <p:txBody>
-          <a:bodyPr/>
-          <a:lstStyle/>
-          <a:p>
-            <a:pPr algn="l"/>
-            <a:r>
-              <a:rPr lang="fr-FR" dirty="0" smtClean="0">
-                <a:solidFill>
-                  <a:schemeClr val="bg1"/>
-                </a:solidFill>
-              </a:rPr>
-              <a:t>Windows Phone 7</a:t>
-            </a:r>
-            <a:endParaRPr lang="fr-FR" dirty="0">
-              <a:solidFill>
-                <a:schemeClr val="bg1"/>
-              </a:solidFill>
-            </a:endParaRPr>
-          </a:p>
-        </p:txBody>
-      </p:sp>
-      <p:sp>
-        <p:nvSpPr>
-          <p:cNvPr id="5" name="Espace réservé du contenu 7"/>
-          <p:cNvSpPr>
-            <a:spLocks noGrp="1"/>
-          </p:cNvSpPr>
-          <p:nvPr>
-            <p:ph idx="1"/>
-          </p:nvPr>
-        </p:nvSpPr>
-        <p:spPr>
-          <a:xfrm>
-            <a:off x="457200" y="1905712"/>
-            <a:ext cx="8229600" cy="4320000"/>
-          </a:xfrm>
-        </p:spPr>
-        <p:txBody>
-          <a:bodyPr/>
-          <a:lstStyle/>
-          <a:p>
-            <a:endParaRPr lang="fr-FR" sz="2400" dirty="0" smtClean="0">
-              <a:solidFill>
-                <a:schemeClr val="accent5"/>
-              </a:solidFill>
-            </a:endParaRPr>
-          </a:p>
-        </p:txBody>
-      </p:sp>
-      <p:sp>
-        <p:nvSpPr>
-          <p:cNvPr id="6" name="Titre 3"/>
-          <p:cNvSpPr txBox="1">
-            <a:spLocks/>
-          </p:cNvSpPr>
-          <p:nvPr/>
-        </p:nvSpPr>
-        <p:spPr bwMode="auto">
-          <a:xfrm>
-            <a:off x="609600" y="1132015"/>
-            <a:ext cx="8229600" cy="626997"/>
-          </a:xfrm>
-          <a:prstGeom prst="rect">
-            <a:avLst/>
-          </a:prstGeom>
-          <a:noFill/>
-          <a:ln w="9525">
-            <a:noFill/>
-            <a:miter lim="800000"/>
-            <a:headEnd/>
-            <a:tailEnd/>
-          </a:ln>
-        </p:spPr>
-        <p:txBody>
-          <a:bodyPr vert="horz" wrap="square" lIns="91440" tIns="45720" rIns="91440" bIns="45720" numCol="1" anchor="ctr" anchorCtr="0" compatLnSpc="1">
-            <a:prstTxWarp prst="textNoShape">
-              <a:avLst/>
-            </a:prstTxWarp>
-          </a:bodyPr>
-          <a:lstStyle/>
-          <a:p>
-            <a:pPr lvl="0" fontAlgn="base">
-              <a:spcBef>
-                <a:spcPct val="0"/>
-              </a:spcBef>
-              <a:spcAft>
-                <a:spcPct val="0"/>
-              </a:spcAft>
-              <a:defRPr/>
-            </a:pPr>
-            <a:r>
-              <a:rPr lang="fr-FR" sz="3600" dirty="0" smtClean="0">
-                <a:latin typeface="+mj-lt"/>
-                <a:ea typeface="ＭＳ Ｐゴシック" charset="-128"/>
-                <a:cs typeface="ＭＳ Ｐゴシック" charset="-128"/>
-              </a:rPr>
-              <a:t>Spécifications</a:t>
-            </a:r>
-            <a:endParaRPr kumimoji="0" lang="fr-FR" sz="3600" b="0" i="0" u="none" strike="noStrike" kern="1200" cap="none" spc="0" normalizeH="0" baseline="0" noProof="0" dirty="0">
-              <a:ln>
-                <a:noFill/>
-              </a:ln>
-              <a:effectLst/>
-              <a:uLnTx/>
-              <a:uFillTx/>
-              <a:latin typeface="+mj-lt"/>
-              <a:ea typeface="ＭＳ Ｐゴシック" charset="-128"/>
-              <a:cs typeface="ＭＳ Ｐゴシック" charset="-128"/>
-            </a:endParaRPr>
-          </a:p>
-        </p:txBody>
-      </p:sp>
-    </p:spTree>
-  </p:cSld>
-  <p:clrMapOvr>
-    <a:masterClrMapping/>
-  </p:clrMapOvr>
-  <p:timing>
-    <p:tnLst>
-      <p:par>
-        <p:cTn id="1" dur="indefinite" restart="never" nodeType="tmRoot"/>
-      </p:par>
-    </p:tnLst>
-  </p:timing>
-</p:sld>
-</file>
-
 <file path=ppt/slides/slide13.xml><?xml version="1.0" encoding="utf-8"?>
 <p:sld xmlns:a="http://schemas.openxmlformats.org/drawingml/2006/main" xmlns:r="http://schemas.openxmlformats.org/officeDocument/2006/relationships" xmlns:p="http://schemas.openxmlformats.org/presentationml/2006/main">
   <p:cSld>
@@ -4584,7 +4584,7 @@
                   <a:schemeClr val="bg1"/>
                 </a:solidFill>
               </a:rPr>
-              <a:t>Windows Phone 7</a:t>
+              <a:t>IOS</a:t>
             </a:r>
             <a:endParaRPr lang="fr-FR" dirty="0">
               <a:solidFill>
@@ -4614,105 +4614,34 @@
           <a:bodyPr/>
           <a:lstStyle/>
           <a:p>
+            <a:r>
+              <a:rPr lang="fr-FR" sz="2000" dirty="0" smtClean="0">
+                <a:solidFill>
+                  <a:schemeClr val="accent5"/>
+                </a:solidFill>
+              </a:rPr>
+              <a:t>Maquettes </a:t>
+            </a:r>
+            <a:r>
+              <a:rPr lang="fr-FR" sz="2000" dirty="0" err="1" smtClean="0">
+                <a:solidFill>
+                  <a:schemeClr val="accent5"/>
+                </a:solidFill>
+              </a:rPr>
+              <a:t>Iphones</a:t>
+            </a:r>
+            <a:r>
+              <a:rPr lang="fr-FR" sz="2000" dirty="0" smtClean="0">
+                <a:solidFill>
+                  <a:schemeClr val="accent5"/>
+                </a:solidFill>
+              </a:rPr>
+              <a:t> ?</a:t>
+            </a:r>
             <a:endParaRPr lang="fr-FR" sz="2000" dirty="0" smtClean="0">
               <a:solidFill>
                 <a:schemeClr val="accent5"/>
               </a:solidFill>
-            </a:endParaRPr>
-          </a:p>
-        </p:txBody>
-      </p:sp>
-      <p:pic>
-        <p:nvPicPr>
-          <p:cNvPr id="6" name="Espace réservé du contenu 11" descr="MyNetworkBulle.png"/>
-          <p:cNvPicPr>
-            <a:picLocks noChangeAspect="1"/>
-          </p:cNvPicPr>
-          <p:nvPr/>
-        </p:nvPicPr>
-        <p:blipFill>
-          <a:blip r:embed="rId2"/>
-          <a:srcRect l="-54613" r="-54613"/>
-          <a:stretch>
-            <a:fillRect/>
-          </a:stretch>
-        </p:blipFill>
-        <p:spPr bwMode="auto">
-          <a:xfrm>
-            <a:off x="937729" y="1839301"/>
-            <a:ext cx="7143750" cy="3928802"/>
-          </a:xfrm>
-          <a:prstGeom prst="rect">
-            <a:avLst/>
-          </a:prstGeom>
-          <a:noFill/>
-          <a:ln w="9525">
-            <a:noFill/>
-            <a:miter lim="800000"/>
-            <a:headEnd/>
-            <a:tailEnd/>
-          </a:ln>
-        </p:spPr>
-      </p:pic>
-      <p:sp>
-        <p:nvSpPr>
-          <p:cNvPr id="7" name="Titre 3"/>
-          <p:cNvSpPr txBox="1">
-            <a:spLocks/>
-          </p:cNvSpPr>
-          <p:nvPr/>
-        </p:nvSpPr>
-        <p:spPr bwMode="auto">
-          <a:xfrm>
-            <a:off x="609600" y="1132015"/>
-            <a:ext cx="8229600" cy="626997"/>
-          </a:xfrm>
-          <a:prstGeom prst="rect">
-            <a:avLst/>
-          </a:prstGeom>
-          <a:noFill/>
-          <a:ln w="9525">
-            <a:noFill/>
-            <a:miter lim="800000"/>
-            <a:headEnd/>
-            <a:tailEnd/>
-          </a:ln>
-        </p:spPr>
-        <p:txBody>
-          <a:bodyPr vert="horz" wrap="square" lIns="91440" tIns="45720" rIns="91440" bIns="45720" numCol="1" anchor="ctr" anchorCtr="0" compatLnSpc="1">
-            <a:prstTxWarp prst="textNoShape">
-              <a:avLst/>
-            </a:prstTxWarp>
-          </a:bodyPr>
-          <a:lstStyle/>
-          <a:p>
-            <a:pPr lvl="0" fontAlgn="base">
-              <a:spcBef>
-                <a:spcPct val="0"/>
-              </a:spcBef>
-              <a:spcAft>
-                <a:spcPct val="0"/>
-              </a:spcAft>
-              <a:defRPr/>
-            </a:pPr>
-            <a:r>
-              <a:rPr lang="fr-FR" sz="3600" dirty="0" smtClean="0">
-                <a:latin typeface="+mj-lt"/>
-                <a:ea typeface="ＭＳ Ｐゴシック" charset="-128"/>
-                <a:cs typeface="ＭＳ Ｐゴシック" charset="-128"/>
-              </a:rPr>
-              <a:t>Démonstration</a:t>
-            </a:r>
-            <a:endParaRPr kumimoji="0" lang="fr-FR" sz="3600" b="0" i="0" u="none" strike="noStrike" kern="1200" cap="none" spc="0" normalizeH="0" baseline="0" noProof="0" dirty="0">
-              <a:ln>
-                <a:noFill/>
-              </a:ln>
-              <a:effectLst/>
-              <a:uLnTx/>
-              <a:uFillTx/>
-              <a:latin typeface="+mj-lt"/>
-              <a:ea typeface="ＭＳ Ｐゴシック" charset="-128"/>
-              <a:cs typeface="ＭＳ Ｐゴシック" charset="-128"/>
             </a:endParaRPr>
           </a:p>
         </p:txBody>
@@ -4776,7 +4705,7 @@
                   <a:schemeClr val="bg1"/>
                 </a:solidFill>
               </a:rPr>
-              <a:t>IOS</a:t>
+              <a:t>Communication</a:t>
             </a:r>
             <a:endParaRPr lang="fr-FR" dirty="0">
               <a:solidFill>
@@ -4788,7 +4717,7 @@
       </p:sp>
       <p:sp>
         <p:nvSpPr>
-          <p:cNvPr id="8" name="Espace réservé du contenu 7"/>
+          <p:cNvPr id="7" name="Espace réservé du contenu 7"/>
           <p:cNvSpPr>
             <a:spLocks noGrp="1"/>
           </p:cNvSpPr>
@@ -4798,18 +4727,141 @@
         </p:nvSpPr>
         <p:spPr>
           <a:xfrm>
-            <a:off x="457200" y="1068224"/>
-            <a:ext cx="8229600" cy="5170206"/>
+            <a:off x="457200" y="1905712"/>
+            <a:ext cx="8229600" cy="4320000"/>
           </a:xfrm>
         </p:spPr>
         <p:txBody>
           <a:bodyPr/>
           <a:lstStyle/>
           <a:p>
-            <a:endParaRPr lang="fr-FR" sz="2000" dirty="0" smtClean="0">
+            <a:r>
+              <a:rPr lang="fr-FR" sz="2400" smtClean="0">
+                <a:solidFill>
+                  <a:schemeClr val="accent5"/>
+                </a:solidFill>
+              </a:rPr>
+              <a:t>1944 téléchargement (unique ?)</a:t>
+            </a:r>
+            <a:endParaRPr lang="fr-FR" sz="2400" dirty="0" smtClean="0">
               <a:solidFill>
                 <a:schemeClr val="accent5"/>
               </a:solidFill>
+            </a:endParaRPr>
+          </a:p>
+          <a:p>
+            <a:r>
+              <a:rPr lang="fr-FR" sz="2400" dirty="0" smtClean="0">
+                <a:solidFill>
+                  <a:schemeClr val="accent5"/>
+                </a:solidFill>
+              </a:rPr>
+              <a:t>615 utilisateurs actifs</a:t>
+            </a:r>
+          </a:p>
+          <a:p>
+            <a:r>
+              <a:rPr lang="fr-FR" sz="2400" dirty="0" smtClean="0">
+                <a:solidFill>
+                  <a:schemeClr val="accent5"/>
+                </a:solidFill>
+              </a:rPr>
+              <a:t>XXXX actions (a voir avec le </a:t>
+            </a:r>
+            <a:r>
+              <a:rPr lang="fr-FR" sz="2400" dirty="0" err="1" smtClean="0">
+                <a:solidFill>
+                  <a:schemeClr val="accent5"/>
+                </a:solidFill>
+              </a:rPr>
+              <a:t>google</a:t>
+            </a:r>
+            <a:r>
+              <a:rPr lang="fr-FR" sz="2400" dirty="0" smtClean="0">
+                <a:solidFill>
+                  <a:schemeClr val="accent5"/>
+                </a:solidFill>
+              </a:rPr>
+              <a:t> </a:t>
+            </a:r>
+            <a:r>
+              <a:rPr lang="fr-FR" sz="2400" dirty="0" err="1" smtClean="0">
+                <a:solidFill>
+                  <a:schemeClr val="accent5"/>
+                </a:solidFill>
+              </a:rPr>
+              <a:t>analytics</a:t>
+            </a:r>
+            <a:r>
+              <a:rPr lang="fr-FR" sz="2400" dirty="0" smtClean="0">
+                <a:solidFill>
+                  <a:schemeClr val="accent5"/>
+                </a:solidFill>
+              </a:rPr>
+              <a:t>)</a:t>
+            </a:r>
+          </a:p>
+        </p:txBody>
+      </p:sp>
+      <p:sp>
+        <p:nvSpPr>
+          <p:cNvPr id="9" name="Titre 3"/>
+          <p:cNvSpPr txBox="1">
+            <a:spLocks/>
+          </p:cNvSpPr>
+          <p:nvPr/>
+        </p:nvSpPr>
+        <p:spPr bwMode="auto">
+          <a:xfrm>
+            <a:off x="609600" y="1132015"/>
+            <a:ext cx="8229600" cy="626997"/>
+          </a:xfrm>
+          <a:prstGeom prst="rect">
+            <a:avLst/>
+          </a:prstGeom>
+          <a:noFill/>
+          <a:ln w="9525">
+            <a:noFill/>
+            <a:miter lim="800000"/>
+            <a:headEnd/>
+            <a:tailEnd/>
+          </a:ln>
+        </p:spPr>
+        <p:txBody>
+          <a:bodyPr vert="horz" wrap="square" lIns="91440" tIns="45720" rIns="91440" bIns="45720" numCol="1" anchor="ctr" anchorCtr="0" compatLnSpc="1">
+            <a:prstTxWarp prst="textNoShape">
+              <a:avLst/>
+            </a:prstTxWarp>
+          </a:bodyPr>
+          <a:lstStyle/>
+          <a:p>
+            <a:pPr lvl="0" fontAlgn="base">
+              <a:spcBef>
+                <a:spcPct val="0"/>
+              </a:spcBef>
+              <a:spcAft>
+                <a:spcPct val="0"/>
+              </a:spcAft>
+              <a:defRPr/>
+            </a:pPr>
+            <a:r>
+              <a:rPr lang="fr-FR" sz="3600" dirty="0" smtClean="0">
+                <a:latin typeface="+mj-lt"/>
+                <a:ea typeface="ＭＳ Ｐゴシック" charset="-128"/>
+                <a:cs typeface="ＭＳ Ｐゴシック" charset="-128"/>
+              </a:rPr>
+              <a:t>Statistiques</a:t>
+            </a:r>
+            <a:endParaRPr kumimoji="0" lang="fr-FR" sz="3600" b="0" i="0" u="none" strike="noStrike" kern="1200" cap="none" spc="0" normalizeH="0" baseline="0" noProof="0" dirty="0">
+              <a:ln>
+                <a:noFill/>
+              </a:ln>
+              <a:effectLst/>
+              <a:uLnTx/>
+              <a:uFillTx/>
+              <a:latin typeface="+mj-lt"/>
+              <a:ea typeface="ＭＳ Ｐゴシック" charset="-128"/>
+              <a:cs typeface="ＭＳ Ｐゴシック" charset="-128"/>
             </a:endParaRPr>
           </a:p>
         </p:txBody>
@@ -4873,7 +4925,7 @@
                   <a:schemeClr val="bg1"/>
                 </a:solidFill>
               </a:rPr>
-              <a:t>Bilan</a:t>
+              <a:t>Conclusion</a:t>
             </a:r>
             <a:endParaRPr lang="fr-FR" dirty="0">
               <a:solidFill>
@@ -4885,28 +4937,205 @@
       </p:sp>
       <p:sp>
         <p:nvSpPr>
-          <p:cNvPr id="8" name="Espace réservé du contenu 7"/>
-          <p:cNvSpPr>
-            <a:spLocks noGrp="1"/>
-          </p:cNvSpPr>
-          <p:nvPr>
-            <p:ph idx="1"/>
-          </p:nvPr>
-        </p:nvSpPr>
-        <p:spPr>
+          <p:cNvPr id="5" name="Espace réservé du contenu 7"/>
+          <p:cNvSpPr txBox="1">
+            <a:spLocks/>
+          </p:cNvSpPr>
+          <p:nvPr/>
+        </p:nvSpPr>
+        <p:spPr bwMode="auto">
           <a:xfrm>
-            <a:off x="457200" y="1068224"/>
-            <a:ext cx="8229600" cy="5170206"/>
+            <a:off x="457200" y="1905712"/>
+            <a:ext cx="8229600" cy="4320000"/>
           </a:xfrm>
+          <a:prstGeom prst="rect">
+            <a:avLst/>
+          </a:prstGeom>
+          <a:noFill/>
+          <a:ln w="9525">
+            <a:noFill/>
+            <a:miter lim="800000"/>
+            <a:headEnd/>
+            <a:tailEnd/>
+          </a:ln>
         </p:spPr>
         <p:txBody>
-          <a:bodyPr/>
+          <a:bodyPr vert="horz" wrap="square" lIns="91440" tIns="45720" rIns="91440" bIns="45720" numCol="1" anchor="t" anchorCtr="0" compatLnSpc="1">
+            <a:prstTxWarp prst="textNoShape">
+              <a:avLst/>
+            </a:prstTxWarp>
+          </a:bodyPr>
           <a:lstStyle/>
           <a:p>
-            <a:endParaRPr lang="fr-FR" sz="2000" dirty="0" smtClean="0">
+            <a:pPr>
+              <a:buClr>
+                <a:schemeClr val="accent5"/>
+              </a:buClr>
+              <a:buFont typeface="Arial" pitchFamily="34" charset="0"/>
+              <a:buChar char="•"/>
+            </a:pPr>
+            <a:r>
+              <a:rPr lang="fr-FR" sz="2400" dirty="0" smtClean="0">
+                <a:solidFill>
+                  <a:schemeClr val="accent5"/>
+                </a:solidFill>
+              </a:rPr>
+              <a:t>Application Web en version Alpha</a:t>
+            </a:r>
+          </a:p>
+          <a:p>
+            <a:pPr>
+              <a:buClr>
+                <a:schemeClr val="accent5"/>
+              </a:buClr>
+              <a:buFont typeface="Arial" pitchFamily="34" charset="0"/>
+              <a:buChar char="•"/>
+            </a:pPr>
+            <a:r>
+              <a:rPr lang="fr-FR" sz="2400" dirty="0" smtClean="0">
+                <a:solidFill>
+                  <a:schemeClr val="accent5"/>
+                </a:solidFill>
+              </a:rPr>
+              <a:t>Version </a:t>
+            </a:r>
+            <a:r>
+              <a:rPr lang="fr-FR" sz="2400" dirty="0" err="1" smtClean="0">
+                <a:solidFill>
+                  <a:schemeClr val="accent5"/>
+                </a:solidFill>
+              </a:rPr>
+              <a:t>Android</a:t>
+            </a:r>
+            <a:r>
+              <a:rPr lang="fr-FR" sz="2400" dirty="0" smtClean="0">
+                <a:solidFill>
+                  <a:schemeClr val="accent5"/>
+                </a:solidFill>
+              </a:rPr>
+              <a:t> disponible en Beta</a:t>
+            </a:r>
+          </a:p>
+          <a:p>
+            <a:pPr>
+              <a:buClr>
+                <a:schemeClr val="accent5"/>
+              </a:buClr>
+              <a:buFont typeface="Arial" pitchFamily="34" charset="0"/>
+              <a:buChar char="•"/>
+            </a:pPr>
+            <a:r>
+              <a:rPr lang="fr-FR" sz="2400" dirty="0" smtClean="0">
+                <a:solidFill>
+                  <a:schemeClr val="accent5"/>
+                </a:solidFill>
+              </a:rPr>
+              <a:t>Version Windows Phone 7 en développement</a:t>
+            </a:r>
+          </a:p>
+          <a:p>
+            <a:pPr>
+              <a:buClr>
+                <a:schemeClr val="accent5"/>
+              </a:buClr>
+              <a:buFont typeface="Arial" pitchFamily="34" charset="0"/>
+              <a:buChar char="•"/>
+            </a:pPr>
+            <a:endParaRPr lang="fr-FR" sz="2400" dirty="0" smtClean="0">
               <a:solidFill>
                 <a:schemeClr val="accent5"/>
               </a:solidFill>
+            </a:endParaRPr>
+          </a:p>
+          <a:p>
+            <a:pPr>
+              <a:buClr>
+                <a:schemeClr val="accent5"/>
+              </a:buClr>
+              <a:buFont typeface="Arial" pitchFamily="34" charset="0"/>
+              <a:buChar char="•"/>
+            </a:pPr>
+            <a:r>
+              <a:rPr lang="fr-FR" sz="2400" dirty="0" smtClean="0">
+                <a:solidFill>
+                  <a:schemeClr val="accent5"/>
+                </a:solidFill>
+              </a:rPr>
+              <a:t>Fonctionnalités </a:t>
+            </a:r>
+          </a:p>
+          <a:p>
+            <a:pPr>
+              <a:buFont typeface="Arial" pitchFamily="34" charset="0"/>
+              <a:buChar char="•"/>
+            </a:pPr>
+            <a:endParaRPr lang="fr-FR" sz="2400" dirty="0" smtClean="0">
+              <a:solidFill>
+                <a:schemeClr val="accent5"/>
+              </a:solidFill>
+            </a:endParaRPr>
+          </a:p>
+        </p:txBody>
+      </p:sp>
+      <p:sp>
+        <p:nvSpPr>
+          <p:cNvPr id="6" name="Titre 3"/>
+          <p:cNvSpPr txBox="1">
+            <a:spLocks/>
+          </p:cNvSpPr>
+          <p:nvPr/>
+        </p:nvSpPr>
+        <p:spPr bwMode="auto">
+          <a:xfrm>
+            <a:off x="609600" y="1132015"/>
+            <a:ext cx="8229600" cy="626997"/>
+          </a:xfrm>
+          <a:prstGeom prst="rect">
+            <a:avLst/>
+          </a:prstGeom>
+          <a:noFill/>
+          <a:ln w="9525">
+            <a:noFill/>
+            <a:miter lim="800000"/>
+            <a:headEnd/>
+            <a:tailEnd/>
+          </a:ln>
+        </p:spPr>
+        <p:txBody>
+          <a:bodyPr vert="horz" wrap="square" lIns="91440" tIns="45720" rIns="91440" bIns="45720" numCol="1" anchor="ctr" anchorCtr="0" compatLnSpc="1">
+            <a:prstTxWarp prst="textNoShape">
+              <a:avLst/>
+            </a:prstTxWarp>
+          </a:bodyPr>
+          <a:lstStyle/>
+          <a:p>
+            <a:pPr lvl="0" fontAlgn="base">
+              <a:spcBef>
+                <a:spcPct val="0"/>
+              </a:spcBef>
+              <a:spcAft>
+                <a:spcPct val="0"/>
+              </a:spcAft>
+              <a:defRPr/>
+            </a:pPr>
+            <a:r>
+              <a:rPr lang="fr-FR" sz="3600" dirty="0" smtClean="0">
+                <a:latin typeface="+mj-lt"/>
+                <a:ea typeface="ＭＳ Ｐゴシック" charset="-128"/>
+                <a:cs typeface="ＭＳ Ｐゴシック" charset="-128"/>
+              </a:rPr>
+              <a:t>Bilan</a:t>
+            </a:r>
+            <a:endParaRPr kumimoji="0" lang="fr-FR" sz="3600" b="0" i="0" u="none" strike="noStrike" kern="1200" cap="none" spc="0" normalizeH="0" baseline="0" noProof="0" dirty="0">
+              <a:ln>
+                <a:noFill/>
+              </a:ln>
+              <a:effectLst/>
+              <a:uLnTx/>
+              <a:uFillTx/>
+              <a:latin typeface="+mj-lt"/>
+              <a:ea typeface="ＭＳ Ｐゴシック" charset="-128"/>
+              <a:cs typeface="ＭＳ Ｐゴシック" charset="-128"/>
             </a:endParaRPr>
           </a:p>
         </p:txBody>
@@ -4982,7 +5211,78 @@
       </p:sp>
       <p:sp>
         <p:nvSpPr>
-          <p:cNvPr id="8" name="Espace réservé du contenu 7"/>
+          <p:cNvPr id="5" name="Titre 3"/>
+          <p:cNvSpPr txBox="1">
+            <a:spLocks/>
+          </p:cNvSpPr>
+          <p:nvPr/>
+        </p:nvSpPr>
+        <p:spPr bwMode="auto">
+          <a:xfrm>
+            <a:off x="609600" y="1132015"/>
+            <a:ext cx="8229600" cy="626997"/>
+          </a:xfrm>
+          <a:prstGeom prst="rect">
+            <a:avLst/>
+          </a:prstGeom>
+          <a:noFill/>
+          <a:ln w="9525">
+            <a:noFill/>
+            <a:miter lim="800000"/>
+            <a:headEnd/>
+            <a:tailEnd/>
+          </a:ln>
+        </p:spPr>
+        <p:txBody>
+          <a:bodyPr vert="horz" wrap="square" lIns="91440" tIns="45720" rIns="91440" bIns="45720" numCol="1" anchor="ctr" anchorCtr="0" compatLnSpc="1">
+            <a:prstTxWarp prst="textNoShape">
+              <a:avLst/>
+            </a:prstTxWarp>
+          </a:bodyPr>
+          <a:lstStyle/>
+          <a:p>
+            <a:pPr marL="0" marR="0" lvl="0" indent="0" algn="l" defTabSz="457200" rtl="0" eaLnBrk="1" fontAlgn="base" latinLnBrk="0" hangingPunct="1">
+              <a:lnSpc>
+                <a:spcPct val="100000"/>
+              </a:lnSpc>
+              <a:spcBef>
+                <a:spcPct val="0"/>
+              </a:spcBef>
+              <a:spcAft>
+                <a:spcPct val="0"/>
+              </a:spcAft>
+              <a:buClrTx/>
+              <a:buSzTx/>
+              <a:buFontTx/>
+              <a:buNone/>
+              <a:tabLst/>
+              <a:defRPr/>
+            </a:pPr>
+            <a:r>
+              <a:rPr lang="fr-FR" sz="3600" noProof="0" dirty="0" smtClean="0">
+                <a:latin typeface="+mj-lt"/>
+                <a:ea typeface="ＭＳ Ｐゴシック" charset="-128"/>
+                <a:cs typeface="ＭＳ Ｐゴシック" charset="-128"/>
+              </a:rPr>
+              <a:t>Ouverture</a:t>
+            </a:r>
+            <a:endParaRPr kumimoji="0" lang="fr-FR" sz="3600" b="0" i="0" u="none" strike="noStrike" kern="1200" cap="none" spc="0" normalizeH="0" baseline="0" noProof="0" dirty="0">
+              <a:ln>
+                <a:noFill/>
+              </a:ln>
+              <a:effectLst/>
+              <a:uLnTx/>
+              <a:uFillTx/>
+              <a:latin typeface="+mj-lt"/>
+              <a:ea typeface="ＭＳ Ｐゴシック" charset="-128"/>
+              <a:cs typeface="ＭＳ Ｐゴシック" charset="-128"/>
+            </a:endParaRPr>
+          </a:p>
+        </p:txBody>
+      </p:sp>
+      <p:sp>
+        <p:nvSpPr>
+          <p:cNvPr id="6" name="Espace réservé du contenu 5"/>
           <p:cNvSpPr>
             <a:spLocks noGrp="1"/>
           </p:cNvSpPr>
@@ -4992,8 +5292,8 @@
         </p:nvSpPr>
         <p:spPr>
           <a:xfrm>
-            <a:off x="457200" y="1068224"/>
-            <a:ext cx="8229600" cy="5170206"/>
+            <a:off x="457200" y="1797808"/>
+            <a:ext cx="8229600" cy="762512"/>
           </a:xfrm>
         </p:spPr>
         <p:txBody>
@@ -5001,52 +5301,311 @@
           <a:lstStyle/>
           <a:p>
             <a:pPr>
+              <a:buClr>
+                <a:schemeClr val="accent5"/>
+              </a:buClr>
               <a:buNone/>
             </a:pPr>
             <a:r>
-              <a:rPr lang="fr-FR" sz="2000" dirty="0" smtClean="0">
-                <a:solidFill>
-                  <a:schemeClr val="accent5"/>
-                </a:solidFill>
-              </a:rPr>
-              <a:t>(un </a:t>
-            </a:r>
-            <a:r>
-              <a:rPr lang="fr-FR" sz="2000" dirty="0" err="1" smtClean="0">
-                <a:solidFill>
-                  <a:schemeClr val="accent5"/>
-                </a:solidFill>
-              </a:rPr>
-              <a:t>slide</a:t>
-            </a:r>
-            <a:r>
-              <a:rPr lang="fr-FR" sz="2000" dirty="0" smtClean="0">
-                <a:solidFill>
-                  <a:schemeClr val="accent5"/>
-                </a:solidFill>
-              </a:rPr>
-              <a:t> ou passage directement à 17 ce </a:t>
-            </a:r>
-            <a:r>
-              <a:rPr lang="fr-FR" sz="2000" smtClean="0">
-                <a:solidFill>
-                  <a:schemeClr val="accent5"/>
-                </a:solidFill>
-              </a:rPr>
-              <a:t>qui permettra </a:t>
-            </a:r>
-            <a:r>
-              <a:rPr lang="fr-FR" sz="2000" dirty="0" smtClean="0">
-                <a:solidFill>
-                  <a:schemeClr val="accent5"/>
-                </a:solidFill>
-              </a:rPr>
-              <a:t>d’enchainer sur les questions)</a:t>
-            </a:r>
-            <a:endParaRPr lang="fr-FR" sz="2000" dirty="0" smtClean="0">
+              <a:rPr lang="fr-FR" sz="2800" dirty="0" smtClean="0">
+                <a:solidFill>
+                  <a:schemeClr val="accent5"/>
+                </a:solidFill>
+              </a:rPr>
+              <a:t>Gros potentiel restant à exploiter :</a:t>
+            </a:r>
+          </a:p>
+          <a:p>
+            <a:pPr>
+              <a:buClr>
+                <a:schemeClr val="accent5"/>
+              </a:buClr>
+              <a:buNone/>
+            </a:pPr>
+            <a:endParaRPr lang="fr-FR" sz="2800" dirty="0" smtClean="0">
               <a:solidFill>
                 <a:schemeClr val="accent5"/>
               </a:solidFill>
+            </a:endParaRPr>
+          </a:p>
+        </p:txBody>
+      </p:sp>
+      <p:sp>
+        <p:nvSpPr>
+          <p:cNvPr id="7" name="Espace réservé du contenu 5"/>
+          <p:cNvSpPr txBox="1">
+            <a:spLocks/>
+          </p:cNvSpPr>
+          <p:nvPr/>
+        </p:nvSpPr>
+        <p:spPr bwMode="auto">
+          <a:xfrm>
+            <a:off x="457200" y="2560320"/>
+            <a:ext cx="8229600" cy="3182112"/>
+          </a:xfrm>
+          <a:prstGeom prst="rect">
+            <a:avLst/>
+          </a:prstGeom>
+          <a:noFill/>
+          <a:ln w="9525">
+            <a:noFill/>
+            <a:miter lim="800000"/>
+            <a:headEnd/>
+            <a:tailEnd/>
+          </a:ln>
+        </p:spPr>
+        <p:txBody>
+          <a:bodyPr vert="horz" wrap="square" lIns="91440" tIns="45720" rIns="91440" bIns="45720" numCol="1" anchor="t" anchorCtr="0" compatLnSpc="1">
+            <a:prstTxWarp prst="textNoShape">
+              <a:avLst/>
+            </a:prstTxWarp>
+          </a:bodyPr>
+          <a:lstStyle/>
+          <a:p>
+            <a:pPr marL="342900" marR="0" lvl="0" indent="-342900" algn="l" defTabSz="457200" rtl="0" eaLnBrk="1" fontAlgn="base" latinLnBrk="0" hangingPunct="1">
+              <a:lnSpc>
+                <a:spcPct val="100000"/>
+              </a:lnSpc>
+              <a:spcBef>
+                <a:spcPct val="20000"/>
+              </a:spcBef>
+              <a:spcAft>
+                <a:spcPct val="0"/>
+              </a:spcAft>
+              <a:buClr>
+                <a:schemeClr val="accent5"/>
+              </a:buClr>
+              <a:buSzTx/>
+              <a:buFont typeface="Arial" charset="0"/>
+              <a:buChar char="•"/>
+              <a:tabLst/>
+              <a:defRPr/>
+            </a:pPr>
+            <a:r>
+              <a:rPr kumimoji="0" lang="fr-FR" sz="2400" b="0" i="0" u="none" strike="noStrike" kern="1200" cap="none" spc="0" normalizeH="0" baseline="0" noProof="0" dirty="0" smtClean="0">
+                <a:ln>
+                  <a:noFill/>
+                </a:ln>
+                <a:solidFill>
+                  <a:schemeClr val="accent5"/>
+                </a:solidFill>
+                <a:effectLst/>
+                <a:uLnTx/>
+                <a:uFillTx/>
+                <a:latin typeface="+mn-lt"/>
+                <a:ea typeface="ＭＳ Ｐゴシック" charset="-128"/>
+                <a:cs typeface="ＭＳ Ｐゴシック" charset="-128"/>
+              </a:rPr>
+              <a:t>Ajout de nouveaux</a:t>
+            </a:r>
+            <a:r>
+              <a:rPr kumimoji="0" lang="fr-FR" sz="2400" b="0" i="0" u="none" strike="noStrike" kern="1200" cap="none" spc="0" normalizeH="0" noProof="0" dirty="0" smtClean="0">
+                <a:ln>
+                  <a:noFill/>
+                </a:ln>
+                <a:solidFill>
+                  <a:schemeClr val="accent5"/>
+                </a:solidFill>
+                <a:effectLst/>
+                <a:uLnTx/>
+                <a:uFillTx/>
+                <a:latin typeface="+mn-lt"/>
+                <a:ea typeface="ＭＳ Ｐゴシック" charset="-128"/>
+                <a:cs typeface="ＭＳ Ｐゴシック" charset="-128"/>
+              </a:rPr>
+              <a:t> réseau sociaux (</a:t>
+            </a:r>
+            <a:r>
+              <a:rPr kumimoji="0" lang="fr-FR" sz="2400" b="0" i="0" u="none" strike="noStrike" kern="1200" cap="none" spc="0" normalizeH="0" noProof="0" dirty="0" err="1" smtClean="0">
+                <a:ln>
+                  <a:noFill/>
+                </a:ln>
+                <a:solidFill>
+                  <a:schemeClr val="accent5"/>
+                </a:solidFill>
+                <a:effectLst/>
+                <a:uLnTx/>
+                <a:uFillTx/>
+                <a:latin typeface="+mn-lt"/>
+                <a:ea typeface="ＭＳ Ｐゴシック" charset="-128"/>
+                <a:cs typeface="ＭＳ Ｐゴシック" charset="-128"/>
+              </a:rPr>
+              <a:t>google</a:t>
+            </a:r>
+            <a:r>
+              <a:rPr kumimoji="0" lang="fr-FR" sz="2400" b="0" i="0" u="none" strike="noStrike" kern="1200" cap="none" spc="0" normalizeH="0" noProof="0" dirty="0" smtClean="0">
+                <a:ln>
+                  <a:noFill/>
+                </a:ln>
+                <a:solidFill>
+                  <a:schemeClr val="accent5"/>
+                </a:solidFill>
+                <a:effectLst/>
+                <a:uLnTx/>
+                <a:uFillTx/>
+                <a:latin typeface="+mn-lt"/>
+                <a:ea typeface="ＭＳ Ｐゴシック" charset="-128"/>
+                <a:cs typeface="ＭＳ Ｐゴシック" charset="-128"/>
+              </a:rPr>
+              <a:t> +, </a:t>
+            </a:r>
+            <a:r>
+              <a:rPr kumimoji="0" lang="fr-FR" sz="2400" b="0" i="0" u="none" strike="noStrike" kern="1200" cap="none" spc="0" normalizeH="0" noProof="0" dirty="0" err="1" smtClean="0">
+                <a:ln>
+                  <a:noFill/>
+                </a:ln>
+                <a:solidFill>
+                  <a:schemeClr val="accent5"/>
+                </a:solidFill>
+                <a:effectLst/>
+                <a:uLnTx/>
+                <a:uFillTx/>
+                <a:latin typeface="+mn-lt"/>
+                <a:ea typeface="ＭＳ Ｐゴシック" charset="-128"/>
+                <a:cs typeface="ＭＳ Ｐゴシック" charset="-128"/>
+              </a:rPr>
+              <a:t>linkedin</a:t>
+            </a:r>
+            <a:r>
+              <a:rPr kumimoji="0" lang="fr-FR" sz="2400" b="0" i="0" u="none" strike="noStrike" kern="1200" cap="none" spc="0" normalizeH="0" noProof="0" dirty="0" smtClean="0">
+                <a:ln>
+                  <a:noFill/>
+                </a:ln>
+                <a:solidFill>
+                  <a:schemeClr val="accent5"/>
+                </a:solidFill>
+                <a:effectLst/>
+                <a:uLnTx/>
+                <a:uFillTx/>
+                <a:latin typeface="+mn-lt"/>
+                <a:ea typeface="ＭＳ Ｐゴシック" charset="-128"/>
+                <a:cs typeface="ＭＳ Ｐゴシック" charset="-128"/>
+              </a:rPr>
+              <a:t>…)</a:t>
+            </a:r>
+            <a:endParaRPr kumimoji="0" lang="fr-FR" sz="2400" b="0" i="0" u="none" strike="noStrike" kern="1200" cap="none" spc="0" normalizeH="0" baseline="0" noProof="0" dirty="0" smtClean="0">
+              <a:ln>
+                <a:noFill/>
+              </a:ln>
+              <a:solidFill>
+                <a:schemeClr val="accent5"/>
+              </a:solidFill>
+              <a:effectLst/>
+              <a:uLnTx/>
+              <a:uFillTx/>
+              <a:latin typeface="+mn-lt"/>
+              <a:ea typeface="ＭＳ Ｐゴシック" charset="-128"/>
+              <a:cs typeface="ＭＳ Ｐゴシック" charset="-128"/>
+            </a:endParaRPr>
+          </a:p>
+          <a:p>
+            <a:pPr marL="342900" marR="0" lvl="0" indent="-342900" algn="l" defTabSz="457200" rtl="0" eaLnBrk="1" fontAlgn="base" latinLnBrk="0" hangingPunct="1">
+              <a:lnSpc>
+                <a:spcPct val="100000"/>
+              </a:lnSpc>
+              <a:spcBef>
+                <a:spcPct val="20000"/>
+              </a:spcBef>
+              <a:spcAft>
+                <a:spcPct val="0"/>
+              </a:spcAft>
+              <a:buClr>
+                <a:schemeClr val="accent5"/>
+              </a:buClr>
+              <a:buSzTx/>
+              <a:buFont typeface="Arial" charset="0"/>
+              <a:buChar char="•"/>
+              <a:tabLst/>
+              <a:defRPr/>
+            </a:pPr>
+            <a:r>
+              <a:rPr kumimoji="0" lang="fr-FR" sz="2400" b="0" i="0" u="none" strike="noStrike" kern="1200" cap="none" spc="0" normalizeH="0" baseline="0" noProof="0" dirty="0" smtClean="0">
+                <a:ln>
+                  <a:noFill/>
+                </a:ln>
+                <a:solidFill>
+                  <a:schemeClr val="accent5"/>
+                </a:solidFill>
+                <a:effectLst/>
+                <a:uLnTx/>
+                <a:uFillTx/>
+                <a:latin typeface="+mn-lt"/>
+                <a:ea typeface="ＭＳ Ｐゴシック" charset="-128"/>
+                <a:cs typeface="ＭＳ Ｐゴシック" charset="-128"/>
+              </a:rPr>
+              <a:t>Développement de</a:t>
+            </a:r>
+            <a:r>
+              <a:rPr lang="fr-FR" sz="2400" dirty="0" smtClean="0">
+                <a:solidFill>
+                  <a:schemeClr val="accent5"/>
+                </a:solidFill>
+                <a:ea typeface="ＭＳ Ｐゴシック" charset="-128"/>
+                <a:cs typeface="ＭＳ Ｐゴシック" charset="-128"/>
+              </a:rPr>
+              <a:t>s versions Windows Phone et </a:t>
+            </a:r>
+            <a:r>
+              <a:rPr lang="fr-FR" sz="2400" dirty="0" err="1" smtClean="0">
+                <a:solidFill>
+                  <a:schemeClr val="accent5"/>
+                </a:solidFill>
+                <a:ea typeface="ＭＳ Ｐゴシック" charset="-128"/>
+                <a:cs typeface="ＭＳ Ｐゴシック" charset="-128"/>
+              </a:rPr>
+              <a:t>iPhone</a:t>
+            </a:r>
+            <a:endParaRPr lang="fr-FR" sz="2400" dirty="0" smtClean="0">
+              <a:solidFill>
+                <a:schemeClr val="accent5"/>
+              </a:solidFill>
+              <a:ea typeface="ＭＳ Ｐゴシック" charset="-128"/>
+              <a:cs typeface="ＭＳ Ｐゴシック" charset="-128"/>
+            </a:endParaRPr>
+          </a:p>
+          <a:p>
+            <a:pPr marL="342900" marR="0" lvl="0" indent="-342900" algn="l" defTabSz="457200" rtl="0" eaLnBrk="1" fontAlgn="base" latinLnBrk="0" hangingPunct="1">
+              <a:lnSpc>
+                <a:spcPct val="100000"/>
+              </a:lnSpc>
+              <a:spcBef>
+                <a:spcPct val="20000"/>
+              </a:spcBef>
+              <a:spcAft>
+                <a:spcPct val="0"/>
+              </a:spcAft>
+              <a:buClr>
+                <a:schemeClr val="accent5"/>
+              </a:buClr>
+              <a:buSzTx/>
+              <a:buFont typeface="Arial" charset="0"/>
+              <a:buChar char="•"/>
+              <a:tabLst/>
+              <a:defRPr/>
+            </a:pPr>
+            <a:r>
+              <a:rPr lang="fr-FR" sz="2400" dirty="0" smtClean="0">
+                <a:solidFill>
+                  <a:schemeClr val="accent5"/>
+                </a:solidFill>
+                <a:ea typeface="ＭＳ Ｐゴシック" charset="-128"/>
+                <a:cs typeface="ＭＳ Ｐゴシック" charset="-128"/>
+              </a:rPr>
+              <a:t>Ajout de nouvelles fonctionnalités exclusives</a:t>
+            </a:r>
+            <a:endParaRPr kumimoji="0" lang="fr-FR" sz="2400" b="0" i="0" u="none" strike="noStrike" kern="1200" cap="none" spc="0" normalizeH="0" baseline="0" noProof="0" dirty="0" smtClean="0">
+              <a:ln>
+                <a:noFill/>
+              </a:ln>
+              <a:solidFill>
+                <a:schemeClr val="accent5"/>
+              </a:solidFill>
+              <a:effectLst/>
+              <a:uLnTx/>
+              <a:uFillTx/>
+              <a:latin typeface="+mn-lt"/>
+              <a:ea typeface="ＭＳ Ｐゴシック" charset="-128"/>
+              <a:cs typeface="ＭＳ Ｐゴシック" charset="-128"/>
             </a:endParaRPr>
           </a:p>
         </p:txBody>
@@ -6263,7 +6822,7 @@
                   <a:schemeClr val="bg1"/>
                 </a:solidFill>
               </a:rPr>
-              <a:t>Présentation du projet</a:t>
+              <a:t>Introduction</a:t>
             </a:r>
             <a:endParaRPr lang="fr-FR" dirty="0">
               <a:solidFill>
@@ -6286,7 +6845,7 @@
         <p:spPr>
           <a:xfrm>
             <a:off x="457201" y="1939203"/>
-            <a:ext cx="8229600" cy="4085582"/>
+            <a:ext cx="8229600" cy="575397"/>
           </a:xfrm>
         </p:spPr>
         <p:txBody>
@@ -6297,261 +6856,15 @@
               <a:buClr>
                 <a:schemeClr val="accent5"/>
               </a:buClr>
+              <a:buNone/>
             </a:pPr>
             <a:r>
-              <a:rPr lang="fr-FR" sz="2400" dirty="0" smtClean="0">
-                <a:solidFill>
-                  <a:schemeClr val="accent5"/>
-                </a:solidFill>
-              </a:rPr>
-              <a:t>EIP – </a:t>
-            </a:r>
-            <a:r>
-              <a:rPr lang="fr-FR" sz="2400" dirty="0" err="1" smtClean="0">
-                <a:solidFill>
-                  <a:schemeClr val="accent5"/>
-                </a:solidFill>
-              </a:rPr>
-              <a:t>Epitech</a:t>
-            </a:r>
-            <a:r>
-              <a:rPr lang="fr-FR" sz="2400" dirty="0" smtClean="0">
-                <a:solidFill>
-                  <a:schemeClr val="accent5"/>
-                </a:solidFill>
-              </a:rPr>
-              <a:t> Innovation Projet</a:t>
-            </a:r>
-          </a:p>
-          <a:p>
-            <a:pPr>
-              <a:buClr>
-                <a:schemeClr val="accent5"/>
-              </a:buClr>
-            </a:pPr>
-            <a:r>
-              <a:rPr lang="fr-FR" sz="2400" dirty="0" smtClean="0">
-                <a:solidFill>
-                  <a:schemeClr val="accent5"/>
-                </a:solidFill>
-              </a:rPr>
-              <a:t>Outils de Centralisation de Réseau </a:t>
-            </a:r>
-            <a:r>
-              <a:rPr lang="fr-FR" sz="2400" dirty="0" err="1" smtClean="0">
-                <a:solidFill>
-                  <a:schemeClr val="accent5"/>
-                </a:solidFill>
-              </a:rPr>
-              <a:t>Socieaux</a:t>
-            </a:r>
-            <a:endParaRPr lang="fr-FR" sz="2400" dirty="0" smtClean="0">
-              <a:solidFill>
-                <a:schemeClr val="accent5"/>
-              </a:solidFill>
-            </a:endParaRPr>
-          </a:p>
-          <a:p>
-            <a:pPr lvl="1">
-              <a:buClr>
-                <a:schemeClr val="accent5"/>
-              </a:buClr>
-            </a:pPr>
-            <a:r>
-              <a:rPr lang="fr-FR" sz="2400" dirty="0" err="1" smtClean="0">
-                <a:solidFill>
-                  <a:schemeClr val="accent5"/>
-                </a:solidFill>
-              </a:rPr>
-              <a:t>Facebook</a:t>
-            </a:r>
-            <a:r>
-              <a:rPr lang="fr-FR" sz="2400" dirty="0" smtClean="0">
-                <a:solidFill>
-                  <a:schemeClr val="accent5"/>
-                </a:solidFill>
-              </a:rPr>
-              <a:t> – 750 millions  de membres actifs</a:t>
-            </a:r>
-          </a:p>
-          <a:p>
-            <a:pPr lvl="1">
-              <a:buClr>
-                <a:schemeClr val="accent5"/>
-              </a:buClr>
-            </a:pPr>
-            <a:r>
-              <a:rPr lang="fr-FR" sz="2400" dirty="0" err="1" smtClean="0">
-                <a:solidFill>
-                  <a:schemeClr val="accent5"/>
-                </a:solidFill>
-              </a:rPr>
-              <a:t>Twitter</a:t>
-            </a:r>
-            <a:r>
-              <a:rPr lang="fr-FR" sz="2400" dirty="0" smtClean="0">
-                <a:solidFill>
-                  <a:schemeClr val="accent5"/>
-                </a:solidFill>
-              </a:rPr>
-              <a:t> – 50 millions de membres actifs</a:t>
-            </a:r>
-          </a:p>
-          <a:p>
-            <a:pPr>
-              <a:buClr>
-                <a:schemeClr val="accent5"/>
-              </a:buClr>
-            </a:pPr>
-            <a:r>
-              <a:rPr lang="fr-FR" sz="2400" dirty="0" smtClean="0">
-                <a:solidFill>
-                  <a:schemeClr val="accent5"/>
-                </a:solidFill>
-              </a:rPr>
-              <a:t>Supports </a:t>
-            </a:r>
-          </a:p>
-          <a:p>
-            <a:pPr lvl="1">
-              <a:buClr>
-                <a:schemeClr val="accent5"/>
-              </a:buClr>
-            </a:pPr>
-            <a:r>
-              <a:rPr lang="fr-FR" sz="2000" dirty="0" smtClean="0">
-                <a:solidFill>
-                  <a:schemeClr val="accent5"/>
-                </a:solidFill>
-              </a:rPr>
-              <a:t>PC/Mac/Linux – Microsoft </a:t>
-            </a:r>
-            <a:r>
-              <a:rPr lang="fr-FR" sz="2000" dirty="0" err="1" smtClean="0">
-                <a:solidFill>
-                  <a:schemeClr val="accent5"/>
-                </a:solidFill>
-              </a:rPr>
-              <a:t>Silverlight</a:t>
-            </a:r>
-            <a:endParaRPr lang="fr-FR" sz="2000" dirty="0" smtClean="0">
-              <a:solidFill>
-                <a:schemeClr val="accent5"/>
-              </a:solidFill>
-            </a:endParaRPr>
-          </a:p>
-          <a:p>
-            <a:pPr lvl="1">
-              <a:buClr>
-                <a:schemeClr val="accent5"/>
-              </a:buClr>
-            </a:pPr>
-            <a:r>
-              <a:rPr lang="fr-FR" sz="2000" dirty="0" err="1" smtClean="0">
-                <a:solidFill>
-                  <a:schemeClr val="accent5"/>
-                </a:solidFill>
-              </a:rPr>
-              <a:t>Android</a:t>
-            </a:r>
-            <a:r>
-              <a:rPr lang="fr-FR" sz="2000" dirty="0" smtClean="0">
-                <a:solidFill>
-                  <a:schemeClr val="accent5"/>
-                </a:solidFill>
-              </a:rPr>
-              <a:t> – Java</a:t>
-            </a:r>
-          </a:p>
-          <a:p>
-            <a:pPr lvl="1">
-              <a:buClr>
-                <a:schemeClr val="accent5"/>
-              </a:buClr>
-            </a:pPr>
-            <a:r>
-              <a:rPr lang="fr-FR" sz="2000" dirty="0" smtClean="0">
-                <a:solidFill>
-                  <a:schemeClr val="accent5"/>
-                </a:solidFill>
-              </a:rPr>
-              <a:t>Windows Phone 7 – Microsoft </a:t>
-            </a:r>
-            <a:r>
-              <a:rPr lang="fr-FR" sz="2000" dirty="0" err="1" smtClean="0">
-                <a:solidFill>
-                  <a:schemeClr val="accent5"/>
-                </a:solidFill>
-              </a:rPr>
-              <a:t>Silverlight</a:t>
-            </a:r>
-            <a:endParaRPr lang="fr-FR" sz="2000" dirty="0" smtClean="0">
-              <a:solidFill>
-                <a:schemeClr val="accent5"/>
-              </a:solidFill>
-            </a:endParaRPr>
-          </a:p>
-          <a:p>
-            <a:pPr>
-              <a:buClr>
-                <a:schemeClr val="accent5"/>
-              </a:buClr>
-            </a:pPr>
-            <a:r>
-              <a:rPr lang="fr-FR" sz="2400" dirty="0" smtClean="0">
-                <a:solidFill>
-                  <a:schemeClr val="accent5"/>
-                </a:solidFill>
-              </a:rPr>
-              <a:t>Envisagé puis mis de côté : </a:t>
-            </a:r>
-            <a:r>
-              <a:rPr lang="fr-FR" sz="2400" dirty="0" err="1" smtClean="0">
-                <a:solidFill>
-                  <a:schemeClr val="accent5"/>
-                </a:solidFill>
-              </a:rPr>
-              <a:t>MySpace</a:t>
-            </a:r>
-            <a:r>
-              <a:rPr lang="fr-FR" sz="2400" dirty="0" smtClean="0">
-                <a:solidFill>
-                  <a:schemeClr val="accent5"/>
-                </a:solidFill>
-              </a:rPr>
-              <a:t>, </a:t>
-            </a:r>
-            <a:r>
-              <a:rPr lang="fr-FR" sz="2400" dirty="0" err="1" smtClean="0">
-                <a:solidFill>
-                  <a:schemeClr val="accent5"/>
-                </a:solidFill>
-              </a:rPr>
-              <a:t>LinkedIn</a:t>
-            </a:r>
-            <a:r>
-              <a:rPr lang="fr-FR" sz="2400" dirty="0" smtClean="0">
-                <a:solidFill>
-                  <a:schemeClr val="accent5"/>
-                </a:solidFill>
-              </a:rPr>
-              <a:t>, </a:t>
-            </a:r>
-            <a:r>
-              <a:rPr lang="fr-FR" sz="2400" dirty="0" err="1" smtClean="0">
-                <a:solidFill>
-                  <a:schemeClr val="accent5"/>
-                </a:solidFill>
-              </a:rPr>
-              <a:t>Digg</a:t>
-            </a:r>
-            <a:r>
-              <a:rPr lang="fr-FR" sz="2400" dirty="0" smtClean="0">
-                <a:solidFill>
-                  <a:schemeClr val="accent5"/>
-                </a:solidFill>
-              </a:rPr>
-              <a:t>,…</a:t>
+              <a:rPr lang="fr-FR" sz="2800" dirty="0" smtClean="0">
+                <a:solidFill>
+                  <a:schemeClr val="accent5"/>
+                </a:solidFill>
+              </a:rPr>
+              <a:t>EIP – Etna Innovation Project</a:t>
             </a:r>
           </a:p>
         </p:txBody>
@@ -6606,12 +6919,18 @@
               <a:defRPr/>
             </a:pPr>
             <a:r>
-              <a:rPr lang="fr-FR" sz="3600" dirty="0" err="1" smtClean="0">
+              <a:rPr kumimoji="0" lang="fr-FR" sz="3600" b="0" i="0" u="none" strike="noStrike" kern="1200" cap="none" spc="0" normalizeH="0" baseline="0" noProof="0" dirty="0" smtClean="0">
+                <a:ln>
+                  <a:noFill/>
+                </a:ln>
+                <a:effectLst/>
+                <a:uLnTx/>
+                <a:uFillTx/>
                 <a:latin typeface="+mj-lt"/>
                 <a:ea typeface="ＭＳ Ｐゴシック" charset="-128"/>
                 <a:cs typeface="ＭＳ Ｐゴシック" charset="-128"/>
               </a:rPr>
-              <a:t>myNetWork</a:t>
+              <a:t>Contexte du projet</a:t>
             </a:r>
             <a:endParaRPr kumimoji="0" lang="fr-FR" sz="3600" b="0" i="0" u="none" strike="noStrike" kern="1200" cap="none" spc="0" normalizeH="0" baseline="0" noProof="0" dirty="0">
               <a:ln>
@@ -6621,6 +6940,226 @@
               <a:uLnTx/>
               <a:uFillTx/>
               <a:latin typeface="+mj-lt"/>
+              <a:ea typeface="ＭＳ Ｐゴシック" charset="-128"/>
+              <a:cs typeface="ＭＳ Ｐゴシック" charset="-128"/>
+            </a:endParaRPr>
+          </a:p>
+        </p:txBody>
+      </p:sp>
+      <p:sp>
+        <p:nvSpPr>
+          <p:cNvPr id="7" name="Espace réservé du contenu 5"/>
+          <p:cNvSpPr txBox="1">
+            <a:spLocks/>
+          </p:cNvSpPr>
+          <p:nvPr/>
+        </p:nvSpPr>
+        <p:spPr bwMode="auto">
+          <a:xfrm>
+            <a:off x="457200" y="2624328"/>
+            <a:ext cx="8229600" cy="3364992"/>
+          </a:xfrm>
+          <a:prstGeom prst="rect">
+            <a:avLst/>
+          </a:prstGeom>
+          <a:noFill/>
+          <a:ln w="9525">
+            <a:noFill/>
+            <a:miter lim="800000"/>
+            <a:headEnd/>
+            <a:tailEnd/>
+          </a:ln>
+        </p:spPr>
+        <p:txBody>
+          <a:bodyPr vert="horz" wrap="square" lIns="91440" tIns="45720" rIns="91440" bIns="45720" numCol="1" anchor="t" anchorCtr="0" compatLnSpc="1">
+            <a:prstTxWarp prst="textNoShape">
+              <a:avLst/>
+            </a:prstTxWarp>
+          </a:bodyPr>
+          <a:lstStyle/>
+          <a:p>
+            <a:pPr marL="342900" marR="0" lvl="0" indent="-342900" algn="l" defTabSz="457200" rtl="0" eaLnBrk="1" fontAlgn="base" latinLnBrk="0" hangingPunct="1">
+              <a:lnSpc>
+                <a:spcPct val="100000"/>
+              </a:lnSpc>
+              <a:spcBef>
+                <a:spcPct val="20000"/>
+              </a:spcBef>
+              <a:spcAft>
+                <a:spcPct val="0"/>
+              </a:spcAft>
+              <a:buClr>
+                <a:schemeClr val="accent5"/>
+              </a:buClr>
+              <a:buSzTx/>
+              <a:buFont typeface="Arial" charset="0"/>
+              <a:buChar char="•"/>
+              <a:tabLst/>
+              <a:defRPr/>
+            </a:pPr>
+            <a:r>
+              <a:rPr kumimoji="0" lang="fr-FR" sz="3200" b="0" i="0" u="none" strike="noStrike" kern="1200" cap="none" spc="0" normalizeH="0" baseline="0" noProof="0" dirty="0" smtClean="0">
+                <a:ln>
+                  <a:noFill/>
+                </a:ln>
+                <a:solidFill>
+                  <a:schemeClr val="accent5"/>
+                </a:solidFill>
+                <a:effectLst/>
+                <a:uLnTx/>
+                <a:uFillTx/>
+                <a:latin typeface="+mn-lt"/>
+                <a:ea typeface="ＭＳ Ｐゴシック" charset="-128"/>
+                <a:cs typeface="ＭＳ Ｐゴシック" charset="-128"/>
+              </a:rPr>
+              <a:t>Gestion de projet</a:t>
+            </a:r>
+          </a:p>
+          <a:p>
+            <a:pPr marL="342900" marR="0" lvl="0" indent="-342900" algn="l" defTabSz="457200" rtl="0" eaLnBrk="1" fontAlgn="base" latinLnBrk="0" hangingPunct="1">
+              <a:lnSpc>
+                <a:spcPct val="100000"/>
+              </a:lnSpc>
+              <a:spcBef>
+                <a:spcPct val="20000"/>
+              </a:spcBef>
+              <a:spcAft>
+                <a:spcPct val="0"/>
+              </a:spcAft>
+              <a:buClr>
+                <a:schemeClr val="accent5"/>
+              </a:buClr>
+              <a:buSzTx/>
+              <a:buFont typeface="Arial" charset="0"/>
+              <a:buChar char="•"/>
+              <a:tabLst/>
+              <a:defRPr/>
+            </a:pPr>
+            <a:r>
+              <a:rPr lang="fr-FR" sz="3200" dirty="0" smtClean="0">
+                <a:solidFill>
+                  <a:schemeClr val="accent5"/>
+                </a:solidFill>
+                <a:ea typeface="ＭＳ Ｐゴシック" charset="-128"/>
+                <a:cs typeface="ＭＳ Ｐゴシック" charset="-128"/>
+              </a:rPr>
+              <a:t>Marketing</a:t>
+            </a:r>
+          </a:p>
+          <a:p>
+            <a:pPr marL="342900" marR="0" lvl="0" indent="-342900" algn="l" defTabSz="457200" rtl="0" eaLnBrk="1" fontAlgn="base" latinLnBrk="0" hangingPunct="1">
+              <a:lnSpc>
+                <a:spcPct val="100000"/>
+              </a:lnSpc>
+              <a:spcBef>
+                <a:spcPct val="20000"/>
+              </a:spcBef>
+              <a:spcAft>
+                <a:spcPct val="0"/>
+              </a:spcAft>
+              <a:buClr>
+                <a:schemeClr val="accent5"/>
+              </a:buClr>
+              <a:buSzTx/>
+              <a:buFont typeface="Arial" charset="0"/>
+              <a:buChar char="•"/>
+              <a:tabLst/>
+              <a:defRPr/>
+            </a:pPr>
+            <a:r>
+              <a:rPr kumimoji="0" lang="fr-FR" sz="3200" b="0" i="0" u="none" strike="noStrike" kern="1200" cap="none" spc="0" normalizeH="0" baseline="0" noProof="0" dirty="0" smtClean="0">
+                <a:ln>
+                  <a:noFill/>
+                </a:ln>
+                <a:solidFill>
+                  <a:schemeClr val="accent5"/>
+                </a:solidFill>
+                <a:effectLst/>
+                <a:uLnTx/>
+                <a:uFillTx/>
+                <a:latin typeface="+mn-lt"/>
+                <a:ea typeface="ＭＳ Ｐゴシック" charset="-128"/>
+                <a:cs typeface="ＭＳ Ｐゴシック" charset="-128"/>
+              </a:rPr>
+              <a:t>Suivi qualité</a:t>
+            </a:r>
+          </a:p>
+          <a:p>
+            <a:pPr marL="342900" marR="0" lvl="0" indent="-342900" algn="l" defTabSz="457200" rtl="0" eaLnBrk="1" fontAlgn="base" latinLnBrk="0" hangingPunct="1">
+              <a:lnSpc>
+                <a:spcPct val="100000"/>
+              </a:lnSpc>
+              <a:spcBef>
+                <a:spcPct val="20000"/>
+              </a:spcBef>
+              <a:spcAft>
+                <a:spcPct val="0"/>
+              </a:spcAft>
+              <a:buClr>
+                <a:schemeClr val="accent5"/>
+              </a:buClr>
+              <a:buSzTx/>
+              <a:buFont typeface="Arial" charset="0"/>
+              <a:buChar char="•"/>
+              <a:tabLst/>
+              <a:defRPr/>
+            </a:pPr>
+            <a:r>
+              <a:rPr lang="fr-FR" sz="3200" dirty="0" smtClean="0">
+                <a:solidFill>
+                  <a:schemeClr val="accent5"/>
+                </a:solidFill>
+                <a:ea typeface="ＭＳ Ｐゴシック" charset="-128"/>
+                <a:cs typeface="ＭＳ Ｐゴシック" charset="-128"/>
+              </a:rPr>
+              <a:t>Maitrise de différentes technologies et langage de programmation</a:t>
+            </a:r>
+            <a:endParaRPr kumimoji="0" lang="fr-FR" sz="3200" b="0" i="0" u="none" strike="noStrike" kern="1200" cap="none" spc="0" normalizeH="0" baseline="0" noProof="0" dirty="0" smtClean="0">
+              <a:ln>
+                <a:noFill/>
+              </a:ln>
+              <a:solidFill>
+                <a:schemeClr val="accent5"/>
+              </a:solidFill>
+              <a:effectLst/>
+              <a:uLnTx/>
+              <a:uFillTx/>
+              <a:latin typeface="+mn-lt"/>
+              <a:ea typeface="ＭＳ Ｐゴシック" charset="-128"/>
+              <a:cs typeface="ＭＳ Ｐゴシック" charset="-128"/>
+            </a:endParaRPr>
+          </a:p>
+          <a:p>
+            <a:pPr marL="342900" marR="0" lvl="0" indent="-342900" algn="l" defTabSz="457200" rtl="0" eaLnBrk="1" fontAlgn="base" latinLnBrk="0" hangingPunct="1">
+              <a:lnSpc>
+                <a:spcPct val="100000"/>
+              </a:lnSpc>
+              <a:spcBef>
+                <a:spcPct val="20000"/>
+              </a:spcBef>
+              <a:spcAft>
+                <a:spcPct val="0"/>
+              </a:spcAft>
+              <a:buClr>
+                <a:schemeClr val="accent5"/>
+              </a:buClr>
+              <a:buSzTx/>
+              <a:buFont typeface="Arial" charset="0"/>
+              <a:buChar char="•"/>
+              <a:tabLst/>
+              <a:defRPr/>
+            </a:pPr>
+            <a:endParaRPr kumimoji="0" lang="fr-FR" sz="3200" b="0" i="0" u="none" strike="noStrike" kern="1200" cap="none" spc="0" normalizeH="0" baseline="0" noProof="0" dirty="0" smtClean="0">
+              <a:ln>
+                <a:noFill/>
+              </a:ln>
+              <a:solidFill>
+                <a:schemeClr val="accent5"/>
+              </a:solidFill>
+              <a:effectLst/>
+              <a:uLnTx/>
+              <a:uFillTx/>
+              <a:latin typeface="+mn-lt"/>
               <a:ea typeface="ＭＳ Ｐゴシック" charset="-128"/>
               <a:cs typeface="ＭＳ Ｐゴシック" charset="-128"/>
             </a:endParaRPr>
@@ -6686,7 +7225,7 @@
                   <a:schemeClr val="bg1"/>
                 </a:solidFill>
               </a:rPr>
-              <a:t>Etude de l’existant</a:t>
+              <a:t>Présentation du projet</a:t>
             </a:r>
             <a:endParaRPr lang="fr-FR" dirty="0">
               <a:solidFill>
@@ -6698,7 +7237,7 @@
       </p:sp>
       <p:sp>
         <p:nvSpPr>
-          <p:cNvPr id="8" name="Espace réservé du contenu 7"/>
+          <p:cNvPr id="6" name="Espace réservé du contenu 5"/>
           <p:cNvSpPr>
             <a:spLocks noGrp="1"/>
           </p:cNvSpPr>
@@ -6708,50 +7247,161 @@
         </p:nvSpPr>
         <p:spPr>
           <a:xfrm>
-            <a:off x="457200" y="1068224"/>
-            <a:ext cx="8229600" cy="5170206"/>
+            <a:off x="457201" y="1939203"/>
+            <a:ext cx="8229600" cy="4085582"/>
           </a:xfrm>
         </p:spPr>
         <p:txBody>
           <a:bodyPr/>
           <a:lstStyle/>
           <a:p>
+            <a:pPr>
+              <a:buClr>
+                <a:schemeClr val="accent5"/>
+              </a:buClr>
+            </a:pPr>
             <a:r>
               <a:rPr lang="fr-FR" sz="2400" dirty="0" smtClean="0">
                 <a:solidFill>
                   <a:schemeClr val="accent5"/>
                 </a:solidFill>
               </a:rPr>
-              <a:t>Moins d'une dizaine d'acteur sur le marché</a:t>
-            </a:r>
-          </a:p>
-          <a:p>
+              <a:t>Outils </a:t>
+            </a:r>
             <a:r>
               <a:rPr lang="fr-FR" sz="2400" dirty="0" smtClean="0">
                 <a:solidFill>
                   <a:schemeClr val="accent5"/>
                 </a:solidFill>
               </a:rPr>
-              <a:t>Les plus utilisé alliant les deux réseau: </a:t>
-            </a:r>
-          </a:p>
-          <a:p>
-            <a:pPr lvl="1"/>
-            <a:r>
-              <a:rPr lang="fr-FR" sz="2000" b="1" dirty="0" err="1" smtClean="0">
-                <a:solidFill>
-                  <a:schemeClr val="accent5"/>
-                </a:solidFill>
-              </a:rPr>
-              <a:t>Seesmic</a:t>
-            </a:r>
+              <a:t>de Centralisation de Réseau </a:t>
+            </a:r>
+            <a:r>
+              <a:rPr lang="fr-FR" sz="2400" dirty="0" err="1" smtClean="0">
+                <a:solidFill>
+                  <a:schemeClr val="accent5"/>
+                </a:solidFill>
+              </a:rPr>
+              <a:t>Socieaux</a:t>
+            </a:r>
+            <a:endParaRPr lang="fr-FR" sz="2400" dirty="0" smtClean="0">
+              <a:solidFill>
+                <a:schemeClr val="accent5"/>
+              </a:solidFill>
+            </a:endParaRPr>
+          </a:p>
+          <a:p>
+            <a:pPr lvl="1">
+              <a:buClr>
+                <a:schemeClr val="accent5"/>
+              </a:buClr>
+            </a:pPr>
+            <a:r>
+              <a:rPr lang="fr-FR" sz="2400" dirty="0" err="1" smtClean="0">
+                <a:solidFill>
+                  <a:schemeClr val="accent5"/>
+                </a:solidFill>
+              </a:rPr>
+              <a:t>Facebook</a:t>
+            </a:r>
+            <a:r>
+              <a:rPr lang="fr-FR" sz="2400" dirty="0" smtClean="0">
+                <a:solidFill>
+                  <a:schemeClr val="accent5"/>
+                </a:solidFill>
+              </a:rPr>
+              <a:t> – 750 millions  de membres actifs</a:t>
+            </a:r>
+          </a:p>
+          <a:p>
+            <a:pPr lvl="1">
+              <a:buClr>
+                <a:schemeClr val="accent5"/>
+              </a:buClr>
+            </a:pPr>
+            <a:r>
+              <a:rPr lang="fr-FR" sz="2400" dirty="0" err="1" smtClean="0">
+                <a:solidFill>
+                  <a:schemeClr val="accent5"/>
+                </a:solidFill>
+              </a:rPr>
+              <a:t>Twitter</a:t>
+            </a:r>
+            <a:r>
+              <a:rPr lang="fr-FR" sz="2400" dirty="0" smtClean="0">
+                <a:solidFill>
+                  <a:schemeClr val="accent5"/>
+                </a:solidFill>
+              </a:rPr>
+              <a:t> – 50 millions de membres </a:t>
+            </a:r>
+            <a:r>
+              <a:rPr lang="fr-FR" sz="2400" dirty="0" smtClean="0">
+                <a:solidFill>
+                  <a:schemeClr val="accent5"/>
+                </a:solidFill>
+              </a:rPr>
+              <a:t>actifs</a:t>
+            </a:r>
+          </a:p>
+          <a:p>
+            <a:pPr lvl="1">
+              <a:buClr>
+                <a:schemeClr val="accent5"/>
+              </a:buClr>
+            </a:pPr>
+            <a:r>
+              <a:rPr lang="fr-FR" sz="2400" dirty="0" smtClean="0">
+                <a:solidFill>
+                  <a:schemeClr val="bg2"/>
+                </a:solidFill>
+                <a:cs typeface="ＭＳ Ｐゴシック" charset="-128"/>
+              </a:rPr>
+              <a:t>Google + - 25 millions </a:t>
+            </a:r>
+            <a:r>
+              <a:rPr lang="fr-FR" sz="2400" dirty="0" smtClean="0">
+                <a:solidFill>
+                  <a:schemeClr val="bg2"/>
+                </a:solidFill>
+                <a:cs typeface="ＭＳ Ｐゴシック" charset="-128"/>
+              </a:rPr>
+              <a:t>d’utilisateurs</a:t>
+            </a:r>
+            <a:endParaRPr lang="fr-FR" sz="2400" dirty="0" smtClean="0">
+              <a:solidFill>
+                <a:schemeClr val="bg2"/>
+              </a:solidFill>
+            </a:endParaRPr>
+          </a:p>
+          <a:p>
+            <a:pPr>
+              <a:buClr>
+                <a:schemeClr val="accent5"/>
+              </a:buClr>
+            </a:pPr>
+            <a:r>
+              <a:rPr lang="fr-FR" sz="2400" dirty="0" smtClean="0">
+                <a:solidFill>
+                  <a:schemeClr val="accent5"/>
+                </a:solidFill>
+              </a:rPr>
+              <a:t>Supports </a:t>
+            </a:r>
+          </a:p>
+          <a:p>
+            <a:pPr lvl="1">
+              <a:buClr>
+                <a:schemeClr val="accent5"/>
+              </a:buClr>
+            </a:pPr>
             <a:r>
               <a:rPr lang="fr-FR" sz="2000" dirty="0" smtClean="0">
                 <a:solidFill>
                   <a:schemeClr val="accent5"/>
                 </a:solidFill>
               </a:rPr>
-              <a:t> – </a:t>
+              <a:t>PC/Mac/Linux – Microsoft </a:t>
             </a:r>
             <a:r>
               <a:rPr lang="fr-FR" sz="2000" dirty="0" err="1" smtClean="0">
@@ -6759,170 +7409,7 @@
                   <a:schemeClr val="accent5"/>
                 </a:solidFill>
               </a:rPr>
-              <a:t>Twitter</a:t>
-            </a:r>
-            <a:r>
-              <a:rPr lang="fr-FR" sz="2000" dirty="0" smtClean="0">
-                <a:solidFill>
-                  <a:schemeClr val="accent5"/>
-                </a:solidFill>
-              </a:rPr>
-              <a:t>, </a:t>
-            </a:r>
-            <a:r>
-              <a:rPr lang="fr-FR" sz="2000" dirty="0" err="1" smtClean="0">
-                <a:solidFill>
-                  <a:schemeClr val="accent5"/>
-                </a:solidFill>
-              </a:rPr>
-              <a:t>Facebook</a:t>
-            </a:r>
-            <a:r>
-              <a:rPr lang="fr-FR" sz="2000" dirty="0" smtClean="0">
-                <a:solidFill>
-                  <a:schemeClr val="accent5"/>
-                </a:solidFill>
-              </a:rPr>
-              <a:t> – PC/Mac/Linux (</a:t>
-            </a:r>
-            <a:r>
-              <a:rPr lang="fr-FR" sz="2000" dirty="0" err="1" smtClean="0">
-                <a:solidFill>
-                  <a:schemeClr val="accent5"/>
-                </a:solidFill>
-              </a:rPr>
               <a:t>Silverlight</a:t>
-            </a:r>
-            <a:r>
-              <a:rPr lang="fr-FR" sz="2000" dirty="0" smtClean="0">
-                <a:solidFill>
-                  <a:schemeClr val="accent5"/>
-                </a:solidFill>
-              </a:rPr>
-              <a:t>), </a:t>
-            </a:r>
-            <a:r>
-              <a:rPr lang="fr-FR" sz="2000" dirty="0" err="1" smtClean="0">
-                <a:solidFill>
-                  <a:schemeClr val="accent5"/>
-                </a:solidFill>
-              </a:rPr>
-              <a:t>Android</a:t>
-            </a:r>
-            <a:r>
-              <a:rPr lang="fr-FR" sz="2000" dirty="0" smtClean="0">
-                <a:solidFill>
-                  <a:schemeClr val="accent5"/>
-                </a:solidFill>
-              </a:rPr>
-              <a:t>, </a:t>
-            </a:r>
-            <a:r>
-              <a:rPr lang="fr-FR" sz="2000" dirty="0" err="1" smtClean="0">
-                <a:solidFill>
-                  <a:schemeClr val="accent5"/>
-                </a:solidFill>
-              </a:rPr>
-              <a:t>iPhone</a:t>
-            </a:r>
-            <a:r>
-              <a:rPr lang="fr-FR" sz="2000" dirty="0" smtClean="0">
-                <a:solidFill>
-                  <a:schemeClr val="accent5"/>
-                </a:solidFill>
-              </a:rPr>
-              <a:t>, WP7</a:t>
-            </a:r>
-          </a:p>
-          <a:p>
-            <a:pPr lvl="1"/>
-            <a:r>
-              <a:rPr lang="fr-FR" sz="2000" b="1" dirty="0" err="1" smtClean="0">
-                <a:solidFill>
-                  <a:schemeClr val="accent5"/>
-                </a:solidFill>
-              </a:rPr>
-              <a:t>TweetDeck</a:t>
-            </a:r>
-            <a:r>
-              <a:rPr lang="fr-FR" sz="2000" dirty="0" smtClean="0">
-                <a:solidFill>
-                  <a:schemeClr val="accent5"/>
-                </a:solidFill>
-              </a:rPr>
-              <a:t> – </a:t>
-            </a:r>
-            <a:r>
-              <a:rPr lang="fr-FR" sz="2000" dirty="0" err="1" smtClean="0">
-                <a:solidFill>
-                  <a:schemeClr val="accent5"/>
-                </a:solidFill>
-              </a:rPr>
-              <a:t>Twitter</a:t>
-            </a:r>
-            <a:r>
-              <a:rPr lang="fr-FR" sz="2000" dirty="0" smtClean="0">
-                <a:solidFill>
-                  <a:schemeClr val="accent5"/>
-                </a:solidFill>
-              </a:rPr>
-              <a:t>, </a:t>
-            </a:r>
-            <a:r>
-              <a:rPr lang="fr-FR" sz="2000" dirty="0" err="1" smtClean="0">
-                <a:solidFill>
-                  <a:schemeClr val="accent5"/>
-                </a:solidFill>
-              </a:rPr>
-              <a:t>Facebook</a:t>
-            </a:r>
-            <a:r>
-              <a:rPr lang="fr-FR" sz="2000" dirty="0" smtClean="0">
-                <a:solidFill>
-                  <a:schemeClr val="accent5"/>
-                </a:solidFill>
-              </a:rPr>
-              <a:t> – PC/Mac/Linux (Adobe Air ou Chrome </a:t>
-            </a:r>
-            <a:r>
-              <a:rPr lang="fr-FR" sz="2000" dirty="0" err="1" smtClean="0">
-                <a:solidFill>
-                  <a:schemeClr val="accent5"/>
-                </a:solidFill>
-              </a:rPr>
-              <a:t>extention</a:t>
-            </a:r>
-            <a:r>
-              <a:rPr lang="fr-FR" sz="2000" dirty="0" smtClean="0">
-                <a:solidFill>
-                  <a:schemeClr val="accent5"/>
-                </a:solidFill>
-              </a:rPr>
-              <a:t>), </a:t>
-            </a:r>
-            <a:r>
-              <a:rPr lang="fr-FR" sz="2000" dirty="0" err="1" smtClean="0">
-                <a:solidFill>
-                  <a:schemeClr val="accent5"/>
-                </a:solidFill>
-              </a:rPr>
-              <a:t>Android</a:t>
-            </a:r>
-            <a:r>
-              <a:rPr lang="fr-FR" sz="2000" dirty="0" smtClean="0">
-                <a:solidFill>
-                  <a:schemeClr val="accent5"/>
-                </a:solidFill>
-              </a:rPr>
-              <a:t>, </a:t>
-            </a:r>
-            <a:r>
-              <a:rPr lang="fr-FR" sz="2000" dirty="0" err="1" smtClean="0">
-                <a:solidFill>
-                  <a:schemeClr val="accent5"/>
-                </a:solidFill>
-              </a:rPr>
-              <a:t>iPhone</a:t>
             </a:r>
             <a:endParaRPr lang="fr-FR" sz="2000" dirty="0" smtClean="0">
               <a:solidFill>
@@ -6931,24 +7418,18 @@
             </a:endParaRPr>
           </a:p>
           <a:p>
-            <a:r>
-              <a:rPr lang="fr-FR" sz="2400" dirty="0" smtClean="0">
-                <a:solidFill>
-                  <a:schemeClr val="accent5"/>
-                </a:solidFill>
-              </a:rPr>
-              <a:t>Les gros acteur gérant un seul des réseau:</a:t>
-            </a:r>
-          </a:p>
-          <a:p>
-            <a:pPr lvl="1"/>
-            <a:r>
-              <a:rPr lang="fr-FR" sz="2000" b="1" dirty="0" err="1" smtClean="0">
-                <a:solidFill>
-                  <a:schemeClr val="accent5"/>
-                </a:solidFill>
-              </a:rPr>
-              <a:t>Facebook</a:t>
+            <a:pPr lvl="1">
+              <a:buClr>
+                <a:schemeClr val="accent5"/>
+              </a:buClr>
+            </a:pPr>
+            <a:r>
+              <a:rPr lang="fr-FR" sz="2000" dirty="0" err="1" smtClean="0">
+                <a:solidFill>
+                  <a:schemeClr val="accent5"/>
+                </a:solidFill>
+              </a:rPr>
+              <a:t>Android</a:t>
             </a:r>
             <a:r>
               <a:rPr lang="fr-FR" sz="2000" dirty="0" smtClean="0">
@@ -6956,26 +7437,22 @@
                   <a:schemeClr val="accent5"/>
                 </a:solidFill>
               </a:rPr>
-              <a:t> – Tout les supports</a:t>
-            </a:r>
-          </a:p>
-          <a:p>
-            <a:pPr lvl="1"/>
-            <a:r>
-              <a:rPr lang="fr-FR" sz="2000" b="1" dirty="0" err="1" smtClean="0">
-                <a:solidFill>
-                  <a:schemeClr val="accent5"/>
-                </a:solidFill>
-              </a:rPr>
-              <a:t>Twitter</a:t>
-            </a:r>
+              <a:t> – Java</a:t>
+            </a:r>
+          </a:p>
+          <a:p>
+            <a:pPr lvl="1">
+              <a:buClr>
+                <a:schemeClr val="accent5"/>
+              </a:buClr>
+            </a:pPr>
             <a:r>
               <a:rPr lang="fr-FR" sz="2000" dirty="0" smtClean="0">
                 <a:solidFill>
                   <a:schemeClr val="accent5"/>
                 </a:solidFill>
               </a:rPr>
-              <a:t> – Tout les </a:t>
+              <a:t>Windows Phone 7 – Microsoft </a:t>
             </a:r>
             <a:r>
               <a:rPr lang="fr-FR" sz="2000" dirty="0" err="1" smtClean="0">
@@ -6983,7 +7460,7 @@
                   <a:schemeClr val="accent5"/>
                 </a:solidFill>
               </a:rPr>
-              <a:t>suports</a:t>
+              <a:t>Silverlight</a:t>
             </a:r>
             <a:endParaRPr lang="fr-FR" sz="2000" dirty="0" smtClean="0">
               <a:solidFill>
@@ -6992,63 +7469,138 @@
             </a:endParaRPr>
           </a:p>
           <a:p>
-            <a:pPr lvl="1"/>
-            <a:r>
-              <a:rPr lang="fr-FR" sz="2000" b="1" dirty="0" smtClean="0">
-                <a:solidFill>
-                  <a:schemeClr val="accent5"/>
-                </a:solidFill>
-              </a:rPr>
-              <a:t>Microsoft </a:t>
-            </a:r>
-            <a:r>
-              <a:rPr lang="fr-FR" sz="2000" b="1" dirty="0" err="1" smtClean="0">
-                <a:solidFill>
-                  <a:schemeClr val="accent5"/>
-                </a:solidFill>
-              </a:rPr>
-              <a:t>Fishbowl</a:t>
-            </a:r>
-            <a:r>
-              <a:rPr lang="fr-FR" sz="2000" dirty="0" smtClean="0">
-                <a:solidFill>
-                  <a:schemeClr val="accent5"/>
-                </a:solidFill>
-              </a:rPr>
-              <a:t> – </a:t>
-            </a:r>
-            <a:r>
-              <a:rPr lang="fr-FR" sz="2000" dirty="0" err="1" smtClean="0">
-                <a:solidFill>
-                  <a:schemeClr val="accent5"/>
-                </a:solidFill>
-              </a:rPr>
-              <a:t>Facebook</a:t>
-            </a:r>
-            <a:r>
-              <a:rPr lang="fr-FR" sz="2000" dirty="0" smtClean="0">
-                <a:solidFill>
-                  <a:schemeClr val="accent5"/>
-                </a:solidFill>
-              </a:rPr>
-              <a:t> – </a:t>
-            </a:r>
-            <a:r>
-              <a:rPr lang="fr-FR" sz="2000" dirty="0" err="1" smtClean="0">
-                <a:solidFill>
-                  <a:schemeClr val="accent5"/>
-                </a:solidFill>
-              </a:rPr>
-              <a:t>Silverlight</a:t>
-            </a:r>
-            <a:r>
-              <a:rPr lang="fr-FR" sz="2000" dirty="0" smtClean="0">
-                <a:solidFill>
-                  <a:schemeClr val="accent5"/>
-                </a:solidFill>
-              </a:rPr>
-              <a:t> et WP7</a:t>
-            </a:r>
+            <a:pPr>
+              <a:buClr>
+                <a:schemeClr val="accent5"/>
+              </a:buClr>
+            </a:pPr>
+            <a:r>
+              <a:rPr lang="fr-FR" sz="2400" dirty="0" smtClean="0">
+                <a:solidFill>
+                  <a:schemeClr val="accent5"/>
+                </a:solidFill>
+              </a:rPr>
+              <a:t>Envisagé puis mis de côté : </a:t>
+            </a:r>
+            <a:r>
+              <a:rPr lang="fr-FR" sz="2400" dirty="0" err="1" smtClean="0">
+                <a:solidFill>
+                  <a:schemeClr val="accent5"/>
+                </a:solidFill>
+              </a:rPr>
+              <a:t>MySpace</a:t>
+            </a:r>
+            <a:r>
+              <a:rPr lang="fr-FR" sz="2400" dirty="0" smtClean="0">
+                <a:solidFill>
+                  <a:schemeClr val="accent5"/>
+                </a:solidFill>
+              </a:rPr>
+              <a:t>, </a:t>
+            </a:r>
+            <a:r>
+              <a:rPr lang="fr-FR" sz="2400" dirty="0" err="1" smtClean="0">
+                <a:solidFill>
+                  <a:schemeClr val="accent5"/>
+                </a:solidFill>
+              </a:rPr>
+              <a:t>LinkedIn</a:t>
+            </a:r>
+            <a:r>
+              <a:rPr lang="fr-FR" sz="2400" dirty="0" smtClean="0">
+                <a:solidFill>
+                  <a:schemeClr val="accent5"/>
+                </a:solidFill>
+              </a:rPr>
+              <a:t>, </a:t>
+            </a:r>
+            <a:r>
+              <a:rPr lang="fr-FR" sz="2400" dirty="0" err="1" smtClean="0">
+                <a:solidFill>
+                  <a:schemeClr val="accent5"/>
+                </a:solidFill>
+              </a:rPr>
+              <a:t>Digg</a:t>
+            </a:r>
+            <a:r>
+              <a:rPr lang="fr-FR" sz="2400" dirty="0" smtClean="0">
+                <a:solidFill>
+                  <a:schemeClr val="accent5"/>
+                </a:solidFill>
+              </a:rPr>
+              <a:t>,…</a:t>
+            </a:r>
+          </a:p>
+        </p:txBody>
+      </p:sp>
+      <p:sp>
+        <p:nvSpPr>
+          <p:cNvPr id="5" name="Titre 3"/>
+          <p:cNvSpPr txBox="1">
+            <a:spLocks/>
+          </p:cNvSpPr>
+          <p:nvPr/>
+        </p:nvSpPr>
+        <p:spPr bwMode="auto">
+          <a:xfrm>
+            <a:off x="609600" y="1132015"/>
+            <a:ext cx="8229600" cy="626997"/>
+          </a:xfrm>
+          <a:prstGeom prst="rect">
+            <a:avLst/>
+          </a:prstGeom>
+          <a:noFill/>
+          <a:ln w="9525">
+            <a:noFill/>
+            <a:miter lim="800000"/>
+            <a:headEnd/>
+            <a:tailEnd/>
+          </a:ln>
+        </p:spPr>
+        <p:txBody>
+          <a:bodyPr vert="horz" wrap="square" lIns="91440" tIns="45720" rIns="91440" bIns="45720" numCol="1" anchor="ctr" anchorCtr="0" compatLnSpc="1">
+            <a:prstTxWarp prst="textNoShape">
+              <a:avLst/>
+            </a:prstTxWarp>
+          </a:bodyPr>
+          <a:lstStyle/>
+          <a:p>
+            <a:pPr marL="0" marR="0" lvl="0" indent="0" algn="l" defTabSz="457200" rtl="0" eaLnBrk="1" fontAlgn="base" latinLnBrk="0" hangingPunct="1">
+              <a:lnSpc>
+                <a:spcPct val="100000"/>
+              </a:lnSpc>
+              <a:spcBef>
+                <a:spcPct val="0"/>
+              </a:spcBef>
+              <a:spcAft>
+                <a:spcPct val="0"/>
+              </a:spcAft>
+              <a:buClrTx/>
+              <a:buSzTx/>
+              <a:buFontTx/>
+              <a:buNone/>
+              <a:tabLst/>
+              <a:defRPr/>
+            </a:pPr>
+            <a:r>
+              <a:rPr lang="fr-FR" sz="3600" dirty="0" err="1" smtClean="0">
+                <a:latin typeface="+mj-lt"/>
+                <a:ea typeface="ＭＳ Ｐゴシック" charset="-128"/>
+                <a:cs typeface="ＭＳ Ｐゴシック" charset="-128"/>
+              </a:rPr>
+              <a:t>myNetWork</a:t>
+            </a:r>
+            <a:endParaRPr kumimoji="0" lang="fr-FR" sz="3600" b="0" i="0" u="none" strike="noStrike" kern="1200" cap="none" spc="0" normalizeH="0" baseline="0" noProof="0" dirty="0">
+              <a:ln>
+                <a:noFill/>
+              </a:ln>
+              <a:effectLst/>
+              <a:uLnTx/>
+              <a:uFillTx/>
+              <a:latin typeface="+mj-lt"/>
+              <a:ea typeface="ＭＳ Ｐゴシック" charset="-128"/>
+              <a:cs typeface="ＭＳ Ｐゴシック" charset="-128"/>
+            </a:endParaRPr>
           </a:p>
         </p:txBody>
       </p:sp>
@@ -7106,12 +7658,12 @@
           <a:p>
             <a:pPr algn="l"/>
             <a:r>
-              <a:rPr lang="fr-FR" dirty="0" err="1" smtClean="0">
+              <a:rPr lang="fr-FR" dirty="0" smtClean="0">
                 <a:solidFill>
                   <a:schemeClr val="bg1"/>
                 </a:solidFill>
               </a:rPr>
-              <a:t>Android</a:t>
+              <a:t>Etude de l’existant</a:t>
             </a:r>
             <a:endParaRPr lang="fr-FR" dirty="0">
               <a:solidFill>
@@ -7133,8 +7685,8 @@
         </p:nvSpPr>
         <p:spPr>
           <a:xfrm>
-            <a:off x="457200" y="1905712"/>
-            <a:ext cx="8229600" cy="4320000"/>
+            <a:off x="457200" y="1068224"/>
+            <a:ext cx="8229600" cy="5170206"/>
           </a:xfrm>
         </p:spPr>
         <p:txBody>
@@ -7147,7 +7699,7 @@
                   <a:schemeClr val="accent5"/>
                 </a:solidFill>
               </a:rPr>
-              <a:t>Fils d’actualités, liste d’amis des compte fusionné</a:t>
+              <a:t>Moins d'une dizaine d'acteur sur le marché</a:t>
             </a:r>
           </a:p>
           <a:p>
@@ -7157,27 +7709,199 @@
                   <a:schemeClr val="accent5"/>
                 </a:solidFill>
               </a:rPr>
-              <a:t>Post de statut multi comptes</a:t>
-            </a:r>
-          </a:p>
-          <a:p>
-            <a:r>
-              <a:rPr lang="fr-FR" sz="2400" dirty="0" smtClean="0">
-                <a:solidFill>
-                  <a:schemeClr val="accent5"/>
-                </a:solidFill>
-              </a:rPr>
-              <a:t>Chat </a:t>
-            </a:r>
-            <a:r>
-              <a:rPr lang="fr-FR" sz="2400" dirty="0" err="1" smtClean="0">
+              <a:t>Les plus utilisé alliant les deux réseau: </a:t>
+            </a:r>
+          </a:p>
+          <a:p>
+            <a:pPr lvl="1"/>
+            <a:r>
+              <a:rPr lang="fr-FR" sz="2000" b="1" dirty="0" err="1" smtClean="0">
+                <a:solidFill>
+                  <a:schemeClr val="accent5"/>
+                </a:solidFill>
+              </a:rPr>
+              <a:t>Seesmic</a:t>
+            </a:r>
+            <a:r>
+              <a:rPr lang="fr-FR" sz="2000" dirty="0" smtClean="0">
+                <a:solidFill>
+                  <a:schemeClr val="accent5"/>
+                </a:solidFill>
+              </a:rPr>
+              <a:t> – </a:t>
+            </a:r>
+            <a:r>
+              <a:rPr lang="fr-FR" sz="2000" dirty="0" err="1" smtClean="0">
+                <a:solidFill>
+                  <a:schemeClr val="accent5"/>
+                </a:solidFill>
+              </a:rPr>
+              <a:t>Twitter</a:t>
+            </a:r>
+            <a:r>
+              <a:rPr lang="fr-FR" sz="2000" dirty="0" smtClean="0">
+                <a:solidFill>
+                  <a:schemeClr val="accent5"/>
+                </a:solidFill>
+              </a:rPr>
+              <a:t>, </a:t>
+            </a:r>
+            <a:r>
+              <a:rPr lang="fr-FR" sz="2000" dirty="0" err="1" smtClean="0">
                 <a:solidFill>
                   <a:schemeClr val="accent5"/>
                 </a:solidFill>
               </a:rPr>
               <a:t>Facebook</a:t>
             </a:r>
-            <a:endParaRPr lang="fr-FR" sz="2400" dirty="0" smtClean="0">
+            <a:r>
+              <a:rPr lang="fr-FR" sz="2000" dirty="0" smtClean="0">
+                <a:solidFill>
+                  <a:schemeClr val="accent5"/>
+                </a:solidFill>
+              </a:rPr>
+              <a:t> – PC/Mac/Linux (</a:t>
+            </a:r>
+            <a:r>
+              <a:rPr lang="fr-FR" sz="2000" dirty="0" err="1" smtClean="0">
+                <a:solidFill>
+                  <a:schemeClr val="accent5"/>
+                </a:solidFill>
+              </a:rPr>
+              <a:t>Silverlight</a:t>
+            </a:r>
+            <a:r>
+              <a:rPr lang="fr-FR" sz="2000" dirty="0" smtClean="0">
+                <a:solidFill>
+                  <a:schemeClr val="accent5"/>
+                </a:solidFill>
+              </a:rPr>
+              <a:t>), </a:t>
+            </a:r>
+            <a:r>
+              <a:rPr lang="fr-FR" sz="2000" dirty="0" err="1" smtClean="0">
+                <a:solidFill>
+                  <a:schemeClr val="accent5"/>
+                </a:solidFill>
+              </a:rPr>
+              <a:t>Android</a:t>
+            </a:r>
+            <a:r>
+              <a:rPr lang="fr-FR" sz="2000" dirty="0" smtClean="0">
+                <a:solidFill>
+                  <a:schemeClr val="accent5"/>
+                </a:solidFill>
+              </a:rPr>
+              <a:t>, </a:t>
+            </a:r>
+            <a:r>
+              <a:rPr lang="fr-FR" sz="2000" dirty="0" err="1" smtClean="0">
+                <a:solidFill>
+                  <a:schemeClr val="accent5"/>
+                </a:solidFill>
+              </a:rPr>
+              <a:t>iPhone</a:t>
+            </a:r>
+            <a:r>
+              <a:rPr lang="fr-FR" sz="2000" dirty="0" smtClean="0">
+                <a:solidFill>
+                  <a:schemeClr val="accent5"/>
+                </a:solidFill>
+              </a:rPr>
+              <a:t>, WP7</a:t>
+            </a:r>
+          </a:p>
+          <a:p>
+            <a:pPr lvl="1"/>
+            <a:r>
+              <a:rPr lang="fr-FR" sz="2000" b="1" dirty="0" err="1" smtClean="0">
+                <a:solidFill>
+                  <a:schemeClr val="accent5"/>
+                </a:solidFill>
+              </a:rPr>
+              <a:t>TweetDeck</a:t>
+            </a:r>
+            <a:r>
+              <a:rPr lang="fr-FR" sz="2000" dirty="0" smtClean="0">
+                <a:solidFill>
+                  <a:schemeClr val="accent5"/>
+                </a:solidFill>
+              </a:rPr>
+              <a:t> – </a:t>
+            </a:r>
+            <a:r>
+              <a:rPr lang="fr-FR" sz="2000" dirty="0" err="1" smtClean="0">
+                <a:solidFill>
+                  <a:schemeClr val="accent5"/>
+                </a:solidFill>
+              </a:rPr>
+              <a:t>Twitter</a:t>
+            </a:r>
+            <a:r>
+              <a:rPr lang="fr-FR" sz="2000" dirty="0" smtClean="0">
+                <a:solidFill>
+                  <a:schemeClr val="accent5"/>
+                </a:solidFill>
+              </a:rPr>
+              <a:t>, </a:t>
+            </a:r>
+            <a:r>
+              <a:rPr lang="fr-FR" sz="2000" dirty="0" err="1" smtClean="0">
+                <a:solidFill>
+                  <a:schemeClr val="accent5"/>
+                </a:solidFill>
+              </a:rPr>
+              <a:t>Facebook</a:t>
+            </a:r>
+            <a:r>
+              <a:rPr lang="fr-FR" sz="2000" dirty="0" smtClean="0">
+                <a:solidFill>
+                  <a:schemeClr val="accent5"/>
+                </a:solidFill>
+              </a:rPr>
+              <a:t> – PC/Mac/Linux (Adobe Air ou Chrome </a:t>
+            </a:r>
+            <a:r>
+              <a:rPr lang="fr-FR" sz="2000" dirty="0" err="1" smtClean="0">
+                <a:solidFill>
+                  <a:schemeClr val="accent5"/>
+                </a:solidFill>
+              </a:rPr>
+              <a:t>extention</a:t>
+            </a:r>
+            <a:r>
+              <a:rPr lang="fr-FR" sz="2000" dirty="0" smtClean="0">
+                <a:solidFill>
+                  <a:schemeClr val="accent5"/>
+                </a:solidFill>
+              </a:rPr>
+              <a:t>), </a:t>
+            </a:r>
+            <a:r>
+              <a:rPr lang="fr-FR" sz="2000" dirty="0" err="1" smtClean="0">
+                <a:solidFill>
+                  <a:schemeClr val="accent5"/>
+                </a:solidFill>
+              </a:rPr>
+              <a:t>Android</a:t>
+            </a:r>
+            <a:r>
+              <a:rPr lang="fr-FR" sz="2000" dirty="0" smtClean="0">
+                <a:solidFill>
+                  <a:schemeClr val="accent5"/>
+                </a:solidFill>
+              </a:rPr>
+              <a:t>, </a:t>
+            </a:r>
+            <a:r>
+              <a:rPr lang="fr-FR" sz="2000" dirty="0" err="1" smtClean="0">
+                <a:solidFill>
+                  <a:schemeClr val="accent5"/>
+                </a:solidFill>
+              </a:rPr>
+              <a:t>iPhone</a:t>
+            </a:r>
+            <a:endParaRPr lang="fr-FR" sz="2000" dirty="0" smtClean="0">
               <a:solidFill>
                 <a:schemeClr val="accent5"/>
               </a:solidFill>
@@ -7190,137 +7914,118 @@
                   <a:schemeClr val="accent5"/>
                 </a:solidFill>
               </a:rPr>
-              <a:t>Recherche &amp; Trends </a:t>
-            </a:r>
-            <a:r>
-              <a:rPr lang="fr-FR" sz="2400" dirty="0" err="1" smtClean="0">
+              <a:t>Les gros acteur gérant un seul des réseau:</a:t>
+            </a:r>
+          </a:p>
+          <a:p>
+            <a:pPr lvl="1"/>
+            <a:r>
+              <a:rPr lang="fr-FR" sz="2000" b="1" dirty="0" err="1" smtClean="0">
+                <a:solidFill>
+                  <a:schemeClr val="accent5"/>
+                </a:solidFill>
+              </a:rPr>
+              <a:t>Facebook</a:t>
+            </a:r>
+            <a:r>
+              <a:rPr lang="fr-FR" sz="2000" dirty="0" smtClean="0">
+                <a:solidFill>
+                  <a:schemeClr val="accent5"/>
+                </a:solidFill>
+              </a:rPr>
+              <a:t> – Tout les supports</a:t>
+            </a:r>
+          </a:p>
+          <a:p>
+            <a:pPr lvl="1"/>
+            <a:r>
+              <a:rPr lang="fr-FR" sz="2000" b="1" dirty="0" err="1" smtClean="0">
                 <a:solidFill>
                   <a:schemeClr val="accent5"/>
                 </a:solidFill>
               </a:rPr>
               <a:t>Twitter</a:t>
             </a:r>
-            <a:endParaRPr lang="fr-FR" sz="2400" dirty="0" smtClean="0">
+            <a:r>
+              <a:rPr lang="fr-FR" sz="2000" dirty="0" smtClean="0">
+                <a:solidFill>
+                  <a:schemeClr val="accent5"/>
+                </a:solidFill>
+              </a:rPr>
+              <a:t> – Tout les </a:t>
+            </a:r>
+            <a:r>
+              <a:rPr lang="fr-FR" sz="2000" dirty="0" err="1" smtClean="0">
+                <a:solidFill>
+                  <a:schemeClr val="accent5"/>
+                </a:solidFill>
+              </a:rPr>
+              <a:t>suports</a:t>
+            </a:r>
+            <a:endParaRPr lang="fr-FR" sz="2000" dirty="0" smtClean="0">
               <a:solidFill>
                 <a:schemeClr val="accent5"/>
               </a:solidFill>
             </a:endParaRPr>
           </a:p>
           <a:p>
-            <a:r>
-              <a:rPr lang="fr-FR" sz="2400" dirty="0" smtClean="0">
-                <a:solidFill>
-                  <a:schemeClr val="accent5"/>
-                </a:solidFill>
-              </a:rPr>
-              <a:t>Affichage des profils des amis avec photo, vidéo, info, mur</a:t>
-            </a:r>
-          </a:p>
-          <a:p>
-            <a:r>
-              <a:rPr lang="fr-FR" sz="2400" dirty="0" smtClean="0">
-                <a:solidFill>
-                  <a:schemeClr val="accent5"/>
-                </a:solidFill>
-              </a:rPr>
-              <a:t>Notifications</a:t>
-            </a:r>
-          </a:p>
-          <a:p>
-            <a:r>
-              <a:rPr lang="fr-FR" sz="2400" dirty="0" err="1" smtClean="0">
-                <a:solidFill>
-                  <a:schemeClr val="accent5"/>
-                </a:solidFill>
-              </a:rPr>
-              <a:t>Retweet</a:t>
-            </a:r>
-            <a:r>
-              <a:rPr lang="fr-FR" sz="2400" dirty="0" smtClean="0">
-                <a:solidFill>
-                  <a:schemeClr val="accent5"/>
-                </a:solidFill>
-              </a:rPr>
-              <a:t> et comment</a:t>
-            </a:r>
-          </a:p>
-          <a:p>
-            <a:r>
-              <a:rPr lang="fr-FR" sz="2400" smtClean="0">
-                <a:solidFill>
-                  <a:schemeClr val="accent5"/>
-                </a:solidFill>
-              </a:rPr>
-              <a:t>Multi Langue</a:t>
-            </a:r>
-            <a:endParaRPr lang="fr-FR" sz="2400" dirty="0" smtClean="0">
-              <a:solidFill>
-                <a:schemeClr val="accent5"/>
-              </a:solidFill>
-            </a:endParaRPr>
-          </a:p>
-        </p:txBody>
-      </p:sp>
-      <p:sp>
-        <p:nvSpPr>
-          <p:cNvPr id="5" name="Titre 3"/>
-          <p:cNvSpPr txBox="1">
-            <a:spLocks/>
-          </p:cNvSpPr>
-          <p:nvPr/>
-        </p:nvSpPr>
-        <p:spPr bwMode="auto">
-          <a:xfrm>
-            <a:off x="609600" y="1132015"/>
-            <a:ext cx="8229600" cy="626997"/>
-          </a:xfrm>
-          <a:prstGeom prst="rect">
-            <a:avLst/>
-          </a:prstGeom>
-          <a:noFill/>
-          <a:ln w="9525">
-            <a:noFill/>
-            <a:miter lim="800000"/>
-            <a:headEnd/>
-            <a:tailEnd/>
-          </a:ln>
-        </p:spPr>
-        <p:txBody>
-          <a:bodyPr vert="horz" wrap="square" lIns="91440" tIns="45720" rIns="91440" bIns="45720" numCol="1" anchor="ctr" anchorCtr="0" compatLnSpc="1">
-            <a:prstTxWarp prst="textNoShape">
-              <a:avLst/>
-            </a:prstTxWarp>
-          </a:bodyPr>
-          <a:lstStyle/>
-          <a:p>
-            <a:pPr lvl="0" fontAlgn="base">
-              <a:spcBef>
-                <a:spcPct val="0"/>
-              </a:spcBef>
-              <a:spcAft>
-                <a:spcPct val="0"/>
-              </a:spcAft>
-              <a:defRPr/>
-            </a:pPr>
-            <a:r>
-              <a:rPr lang="fr-FR" sz="3600" dirty="0" smtClean="0">
-                <a:latin typeface="+mj-lt"/>
-                <a:ea typeface="ＭＳ Ｐゴシック" charset="-128"/>
-                <a:cs typeface="ＭＳ Ｐゴシック" charset="-128"/>
-              </a:rPr>
-              <a:t>Spécifications</a:t>
-            </a:r>
-            <a:endParaRPr kumimoji="0" lang="fr-FR" sz="3600" b="0" i="0" u="none" strike="noStrike" kern="1200" cap="none" spc="0" normalizeH="0" baseline="0" noProof="0" dirty="0">
-              <a:ln>
-                <a:noFill/>
-              </a:ln>
-              <a:effectLst/>
-              <a:uLnTx/>
-              <a:uFillTx/>
-              <a:latin typeface="+mj-lt"/>
-              <a:ea typeface="ＭＳ Ｐゴシック" charset="-128"/>
-              <a:cs typeface="ＭＳ Ｐゴシック" charset="-128"/>
-            </a:endParaRPr>
+            <a:pPr lvl="1"/>
+            <a:r>
+              <a:rPr lang="fr-FR" sz="2000" b="1" dirty="0" smtClean="0">
+                <a:solidFill>
+                  <a:schemeClr val="accent5"/>
+                </a:solidFill>
+              </a:rPr>
+              <a:t>Microsoft </a:t>
+            </a:r>
+            <a:r>
+              <a:rPr lang="fr-FR" sz="2000" b="1" dirty="0" err="1" smtClean="0">
+                <a:solidFill>
+                  <a:schemeClr val="accent5"/>
+                </a:solidFill>
+              </a:rPr>
+              <a:t>Fishbowl</a:t>
+            </a:r>
+            <a:r>
+              <a:rPr lang="fr-FR" sz="2000" dirty="0" smtClean="0">
+                <a:solidFill>
+                  <a:schemeClr val="accent5"/>
+                </a:solidFill>
+              </a:rPr>
+              <a:t> – </a:t>
+            </a:r>
+            <a:r>
+              <a:rPr lang="fr-FR" sz="2000" dirty="0" err="1" smtClean="0">
+                <a:solidFill>
+                  <a:schemeClr val="accent5"/>
+                </a:solidFill>
+              </a:rPr>
+              <a:t>Facebook</a:t>
+            </a:r>
+            <a:r>
+              <a:rPr lang="fr-FR" sz="2000" dirty="0" smtClean="0">
+                <a:solidFill>
+                  <a:schemeClr val="accent5"/>
+                </a:solidFill>
+              </a:rPr>
+              <a:t> – </a:t>
+            </a:r>
+            <a:r>
+              <a:rPr lang="fr-FR" sz="2000" dirty="0" err="1" smtClean="0">
+                <a:solidFill>
+                  <a:schemeClr val="accent5"/>
+                </a:solidFill>
+              </a:rPr>
+              <a:t>Silverlight</a:t>
+            </a:r>
+            <a:r>
+              <a:rPr lang="fr-FR" sz="2000" dirty="0" smtClean="0">
+                <a:solidFill>
+                  <a:schemeClr val="accent5"/>
+                </a:solidFill>
+              </a:rPr>
+              <a:t> et WP7</a:t>
+            </a:r>
           </a:p>
         </p:txBody>
       </p:sp>
@@ -7383,7 +8088,7 @@
                   <a:schemeClr val="bg1"/>
                 </a:solidFill>
               </a:rPr>
-              <a:t>Android</a:t>
+              <a:t>Silverlight</a:t>
             </a:r>
             <a:endParaRPr lang="fr-FR" dirty="0">
               <a:solidFill>
@@ -7395,7 +8100,7 @@
       </p:sp>
       <p:sp>
         <p:nvSpPr>
-          <p:cNvPr id="7" name="Espace réservé du contenu 7"/>
+          <p:cNvPr id="5" name="Espace réservé du contenu 7"/>
           <p:cNvSpPr>
             <a:spLocks noGrp="1"/>
           </p:cNvSpPr>
@@ -7414,12 +8119,40 @@
           <a:lstStyle/>
           <a:p>
             <a:r>
-              <a:rPr lang="fr-FR" sz="2400" smtClean="0">
-                <a:solidFill>
-                  <a:schemeClr val="accent5"/>
-                </a:solidFill>
-              </a:rPr>
-              <a:t>1944 téléchargement (unique ?)</a:t>
+              <a:rPr lang="fr-FR" sz="2400" dirty="0" smtClean="0">
+                <a:solidFill>
+                  <a:schemeClr val="accent5"/>
+                </a:solidFill>
+              </a:rPr>
+              <a:t>Fils d’actualités, liste d’amis des compte fusionné</a:t>
+            </a:r>
+          </a:p>
+          <a:p>
+            <a:r>
+              <a:rPr lang="fr-FR" sz="2400" dirty="0" smtClean="0">
+                <a:solidFill>
+                  <a:schemeClr val="accent5"/>
+                </a:solidFill>
+              </a:rPr>
+              <a:t>Post de statut et images multi comptes</a:t>
+            </a:r>
+          </a:p>
+          <a:p>
+            <a:r>
+              <a:rPr lang="fr-FR" sz="2400" dirty="0" smtClean="0">
+                <a:solidFill>
+                  <a:schemeClr val="accent5"/>
+                </a:solidFill>
+              </a:rPr>
+              <a:t>Messages </a:t>
+            </a:r>
+            <a:r>
+              <a:rPr lang="fr-FR" sz="2400" dirty="0" err="1" smtClean="0">
+                <a:solidFill>
+                  <a:schemeClr val="accent5"/>
+                </a:solidFill>
+              </a:rPr>
+              <a:t>Facebook</a:t>
             </a:r>
             <a:endParaRPr lang="fr-FR" sz="2400" dirty="0" smtClean="0">
               <a:solidFill>
@@ -7434,25 +8167,58 @@
                   <a:schemeClr val="accent5"/>
                 </a:solidFill>
               </a:rPr>
-              <a:t>615 utilisateurs actifs</a:t>
-            </a:r>
-          </a:p>
-          <a:p>
+              <a:t>Notifications</a:t>
+            </a:r>
+          </a:p>
+          <a:p>
+            <a:r>
+              <a:rPr lang="fr-FR" sz="2400" dirty="0" err="1" smtClean="0">
+                <a:solidFill>
+                  <a:schemeClr val="accent5"/>
+                </a:solidFill>
+              </a:rPr>
+              <a:t>Raccourcisseur</a:t>
+            </a:r>
             <a:r>
               <a:rPr lang="fr-FR" sz="2400" dirty="0" smtClean="0">
                 <a:solidFill>
                   <a:schemeClr val="accent5"/>
                 </a:solidFill>
               </a:rPr>
-              <a:t>XXXX actions (a voir avec le </a:t>
-            </a:r>
+              <a:t> d’url dans </a:t>
+            </a:r>
+            <a:r>
+              <a:rPr lang="fr-FR" sz="2400" smtClean="0">
+                <a:solidFill>
+                  <a:schemeClr val="accent5"/>
+                </a:solidFill>
+              </a:rPr>
+              <a:t>les statut</a:t>
+            </a:r>
+            <a:endParaRPr lang="fr-FR" sz="2400" dirty="0" smtClean="0">
+              <a:solidFill>
+                <a:schemeClr val="accent5"/>
+              </a:solidFill>
+            </a:endParaRPr>
+          </a:p>
+          <a:p>
+            <a:r>
+              <a:rPr lang="fr-FR" sz="2400" dirty="0" smtClean="0">
+                <a:solidFill>
+                  <a:schemeClr val="accent5"/>
+                </a:solidFill>
+              </a:rPr>
+              <a:t>Affichage des profils des amis avec photo, vidéo, info, mur</a:t>
+            </a:r>
+          </a:p>
+          <a:p>
             <a:r>
               <a:rPr lang="fr-FR" sz="2400" dirty="0" err="1" smtClean="0">
                 <a:solidFill>
                   <a:schemeClr val="accent5"/>
                 </a:solidFill>
               </a:rPr>
-              <a:t>google</a:t>
+              <a:t>Retweet</a:t>
             </a:r>
             <a:r>
               <a:rPr lang="fr-FR" sz="2400" dirty="0" smtClean="0">
@@ -7460,30 +8226,14 @@
                   <a:schemeClr val="accent5"/>
                 </a:solidFill>
               </a:rPr>
-              <a:t> </a:t>
-            </a:r>
-            <a:r>
-              <a:rPr lang="fr-FR" sz="2400" dirty="0" err="1" smtClean="0">
-                <a:solidFill>
-                  <a:schemeClr val="accent5"/>
-                </a:solidFill>
-              </a:rPr>
-              <a:t>analytics</a:t>
-            </a:r>
-            <a:r>
-              <a:rPr lang="fr-FR" sz="2400" dirty="0" smtClean="0">
-                <a:solidFill>
-                  <a:schemeClr val="accent5"/>
-                </a:solidFill>
-              </a:rPr>
-              <a:t>)</a:t>
-            </a:r>
-          </a:p>
-        </p:txBody>
-      </p:sp>
-      <p:sp>
-        <p:nvSpPr>
-          <p:cNvPr id="9" name="Titre 3"/>
+              <a:t> et comment</a:t>
+            </a:r>
+          </a:p>
+        </p:txBody>
+      </p:sp>
+      <p:sp>
+        <p:nvSpPr>
+          <p:cNvPr id="6" name="Titre 3"/>
           <p:cNvSpPr txBox="1">
             <a:spLocks/>
           </p:cNvSpPr>
@@ -7528,7 +8278,7 @@
                 <a:ea typeface="ＭＳ Ｐゴシック" charset="-128"/>
                 <a:cs typeface="ＭＳ Ｐゴシック" charset="-128"/>
               </a:rPr>
-              <a:t>Statistiques/Retours</a:t>
+              <a:t>Spécifications</a:t>
             </a:r>
             <a:endParaRPr kumimoji="0" lang="fr-FR" sz="3600" b="0" i="0" u="none" strike="noStrike" kern="1200" cap="none" spc="0" normalizeH="0" baseline="0" noProof="0" dirty="0">
               <a:ln>
@@ -7603,7 +8353,7 @@
                   <a:schemeClr val="bg1"/>
                 </a:solidFill>
               </a:rPr>
-              <a:t>Android</a:t>
+              <a:t>Silverlight</a:t>
             </a:r>
             <a:endParaRPr lang="fr-FR" dirty="0">
               <a:solidFill>
@@ -7643,7 +8393,7 @@
       </p:sp>
       <p:pic>
         <p:nvPicPr>
-          <p:cNvPr id="5" name="Espace réservé du contenu 11" descr="MyNetworkBulle.png"/>
+          <p:cNvPr id="6" name="Espace réservé du contenu 11" descr="MyNetworkBulle.png"/>
           <p:cNvPicPr>
             <a:picLocks noChangeAspect="1"/>
           </p:cNvPicPr>
@@ -7675,7 +8425,7 @@
       </p:pic>
       <p:sp>
         <p:nvSpPr>
-          <p:cNvPr id="9" name="Titre 3"/>
+          <p:cNvPr id="7" name="Titre 3"/>
           <p:cNvSpPr txBox="1">
             <a:spLocks/>
           </p:cNvSpPr>
@@ -7795,7 +8545,7 @@
                   <a:schemeClr val="bg1"/>
                 </a:solidFill>
               </a:rPr>
-              <a:t>Silverlight</a:t>
+              <a:t>Android</a:t>
             </a:r>
             <a:endParaRPr lang="fr-FR" dirty="0">
               <a:solidFill>
@@ -7807,7 +8557,7 @@
       </p:sp>
       <p:sp>
         <p:nvSpPr>
-          <p:cNvPr id="5" name="Espace réservé du contenu 7"/>
+          <p:cNvPr id="8" name="Espace réservé du contenu 7"/>
           <p:cNvSpPr>
             <a:spLocks noGrp="1"/>
           </p:cNvSpPr>
@@ -7841,7 +8591,7 @@
                   <a:schemeClr val="accent5"/>
                 </a:solidFill>
               </a:rPr>
-              <a:t>Post de statut et images multi comptes</a:t>
+              <a:t>Post de statut multi comptes</a:t>
             </a:r>
           </a:p>
           <a:p>
@@ -7851,7 +8601,7 @@
                   <a:schemeClr val="accent5"/>
                 </a:solidFill>
               </a:rPr>
-              <a:t>Messages </a:t>
+              <a:t>Chat </a:t>
             </a:r>
             <a:r>
               <a:rPr lang="fr-FR" sz="2400" dirty="0" err="1" smtClean="0">
@@ -7874,33 +8624,15 @@
                   <a:schemeClr val="accent5"/>
                 </a:solidFill>
               </a:rPr>
-              <a:t>Notifications</a:t>
-            </a:r>
-          </a:p>
-          <a:p>
+              <a:t>Recherche &amp; Trends </a:t>
+            </a:r>
             <a:r>
               <a:rPr lang="fr-FR" sz="2400" dirty="0" err="1" smtClean="0">
                 <a:solidFill>
                   <a:schemeClr val="accent5"/>
                 </a:solidFill>
               </a:rPr>
-              <a:t>Raccourcisseur</a:t>
-            </a:r>
-            <a:r>
-              <a:rPr lang="fr-FR" sz="2400" dirty="0" smtClean="0">
-                <a:solidFill>
-                  <a:schemeClr val="accent5"/>
-                </a:solidFill>
-              </a:rPr>
-              <a:t> d’url dans </a:t>
-            </a:r>
-            <a:r>
-              <a:rPr lang="fr-FR" sz="2400" smtClean="0">
-                <a:solidFill>
-                  <a:schemeClr val="accent5"/>
-                </a:solidFill>
-              </a:rPr>
-              <a:t>les statut</a:t>
+              <a:t>Twitter</a:t>
             </a:r>
             <a:endParaRPr lang="fr-FR" sz="2400" dirty="0" smtClean="0">
               <a:solidFill>
@@ -7920,6 +8652,16 @@
           </a:p>
           <a:p>
             <a:r>
+              <a:rPr lang="fr-FR" sz="2400" dirty="0" smtClean="0">
+                <a:solidFill>
+                  <a:schemeClr val="accent5"/>
+                </a:solidFill>
+              </a:rPr>
+              <a:t>Notifications</a:t>
+            </a:r>
+          </a:p>
+          <a:p>
+            <a:r>
               <a:rPr lang="fr-FR" sz="2400" dirty="0" err="1" smtClean="0">
                 <a:solidFill>
                   <a:schemeClr val="accent5"/>
@@ -7936,11 +8678,26 @@
               <a:t> et comment</a:t>
             </a:r>
           </a:p>
-        </p:txBody>
-      </p:sp>
-      <p:sp>
-        <p:nvSpPr>
-          <p:cNvPr id="6" name="Titre 3"/>
+          <a:p>
+            <a:r>
+              <a:rPr lang="fr-FR" sz="2400" smtClean="0">
+                <a:solidFill>
+                  <a:schemeClr val="accent5"/>
+                </a:solidFill>
+              </a:rPr>
+              <a:t>Multi Langue</a:t>
+            </a:r>
+            <a:endParaRPr lang="fr-FR" sz="2400" dirty="0" smtClean="0">
+              <a:solidFill>
+                <a:schemeClr val="accent5"/>
+              </a:solidFill>
+            </a:endParaRPr>
+          </a:p>
+        </p:txBody>
+      </p:sp>
+      <p:sp>
+        <p:nvSpPr>
+          <p:cNvPr id="5" name="Titre 3"/>
           <p:cNvSpPr txBox="1">
             <a:spLocks/>
           </p:cNvSpPr>

--- a/trunk/Docs/eip 10.09.11/myNETwork.pptx
+++ b/trunk/Docs/eip 10.09.11/myNETwork.pptx
@@ -5,10 +5,10 @@
     <p:sldMasterId id="2147483684" r:id="rId1"/>
   </p:sldMasterIdLst>
   <p:notesMasterIdLst>
-    <p:notesMasterId r:id="rId21"/>
+    <p:notesMasterId r:id="rId22"/>
   </p:notesMasterIdLst>
   <p:handoutMasterIdLst>
-    <p:handoutMasterId r:id="rId22"/>
+    <p:handoutMasterId r:id="rId23"/>
   </p:handoutMasterIdLst>
   <p:sldIdLst>
     <p:sldId id="260" r:id="rId2"/>
@@ -24,12 +24,13 @@
     <p:sldId id="274" r:id="rId12"/>
     <p:sldId id="275" r:id="rId13"/>
     <p:sldId id="276" r:id="rId14"/>
-    <p:sldId id="269" r:id="rId15"/>
-    <p:sldId id="277" r:id="rId16"/>
-    <p:sldId id="280" r:id="rId17"/>
-    <p:sldId id="262" r:id="rId18"/>
-    <p:sldId id="266" r:id="rId19"/>
-    <p:sldId id="258" r:id="rId20"/>
+    <p:sldId id="281" r:id="rId15"/>
+    <p:sldId id="269" r:id="rId16"/>
+    <p:sldId id="277" r:id="rId17"/>
+    <p:sldId id="280" r:id="rId18"/>
+    <p:sldId id="262" r:id="rId19"/>
+    <p:sldId id="266" r:id="rId20"/>
+    <p:sldId id="258" r:id="rId21"/>
   </p:sldIdLst>
   <p:sldSz cx="9144000" cy="6858000" type="screen4x3"/>
   <p:notesSz cx="6858000" cy="9144000"/>
@@ -4579,12 +4580,12 @@
           <a:p>
             <a:pPr algn="l"/>
             <a:r>
-              <a:rPr lang="fr-FR" dirty="0" smtClean="0">
+              <a:rPr lang="fr-FR" dirty="0" err="1" smtClean="0">
                 <a:solidFill>
                   <a:schemeClr val="bg1"/>
                 </a:solidFill>
               </a:rPr>
-              <a:t>IOS</a:t>
+              <a:t>iPhone</a:t>
             </a:r>
             <a:endParaRPr lang="fr-FR" dirty="0">
               <a:solidFill>
@@ -4594,58 +4595,77 @@
           </a:p>
         </p:txBody>
       </p:sp>
-      <p:sp>
-        <p:nvSpPr>
-          <p:cNvPr id="8" name="Espace réservé du contenu 7"/>
-          <p:cNvSpPr>
-            <a:spLocks noGrp="1"/>
-          </p:cNvSpPr>
+      <p:pic>
+        <p:nvPicPr>
+          <p:cNvPr id="5" name="Espace réservé du contenu 4" descr="20110209_Flux.jpg"/>
+          <p:cNvPicPr>
+            <a:picLocks noGrp="1" noChangeAspect="1"/>
+          </p:cNvPicPr>
           <p:nvPr>
             <p:ph idx="1"/>
           </p:nvPr>
-        </p:nvSpPr>
+        </p:nvPicPr>
+        <p:blipFill>
+          <a:blip r:embed="rId2"/>
+          <a:stretch>
+            <a:fillRect/>
+          </a:stretch>
+        </p:blipFill>
         <p:spPr>
           <a:xfrm>
-            <a:off x="457200" y="1068224"/>
-            <a:ext cx="8229600" cy="5170206"/>
+            <a:off x="457200" y="971067"/>
+            <a:ext cx="2671996" cy="5170487"/>
           </a:xfrm>
         </p:spPr>
-        <p:txBody>
-          <a:bodyPr/>
-          <a:lstStyle/>
-          <a:p>
-            <a:r>
-              <a:rPr lang="fr-FR" sz="2000" dirty="0" smtClean="0">
-                <a:solidFill>
-                  <a:schemeClr val="accent5"/>
-                </a:solidFill>
-              </a:rPr>
-              <a:t>Maquettes </a:t>
-            </a:r>
-            <a:r>
-              <a:rPr lang="fr-FR" sz="2000" dirty="0" err="1" smtClean="0">
-                <a:solidFill>
-                  <a:schemeClr val="accent5"/>
-                </a:solidFill>
-              </a:rPr>
-              <a:t>Iphones</a:t>
-            </a:r>
-            <a:r>
-              <a:rPr lang="fr-FR" sz="2000" dirty="0" smtClean="0">
-                <a:solidFill>
-                  <a:schemeClr val="accent5"/>
-                </a:solidFill>
-              </a:rPr>
-              <a:t> ?</a:t>
-            </a:r>
-            <a:endParaRPr lang="fr-FR" sz="2000" dirty="0" smtClean="0">
-              <a:solidFill>
-                <a:schemeClr val="accent5"/>
-              </a:solidFill>
-            </a:endParaRPr>
-          </a:p>
-        </p:txBody>
-      </p:sp>
+      </p:pic>
+      <p:pic>
+        <p:nvPicPr>
+          <p:cNvPr id="7" name="Image 6" descr="20110209_Flux_twitter_option.jpg"/>
+          <p:cNvPicPr>
+            <a:picLocks noChangeAspect="1"/>
+          </p:cNvPicPr>
+          <p:nvPr/>
+        </p:nvPicPr>
+        <p:blipFill>
+          <a:blip r:embed="rId3"/>
+          <a:stretch>
+            <a:fillRect/>
+          </a:stretch>
+        </p:blipFill>
+        <p:spPr>
+          <a:xfrm>
+            <a:off x="3230476" y="965734"/>
+            <a:ext cx="2674752" cy="5175818"/>
+          </a:xfrm>
+          <a:prstGeom prst="rect">
+            <a:avLst/>
+          </a:prstGeom>
+        </p:spPr>
+      </p:pic>
+      <p:pic>
+        <p:nvPicPr>
+          <p:cNvPr id="9" name="Image 8" descr="20110902_TwitterProfil.jpg"/>
+          <p:cNvPicPr>
+            <a:picLocks noChangeAspect="1"/>
+          </p:cNvPicPr>
+          <p:nvPr/>
+        </p:nvPicPr>
+        <p:blipFill>
+          <a:blip r:embed="rId4"/>
+          <a:stretch>
+            <a:fillRect/>
+          </a:stretch>
+        </p:blipFill>
+        <p:spPr>
+          <a:xfrm>
+            <a:off x="6014803" y="965734"/>
+            <a:ext cx="2671996" cy="5170487"/>
+          </a:xfrm>
+          <a:prstGeom prst="rect">
+            <a:avLst/>
+          </a:prstGeom>
+        </p:spPr>
+      </p:pic>
     </p:spTree>
   </p:cSld>
   <p:clrMapOvr>
@@ -4717,95 +4737,7 @@
       </p:sp>
       <p:sp>
         <p:nvSpPr>
-          <p:cNvPr id="7" name="Espace réservé du contenu 7"/>
-          <p:cNvSpPr>
-            <a:spLocks noGrp="1"/>
-          </p:cNvSpPr>
-          <p:nvPr>
-            <p:ph idx="1"/>
-          </p:nvPr>
-        </p:nvSpPr>
-        <p:spPr>
-          <a:xfrm>
-            <a:off x="457200" y="1905712"/>
-            <a:ext cx="8229600" cy="4320000"/>
-          </a:xfrm>
-        </p:spPr>
-        <p:txBody>
-          <a:bodyPr/>
-          <a:lstStyle/>
-          <a:p>
-            <a:r>
-              <a:rPr lang="fr-FR" sz="2400" smtClean="0">
-                <a:solidFill>
-                  <a:schemeClr val="accent5"/>
-                </a:solidFill>
-              </a:rPr>
-              <a:t>1944 téléchargement (unique ?)</a:t>
-            </a:r>
-            <a:endParaRPr lang="fr-FR" sz="2400" dirty="0" smtClean="0">
-              <a:solidFill>
-                <a:schemeClr val="accent5"/>
-              </a:solidFill>
-            </a:endParaRPr>
-          </a:p>
-          <a:p>
-            <a:r>
-              <a:rPr lang="fr-FR" sz="2400" dirty="0" smtClean="0">
-                <a:solidFill>
-                  <a:schemeClr val="accent5"/>
-                </a:solidFill>
-              </a:rPr>
-              <a:t>615 utilisateurs actifs</a:t>
-            </a:r>
-          </a:p>
-          <a:p>
-            <a:r>
-              <a:rPr lang="fr-FR" sz="2400" dirty="0" smtClean="0">
-                <a:solidFill>
-                  <a:schemeClr val="accent5"/>
-                </a:solidFill>
-              </a:rPr>
-              <a:t>XXXX actions (a voir avec le </a:t>
-            </a:r>
-            <a:r>
-              <a:rPr lang="fr-FR" sz="2400" dirty="0" err="1" smtClean="0">
-                <a:solidFill>
-                  <a:schemeClr val="accent5"/>
-                </a:solidFill>
-              </a:rPr>
-              <a:t>google</a:t>
-            </a:r>
-            <a:r>
-              <a:rPr lang="fr-FR" sz="2400" dirty="0" smtClean="0">
-                <a:solidFill>
-                  <a:schemeClr val="accent5"/>
-                </a:solidFill>
-              </a:rPr>
-              <a:t> </a:t>
-            </a:r>
-            <a:r>
-              <a:rPr lang="fr-FR" sz="2400" dirty="0" err="1" smtClean="0">
-                <a:solidFill>
-                  <a:schemeClr val="accent5"/>
-                </a:solidFill>
-              </a:rPr>
-              <a:t>analytics</a:t>
-            </a:r>
-            <a:r>
-              <a:rPr lang="fr-FR" sz="2400" dirty="0" smtClean="0">
-                <a:solidFill>
-                  <a:schemeClr val="accent5"/>
-                </a:solidFill>
-              </a:rPr>
-              <a:t>)</a:t>
-            </a:r>
-          </a:p>
-        </p:txBody>
-      </p:sp>
-      <p:sp>
-        <p:nvSpPr>
-          <p:cNvPr id="9" name="Titre 3"/>
+          <p:cNvPr id="5" name="Titre 3"/>
           <p:cNvSpPr txBox="1">
             <a:spLocks/>
           </p:cNvSpPr>
@@ -4835,22 +4767,30 @@
           </a:bodyPr>
           <a:lstStyle/>
           <a:p>
-            <a:pPr lvl="0" fontAlgn="base">
+            <a:pPr marL="0" marR="0" lvl="0" indent="0" algn="l" defTabSz="457200" rtl="0" eaLnBrk="1" fontAlgn="base" latinLnBrk="0" hangingPunct="1">
+              <a:lnSpc>
+                <a:spcPct val="100000"/>
+              </a:lnSpc>
               <a:spcBef>
                 <a:spcPct val="0"/>
               </a:spcBef>
               <a:spcAft>
                 <a:spcPct val="0"/>
               </a:spcAft>
+              <a:buClrTx/>
+              <a:buSzTx/>
+              <a:buFontTx/>
+              <a:buNone/>
+              <a:tabLst/>
               <a:defRPr/>
             </a:pPr>
             <a:r>
-              <a:rPr lang="fr-FR" sz="3600" dirty="0" smtClean="0">
+              <a:rPr lang="fr-FR" sz="3600" noProof="0" dirty="0" smtClean="0">
                 <a:latin typeface="+mj-lt"/>
                 <a:ea typeface="ＭＳ Ｐゴシック" charset="-128"/>
                 <a:cs typeface="ＭＳ Ｐゴシック" charset="-128"/>
               </a:rPr>
-              <a:t>Statistiques</a:t>
+              <a:t>Les supports</a:t>
             </a:r>
             <a:endParaRPr kumimoji="0" lang="fr-FR" sz="3600" b="0" i="0" u="none" strike="noStrike" kern="1200" cap="none" spc="0" normalizeH="0" baseline="0" noProof="0" dirty="0">
               <a:ln>
@@ -4862,6 +4802,228 @@
               <a:latin typeface="+mj-lt"/>
               <a:ea typeface="ＭＳ Ｐゴシック" charset="-128"/>
               <a:cs typeface="ＭＳ Ｐゴシック" charset="-128"/>
+            </a:endParaRPr>
+          </a:p>
+        </p:txBody>
+      </p:sp>
+      <p:sp>
+        <p:nvSpPr>
+          <p:cNvPr id="6" name="Espace réservé du contenu 5"/>
+          <p:cNvSpPr>
+            <a:spLocks noGrp="1"/>
+          </p:cNvSpPr>
+          <p:nvPr>
+            <p:ph idx="1"/>
+          </p:nvPr>
+        </p:nvSpPr>
+        <p:spPr>
+          <a:xfrm>
+            <a:off x="457200" y="1947672"/>
+            <a:ext cx="8382000" cy="4215384"/>
+          </a:xfrm>
+        </p:spPr>
+        <p:txBody>
+          <a:bodyPr/>
+          <a:lstStyle/>
+          <a:p>
+            <a:pPr>
+              <a:buClr>
+                <a:schemeClr val="accent5"/>
+              </a:buClr>
+              <a:buNone/>
+            </a:pPr>
+            <a:r>
+              <a:rPr lang="fr-FR" sz="2800" dirty="0" smtClean="0">
+                <a:solidFill>
+                  <a:schemeClr val="accent5"/>
+                </a:solidFill>
+              </a:rPr>
+              <a:t>Site web : </a:t>
+            </a:r>
+          </a:p>
+          <a:p>
+            <a:pPr>
+              <a:buClr>
+                <a:schemeClr val="accent5"/>
+              </a:buClr>
+              <a:buNone/>
+            </a:pPr>
+            <a:r>
+              <a:rPr lang="fr-FR" sz="2800" dirty="0" smtClean="0">
+                <a:solidFill>
+                  <a:schemeClr val="accent5"/>
+                </a:solidFill>
+                <a:hlinkClick r:id="rId2"/>
+              </a:rPr>
+              <a:t>http://mynetwork-project.com</a:t>
+            </a:r>
+            <a:endParaRPr lang="fr-FR" sz="2800" dirty="0" smtClean="0">
+              <a:solidFill>
+                <a:schemeClr val="accent5"/>
+              </a:solidFill>
+            </a:endParaRPr>
+          </a:p>
+          <a:p>
+            <a:pPr>
+              <a:buClr>
+                <a:schemeClr val="accent5"/>
+              </a:buClr>
+              <a:buNone/>
+            </a:pPr>
+            <a:r>
+              <a:rPr lang="fr-FR" sz="2800" dirty="0" err="1" smtClean="0">
+                <a:solidFill>
+                  <a:schemeClr val="accent5"/>
+                </a:solidFill>
+              </a:rPr>
+              <a:t>Facebook</a:t>
+            </a:r>
+            <a:r>
+              <a:rPr lang="fr-FR" sz="2800" dirty="0" smtClean="0">
+                <a:solidFill>
+                  <a:schemeClr val="accent5"/>
+                </a:solidFill>
+              </a:rPr>
+              <a:t> :</a:t>
+            </a:r>
+          </a:p>
+          <a:p>
+            <a:pPr>
+              <a:buClr>
+                <a:schemeClr val="accent5"/>
+              </a:buClr>
+              <a:buNone/>
+            </a:pPr>
+            <a:r>
+              <a:rPr lang="fr-FR" sz="2800" dirty="0" smtClean="0">
+                <a:solidFill>
+                  <a:schemeClr val="accent5"/>
+                </a:solidFill>
+                <a:hlinkClick r:id="rId3"/>
+              </a:rPr>
+              <a:t>http://www.facebook.com/myNETwork.Project</a:t>
+            </a:r>
+            <a:endParaRPr lang="fr-FR" sz="2800" dirty="0" smtClean="0">
+              <a:solidFill>
+                <a:schemeClr val="accent5"/>
+              </a:solidFill>
+            </a:endParaRPr>
+          </a:p>
+          <a:p>
+            <a:pPr>
+              <a:buClr>
+                <a:schemeClr val="accent5"/>
+              </a:buClr>
+              <a:buNone/>
+            </a:pPr>
+            <a:r>
+              <a:rPr lang="fr-FR" sz="2800" dirty="0" err="1" smtClean="0">
+                <a:solidFill>
+                  <a:schemeClr val="accent5"/>
+                </a:solidFill>
+              </a:rPr>
+              <a:t>Twitter</a:t>
+            </a:r>
+            <a:r>
+              <a:rPr lang="fr-FR" sz="2800" dirty="0" smtClean="0">
+                <a:solidFill>
+                  <a:schemeClr val="accent5"/>
+                </a:solidFill>
+              </a:rPr>
+              <a:t> :</a:t>
+            </a:r>
+          </a:p>
+          <a:p>
+            <a:pPr>
+              <a:buClr>
+                <a:schemeClr val="accent5"/>
+              </a:buClr>
+              <a:buNone/>
+            </a:pPr>
+            <a:r>
+              <a:rPr lang="fr-FR" sz="2800" dirty="0" smtClean="0">
+                <a:solidFill>
+                  <a:schemeClr val="accent5"/>
+                </a:solidFill>
+                <a:hlinkClick r:id="rId4"/>
+              </a:rPr>
+              <a:t>https://twitter.com/#!/P_myNETwork</a:t>
+            </a:r>
+            <a:endParaRPr lang="fr-FR" sz="2800" dirty="0" smtClean="0">
+              <a:solidFill>
+                <a:schemeClr val="accent5"/>
+              </a:solidFill>
+            </a:endParaRPr>
+          </a:p>
+          <a:p>
+            <a:pPr>
+              <a:buClr>
+                <a:schemeClr val="accent5"/>
+              </a:buClr>
+              <a:buNone/>
+            </a:pPr>
+            <a:r>
+              <a:rPr lang="fr-FR" sz="2800" dirty="0" err="1" smtClean="0">
+                <a:solidFill>
+                  <a:schemeClr val="accent5"/>
+                </a:solidFill>
+              </a:rPr>
+              <a:t>Android</a:t>
+            </a:r>
+            <a:r>
+              <a:rPr lang="fr-FR" sz="2800" dirty="0" smtClean="0">
+                <a:solidFill>
+                  <a:schemeClr val="accent5"/>
+                </a:solidFill>
+              </a:rPr>
+              <a:t> </a:t>
+            </a:r>
+            <a:r>
+              <a:rPr lang="fr-FR" sz="2800" dirty="0" err="1" smtClean="0">
+                <a:solidFill>
+                  <a:schemeClr val="accent5"/>
+                </a:solidFill>
+              </a:rPr>
+              <a:t>market</a:t>
+            </a:r>
+            <a:r>
+              <a:rPr lang="fr-FR" sz="2800" dirty="0" smtClean="0">
+                <a:solidFill>
+                  <a:schemeClr val="accent5"/>
+                </a:solidFill>
+              </a:rPr>
+              <a:t>  : </a:t>
+            </a:r>
+          </a:p>
+          <a:p>
+            <a:pPr>
+              <a:buClr>
+                <a:schemeClr val="accent5"/>
+              </a:buClr>
+              <a:buNone/>
+            </a:pPr>
+            <a:r>
+              <a:rPr lang="fr-FR" sz="2800" dirty="0" smtClean="0">
+                <a:solidFill>
+                  <a:schemeClr val="accent5"/>
+                </a:solidFill>
+                <a:hlinkClick r:id="rId5" invalidUrl="https:///"/>
+              </a:rPr>
+              <a:t>https://</a:t>
+            </a:r>
+            <a:r>
+              <a:rPr lang="fr-FR" sz="2800" dirty="0" smtClean="0">
+                <a:solidFill>
+                  <a:schemeClr val="accent5"/>
+                </a:solidFill>
+                <a:hlinkClick r:id="rId2"/>
+              </a:rPr>
+              <a:t>market.android.com/details?id=com.myNETwork</a:t>
+            </a:r>
+            <a:endParaRPr lang="fr-FR" sz="2800" dirty="0">
+              <a:solidFill>
+                <a:schemeClr val="accent5"/>
+              </a:solidFill>
             </a:endParaRPr>
           </a:p>
         </p:txBody>
@@ -4925,7 +5087,7 @@
                   <a:schemeClr val="bg1"/>
                 </a:solidFill>
               </a:rPr>
-              <a:t>Conclusion</a:t>
+              <a:t>Communication</a:t>
             </a:r>
             <a:endParaRPr lang="fr-FR" dirty="0">
               <a:solidFill>
@@ -4937,110 +5099,32 @@
       </p:sp>
       <p:sp>
         <p:nvSpPr>
-          <p:cNvPr id="5" name="Espace réservé du contenu 7"/>
-          <p:cNvSpPr txBox="1">
-            <a:spLocks/>
-          </p:cNvSpPr>
-          <p:nvPr/>
-        </p:nvSpPr>
-        <p:spPr bwMode="auto">
+          <p:cNvPr id="7" name="Espace réservé du contenu 7"/>
+          <p:cNvSpPr>
+            <a:spLocks noGrp="1"/>
+          </p:cNvSpPr>
+          <p:nvPr>
+            <p:ph idx="1"/>
+          </p:nvPr>
+        </p:nvSpPr>
+        <p:spPr>
           <a:xfrm>
             <a:off x="457200" y="1905712"/>
             <a:ext cx="8229600" cy="4320000"/>
           </a:xfrm>
-          <a:prstGeom prst="rect">
-            <a:avLst/>
-          </a:prstGeom>
-          <a:noFill/>
-          <a:ln w="9525">
-            <a:noFill/>
-            <a:miter lim="800000"/>
-            <a:headEnd/>
-            <a:tailEnd/>
-          </a:ln>
         </p:spPr>
         <p:txBody>
-          <a:bodyPr vert="horz" wrap="square" lIns="91440" tIns="45720" rIns="91440" bIns="45720" numCol="1" anchor="t" anchorCtr="0" compatLnSpc="1">
-            <a:prstTxWarp prst="textNoShape">
-              <a:avLst/>
-            </a:prstTxWarp>
-          </a:bodyPr>
+          <a:bodyPr/>
           <a:lstStyle/>
           <a:p>
-            <a:pPr>
-              <a:buClr>
-                <a:schemeClr val="accent5"/>
-              </a:buClr>
-              <a:buFont typeface="Arial" pitchFamily="34" charset="0"/>
-              <a:buChar char="•"/>
-            </a:pPr>
-            <a:r>
-              <a:rPr lang="fr-FR" sz="2400" dirty="0" smtClean="0">
-                <a:solidFill>
-                  <a:schemeClr val="accent5"/>
-                </a:solidFill>
-              </a:rPr>
-              <a:t>Application Web en version Alpha</a:t>
-            </a:r>
-          </a:p>
-          <a:p>
-            <a:pPr>
-              <a:buClr>
-                <a:schemeClr val="accent5"/>
-              </a:buClr>
-              <a:buFont typeface="Arial" pitchFamily="34" charset="0"/>
-              <a:buChar char="•"/>
-            </a:pPr>
-            <a:r>
-              <a:rPr lang="fr-FR" sz="2400" dirty="0" smtClean="0">
-                <a:solidFill>
-                  <a:schemeClr val="accent5"/>
-                </a:solidFill>
-              </a:rPr>
-              <a:t>Version </a:t>
-            </a:r>
-            <a:r>
-              <a:rPr lang="fr-FR" sz="2400" dirty="0" err="1" smtClean="0">
-                <a:solidFill>
-                  <a:schemeClr val="accent5"/>
-                </a:solidFill>
-              </a:rPr>
-              <a:t>Android</a:t>
-            </a:r>
-            <a:r>
-              <a:rPr lang="fr-FR" sz="2400" dirty="0" smtClean="0">
-                <a:solidFill>
-                  <a:schemeClr val="accent5"/>
-                </a:solidFill>
-              </a:rPr>
-              <a:t> disponible en Beta</a:t>
-            </a:r>
-          </a:p>
-          <a:p>
-            <a:pPr>
-              <a:buClr>
-                <a:schemeClr val="accent5"/>
-              </a:buClr>
-              <a:buFont typeface="Arial" pitchFamily="34" charset="0"/>
-              <a:buChar char="•"/>
-            </a:pPr>
-            <a:r>
-              <a:rPr lang="fr-FR" sz="2400" dirty="0" smtClean="0">
-                <a:solidFill>
-                  <a:schemeClr val="accent5"/>
-                </a:solidFill>
-              </a:rPr>
-              <a:t>Version Windows Phone 7 en développement</a:t>
-            </a:r>
-          </a:p>
-          <a:p>
-            <a:pPr>
-              <a:buClr>
-                <a:schemeClr val="accent5"/>
-              </a:buClr>
-              <a:buFont typeface="Arial" pitchFamily="34" charset="0"/>
-              <a:buChar char="•"/>
-            </a:pPr>
+            <a:r>
+              <a:rPr lang="fr-FR" sz="2400" smtClean="0">
+                <a:solidFill>
+                  <a:schemeClr val="accent5"/>
+                </a:solidFill>
+              </a:rPr>
+              <a:t>1944 téléchargement (unique ?)</a:t>
+            </a:r>
             <a:endParaRPr lang="fr-FR" sz="2400" dirty="0" smtClean="0">
               <a:solidFill>
                 <a:schemeClr val="accent5"/>
@@ -5048,38 +5132,62 @@
             </a:endParaRPr>
           </a:p>
           <a:p>
-            <a:pPr>
-              <a:buClr>
-                <a:schemeClr val="accent5"/>
-              </a:buClr>
-              <a:buFont typeface="Arial" pitchFamily="34" charset="0"/>
-              <a:buChar char="•"/>
-            </a:pPr>
             <a:r>
               <a:rPr lang="fr-FR" sz="2400" dirty="0" smtClean="0">
                 <a:solidFill>
                   <a:schemeClr val="accent5"/>
                 </a:solidFill>
               </a:rPr>
-              <a:t>Fonctionnalités </a:t>
-            </a:r>
-          </a:p>
-          <a:p>
-            <a:pPr>
-              <a:buFont typeface="Arial" pitchFamily="34" charset="0"/>
-              <a:buChar char="•"/>
-            </a:pPr>
-            <a:endParaRPr lang="fr-FR" sz="2400" dirty="0" smtClean="0">
-              <a:solidFill>
-                <a:schemeClr val="accent5"/>
-              </a:solidFill>
-            </a:endParaRPr>
-          </a:p>
-        </p:txBody>
-      </p:sp>
-      <p:sp>
-        <p:nvSpPr>
-          <p:cNvPr id="6" name="Titre 3"/>
+              <a:t>615 utilisateurs actifs</a:t>
+            </a:r>
+          </a:p>
+          <a:p>
+            <a:r>
+              <a:rPr lang="fr-FR" sz="2400" dirty="0" smtClean="0">
+                <a:solidFill>
+                  <a:schemeClr val="accent5"/>
+                </a:solidFill>
+              </a:rPr>
+              <a:t>XXXX actions (a voir avec le </a:t>
+            </a:r>
+            <a:r>
+              <a:rPr lang="fr-FR" sz="2400" dirty="0" err="1" smtClean="0">
+                <a:solidFill>
+                  <a:schemeClr val="accent5"/>
+                </a:solidFill>
+              </a:rPr>
+              <a:t>google</a:t>
+            </a:r>
+            <a:r>
+              <a:rPr lang="fr-FR" sz="2400" dirty="0" smtClean="0">
+                <a:solidFill>
+                  <a:schemeClr val="accent5"/>
+                </a:solidFill>
+              </a:rPr>
+              <a:t> </a:t>
+            </a:r>
+            <a:r>
+              <a:rPr lang="fr-FR" sz="2400" dirty="0" err="1" smtClean="0">
+                <a:solidFill>
+                  <a:schemeClr val="accent5"/>
+                </a:solidFill>
+              </a:rPr>
+              <a:t>analytics</a:t>
+            </a:r>
+            <a:r>
+              <a:rPr lang="fr-FR" sz="2400" dirty="0" smtClean="0">
+                <a:solidFill>
+                  <a:schemeClr val="accent5"/>
+                </a:solidFill>
+              </a:rPr>
+              <a:t>)</a:t>
+            </a:r>
+          </a:p>
+        </p:txBody>
+      </p:sp>
+      <p:sp>
+        <p:nvSpPr>
+          <p:cNvPr id="9" name="Titre 3"/>
           <p:cNvSpPr txBox="1">
             <a:spLocks/>
           </p:cNvSpPr>
@@ -5124,7 +5232,7 @@
                 <a:ea typeface="ＭＳ Ｐゴシック" charset="-128"/>
                 <a:cs typeface="ＭＳ Ｐゴシック" charset="-128"/>
               </a:rPr>
-              <a:t>Bilan</a:t>
+              <a:t>Statistiques</a:t>
             </a:r>
             <a:endParaRPr kumimoji="0" lang="fr-FR" sz="3600" b="0" i="0" u="none" strike="noStrike" kern="1200" cap="none" spc="0" normalizeH="0" baseline="0" noProof="0" dirty="0">
               <a:ln>
@@ -5211,6 +5319,382 @@
       </p:sp>
       <p:sp>
         <p:nvSpPr>
+          <p:cNvPr id="5" name="Espace réservé du contenu 7"/>
+          <p:cNvSpPr txBox="1">
+            <a:spLocks/>
+          </p:cNvSpPr>
+          <p:nvPr/>
+        </p:nvSpPr>
+        <p:spPr bwMode="auto">
+          <a:xfrm>
+            <a:off x="457200" y="1905712"/>
+            <a:ext cx="8229600" cy="4320000"/>
+          </a:xfrm>
+          <a:prstGeom prst="rect">
+            <a:avLst/>
+          </a:prstGeom>
+          <a:noFill/>
+          <a:ln w="9525">
+            <a:noFill/>
+            <a:miter lim="800000"/>
+            <a:headEnd/>
+            <a:tailEnd/>
+          </a:ln>
+        </p:spPr>
+        <p:txBody>
+          <a:bodyPr vert="horz" wrap="square" lIns="91440" tIns="45720" rIns="91440" bIns="45720" numCol="1" anchor="t" anchorCtr="0" compatLnSpc="1">
+            <a:prstTxWarp prst="textNoShape">
+              <a:avLst/>
+            </a:prstTxWarp>
+          </a:bodyPr>
+          <a:lstStyle/>
+          <a:p>
+            <a:pPr>
+              <a:buClr>
+                <a:schemeClr val="accent5"/>
+              </a:buClr>
+              <a:buFont typeface="Arial" pitchFamily="34" charset="0"/>
+              <a:buChar char="•"/>
+            </a:pPr>
+            <a:endParaRPr lang="fr-FR" sz="2400" dirty="0" smtClean="0">
+              <a:solidFill>
+                <a:schemeClr val="accent5"/>
+              </a:solidFill>
+            </a:endParaRPr>
+          </a:p>
+          <a:p>
+            <a:pPr>
+              <a:buClr>
+                <a:schemeClr val="accent5"/>
+              </a:buClr>
+              <a:buFont typeface="Arial" pitchFamily="34" charset="0"/>
+              <a:buChar char="•"/>
+            </a:pPr>
+            <a:endParaRPr lang="fr-FR" sz="2400" dirty="0" smtClean="0">
+              <a:solidFill>
+                <a:schemeClr val="accent5"/>
+              </a:solidFill>
+            </a:endParaRPr>
+          </a:p>
+          <a:p>
+            <a:pPr>
+              <a:buClr>
+                <a:schemeClr val="accent5"/>
+              </a:buClr>
+              <a:buFont typeface="Arial" pitchFamily="34" charset="0"/>
+              <a:buChar char="•"/>
+            </a:pPr>
+            <a:r>
+              <a:rPr lang="fr-FR" sz="2400" dirty="0" smtClean="0">
+                <a:solidFill>
+                  <a:schemeClr val="accent5"/>
+                </a:solidFill>
+              </a:rPr>
+              <a:t>Fonctionnalités </a:t>
+            </a:r>
+          </a:p>
+          <a:p>
+            <a:pPr marL="342900" indent="-342900" fontAlgn="base">
+              <a:spcBef>
+                <a:spcPct val="20000"/>
+              </a:spcBef>
+              <a:spcAft>
+                <a:spcPct val="0"/>
+              </a:spcAft>
+              <a:buClr>
+                <a:schemeClr val="accent5"/>
+              </a:buClr>
+              <a:buFont typeface="Arial" charset="0"/>
+              <a:buChar char="•"/>
+              <a:defRPr/>
+            </a:pPr>
+            <a:r>
+              <a:rPr lang="fr-FR" sz="2400" dirty="0" smtClean="0">
+                <a:solidFill>
+                  <a:schemeClr val="accent5"/>
+                </a:solidFill>
+              </a:rPr>
+              <a:t>Application Web en version Alpha</a:t>
+            </a:r>
+            <a:endParaRPr lang="fr-FR" sz="2400" dirty="0" smtClean="0">
+              <a:solidFill>
+                <a:schemeClr val="accent5"/>
+              </a:solidFill>
+              <a:ea typeface="ＭＳ Ｐゴシック" charset="-128"/>
+              <a:cs typeface="ＭＳ Ｐゴシック" charset="-128"/>
+            </a:endParaRPr>
+          </a:p>
+          <a:p>
+            <a:pPr marL="342900" indent="-342900" fontAlgn="base">
+              <a:spcBef>
+                <a:spcPct val="20000"/>
+              </a:spcBef>
+              <a:spcAft>
+                <a:spcPct val="0"/>
+              </a:spcAft>
+              <a:buClr>
+                <a:schemeClr val="accent5"/>
+              </a:buClr>
+              <a:buFont typeface="Arial" charset="0"/>
+              <a:buChar char="•"/>
+              <a:defRPr/>
+            </a:pPr>
+            <a:r>
+              <a:rPr lang="fr-FR" sz="2400" dirty="0" smtClean="0">
+                <a:solidFill>
+                  <a:schemeClr val="accent5"/>
+                </a:solidFill>
+              </a:rPr>
+              <a:t>Version </a:t>
+            </a:r>
+            <a:r>
+              <a:rPr lang="fr-FR" sz="2400" dirty="0" err="1" smtClean="0">
+                <a:solidFill>
+                  <a:schemeClr val="accent5"/>
+                </a:solidFill>
+              </a:rPr>
+              <a:t>Android</a:t>
+            </a:r>
+            <a:r>
+              <a:rPr lang="fr-FR" sz="2400" dirty="0" smtClean="0">
+                <a:solidFill>
+                  <a:schemeClr val="accent5"/>
+                </a:solidFill>
+              </a:rPr>
+              <a:t> disponible en Beta</a:t>
+            </a:r>
+            <a:endParaRPr lang="fr-FR" sz="2400" dirty="0" smtClean="0">
+              <a:solidFill>
+                <a:schemeClr val="accent5"/>
+              </a:solidFill>
+              <a:ea typeface="ＭＳ Ｐゴシック" charset="-128"/>
+              <a:cs typeface="ＭＳ Ｐゴシック" charset="-128"/>
+            </a:endParaRPr>
+          </a:p>
+          <a:p>
+            <a:pPr marL="342900" lvl="0" indent="-342900" fontAlgn="base">
+              <a:spcBef>
+                <a:spcPct val="20000"/>
+              </a:spcBef>
+              <a:spcAft>
+                <a:spcPct val="0"/>
+              </a:spcAft>
+              <a:buClr>
+                <a:schemeClr val="accent5"/>
+              </a:buClr>
+              <a:buFont typeface="Arial" charset="0"/>
+              <a:buChar char="•"/>
+              <a:defRPr/>
+            </a:pPr>
+            <a:r>
+              <a:rPr lang="fr-FR" sz="2400" dirty="0" smtClean="0">
+                <a:solidFill>
+                  <a:schemeClr val="accent5"/>
+                </a:solidFill>
+              </a:rPr>
+              <a:t>Version Windows Phone 7 en développement</a:t>
+            </a:r>
+          </a:p>
+          <a:p>
+            <a:pPr marL="342900" lvl="0" indent="-342900" fontAlgn="base">
+              <a:spcBef>
+                <a:spcPct val="20000"/>
+              </a:spcBef>
+              <a:spcAft>
+                <a:spcPct val="0"/>
+              </a:spcAft>
+              <a:buClr>
+                <a:schemeClr val="accent5"/>
+              </a:buClr>
+              <a:buFont typeface="Arial" charset="0"/>
+              <a:buChar char="•"/>
+              <a:defRPr/>
+            </a:pPr>
+            <a:r>
+              <a:rPr lang="fr-FR" sz="2400" dirty="0" smtClean="0">
+                <a:solidFill>
+                  <a:schemeClr val="accent5"/>
+                </a:solidFill>
+              </a:rPr>
+              <a:t>Version </a:t>
+            </a:r>
+            <a:r>
+              <a:rPr lang="fr-FR" sz="2400" dirty="0" err="1" smtClean="0">
+                <a:solidFill>
+                  <a:schemeClr val="accent5"/>
+                </a:solidFill>
+              </a:rPr>
+              <a:t>iPhone</a:t>
+            </a:r>
+            <a:r>
+              <a:rPr lang="fr-FR" sz="2400" dirty="0" smtClean="0">
+                <a:solidFill>
+                  <a:schemeClr val="accent5"/>
+                </a:solidFill>
+              </a:rPr>
+              <a:t> en </a:t>
+            </a:r>
+            <a:r>
+              <a:rPr lang="fr-FR" sz="2400" dirty="0" err="1" smtClean="0">
+                <a:solidFill>
+                  <a:schemeClr val="accent5"/>
+                </a:solidFill>
+              </a:rPr>
+              <a:t>concéption</a:t>
+            </a:r>
+            <a:endParaRPr lang="fr-FR" sz="2400" dirty="0" smtClean="0">
+              <a:solidFill>
+                <a:schemeClr val="accent5"/>
+              </a:solidFill>
+            </a:endParaRPr>
+          </a:p>
+          <a:p>
+            <a:pPr>
+              <a:buFont typeface="Arial" pitchFamily="34" charset="0"/>
+              <a:buChar char="•"/>
+            </a:pPr>
+            <a:endParaRPr lang="fr-FR" sz="2400" dirty="0" smtClean="0">
+              <a:solidFill>
+                <a:schemeClr val="accent5"/>
+              </a:solidFill>
+            </a:endParaRPr>
+          </a:p>
+        </p:txBody>
+      </p:sp>
+      <p:sp>
+        <p:nvSpPr>
+          <p:cNvPr id="6" name="Titre 3"/>
+          <p:cNvSpPr txBox="1">
+            <a:spLocks/>
+          </p:cNvSpPr>
+          <p:nvPr/>
+        </p:nvSpPr>
+        <p:spPr bwMode="auto">
+          <a:xfrm>
+            <a:off x="609600" y="1132015"/>
+            <a:ext cx="8229600" cy="626997"/>
+          </a:xfrm>
+          <a:prstGeom prst="rect">
+            <a:avLst/>
+          </a:prstGeom>
+          <a:noFill/>
+          <a:ln w="9525">
+            <a:noFill/>
+            <a:miter lim="800000"/>
+            <a:headEnd/>
+            <a:tailEnd/>
+          </a:ln>
+        </p:spPr>
+        <p:txBody>
+          <a:bodyPr vert="horz" wrap="square" lIns="91440" tIns="45720" rIns="91440" bIns="45720" numCol="1" anchor="ctr" anchorCtr="0" compatLnSpc="1">
+            <a:prstTxWarp prst="textNoShape">
+              <a:avLst/>
+            </a:prstTxWarp>
+          </a:bodyPr>
+          <a:lstStyle/>
+          <a:p>
+            <a:pPr lvl="0" fontAlgn="base">
+              <a:spcBef>
+                <a:spcPct val="0"/>
+              </a:spcBef>
+              <a:spcAft>
+                <a:spcPct val="0"/>
+              </a:spcAft>
+              <a:defRPr/>
+            </a:pPr>
+            <a:r>
+              <a:rPr lang="fr-FR" sz="3600" dirty="0" smtClean="0">
+                <a:latin typeface="+mj-lt"/>
+                <a:ea typeface="ＭＳ Ｐゴシック" charset="-128"/>
+                <a:cs typeface="ＭＳ Ｐゴシック" charset="-128"/>
+              </a:rPr>
+              <a:t>Bilan</a:t>
+            </a:r>
+            <a:endParaRPr kumimoji="0" lang="fr-FR" sz="3600" b="0" i="0" u="none" strike="noStrike" kern="1200" cap="none" spc="0" normalizeH="0" baseline="0" noProof="0" dirty="0">
+              <a:ln>
+                <a:noFill/>
+              </a:ln>
+              <a:effectLst/>
+              <a:uLnTx/>
+              <a:uFillTx/>
+              <a:latin typeface="+mj-lt"/>
+              <a:ea typeface="ＭＳ Ｐゴシック" charset="-128"/>
+              <a:cs typeface="ＭＳ Ｐゴシック" charset="-128"/>
+            </a:endParaRPr>
+          </a:p>
+        </p:txBody>
+      </p:sp>
+    </p:spTree>
+  </p:cSld>
+  <p:clrMapOvr>
+    <a:masterClrMapping/>
+  </p:clrMapOvr>
+  <p:timing>
+    <p:tnLst>
+      <p:par>
+        <p:cTn id="1" dur="indefinite" restart="never" nodeType="tmRoot"/>
+      </p:par>
+    </p:tnLst>
+  </p:timing>
+</p:sld>
+</file>
+
+<file path=ppt/slides/slide17.xml><?xml version="1.0" encoding="utf-8"?>
+<p:sld xmlns:a="http://schemas.openxmlformats.org/drawingml/2006/main" xmlns:r="http://schemas.openxmlformats.org/officeDocument/2006/relationships" xmlns:p="http://schemas.openxmlformats.org/presentationml/2006/main">
+  <p:cSld>
+    <p:spTree>
+      <p:nvGrpSpPr>
+        <p:cNvPr id="1" name=""/>
+        <p:cNvGrpSpPr/>
+        <p:nvPr/>
+      </p:nvGrpSpPr>
+      <p:grpSpPr>
+        <a:xfrm>
+          <a:off x="0" y="0"/>
+          <a:ext cx="0" cy="0"/>
+          <a:chOff x="0" y="0"/>
+          <a:chExt cx="0" cy="0"/>
+        </a:xfrm>
+      </p:grpSpPr>
+      <p:sp>
+        <p:nvSpPr>
+          <p:cNvPr id="4" name="Titre 3"/>
+          <p:cNvSpPr>
+            <a:spLocks noGrp="1"/>
+          </p:cNvSpPr>
+          <p:nvPr>
+            <p:ph type="title"/>
+          </p:nvPr>
+        </p:nvSpPr>
+        <p:spPr>
+          <a:xfrm>
+            <a:off x="457200" y="155120"/>
+            <a:ext cx="8229600" cy="626997"/>
+          </a:xfrm>
+        </p:spPr>
+        <p:txBody>
+          <a:bodyPr/>
+          <a:lstStyle/>
+          <a:p>
+            <a:pPr algn="l"/>
+            <a:r>
+              <a:rPr lang="fr-FR" dirty="0" smtClean="0">
+                <a:solidFill>
+                  <a:schemeClr val="bg1"/>
+                </a:solidFill>
+              </a:rPr>
+              <a:t>Conclusion</a:t>
+            </a:r>
+            <a:endParaRPr lang="fr-FR" dirty="0">
+              <a:solidFill>
+                <a:schemeClr val="bg1"/>
+              </a:solidFill>
+            </a:endParaRPr>
+          </a:p>
+        </p:txBody>
+      </p:sp>
+      <p:sp>
+        <p:nvSpPr>
           <p:cNvPr id="5" name="Titre 3"/>
           <p:cNvSpPr txBox="1">
             <a:spLocks/>
@@ -5625,7 +6109,7 @@
 </p:sld>
 </file>
 
-<file path=ppt/slides/slide17.xml><?xml version="1.0" encoding="utf-8"?>
+<file path=ppt/slides/slide18.xml><?xml version="1.0" encoding="utf-8"?>
 <p:sld xmlns:a="http://schemas.openxmlformats.org/drawingml/2006/main" xmlns:r="http://schemas.openxmlformats.org/officeDocument/2006/relationships" xmlns:p="http://schemas.openxmlformats.org/presentationml/2006/main">
   <p:cSld>
     <p:bg>
@@ -5669,7 +6153,7 @@
 </p:sld>
 </file>
 
-<file path=ppt/slides/slide18.xml><?xml version="1.0" encoding="utf-8"?>
+<file path=ppt/slides/slide19.xml><?xml version="1.0" encoding="utf-8"?>
 <p:sld xmlns:a="http://schemas.openxmlformats.org/drawingml/2006/main" xmlns:r="http://schemas.openxmlformats.org/officeDocument/2006/relationships" xmlns:p="http://schemas.openxmlformats.org/presentationml/2006/main" show="0">
   <p:cSld>
     <p:spTree>
@@ -6168,138 +6652,6 @@
           </a:p>
         </p:txBody>
       </p:sp>
-    </p:spTree>
-  </p:cSld>
-  <p:clrMapOvr>
-    <a:masterClrMapping/>
-  </p:clrMapOvr>
-  <p:transition/>
-  <p:timing>
-    <p:tnLst>
-      <p:par>
-        <p:cTn id="1" dur="indefinite" restart="never" nodeType="tmRoot"/>
-      </p:par>
-    </p:tnLst>
-  </p:timing>
-</p:sld>
-</file>
-
-<file path=ppt/slides/slide19.xml><?xml version="1.0" encoding="utf-8"?>
-<p:sld xmlns:a="http://schemas.openxmlformats.org/drawingml/2006/main" xmlns:r="http://schemas.openxmlformats.org/officeDocument/2006/relationships" xmlns:p="http://schemas.openxmlformats.org/presentationml/2006/main" show="0">
-  <p:cSld>
-    <p:spTree>
-      <p:nvGrpSpPr>
-        <p:cNvPr id="1" name=""/>
-        <p:cNvGrpSpPr/>
-        <p:nvPr/>
-      </p:nvGrpSpPr>
-      <p:grpSpPr>
-        <a:xfrm>
-          <a:off x="0" y="0"/>
-          <a:ext cx="0" cy="0"/>
-          <a:chOff x="0" y="0"/>
-          <a:chExt cx="0" cy="0"/>
-        </a:xfrm>
-      </p:grpSpPr>
-      <p:sp>
-        <p:nvSpPr>
-          <p:cNvPr id="4" name="Titre 3"/>
-          <p:cNvSpPr>
-            <a:spLocks noGrp="1"/>
-          </p:cNvSpPr>
-          <p:nvPr>
-            <p:ph type="title"/>
-          </p:nvPr>
-        </p:nvSpPr>
-        <p:spPr>
-          <a:xfrm>
-            <a:off x="457200" y="155120"/>
-            <a:ext cx="8229600" cy="626997"/>
-          </a:xfrm>
-        </p:spPr>
-        <p:txBody>
-          <a:bodyPr/>
-          <a:lstStyle/>
-          <a:p>
-            <a:pPr algn="l"/>
-            <a:r>
-              <a:rPr lang="fr-FR" dirty="0" smtClean="0">
-                <a:solidFill>
-                  <a:schemeClr val="bg1"/>
-                </a:solidFill>
-              </a:rPr>
-              <a:t>Titre - Image</a:t>
-            </a:r>
-            <a:endParaRPr lang="fr-FR" dirty="0">
-              <a:solidFill>
-                <a:schemeClr val="bg1"/>
-              </a:solidFill>
-            </a:endParaRPr>
-          </a:p>
-        </p:txBody>
-      </p:sp>
-      <p:sp>
-        <p:nvSpPr>
-          <p:cNvPr id="5" name="ZoneTexte 4"/>
-          <p:cNvSpPr txBox="1"/>
-          <p:nvPr/>
-        </p:nvSpPr>
-        <p:spPr>
-          <a:xfrm>
-            <a:off x="457200" y="5598995"/>
-            <a:ext cx="8229600" cy="369332"/>
-          </a:xfrm>
-          <a:prstGeom prst="rect">
-            <a:avLst/>
-          </a:prstGeom>
-          <a:noFill/>
-        </p:spPr>
-        <p:txBody>
-          <a:bodyPr wrap="square" rtlCol="0">
-            <a:spAutoFit/>
-          </a:bodyPr>
-          <a:lstStyle/>
-          <a:p>
-            <a:r>
-              <a:rPr lang="fr-FR" dirty="0" smtClean="0">
-                <a:solidFill>
-                  <a:schemeClr val="bg2"/>
-                </a:solidFill>
-              </a:rPr>
-              <a:t>Légende</a:t>
-            </a:r>
-            <a:endParaRPr lang="fr-FR" dirty="0">
-              <a:solidFill>
-                <a:schemeClr val="bg2"/>
-              </a:solidFill>
-            </a:endParaRPr>
-          </a:p>
-        </p:txBody>
-      </p:sp>
-      <p:pic>
-        <p:nvPicPr>
-          <p:cNvPr id="12" name="Espace réservé du contenu 11" descr="MyNetworkBulle.png"/>
-          <p:cNvPicPr>
-            <a:picLocks noGrp="1" noChangeAspect="1"/>
-          </p:cNvPicPr>
-          <p:nvPr>
-            <p:ph idx="1"/>
-          </p:nvPr>
-        </p:nvPicPr>
-        <p:blipFill>
-          <a:blip r:embed="rId2"/>
-          <a:srcRect l="-54613" r="-54613"/>
-          <a:stretch>
-            <a:fillRect/>
-          </a:stretch>
-        </p:blipFill>
-        <p:spPr>
-          <a:xfrm>
-            <a:off x="937729" y="1377817"/>
-            <a:ext cx="7143750" cy="3928802"/>
-          </a:xfrm>
-        </p:spPr>
-      </p:pic>
     </p:spTree>
   </p:cSld>
   <p:clrMapOvr>
@@ -6382,8 +6734,8 @@
         </p:nvSpPr>
         <p:spPr>
           <a:xfrm>
-            <a:off x="457200" y="1068224"/>
-            <a:ext cx="8229600" cy="5170206"/>
+            <a:off x="457200" y="1726250"/>
+            <a:ext cx="8229600" cy="4512180"/>
           </a:xfrm>
         </p:spPr>
         <p:txBody>
@@ -6391,7 +6743,7 @@
           <a:lstStyle/>
           <a:p>
             <a:r>
-              <a:rPr lang="fr-FR" sz="2000" dirty="0" smtClean="0">
+              <a:rPr lang="fr-FR" sz="2400" dirty="0" smtClean="0">
                 <a:solidFill>
                   <a:schemeClr val="accent5"/>
                 </a:solidFill>
@@ -6401,7 +6753,7 @@
           </a:p>
           <a:p>
             <a:r>
-              <a:rPr lang="fr-FR" sz="2000" dirty="0" smtClean="0">
+              <a:rPr lang="fr-FR" sz="2400" dirty="0" smtClean="0">
                 <a:solidFill>
                   <a:schemeClr val="accent5"/>
                 </a:solidFill>
@@ -6411,7 +6763,7 @@
           </a:p>
           <a:p>
             <a:r>
-              <a:rPr lang="fr-FR" sz="2000" dirty="0" smtClean="0">
+              <a:rPr lang="fr-FR" sz="2400" dirty="0" smtClean="0">
                 <a:solidFill>
                   <a:schemeClr val="accent5"/>
                 </a:solidFill>
@@ -6421,155 +6773,72 @@
           </a:p>
           <a:p>
             <a:r>
-              <a:rPr lang="fr-FR" sz="2000" dirty="0" err="1" smtClean="0">
+              <a:rPr lang="fr-FR" sz="2400" dirty="0" err="1" smtClean="0">
+                <a:solidFill>
+                  <a:schemeClr val="accent5"/>
+                </a:solidFill>
+              </a:rPr>
+              <a:t>Silverlight</a:t>
+            </a:r>
+            <a:endParaRPr lang="fr-FR" sz="2400" dirty="0" smtClean="0">
+              <a:solidFill>
+                <a:schemeClr val="accent5"/>
+              </a:solidFill>
+            </a:endParaRPr>
+          </a:p>
+          <a:p>
+            <a:r>
+              <a:rPr lang="fr-FR" sz="2400" dirty="0" err="1" smtClean="0">
                 <a:solidFill>
                   <a:schemeClr val="accent5"/>
                 </a:solidFill>
               </a:rPr>
               <a:t>Android</a:t>
             </a:r>
-            <a:r>
-              <a:rPr lang="fr-FR" sz="2000" dirty="0" smtClean="0">
-                <a:solidFill>
-                  <a:schemeClr val="accent5"/>
-                </a:solidFill>
-              </a:rPr>
-              <a:t> Spécifications</a:t>
-            </a:r>
-          </a:p>
-          <a:p>
-            <a:r>
-              <a:rPr lang="fr-FR" sz="2000" dirty="0" err="1" smtClean="0">
-                <a:solidFill>
-                  <a:schemeClr val="accent5"/>
-                </a:solidFill>
-              </a:rPr>
-              <a:t>Android</a:t>
-            </a:r>
-            <a:r>
-              <a:rPr lang="fr-FR" sz="2000" dirty="0" smtClean="0">
-                <a:solidFill>
-                  <a:schemeClr val="accent5"/>
-                </a:solidFill>
-              </a:rPr>
-              <a:t> Statistique/Retours</a:t>
-            </a:r>
-          </a:p>
-          <a:p>
-            <a:r>
-              <a:rPr lang="fr-FR" sz="2000" dirty="0" err="1" smtClean="0">
-                <a:solidFill>
-                  <a:schemeClr val="accent5"/>
-                </a:solidFill>
-              </a:rPr>
-              <a:t>Android</a:t>
-            </a:r>
-            <a:r>
-              <a:rPr lang="fr-FR" sz="2000" dirty="0" smtClean="0">
-                <a:solidFill>
-                  <a:schemeClr val="accent5"/>
-                </a:solidFill>
-              </a:rPr>
-              <a:t> Démonstration</a:t>
-            </a:r>
-          </a:p>
-          <a:p>
-            <a:r>
-              <a:rPr lang="fr-FR" sz="2000" dirty="0" err="1" smtClean="0">
-                <a:solidFill>
-                  <a:schemeClr val="accent5"/>
-                </a:solidFill>
-              </a:rPr>
-              <a:t>Silverlight</a:t>
-            </a:r>
-            <a:r>
-              <a:rPr lang="fr-FR" sz="2000" dirty="0" smtClean="0">
-                <a:solidFill>
-                  <a:schemeClr val="accent5"/>
-                </a:solidFill>
-              </a:rPr>
-              <a:t> Spécifications</a:t>
-            </a:r>
-          </a:p>
-          <a:p>
-            <a:r>
-              <a:rPr lang="fr-FR" sz="2000" dirty="0" err="1" smtClean="0">
-                <a:solidFill>
-                  <a:schemeClr val="accent5"/>
-                </a:solidFill>
-              </a:rPr>
-              <a:t>Silverlight</a:t>
-            </a:r>
-            <a:r>
-              <a:rPr lang="fr-FR" sz="2000" dirty="0" smtClean="0">
-                <a:solidFill>
-                  <a:schemeClr val="accent5"/>
-                </a:solidFill>
-              </a:rPr>
-              <a:t> Statistique/Retours</a:t>
-            </a:r>
-          </a:p>
-          <a:p>
-            <a:r>
-              <a:rPr lang="fr-FR" sz="2000" dirty="0" err="1" smtClean="0">
-                <a:solidFill>
-                  <a:schemeClr val="accent5"/>
-                </a:solidFill>
-              </a:rPr>
-              <a:t>Silverlight</a:t>
-            </a:r>
-            <a:r>
-              <a:rPr lang="fr-FR" sz="2000" dirty="0" smtClean="0">
-                <a:solidFill>
-                  <a:schemeClr val="accent5"/>
-                </a:solidFill>
-              </a:rPr>
-              <a:t> Démonstration</a:t>
-            </a:r>
-          </a:p>
-          <a:p>
-            <a:r>
-              <a:rPr lang="fr-FR" sz="2000" dirty="0" smtClean="0">
-                <a:solidFill>
-                  <a:schemeClr val="accent5"/>
-                </a:solidFill>
-              </a:rPr>
-              <a:t>Windows Phone 7 Spécifications</a:t>
-            </a:r>
-          </a:p>
-          <a:p>
-            <a:r>
-              <a:rPr lang="fr-FR" sz="2000" dirty="0" smtClean="0">
-                <a:solidFill>
-                  <a:schemeClr val="accent5"/>
-                </a:solidFill>
-              </a:rPr>
-              <a:t>Windows Phone 7 Démonstration</a:t>
-            </a:r>
-          </a:p>
-          <a:p>
-            <a:r>
-              <a:rPr lang="fr-FR" sz="2000" dirty="0" smtClean="0">
-                <a:solidFill>
-                  <a:schemeClr val="bg2"/>
-                </a:solidFill>
-              </a:rPr>
-              <a:t>IOS</a:t>
-            </a:r>
-          </a:p>
-          <a:p>
-            <a:r>
-              <a:rPr lang="fr-FR" sz="2000" dirty="0" smtClean="0">
-                <a:solidFill>
-                  <a:schemeClr val="accent5"/>
-                </a:solidFill>
-              </a:rPr>
-              <a:t>Bilan</a:t>
-            </a:r>
-          </a:p>
-          <a:p>
-            <a:r>
-              <a:rPr lang="fr-FR" sz="2000" dirty="0" smtClean="0">
+            <a:endParaRPr lang="fr-FR" sz="2400" dirty="0" smtClean="0">
+              <a:solidFill>
+                <a:schemeClr val="accent5"/>
+              </a:solidFill>
+            </a:endParaRPr>
+          </a:p>
+          <a:p>
+            <a:r>
+              <a:rPr lang="fr-FR" sz="2400" dirty="0" smtClean="0">
+                <a:solidFill>
+                  <a:schemeClr val="accent5"/>
+                </a:solidFill>
+              </a:rPr>
+              <a:t>Windows Phone 7</a:t>
+            </a:r>
+          </a:p>
+          <a:p>
+            <a:r>
+              <a:rPr lang="fr-FR" sz="2400" dirty="0" err="1" smtClean="0">
+                <a:solidFill>
+                  <a:schemeClr val="accent5"/>
+                </a:solidFill>
+              </a:rPr>
+              <a:t>iPhone</a:t>
+            </a:r>
+            <a:endParaRPr lang="fr-FR" sz="2400" dirty="0" smtClean="0">
+              <a:solidFill>
+                <a:schemeClr val="accent5"/>
+              </a:solidFill>
+            </a:endParaRPr>
+          </a:p>
+          <a:p>
+            <a:r>
+              <a:rPr lang="fr-FR" sz="2400" dirty="0" smtClean="0">
+                <a:solidFill>
+                  <a:schemeClr val="accent5"/>
+                </a:solidFill>
+              </a:rPr>
+              <a:t>Communication</a:t>
+            </a:r>
+          </a:p>
+          <a:p>
+            <a:r>
+              <a:rPr lang="fr-FR" sz="2400" dirty="0" smtClean="0">
                 <a:solidFill>
                   <a:schemeClr val="accent5"/>
                 </a:solidFill>
@@ -6584,6 +6853,138 @@
   <p:clrMapOvr>
     <a:masterClrMapping/>
   </p:clrMapOvr>
+  <p:timing>
+    <p:tnLst>
+      <p:par>
+        <p:cTn id="1" dur="indefinite" restart="never" nodeType="tmRoot"/>
+      </p:par>
+    </p:tnLst>
+  </p:timing>
+</p:sld>
+</file>
+
+<file path=ppt/slides/slide20.xml><?xml version="1.0" encoding="utf-8"?>
+<p:sld xmlns:a="http://schemas.openxmlformats.org/drawingml/2006/main" xmlns:r="http://schemas.openxmlformats.org/officeDocument/2006/relationships" xmlns:p="http://schemas.openxmlformats.org/presentationml/2006/main" show="0">
+  <p:cSld>
+    <p:spTree>
+      <p:nvGrpSpPr>
+        <p:cNvPr id="1" name=""/>
+        <p:cNvGrpSpPr/>
+        <p:nvPr/>
+      </p:nvGrpSpPr>
+      <p:grpSpPr>
+        <a:xfrm>
+          <a:off x="0" y="0"/>
+          <a:ext cx="0" cy="0"/>
+          <a:chOff x="0" y="0"/>
+          <a:chExt cx="0" cy="0"/>
+        </a:xfrm>
+      </p:grpSpPr>
+      <p:sp>
+        <p:nvSpPr>
+          <p:cNvPr id="4" name="Titre 3"/>
+          <p:cNvSpPr>
+            <a:spLocks noGrp="1"/>
+          </p:cNvSpPr>
+          <p:nvPr>
+            <p:ph type="title"/>
+          </p:nvPr>
+        </p:nvSpPr>
+        <p:spPr>
+          <a:xfrm>
+            <a:off x="457200" y="155120"/>
+            <a:ext cx="8229600" cy="626997"/>
+          </a:xfrm>
+        </p:spPr>
+        <p:txBody>
+          <a:bodyPr/>
+          <a:lstStyle/>
+          <a:p>
+            <a:pPr algn="l"/>
+            <a:r>
+              <a:rPr lang="fr-FR" dirty="0" smtClean="0">
+                <a:solidFill>
+                  <a:schemeClr val="bg1"/>
+                </a:solidFill>
+              </a:rPr>
+              <a:t>Titre - Image</a:t>
+            </a:r>
+            <a:endParaRPr lang="fr-FR" dirty="0">
+              <a:solidFill>
+                <a:schemeClr val="bg1"/>
+              </a:solidFill>
+            </a:endParaRPr>
+          </a:p>
+        </p:txBody>
+      </p:sp>
+      <p:sp>
+        <p:nvSpPr>
+          <p:cNvPr id="5" name="ZoneTexte 4"/>
+          <p:cNvSpPr txBox="1"/>
+          <p:nvPr/>
+        </p:nvSpPr>
+        <p:spPr>
+          <a:xfrm>
+            <a:off x="457200" y="5598995"/>
+            <a:ext cx="8229600" cy="369332"/>
+          </a:xfrm>
+          <a:prstGeom prst="rect">
+            <a:avLst/>
+          </a:prstGeom>
+          <a:noFill/>
+        </p:spPr>
+        <p:txBody>
+          <a:bodyPr wrap="square" rtlCol="0">
+            <a:spAutoFit/>
+          </a:bodyPr>
+          <a:lstStyle/>
+          <a:p>
+            <a:r>
+              <a:rPr lang="fr-FR" dirty="0" smtClean="0">
+                <a:solidFill>
+                  <a:schemeClr val="bg2"/>
+                </a:solidFill>
+              </a:rPr>
+              <a:t>Légende</a:t>
+            </a:r>
+            <a:endParaRPr lang="fr-FR" dirty="0">
+              <a:solidFill>
+                <a:schemeClr val="bg2"/>
+              </a:solidFill>
+            </a:endParaRPr>
+          </a:p>
+        </p:txBody>
+      </p:sp>
+      <p:pic>
+        <p:nvPicPr>
+          <p:cNvPr id="12" name="Espace réservé du contenu 11" descr="MyNetworkBulle.png"/>
+          <p:cNvPicPr>
+            <a:picLocks noGrp="1" noChangeAspect="1"/>
+          </p:cNvPicPr>
+          <p:nvPr>
+            <p:ph idx="1"/>
+          </p:nvPr>
+        </p:nvPicPr>
+        <p:blipFill>
+          <a:blip r:embed="rId2"/>
+          <a:srcRect l="-54613" r="-54613"/>
+          <a:stretch>
+            <a:fillRect/>
+          </a:stretch>
+        </p:blipFill>
+        <p:spPr>
+          <a:xfrm>
+            <a:off x="937729" y="1377817"/>
+            <a:ext cx="7143750" cy="3928802"/>
+          </a:xfrm>
+        </p:spPr>
+      </p:pic>
+    </p:spTree>
+  </p:cSld>
+  <p:clrMapOvr>
+    <a:masterClrMapping/>
+  </p:clrMapOvr>
+  <p:transition/>
   <p:timing>
     <p:tnLst>
       <p:par>
@@ -6660,8 +7061,8 @@
         </p:nvSpPr>
         <p:spPr>
           <a:xfrm>
-            <a:off x="457200" y="1068224"/>
-            <a:ext cx="8229600" cy="5170206"/>
+            <a:off x="457200" y="1854436"/>
+            <a:ext cx="8229600" cy="4383993"/>
           </a:xfrm>
         </p:spPr>
         <p:txBody>
@@ -7266,15 +7667,7 @@
                   <a:schemeClr val="accent5"/>
                 </a:solidFill>
               </a:rPr>
-              <a:t>Outils </a:t>
-            </a:r>
-            <a:r>
-              <a:rPr lang="fr-FR" sz="2400" dirty="0" smtClean="0">
-                <a:solidFill>
-                  <a:schemeClr val="accent5"/>
-                </a:solidFill>
-              </a:rPr>
-              <a:t>de Centralisation de Réseau </a:t>
+              <a:t>Outils de Centralisation de Réseau </a:t>
             </a:r>
             <a:r>
               <a:rPr lang="fr-FR" sz="2400" dirty="0" err="1" smtClean="0">
@@ -7333,15 +7726,7 @@
                   <a:schemeClr val="accent5"/>
                 </a:solidFill>
               </a:rPr>
-              <a:t> – 50 millions de membres </a:t>
-            </a:r>
-            <a:r>
-              <a:rPr lang="fr-FR" sz="2400" dirty="0" smtClean="0">
-                <a:solidFill>
-                  <a:schemeClr val="accent5"/>
-                </a:solidFill>
-              </a:rPr>
-              <a:t>actifs</a:t>
+              <a:t> – 50 millions de membres actifs</a:t>
             </a:r>
           </a:p>
           <a:p>
@@ -7357,16 +7742,7 @@
                 </a:solidFill>
                 <a:cs typeface="ＭＳ Ｐゴシック" charset="-128"/>
               </a:rPr>
-              <a:t>Google + - 25 millions </a:t>
-            </a:r>
-            <a:r>
-              <a:rPr lang="fr-FR" sz="2400" dirty="0" smtClean="0">
-                <a:solidFill>
-                  <a:schemeClr val="bg2"/>
-                </a:solidFill>
-                <a:cs typeface="ＭＳ Ｐゴシック" charset="-128"/>
-              </a:rPr>
-              <a:t>d’utilisateurs</a:t>
+              <a:t>Google + - 25 millions d’utilisateurs</a:t>
             </a:r>
             <a:endParaRPr lang="fr-FR" sz="2400" dirty="0" smtClean="0">
               <a:solidFill>
@@ -7396,7 +7772,7 @@
               </a:buClr>
             </a:pPr>
             <a:r>
-              <a:rPr lang="fr-FR" sz="2000" dirty="0" smtClean="0">
+              <a:rPr lang="fr-FR" sz="2400" dirty="0" smtClean="0">
                 <a:solidFill>
                   <a:schemeClr val="accent5"/>
                 </a:solidFill>
@@ -7404,14 +7780,14 @@
               <a:t>PC/Mac/Linux – Microsoft </a:t>
             </a:r>
             <a:r>
-              <a:rPr lang="fr-FR" sz="2000" dirty="0" err="1" smtClean="0">
+              <a:rPr lang="fr-FR" sz="2400" dirty="0" err="1" smtClean="0">
                 <a:solidFill>
                   <a:schemeClr val="accent5"/>
                 </a:solidFill>
               </a:rPr>
               <a:t>Silverlight</a:t>
             </a:r>
-            <a:endParaRPr lang="fr-FR" sz="2000" dirty="0" smtClean="0">
+            <a:endParaRPr lang="fr-FR" sz="2400" dirty="0" smtClean="0">
               <a:solidFill>
                 <a:schemeClr val="accent5"/>
               </a:solidFill>
@@ -7424,7 +7800,7 @@
               </a:buClr>
             </a:pPr>
             <a:r>
-              <a:rPr lang="fr-FR" sz="2000" dirty="0" err="1" smtClean="0">
+              <a:rPr lang="fr-FR" sz="2400" dirty="0" err="1" smtClean="0">
                 <a:solidFill>
                   <a:schemeClr val="accent5"/>
                 </a:solidFill>
@@ -7432,7 +7808,7 @@
               <a:t>Android</a:t>
             </a:r>
             <a:r>
-              <a:rPr lang="fr-FR" sz="2000" dirty="0" smtClean="0">
+              <a:rPr lang="fr-FR" sz="2400" dirty="0" smtClean="0">
                 <a:solidFill>
                   <a:schemeClr val="accent5"/>
                 </a:solidFill>
@@ -7447,7 +7823,7 @@
               </a:buClr>
             </a:pPr>
             <a:r>
-              <a:rPr lang="fr-FR" sz="2000" dirty="0" smtClean="0">
+              <a:rPr lang="fr-FR" sz="2400" dirty="0" smtClean="0">
                 <a:solidFill>
                   <a:schemeClr val="accent5"/>
                 </a:solidFill>
@@ -7455,81 +7831,18 @@
               <a:t>Windows Phone 7 – Microsoft </a:t>
             </a:r>
             <a:r>
-              <a:rPr lang="fr-FR" sz="2000" dirty="0" err="1" smtClean="0">
-                <a:solidFill>
-                  <a:schemeClr val="accent5"/>
-                </a:solidFill>
-              </a:rPr>
-              <a:t>Silverlight</a:t>
-            </a:r>
-            <a:endParaRPr lang="fr-FR" sz="2000" dirty="0" smtClean="0">
+              <a:rPr lang="fr-FR" sz="2400" dirty="0" err="1" smtClean="0">
+                <a:solidFill>
+                  <a:schemeClr val="accent5"/>
+                </a:solidFill>
+              </a:rPr>
+              <a:t>Silverligh</a:t>
+            </a:r>
+            <a:endParaRPr lang="fr-FR" sz="2400" dirty="0" smtClean="0">
               <a:solidFill>
                 <a:schemeClr val="accent5"/>
               </a:solidFill>
             </a:endParaRPr>
-          </a:p>
-          <a:p>
-            <a:pPr>
-              <a:buClr>
-                <a:schemeClr val="accent5"/>
-              </a:buClr>
-            </a:pPr>
-            <a:r>
-              <a:rPr lang="fr-FR" sz="2400" dirty="0" smtClean="0">
-                <a:solidFill>
-                  <a:schemeClr val="accent5"/>
-                </a:solidFill>
-              </a:rPr>
-              <a:t>Envisagé puis mis de côté : </a:t>
-            </a:r>
-            <a:r>
-              <a:rPr lang="fr-FR" sz="2400" dirty="0" err="1" smtClean="0">
-                <a:solidFill>
-                  <a:schemeClr val="accent5"/>
-                </a:solidFill>
-              </a:rPr>
-              <a:t>MySpace</a:t>
-            </a:r>
-            <a:r>
-              <a:rPr lang="fr-FR" sz="2400" dirty="0" smtClean="0">
-                <a:solidFill>
-                  <a:schemeClr val="accent5"/>
-                </a:solidFill>
-              </a:rPr>
-              <a:t>, </a:t>
-            </a:r>
-            <a:r>
-              <a:rPr lang="fr-FR" sz="2400" dirty="0" err="1" smtClean="0">
-                <a:solidFill>
-                  <a:schemeClr val="accent5"/>
-                </a:solidFill>
-              </a:rPr>
-              <a:t>LinkedIn</a:t>
-            </a:r>
-            <a:r>
-              <a:rPr lang="fr-FR" sz="2400" dirty="0" smtClean="0">
-                <a:solidFill>
-                  <a:schemeClr val="accent5"/>
-                </a:solidFill>
-              </a:rPr>
-              <a:t>, </a:t>
-            </a:r>
-            <a:r>
-              <a:rPr lang="fr-FR" sz="2400" dirty="0" err="1" smtClean="0">
-                <a:solidFill>
-                  <a:schemeClr val="accent5"/>
-                </a:solidFill>
-              </a:rPr>
-              <a:t>Digg</a:t>
-            </a:r>
-            <a:r>
-              <a:rPr lang="fr-FR" sz="2400" dirty="0" smtClean="0">
-                <a:solidFill>
-                  <a:schemeClr val="accent5"/>
-                </a:solidFill>
-              </a:rPr>
-              <a:t>,…</a:t>
-            </a:r>
           </a:p>
         </p:txBody>
       </p:sp>

--- a/trunk/Docs/eip 10.09.11/myNETwork.pptx
+++ b/trunk/Docs/eip 10.09.11/myNETwork.pptx
@@ -6115,7 +6115,9 @@
     <p:bg>
       <p:bgPr>
         <a:blipFill dpi="0" rotWithShape="1">
-          <a:blip r:embed="rId2"/>
+          <a:blip r:embed="rId2">
+            <a:lum/>
+          </a:blip>
           <a:srcRect/>
           <a:stretch>
             <a:fillRect/>

--- a/trunk/Docs/eip 10.09.11/myNETwork.pptx
+++ b/trunk/Docs/eip 10.09.11/myNETwork.pptx
@@ -4263,6 +4263,173 @@
           <a:bodyPr/>
           <a:lstStyle/>
           <a:p>
+            <a:r>
+              <a:rPr lang="fr-FR" sz="2400" dirty="0" smtClean="0">
+                <a:solidFill>
+                  <a:schemeClr val="accent5"/>
+                </a:solidFill>
+              </a:rPr>
+              <a:t>Fils d’actualités et liste d’amis des comptes fusionnés</a:t>
+            </a:r>
+          </a:p>
+          <a:p>
+            <a:r>
+              <a:rPr lang="fr-FR" sz="2400" dirty="0" smtClean="0">
+                <a:solidFill>
+                  <a:schemeClr val="accent5"/>
+                </a:solidFill>
+              </a:rPr>
+              <a:t>Mise à jour de </a:t>
+            </a:r>
+            <a:r>
+              <a:rPr lang="fr-FR" sz="2400" dirty="0" smtClean="0">
+                <a:solidFill>
+                  <a:schemeClr val="accent5"/>
+                </a:solidFill>
+              </a:rPr>
+              <a:t>statut </a:t>
+            </a:r>
+            <a:r>
+              <a:rPr lang="fr-FR" sz="2400" dirty="0" smtClean="0">
+                <a:solidFill>
+                  <a:schemeClr val="accent5"/>
+                </a:solidFill>
+              </a:rPr>
+              <a:t>multi-comptes</a:t>
+            </a:r>
+          </a:p>
+          <a:p>
+            <a:r>
+              <a:rPr lang="fr-FR" sz="2400" dirty="0" smtClean="0">
+                <a:solidFill>
+                  <a:schemeClr val="accent5"/>
+                </a:solidFill>
+              </a:rPr>
+              <a:t>Messages privés </a:t>
+            </a:r>
+            <a:r>
+              <a:rPr lang="fr-FR" sz="2400" dirty="0" err="1" smtClean="0">
+                <a:solidFill>
+                  <a:schemeClr val="accent5"/>
+                </a:solidFill>
+              </a:rPr>
+              <a:t>Facebook</a:t>
+            </a:r>
+            <a:endParaRPr lang="fr-FR" sz="2400" dirty="0" smtClean="0">
+              <a:solidFill>
+                <a:schemeClr val="accent5"/>
+              </a:solidFill>
+            </a:endParaRPr>
+          </a:p>
+          <a:p>
+            <a:r>
+              <a:rPr lang="fr-FR" sz="2400" dirty="0" err="1" smtClean="0">
+                <a:solidFill>
+                  <a:schemeClr val="accent5"/>
+                </a:solidFill>
+              </a:rPr>
+              <a:t>Raccourcisseur</a:t>
+            </a:r>
+            <a:r>
+              <a:rPr lang="fr-FR" sz="2400" dirty="0" smtClean="0">
+                <a:solidFill>
+                  <a:schemeClr val="accent5"/>
+                </a:solidFill>
+              </a:rPr>
+              <a:t> </a:t>
+            </a:r>
+            <a:r>
+              <a:rPr lang="fr-FR" sz="2400" dirty="0" smtClean="0">
+                <a:solidFill>
+                  <a:schemeClr val="accent5"/>
+                </a:solidFill>
+              </a:rPr>
+              <a:t>d’url dans les statuts</a:t>
+            </a:r>
+          </a:p>
+          <a:p>
+            <a:r>
+              <a:rPr lang="fr-FR" sz="2400" dirty="0" smtClean="0">
+                <a:solidFill>
+                  <a:schemeClr val="accent5"/>
+                </a:solidFill>
+              </a:rPr>
+              <a:t>Affichage des profils des amis avec </a:t>
+            </a:r>
+            <a:r>
+              <a:rPr lang="fr-FR" sz="2400" dirty="0" smtClean="0">
+                <a:solidFill>
+                  <a:schemeClr val="accent5"/>
+                </a:solidFill>
+              </a:rPr>
+              <a:t>photo, </a:t>
+            </a:r>
+            <a:r>
+              <a:rPr lang="fr-FR" sz="2400" dirty="0" smtClean="0">
+                <a:solidFill>
+                  <a:schemeClr val="accent5"/>
+                </a:solidFill>
+              </a:rPr>
+              <a:t>infos, mur</a:t>
+            </a:r>
+          </a:p>
+          <a:p>
+            <a:r>
+              <a:rPr lang="fr-FR" sz="2400" dirty="0" smtClean="0">
+                <a:solidFill>
+                  <a:schemeClr val="accent5"/>
+                </a:solidFill>
+              </a:rPr>
+              <a:t>« </a:t>
+            </a:r>
+            <a:r>
+              <a:rPr lang="fr-FR" sz="2400" dirty="0" err="1" smtClean="0">
+                <a:solidFill>
+                  <a:schemeClr val="accent5"/>
+                </a:solidFill>
+              </a:rPr>
+              <a:t>Retweets</a:t>
+            </a:r>
+            <a:r>
+              <a:rPr lang="fr-FR" sz="2400" dirty="0" smtClean="0">
+                <a:solidFill>
+                  <a:schemeClr val="accent5"/>
+                </a:solidFill>
+              </a:rPr>
+              <a:t> » et </a:t>
+            </a:r>
+            <a:r>
+              <a:rPr lang="fr-FR" sz="2400" dirty="0" smtClean="0">
+                <a:solidFill>
+                  <a:schemeClr val="accent5"/>
+                </a:solidFill>
+              </a:rPr>
+              <a:t>commentaires</a:t>
+            </a:r>
+          </a:p>
+          <a:p>
+            <a:r>
+              <a:rPr lang="fr-FR" sz="2400" dirty="0" smtClean="0">
+                <a:solidFill>
+                  <a:schemeClr val="accent5"/>
+                </a:solidFill>
+              </a:rPr>
+              <a:t>Multilingue</a:t>
+            </a:r>
+            <a:endParaRPr lang="fr-FR" sz="2400" dirty="0" smtClean="0">
+              <a:solidFill>
+                <a:schemeClr val="accent5"/>
+              </a:solidFill>
+            </a:endParaRPr>
+          </a:p>
+          <a:p>
+            <a:endParaRPr lang="fr-FR" sz="2400" dirty="0" smtClean="0">
+              <a:solidFill>
+                <a:schemeClr val="accent5"/>
+              </a:solidFill>
+            </a:endParaRPr>
+          </a:p>
+          <a:p>
             <a:endParaRPr lang="fr-FR" sz="2400" dirty="0" smtClean="0">
               <a:solidFill>
                 <a:schemeClr val="accent5"/>
@@ -5363,37 +5530,6 @@
             </a:endParaRPr>
           </a:p>
           <a:p>
-            <a:pPr>
-              <a:buClr>
-                <a:schemeClr val="accent5"/>
-              </a:buClr>
-              <a:buFont typeface="Arial" pitchFamily="34" charset="0"/>
-              <a:buChar char="•"/>
-            </a:pPr>
-            <a:endParaRPr lang="fr-FR" sz="2400" dirty="0" smtClean="0">
-              <a:solidFill>
-                <a:schemeClr val="accent5"/>
-              </a:solidFill>
-            </a:endParaRPr>
-          </a:p>
-          <a:p>
-            <a:pPr>
-              <a:buClr>
-                <a:schemeClr val="accent5"/>
-              </a:buClr>
-              <a:buFont typeface="Arial" pitchFamily="34" charset="0"/>
-              <a:buChar char="•"/>
-            </a:pPr>
-            <a:r>
-              <a:rPr lang="fr-FR" sz="2400" dirty="0" smtClean="0">
-                <a:solidFill>
-                  <a:schemeClr val="accent5"/>
-                </a:solidFill>
-              </a:rPr>
-              <a:t>Fonctionnalités </a:t>
-            </a:r>
-          </a:p>
-          <a:p>
             <a:pPr marL="342900" indent="-342900" fontAlgn="base">
               <a:spcBef>
                 <a:spcPct val="20000"/>
@@ -5414,14 +5550,12 @@
                   <a:schemeClr val="accent5"/>
                 </a:solidFill>
               </a:rPr>
-              <a:t>Application Web en version Alpha</a:t>
+              <a:t>Fonctionnalités</a:t>
             </a:r>
             <a:endParaRPr lang="fr-FR" sz="2400" dirty="0" smtClean="0">
               <a:solidFill>
                 <a:schemeClr val="accent5"/>
               </a:solidFill>
-              <a:ea typeface="ＭＳ Ｐゴシック" charset="-128"/>
-              <a:cs typeface="ＭＳ Ｐゴシック" charset="-128"/>
             </a:endParaRPr>
           </a:p>
           <a:p>
@@ -5445,6 +5579,37 @@
                   <a:schemeClr val="accent5"/>
                 </a:solidFill>
               </a:rPr>
+              <a:t>Application Web en version Alpha</a:t>
+            </a:r>
+            <a:endParaRPr lang="fr-FR" sz="2400" dirty="0" smtClean="0">
+              <a:solidFill>
+                <a:schemeClr val="accent5"/>
+              </a:solidFill>
+              <a:ea typeface="ＭＳ Ｐゴシック" charset="-128"/>
+              <a:cs typeface="ＭＳ Ｐゴシック" charset="-128"/>
+            </a:endParaRPr>
+          </a:p>
+          <a:p>
+            <a:pPr marL="342900" indent="-342900" fontAlgn="base">
+              <a:spcBef>
+                <a:spcPct val="20000"/>
+              </a:spcBef>
+              <a:spcAft>
+                <a:spcPct val="0"/>
+              </a:spcAft>
+              <a:buClr>
+                <a:schemeClr val="accent5"/>
+              </a:buClr>
+              <a:buFont typeface="Arial" charset="0"/>
+              <a:buChar char="•"/>
+              <a:defRPr/>
+            </a:pPr>
+            <a:r>
+              <a:rPr lang="fr-FR" sz="2400" dirty="0" smtClean="0">
+                <a:solidFill>
+                  <a:schemeClr val="accent5"/>
+                </a:solidFill>
+              </a:rPr>
               <a:t>Version </a:t>
             </a:r>
             <a:r>
@@ -5535,12 +5700,12 @@
               <a:t> en </a:t>
             </a:r>
             <a:r>
-              <a:rPr lang="fr-FR" sz="2400" dirty="0" err="1" smtClean="0">
-                <a:solidFill>
-                  <a:schemeClr val="accent5"/>
-                </a:solidFill>
-              </a:rPr>
-              <a:t>concéption</a:t>
+              <a:rPr lang="fr-FR" sz="2400" dirty="0" smtClean="0">
+                <a:solidFill>
+                  <a:schemeClr val="accent5"/>
+                </a:solidFill>
+              </a:rPr>
+              <a:t>conception</a:t>
             </a:r>
             <a:endParaRPr lang="fr-FR" sz="2400" dirty="0" smtClean="0">
               <a:solidFill>
@@ -5897,10 +6062,10 @@
                 <a:ea typeface="ＭＳ Ｐゴシック" charset="-128"/>
                 <a:cs typeface="ＭＳ Ｐゴシック" charset="-128"/>
               </a:rPr>
-              <a:t> réseau sociaux (</a:t>
-            </a:r>
-            <a:r>
-              <a:rPr kumimoji="0" lang="fr-FR" sz="2400" b="0" i="0" u="none" strike="noStrike" kern="1200" cap="none" spc="0" normalizeH="0" noProof="0" dirty="0" err="1" smtClean="0">
+              <a:t> réseau sociaux </a:t>
+            </a:r>
+            <a:r>
+              <a:rPr kumimoji="0" lang="fr-FR" sz="2400" b="0" i="0" u="none" strike="noStrike" kern="1200" cap="none" spc="0" normalizeH="0" noProof="0" dirty="0" smtClean="0">
                 <a:ln>
                   <a:noFill/>
                 </a:ln>
@@ -5914,10 +6079,20 @@
                 <a:ea typeface="ＭＳ Ｐゴシック" charset="-128"/>
                 <a:cs typeface="ＭＳ Ｐゴシック" charset="-128"/>
               </a:rPr>
-              <a:t>google</a:t>
-            </a:r>
-            <a:r>
-              <a:rPr kumimoji="0" lang="fr-FR" sz="2400" b="0" i="0" u="none" strike="noStrike" kern="1200" cap="none" spc="0" normalizeH="0" noProof="0" dirty="0" smtClean="0">
+              <a:t>(</a:t>
+            </a:r>
+            <a:r>
+              <a:rPr lang="fr-FR" sz="2400" dirty="0" err="1" smtClean="0">
+                <a:solidFill>
+                  <a:schemeClr val="accent5"/>
+                </a:solidFill>
+                <a:ea typeface="ＭＳ Ｐゴシック" charset="-128"/>
+                <a:cs typeface="ＭＳ Ｐゴシック" charset="-128"/>
+              </a:rPr>
+              <a:t>G</a:t>
+            </a:r>
+            <a:r>
+              <a:rPr kumimoji="0" lang="fr-FR" sz="2400" b="0" i="0" u="none" strike="noStrike" kern="1200" cap="none" spc="0" normalizeH="0" noProof="0" dirty="0" err="1" smtClean="0">
                 <a:ln>
                   <a:noFill/>
                 </a:ln>
@@ -5931,10 +6106,10 @@
                 <a:ea typeface="ＭＳ Ｐゴシック" charset="-128"/>
                 <a:cs typeface="ＭＳ Ｐゴシック" charset="-128"/>
               </a:rPr>
-              <a:t> +, </a:t>
-            </a:r>
-            <a:r>
-              <a:rPr kumimoji="0" lang="fr-FR" sz="2400" b="0" i="0" u="none" strike="noStrike" kern="1200" cap="none" spc="0" normalizeH="0" noProof="0" dirty="0" err="1" smtClean="0">
+              <a:t>oogle</a:t>
+            </a:r>
+            <a:r>
+              <a:rPr kumimoji="0" lang="fr-FR" sz="2400" b="0" i="0" u="none" strike="noStrike" kern="1200" cap="none" spc="0" normalizeH="0" noProof="0" dirty="0" smtClean="0">
                 <a:ln>
                   <a:noFill/>
                 </a:ln>
@@ -5948,7 +6123,51 @@
                 <a:ea typeface="ＭＳ Ｐゴシック" charset="-128"/>
                 <a:cs typeface="ＭＳ Ｐゴシック" charset="-128"/>
               </a:rPr>
-              <a:t>linkedin</a:t>
+              <a:t> </a:t>
+            </a:r>
+            <a:r>
+              <a:rPr kumimoji="0" lang="fr-FR" sz="2400" b="0" i="0" u="none" strike="noStrike" kern="1200" cap="none" spc="0" normalizeH="0" noProof="0" dirty="0" smtClean="0">
+                <a:ln>
+                  <a:noFill/>
+                </a:ln>
+                <a:solidFill>
+                  <a:schemeClr val="accent5"/>
+                </a:solidFill>
+                <a:effectLst/>
+                <a:uLnTx/>
+                <a:uFillTx/>
+                <a:latin typeface="+mn-lt"/>
+                <a:ea typeface="ＭＳ Ｐゴシック" charset="-128"/>
+                <a:cs typeface="ＭＳ Ｐゴシック" charset="-128"/>
+              </a:rPr>
+              <a:t>+, </a:t>
+            </a:r>
+            <a:r>
+              <a:rPr lang="fr-FR" sz="2400" dirty="0" smtClean="0">
+                <a:solidFill>
+                  <a:schemeClr val="accent5"/>
+                </a:solidFill>
+                <a:ea typeface="ＭＳ Ｐゴシック" charset="-128"/>
+                <a:cs typeface="ＭＳ Ｐゴシック" charset="-128"/>
+              </a:rPr>
+              <a:t>L</a:t>
+            </a:r>
+            <a:r>
+              <a:rPr kumimoji="0" lang="fr-FR" sz="2400" b="0" i="0" u="none" strike="noStrike" kern="1200" cap="none" spc="0" normalizeH="0" noProof="0" dirty="0" err="1" smtClean="0">
+                <a:ln>
+                  <a:noFill/>
+                </a:ln>
+                <a:solidFill>
+                  <a:schemeClr val="accent5"/>
+                </a:solidFill>
+                <a:effectLst/>
+                <a:uLnTx/>
+                <a:uFillTx/>
+                <a:latin typeface="+mn-lt"/>
+                <a:ea typeface="ＭＳ Ｐゴシック" charset="-128"/>
+                <a:cs typeface="ＭＳ Ｐゴシック" charset="-128"/>
+              </a:rPr>
+              <a:t>inkedIn</a:t>
             </a:r>
             <a:r>
               <a:rPr kumimoji="0" lang="fr-FR" sz="2400" b="0" i="0" u="none" strike="noStrike" kern="1200" cap="none" spc="0" normalizeH="0" noProof="0" dirty="0" smtClean="0">
@@ -6775,18 +6994,13 @@
           </a:p>
           <a:p>
             <a:r>
-              <a:rPr lang="fr-FR" sz="2400" dirty="0" err="1" smtClean="0">
+              <a:rPr lang="fr-FR" sz="2400" dirty="0" smtClean="0">
                 <a:solidFill>
                   <a:schemeClr val="accent5"/>
                 </a:solidFill>
               </a:rPr>
               <a:t>Silverlight</a:t>
             </a:r>
-            <a:endParaRPr lang="fr-FR" sz="2400" dirty="0" smtClean="0">
-              <a:solidFill>
-                <a:schemeClr val="accent5"/>
-              </a:solidFill>
-            </a:endParaRPr>
           </a:p>
           <a:p>
             <a:r>
@@ -7107,15 +7321,15 @@
                   <a:schemeClr val="accent5"/>
                 </a:solidFill>
               </a:rPr>
-              <a:t>Fabien Le </a:t>
-            </a:r>
-            <a:r>
-              <a:rPr lang="fr-FR" sz="2400" dirty="0" err="1" smtClean="0">
-                <a:solidFill>
-                  <a:schemeClr val="accent5"/>
-                </a:solidFill>
-              </a:rPr>
-              <a:t>Moign</a:t>
+              <a:t>Fabien </a:t>
+            </a:r>
+            <a:r>
+              <a:rPr lang="fr-FR" sz="2400" dirty="0" smtClean="0">
+                <a:solidFill>
+                  <a:schemeClr val="accent5"/>
+                </a:solidFill>
+              </a:rPr>
+              <a:t>LE MOIGN</a:t>
             </a:r>
             <a:endParaRPr lang="fr-FR" sz="2400" dirty="0" smtClean="0">
               <a:solidFill>
@@ -7446,8 +7660,15 @@
                 <a:ea typeface="ＭＳ Ｐゴシック" charset="-128"/>
                 <a:cs typeface="ＭＳ Ｐゴシック" charset="-128"/>
               </a:rPr>
-              <a:t>Marketing</a:t>
-            </a:r>
+              <a:t>Marketing et communication</a:t>
+            </a:r>
+            <a:endParaRPr lang="fr-FR" sz="3200" dirty="0" smtClean="0">
+              <a:solidFill>
+                <a:schemeClr val="accent5"/>
+              </a:solidFill>
+              <a:ea typeface="ＭＳ Ｐゴシック" charset="-128"/>
+              <a:cs typeface="ＭＳ Ｐゴシック" charset="-128"/>
+            </a:endParaRPr>
           </a:p>
           <a:p>
             <a:pPr marL="342900" marR="0" lvl="0" indent="-342900" algn="l" defTabSz="457200" rtl="0" eaLnBrk="1" fontAlgn="base" latinLnBrk="0" hangingPunct="1">
@@ -7488,10 +7709,7 @@
             </a:r>
           </a:p>
           <a:p>
-            <a:pPr marL="342900" marR="0" lvl="0" indent="-342900" algn="l" defTabSz="457200" rtl="0" eaLnBrk="1" fontAlgn="base" latinLnBrk="0" hangingPunct="1">
-              <a:lnSpc>
-                <a:spcPct val="100000"/>
-              </a:lnSpc>
+            <a:pPr marL="342900" lvl="0" indent="-342900" fontAlgn="base">
               <a:spcBef>
                 <a:spcPct val="20000"/>
               </a:spcBef>
@@ -7501,10 +7719,8 @@
               <a:buClr>
                 <a:schemeClr val="accent5"/>
               </a:buClr>
-              <a:buSzTx/>
               <a:buFont typeface="Arial" charset="0"/>
               <a:buChar char="•"/>
-              <a:tabLst/>
               <a:defRPr/>
             </a:pPr>
             <a:r>
@@ -7515,7 +7731,57 @@
                 <a:ea typeface="ＭＳ Ｐゴシック" charset="-128"/>
                 <a:cs typeface="ＭＳ Ｐゴシック" charset="-128"/>
               </a:rPr>
-              <a:t>Maitrise de différentes technologies et langage de programmation</a:t>
+              <a:t>Maîtrise </a:t>
+            </a:r>
+            <a:r>
+              <a:rPr lang="fr-FR" sz="3200" dirty="0" smtClean="0">
+                <a:solidFill>
+                  <a:schemeClr val="accent5"/>
+                </a:solidFill>
+                <a:ea typeface="ＭＳ Ｐゴシック" charset="-128"/>
+                <a:cs typeface="ＭＳ Ｐゴシック" charset="-128"/>
+              </a:rPr>
+              <a:t>de </a:t>
+            </a:r>
+            <a:r>
+              <a:rPr lang="fr-FR" sz="3200" dirty="0" smtClean="0">
+                <a:solidFill>
+                  <a:schemeClr val="accent5"/>
+                </a:solidFill>
+                <a:ea typeface="ＭＳ Ｐゴシック" charset="-128"/>
+                <a:cs typeface="ＭＳ Ｐゴシック" charset="-128"/>
+              </a:rPr>
+              <a:t>différents langages </a:t>
+            </a:r>
+            <a:r>
+              <a:rPr lang="fr-FR" sz="3200" dirty="0" smtClean="0">
+                <a:solidFill>
+                  <a:schemeClr val="accent5"/>
+                </a:solidFill>
+                <a:ea typeface="ＭＳ Ｐゴシック" charset="-128"/>
+                <a:cs typeface="ＭＳ Ｐゴシック" charset="-128"/>
+              </a:rPr>
+              <a:t>de </a:t>
+            </a:r>
+            <a:r>
+              <a:rPr lang="fr-FR" sz="3200" dirty="0" smtClean="0">
+                <a:solidFill>
+                  <a:schemeClr val="accent5"/>
+                </a:solidFill>
+                <a:ea typeface="ＭＳ Ｐゴシック" charset="-128"/>
+                <a:cs typeface="ＭＳ Ｐゴシック" charset="-128"/>
+              </a:rPr>
+              <a:t>programmation et </a:t>
+            </a:r>
+            <a:r>
+              <a:rPr lang="fr-FR" sz="3200" dirty="0" smtClean="0">
+                <a:solidFill>
+                  <a:schemeClr val="accent5"/>
+                </a:solidFill>
+                <a:ea typeface="ＭＳ Ｐゴシック" charset="-128"/>
+                <a:cs typeface="ＭＳ Ｐゴシック" charset="-128"/>
+              </a:rPr>
+              <a:t>technologies</a:t>
             </a:r>
             <a:endParaRPr kumimoji="0" lang="fr-FR" sz="3200" b="0" i="0" u="none" strike="noStrike" kern="1200" cap="none" spc="0" normalizeH="0" baseline="0" noProof="0" dirty="0" smtClean="0">
               <a:ln>
@@ -7669,15 +7935,15 @@
                   <a:schemeClr val="accent5"/>
                 </a:solidFill>
               </a:rPr>
-              <a:t>Outils de Centralisation de Réseau </a:t>
-            </a:r>
-            <a:r>
-              <a:rPr lang="fr-FR" sz="2400" dirty="0" err="1" smtClean="0">
-                <a:solidFill>
-                  <a:schemeClr val="accent5"/>
-                </a:solidFill>
-              </a:rPr>
-              <a:t>Socieaux</a:t>
+              <a:t>Outils de Centralisation de </a:t>
+            </a:r>
+            <a:r>
+              <a:rPr lang="fr-FR" sz="2400" dirty="0" smtClean="0">
+                <a:solidFill>
+                  <a:schemeClr val="accent5"/>
+                </a:solidFill>
+              </a:rPr>
+              <a:t>Réseaux Sociaux</a:t>
             </a:r>
             <a:endParaRPr lang="fr-FR" sz="2400" dirty="0" smtClean="0">
               <a:solidFill>
@@ -7705,7 +7971,23 @@
                   <a:schemeClr val="accent5"/>
                 </a:solidFill>
               </a:rPr>
-              <a:t> – 750 millions  de membres actifs</a:t>
+              <a:t> – 750 millions </a:t>
+            </a:r>
+            <a:r>
+              <a:rPr lang="fr-FR" sz="2400" dirty="0" smtClean="0">
+                <a:solidFill>
+                  <a:schemeClr val="accent5"/>
+                </a:solidFill>
+              </a:rPr>
+              <a:t>de </a:t>
+            </a:r>
+            <a:r>
+              <a:rPr lang="fr-FR" sz="2400" dirty="0" smtClean="0">
+                <a:solidFill>
+                  <a:schemeClr val="accent5"/>
+                </a:solidFill>
+              </a:rPr>
+              <a:t>membres actifs</a:t>
             </a:r>
           </a:p>
           <a:p>
@@ -7779,21 +8061,8 @@
                   <a:schemeClr val="accent5"/>
                 </a:solidFill>
               </a:rPr>
-              <a:t>PC/Mac/Linux – Microsoft </a:t>
-            </a:r>
-            <a:r>
-              <a:rPr lang="fr-FR" sz="2400" dirty="0" err="1" smtClean="0">
-                <a:solidFill>
-                  <a:schemeClr val="accent5"/>
-                </a:solidFill>
-              </a:rPr>
-              <a:t>Silverlight</a:t>
-            </a:r>
-            <a:endParaRPr lang="fr-FR" sz="2400" dirty="0" smtClean="0">
-              <a:solidFill>
-                <a:schemeClr val="accent5"/>
-              </a:solidFill>
-            </a:endParaRPr>
+              <a:t>PC/Mac/Linux – Microsoft Silverlight</a:t>
+            </a:r>
           </a:p>
           <a:p>
             <a:pPr lvl="1">
@@ -7815,7 +8084,15 @@
                   <a:schemeClr val="accent5"/>
                 </a:solidFill>
               </a:rPr>
-              <a:t> – Java</a:t>
+              <a:t> </a:t>
+            </a:r>
+            <a:r>
+              <a:rPr lang="fr-FR" sz="2400" dirty="0" smtClean="0">
+                <a:solidFill>
+                  <a:schemeClr val="accent5"/>
+                </a:solidFill>
+              </a:rPr>
+              <a:t>– Java</a:t>
             </a:r>
           </a:p>
           <a:p>
@@ -7833,12 +8110,12 @@
               <a:t>Windows Phone 7 – Microsoft </a:t>
             </a:r>
             <a:r>
-              <a:rPr lang="fr-FR" sz="2400" dirty="0" err="1" smtClean="0">
-                <a:solidFill>
-                  <a:schemeClr val="accent5"/>
-                </a:solidFill>
-              </a:rPr>
-              <a:t>Silverligh</a:t>
+              <a:rPr lang="fr-FR" sz="2400" dirty="0" smtClean="0">
+                <a:solidFill>
+                  <a:schemeClr val="accent5"/>
+                </a:solidFill>
+              </a:rPr>
+              <a:t>Silverlight</a:t>
             </a:r>
             <a:endParaRPr lang="fr-FR" sz="2400" dirty="0" smtClean="0">
               <a:solidFill>
@@ -8014,18 +8291,49 @@
                   <a:schemeClr val="accent5"/>
                 </a:solidFill>
               </a:rPr>
-              <a:t>Moins d'une dizaine d'acteur sur le marché</a:t>
-            </a:r>
-          </a:p>
-          <a:p>
+              <a:t>Moins d'une dizaine d'acteur sur le </a:t>
+            </a:r>
             <a:r>
               <a:rPr lang="fr-FR" sz="2400" dirty="0" smtClean="0">
                 <a:solidFill>
                   <a:schemeClr val="accent5"/>
                 </a:solidFill>
               </a:rPr>
-              <a:t>Les plus utilisé alliant les deux réseau: </a:t>
-            </a:r>
+              <a:t>marché</a:t>
+            </a:r>
+          </a:p>
+          <a:p>
+            <a:pPr>
+              <a:buNone/>
+            </a:pPr>
+            <a:endParaRPr lang="fr-FR" sz="2400" dirty="0" smtClean="0">
+              <a:solidFill>
+                <a:schemeClr val="accent5"/>
+              </a:solidFill>
+            </a:endParaRPr>
+          </a:p>
+          <a:p>
+            <a:r>
+              <a:rPr lang="fr-FR" sz="2400" dirty="0" smtClean="0">
+                <a:solidFill>
+                  <a:schemeClr val="accent5"/>
+                </a:solidFill>
+              </a:rPr>
+              <a:t>Les plus utilisé alliant les deux </a:t>
+            </a:r>
+            <a:r>
+              <a:rPr lang="fr-FR" sz="2400" dirty="0" smtClean="0">
+                <a:solidFill>
+                  <a:schemeClr val="accent5"/>
+                </a:solidFill>
+              </a:rPr>
+              <a:t>réseaux : </a:t>
+            </a:r>
+            <a:endParaRPr lang="fr-FR" sz="2400" dirty="0" smtClean="0">
+              <a:solidFill>
+                <a:schemeClr val="accent5"/>
+              </a:solidFill>
+            </a:endParaRPr>
           </a:p>
           <a:p>
             <a:pPr lvl="1"/>
@@ -8075,146 +8383,7 @@
                   <a:schemeClr val="accent5"/>
                 </a:solidFill>
               </a:rPr>
-              <a:t> – PC/Mac/Linux (</a:t>
-            </a:r>
-            <a:r>
-              <a:rPr lang="fr-FR" sz="2000" dirty="0" err="1" smtClean="0">
-                <a:solidFill>
-                  <a:schemeClr val="accent5"/>
-                </a:solidFill>
-              </a:rPr>
-              <a:t>Silverlight</a:t>
-            </a:r>
-            <a:r>
-              <a:rPr lang="fr-FR" sz="2000" dirty="0" smtClean="0">
-                <a:solidFill>
-                  <a:schemeClr val="accent5"/>
-                </a:solidFill>
-              </a:rPr>
-              <a:t>), </a:t>
-            </a:r>
-            <a:r>
-              <a:rPr lang="fr-FR" sz="2000" dirty="0" err="1" smtClean="0">
-                <a:solidFill>
-                  <a:schemeClr val="accent5"/>
-                </a:solidFill>
-              </a:rPr>
-              <a:t>Android</a:t>
-            </a:r>
-            <a:r>
-              <a:rPr lang="fr-FR" sz="2000" dirty="0" smtClean="0">
-                <a:solidFill>
-                  <a:schemeClr val="accent5"/>
-                </a:solidFill>
-              </a:rPr>
-              <a:t>, </a:t>
-            </a:r>
-            <a:r>
-              <a:rPr lang="fr-FR" sz="2000" dirty="0" err="1" smtClean="0">
-                <a:solidFill>
-                  <a:schemeClr val="accent5"/>
-                </a:solidFill>
-              </a:rPr>
-              <a:t>iPhone</a:t>
-            </a:r>
-            <a:r>
-              <a:rPr lang="fr-FR" sz="2000" dirty="0" smtClean="0">
-                <a:solidFill>
-                  <a:schemeClr val="accent5"/>
-                </a:solidFill>
-              </a:rPr>
-              <a:t>, WP7</a:t>
-            </a:r>
-          </a:p>
-          <a:p>
-            <a:pPr lvl="1"/>
-            <a:r>
-              <a:rPr lang="fr-FR" sz="2000" b="1" dirty="0" err="1" smtClean="0">
-                <a:solidFill>
-                  <a:schemeClr val="accent5"/>
-                </a:solidFill>
-              </a:rPr>
-              <a:t>TweetDeck</a:t>
-            </a:r>
-            <a:r>
-              <a:rPr lang="fr-FR" sz="2000" dirty="0" smtClean="0">
-                <a:solidFill>
-                  <a:schemeClr val="accent5"/>
-                </a:solidFill>
-              </a:rPr>
-              <a:t> – </a:t>
-            </a:r>
-            <a:r>
-              <a:rPr lang="fr-FR" sz="2000" dirty="0" err="1" smtClean="0">
-                <a:solidFill>
-                  <a:schemeClr val="accent5"/>
-                </a:solidFill>
-              </a:rPr>
-              <a:t>Twitter</a:t>
-            </a:r>
-            <a:r>
-              <a:rPr lang="fr-FR" sz="2000" dirty="0" smtClean="0">
-                <a:solidFill>
-                  <a:schemeClr val="accent5"/>
-                </a:solidFill>
-              </a:rPr>
-              <a:t>, </a:t>
-            </a:r>
-            <a:r>
-              <a:rPr lang="fr-FR" sz="2000" dirty="0" err="1" smtClean="0">
-                <a:solidFill>
-                  <a:schemeClr val="accent5"/>
-                </a:solidFill>
-              </a:rPr>
-              <a:t>Facebook</a:t>
-            </a:r>
-            <a:r>
-              <a:rPr lang="fr-FR" sz="2000" dirty="0" smtClean="0">
-                <a:solidFill>
-                  <a:schemeClr val="accent5"/>
-                </a:solidFill>
-              </a:rPr>
-              <a:t> – PC/Mac/Linux (Adobe Air ou Chrome </a:t>
-            </a:r>
-            <a:r>
-              <a:rPr lang="fr-FR" sz="2000" dirty="0" err="1" smtClean="0">
-                <a:solidFill>
-                  <a:schemeClr val="accent5"/>
-                </a:solidFill>
-              </a:rPr>
-              <a:t>extention</a:t>
-            </a:r>
-            <a:r>
-              <a:rPr lang="fr-FR" sz="2000" dirty="0" smtClean="0">
-                <a:solidFill>
-                  <a:schemeClr val="accent5"/>
-                </a:solidFill>
-              </a:rPr>
-              <a:t>), </a:t>
-            </a:r>
-            <a:r>
-              <a:rPr lang="fr-FR" sz="2000" dirty="0" err="1" smtClean="0">
-                <a:solidFill>
-                  <a:schemeClr val="accent5"/>
-                </a:solidFill>
-              </a:rPr>
-              <a:t>Android</a:t>
-            </a:r>
-            <a:r>
-              <a:rPr lang="fr-FR" sz="2000" dirty="0" smtClean="0">
-                <a:solidFill>
-                  <a:schemeClr val="accent5"/>
-                </a:solidFill>
-              </a:rPr>
-              <a:t>, </a:t>
-            </a:r>
-            <a:r>
-              <a:rPr lang="fr-FR" sz="2000" dirty="0" err="1" smtClean="0">
-                <a:solidFill>
-                  <a:schemeClr val="accent5"/>
-                </a:solidFill>
-              </a:rPr>
-              <a:t>iPhone</a:t>
+              <a:t> </a:t>
             </a:r>
             <a:endParaRPr lang="fr-FR" sz="2000" dirty="0" smtClean="0">
               <a:solidFill>
@@ -8223,14 +8392,233 @@
             </a:endParaRPr>
           </a:p>
           <a:p>
+            <a:pPr lvl="1">
+              <a:buNone/>
+            </a:pPr>
+            <a:r>
+              <a:rPr lang="fr-FR" sz="2000" i="1" dirty="0" smtClean="0">
+                <a:solidFill>
+                  <a:schemeClr val="accent5"/>
+                </a:solidFill>
+              </a:rPr>
+              <a:t>PC/Mac/Linux </a:t>
+            </a:r>
+            <a:r>
+              <a:rPr lang="fr-FR" sz="2000" i="1" dirty="0" smtClean="0">
+                <a:solidFill>
+                  <a:schemeClr val="accent5"/>
+                </a:solidFill>
+              </a:rPr>
+              <a:t>(Silverlight), </a:t>
+            </a:r>
+            <a:r>
+              <a:rPr lang="fr-FR" sz="2000" i="1" dirty="0" err="1" smtClean="0">
+                <a:solidFill>
+                  <a:schemeClr val="accent5"/>
+                </a:solidFill>
+              </a:rPr>
+              <a:t>Android</a:t>
+            </a:r>
+            <a:r>
+              <a:rPr lang="fr-FR" sz="2000" i="1" dirty="0" smtClean="0">
+                <a:solidFill>
+                  <a:schemeClr val="accent5"/>
+                </a:solidFill>
+              </a:rPr>
+              <a:t>, </a:t>
+            </a:r>
+            <a:r>
+              <a:rPr lang="fr-FR" sz="2000" i="1" dirty="0" err="1" smtClean="0">
+                <a:solidFill>
+                  <a:schemeClr val="accent5"/>
+                </a:solidFill>
+              </a:rPr>
+              <a:t>iPhone</a:t>
+            </a:r>
+            <a:r>
+              <a:rPr lang="fr-FR" sz="2000" i="1" dirty="0" smtClean="0">
+                <a:solidFill>
+                  <a:schemeClr val="accent5"/>
+                </a:solidFill>
+              </a:rPr>
+              <a:t>, </a:t>
+            </a:r>
+            <a:r>
+              <a:rPr lang="fr-FR" sz="2000" i="1" dirty="0" smtClean="0">
+                <a:solidFill>
+                  <a:schemeClr val="accent5"/>
+                </a:solidFill>
+              </a:rPr>
+              <a:t>WP7</a:t>
+            </a:r>
+            <a:endParaRPr lang="fr-FR" sz="2000" i="1" dirty="0" smtClean="0">
+              <a:solidFill>
+                <a:schemeClr val="accent5"/>
+              </a:solidFill>
+            </a:endParaRPr>
+          </a:p>
+          <a:p>
+            <a:pPr lvl="1"/>
+            <a:r>
+              <a:rPr lang="fr-FR" sz="2000" b="1" dirty="0" err="1" smtClean="0">
+                <a:solidFill>
+                  <a:schemeClr val="accent5"/>
+                </a:solidFill>
+              </a:rPr>
+              <a:t>TweetDeck</a:t>
+            </a:r>
+            <a:r>
+              <a:rPr lang="fr-FR" sz="2000" dirty="0" smtClean="0">
+                <a:solidFill>
+                  <a:schemeClr val="accent5"/>
+                </a:solidFill>
+              </a:rPr>
+              <a:t> – </a:t>
+            </a:r>
+            <a:r>
+              <a:rPr lang="fr-FR" sz="2000" dirty="0" err="1" smtClean="0">
+                <a:solidFill>
+                  <a:schemeClr val="accent5"/>
+                </a:solidFill>
+              </a:rPr>
+              <a:t>Twitter</a:t>
+            </a:r>
+            <a:r>
+              <a:rPr lang="fr-FR" sz="2000" dirty="0" smtClean="0">
+                <a:solidFill>
+                  <a:schemeClr val="accent5"/>
+                </a:solidFill>
+              </a:rPr>
+              <a:t>, </a:t>
+            </a:r>
+            <a:r>
+              <a:rPr lang="fr-FR" sz="2000" dirty="0" err="1" smtClean="0">
+                <a:solidFill>
+                  <a:schemeClr val="accent5"/>
+                </a:solidFill>
+              </a:rPr>
+              <a:t>Facebook</a:t>
+            </a:r>
+            <a:endParaRPr lang="fr-FR" sz="2000" dirty="0" smtClean="0">
+              <a:solidFill>
+                <a:schemeClr val="accent5"/>
+              </a:solidFill>
+            </a:endParaRPr>
+          </a:p>
+          <a:p>
+            <a:pPr lvl="1">
+              <a:buNone/>
+            </a:pPr>
+            <a:r>
+              <a:rPr lang="fr-FR" sz="2000" i="1" dirty="0" smtClean="0">
+                <a:solidFill>
+                  <a:schemeClr val="accent5"/>
+                </a:solidFill>
+              </a:rPr>
+              <a:t>PC/Mac/Linux </a:t>
+            </a:r>
+            <a:r>
+              <a:rPr lang="fr-FR" sz="2000" i="1" dirty="0" smtClean="0">
+                <a:solidFill>
+                  <a:schemeClr val="accent5"/>
+                </a:solidFill>
+              </a:rPr>
+              <a:t>(Adobe Air ou Chrome </a:t>
+            </a:r>
+            <a:r>
+              <a:rPr lang="fr-FR" sz="2000" i="1" dirty="0" smtClean="0">
+                <a:solidFill>
+                  <a:schemeClr val="accent5"/>
+                </a:solidFill>
+              </a:rPr>
+              <a:t>extension</a:t>
+            </a:r>
+            <a:r>
+              <a:rPr lang="fr-FR" sz="2000" i="1" dirty="0" smtClean="0">
+                <a:solidFill>
+                  <a:schemeClr val="accent5"/>
+                </a:solidFill>
+              </a:rPr>
+              <a:t>), </a:t>
+            </a:r>
+            <a:r>
+              <a:rPr lang="fr-FR" sz="2000" i="1" dirty="0" err="1" smtClean="0">
+                <a:solidFill>
+                  <a:schemeClr val="accent5"/>
+                </a:solidFill>
+              </a:rPr>
+              <a:t>Android</a:t>
+            </a:r>
+            <a:r>
+              <a:rPr lang="fr-FR" sz="2000" i="1" dirty="0" smtClean="0">
+                <a:solidFill>
+                  <a:schemeClr val="accent5"/>
+                </a:solidFill>
+              </a:rPr>
+              <a:t>, </a:t>
+            </a:r>
+            <a:r>
+              <a:rPr lang="fr-FR" sz="2000" i="1" dirty="0" err="1" smtClean="0">
+                <a:solidFill>
+                  <a:schemeClr val="accent5"/>
+                </a:solidFill>
+              </a:rPr>
+              <a:t>iPhone</a:t>
+            </a:r>
+            <a:endParaRPr lang="fr-FR" sz="2000" i="1" dirty="0" smtClean="0">
+              <a:solidFill>
+                <a:schemeClr val="accent5"/>
+              </a:solidFill>
+            </a:endParaRPr>
+          </a:p>
+          <a:p>
+            <a:pPr lvl="1">
+              <a:buNone/>
+            </a:pPr>
+            <a:endParaRPr lang="fr-FR" sz="2000" i="1" dirty="0" smtClean="0">
+              <a:solidFill>
+                <a:schemeClr val="accent5"/>
+              </a:solidFill>
+            </a:endParaRPr>
+          </a:p>
+          <a:p>
             <a:r>
               <a:rPr lang="fr-FR" sz="2400" dirty="0" smtClean="0">
                 <a:solidFill>
                   <a:schemeClr val="accent5"/>
                 </a:solidFill>
               </a:rPr>
-              <a:t>Les gros acteur gérant un seul des réseau:</a:t>
-            </a:r>
+              <a:t>Les gros </a:t>
+            </a:r>
+            <a:r>
+              <a:rPr lang="fr-FR" sz="2400" dirty="0" smtClean="0">
+                <a:solidFill>
+                  <a:schemeClr val="accent5"/>
+                </a:solidFill>
+              </a:rPr>
+              <a:t>acteurs </a:t>
+            </a:r>
+            <a:r>
+              <a:rPr lang="fr-FR" sz="2400" dirty="0" smtClean="0">
+                <a:solidFill>
+                  <a:schemeClr val="accent5"/>
+                </a:solidFill>
+              </a:rPr>
+              <a:t>gérant un seul des </a:t>
+            </a:r>
+            <a:r>
+              <a:rPr lang="fr-FR" sz="2400" dirty="0" smtClean="0">
+                <a:solidFill>
+                  <a:schemeClr val="accent5"/>
+                </a:solidFill>
+              </a:rPr>
+              <a:t>réseaux :</a:t>
+            </a:r>
+            <a:endParaRPr lang="fr-FR" sz="2400" dirty="0" smtClean="0">
+              <a:solidFill>
+                <a:schemeClr val="accent5"/>
+              </a:solidFill>
+            </a:endParaRPr>
           </a:p>
           <a:p>
             <a:pPr lvl="1"/>
@@ -8248,7 +8636,23 @@
                   <a:schemeClr val="accent5"/>
                 </a:solidFill>
               </a:rPr>
-              <a:t> – Tout les supports</a:t>
+              <a:t> – </a:t>
+            </a:r>
+            <a:r>
+              <a:rPr lang="fr-FR" sz="2000" dirty="0" smtClean="0">
+                <a:solidFill>
+                  <a:schemeClr val="accent5"/>
+                </a:solidFill>
+              </a:rPr>
+              <a:t>Tous </a:t>
+            </a:r>
+            <a:r>
+              <a:rPr lang="fr-FR" sz="2000" dirty="0" smtClean="0">
+                <a:solidFill>
+                  <a:schemeClr val="accent5"/>
+                </a:solidFill>
+              </a:rPr>
+              <a:t>les supports</a:t>
             </a:r>
           </a:p>
           <a:p>
@@ -8267,15 +8671,31 @@
                   <a:schemeClr val="accent5"/>
                 </a:solidFill>
               </a:rPr>
-              <a:t> – Tout les </a:t>
-            </a:r>
-            <a:r>
-              <a:rPr lang="fr-FR" sz="2000" dirty="0" err="1" smtClean="0">
-                <a:solidFill>
-                  <a:schemeClr val="accent5"/>
-                </a:solidFill>
-              </a:rPr>
-              <a:t>suports</a:t>
+              <a:t> – </a:t>
+            </a:r>
+            <a:r>
+              <a:rPr lang="fr-FR" sz="2000" dirty="0" smtClean="0">
+                <a:solidFill>
+                  <a:schemeClr val="accent5"/>
+                </a:solidFill>
+              </a:rPr>
+              <a:t>Tous </a:t>
+            </a:r>
+            <a:r>
+              <a:rPr lang="fr-FR" sz="2000" dirty="0" smtClean="0">
+                <a:solidFill>
+                  <a:schemeClr val="accent5"/>
+                </a:solidFill>
+              </a:rPr>
+              <a:t>les </a:t>
+            </a:r>
+            <a:r>
+              <a:rPr lang="fr-FR" sz="2000" dirty="0" smtClean="0">
+                <a:solidFill>
+                  <a:schemeClr val="accent5"/>
+                </a:solidFill>
+              </a:rPr>
+              <a:t>supports</a:t>
             </a:r>
             <a:endParaRPr lang="fr-FR" sz="2000" dirty="0" smtClean="0">
               <a:solidFill>
@@ -8439,35 +8859,31 @@
                   <a:schemeClr val="accent5"/>
                 </a:solidFill>
               </a:rPr>
-              <a:t>Fils d’actualités, liste d’amis des compte fusionné</a:t>
-            </a:r>
-          </a:p>
-          <a:p>
+              <a:t>Fils </a:t>
+            </a:r>
             <a:r>
               <a:rPr lang="fr-FR" sz="2400" dirty="0" smtClean="0">
                 <a:solidFill>
                   <a:schemeClr val="accent5"/>
                 </a:solidFill>
               </a:rPr>
-              <a:t>Post de statut et images multi comptes</a:t>
-            </a:r>
-          </a:p>
-          <a:p>
+              <a:t>d’actualités et </a:t>
+            </a:r>
             <a:r>
               <a:rPr lang="fr-FR" sz="2400" dirty="0" smtClean="0">
                 <a:solidFill>
                   <a:schemeClr val="accent5"/>
                 </a:solidFill>
               </a:rPr>
-              <a:t>Messages </a:t>
-            </a:r>
-            <a:r>
-              <a:rPr lang="fr-FR" sz="2400" dirty="0" err="1" smtClean="0">
-                <a:solidFill>
-                  <a:schemeClr val="accent5"/>
-                </a:solidFill>
-              </a:rPr>
-              <a:t>Facebook</a:t>
+              <a:t>liste d’amis des </a:t>
+            </a:r>
+            <a:r>
+              <a:rPr lang="fr-FR" sz="2400" dirty="0" smtClean="0">
+                <a:solidFill>
+                  <a:schemeClr val="accent5"/>
+                </a:solidFill>
+              </a:rPr>
+              <a:t>comptes fusionnés</a:t>
             </a:r>
             <a:endParaRPr lang="fr-FR" sz="2400" dirty="0" smtClean="0">
               <a:solidFill>
@@ -8482,17 +8898,7 @@
                   <a:schemeClr val="accent5"/>
                 </a:solidFill>
               </a:rPr>
-              <a:t>Notifications</a:t>
-            </a:r>
-          </a:p>
-          <a:p>
-            <a:r>
-              <a:rPr lang="fr-FR" sz="2400" dirty="0" err="1" smtClean="0">
-                <a:solidFill>
-                  <a:schemeClr val="accent5"/>
-                </a:solidFill>
-              </a:rPr>
-              <a:t>Raccourcisseur</a:t>
+              <a:t>Mise à jour</a:t>
             </a:r>
             <a:r>
               <a:rPr lang="fr-FR" sz="2400" dirty="0" smtClean="0">
@@ -8500,15 +8906,23 @@
                   <a:schemeClr val="accent5"/>
                 </a:solidFill>
               </a:rPr>
-              <a:t> d’url dans </a:t>
-            </a:r>
-            <a:r>
-              <a:rPr lang="fr-FR" sz="2400" smtClean="0">
-                <a:solidFill>
-                  <a:schemeClr val="accent5"/>
-                </a:solidFill>
-              </a:rPr>
-              <a:t>les statut</a:t>
+              <a:t> </a:t>
+            </a:r>
+            <a:r>
+              <a:rPr lang="fr-FR" sz="2400" dirty="0" smtClean="0">
+                <a:solidFill>
+                  <a:schemeClr val="accent5"/>
+                </a:solidFill>
+              </a:rPr>
+              <a:t>de statut et </a:t>
+            </a:r>
+            <a:r>
+              <a:rPr lang="fr-FR" sz="2400" dirty="0" smtClean="0">
+                <a:solidFill>
+                  <a:schemeClr val="accent5"/>
+                </a:solidFill>
+              </a:rPr>
+              <a:t>d’images multi-comptes</a:t>
             </a:r>
             <a:endParaRPr lang="fr-FR" sz="2400" dirty="0" smtClean="0">
               <a:solidFill>
@@ -8523,26 +8937,135 @@
                   <a:schemeClr val="accent5"/>
                 </a:solidFill>
               </a:rPr>
-              <a:t>Affichage des profils des amis avec photo, vidéo, info, mur</a:t>
-            </a:r>
-          </a:p>
-          <a:p>
+              <a:t>Messages privés </a:t>
+            </a:r>
             <a:r>
               <a:rPr lang="fr-FR" sz="2400" dirty="0" err="1" smtClean="0">
                 <a:solidFill>
                   <a:schemeClr val="accent5"/>
                 </a:solidFill>
               </a:rPr>
-              <a:t>Retweet</a:t>
-            </a:r>
+              <a:t>Facebook</a:t>
+            </a:r>
+            <a:endParaRPr lang="fr-FR" sz="2400" dirty="0" smtClean="0">
+              <a:solidFill>
+                <a:schemeClr val="accent5"/>
+              </a:solidFill>
+            </a:endParaRPr>
+          </a:p>
+          <a:p>
             <a:r>
               <a:rPr lang="fr-FR" sz="2400" dirty="0" smtClean="0">
                 <a:solidFill>
                   <a:schemeClr val="accent5"/>
                 </a:solidFill>
               </a:rPr>
-              <a:t> et comment</a:t>
-            </a:r>
+              <a:t>Notifications</a:t>
+            </a:r>
+          </a:p>
+          <a:p>
+            <a:r>
+              <a:rPr lang="fr-FR" sz="2400" dirty="0" err="1" smtClean="0">
+                <a:solidFill>
+                  <a:schemeClr val="accent5"/>
+                </a:solidFill>
+              </a:rPr>
+              <a:t>Raccourcisseur</a:t>
+            </a:r>
+            <a:r>
+              <a:rPr lang="fr-FR" sz="2400" dirty="0" smtClean="0">
+                <a:solidFill>
+                  <a:schemeClr val="accent5"/>
+                </a:solidFill>
+              </a:rPr>
+              <a:t> d’url dans les </a:t>
+            </a:r>
+            <a:r>
+              <a:rPr lang="fr-FR" sz="2400" dirty="0" smtClean="0">
+                <a:solidFill>
+                  <a:schemeClr val="accent5"/>
+                </a:solidFill>
+              </a:rPr>
+              <a:t>statuts</a:t>
+            </a:r>
+            <a:endParaRPr lang="fr-FR" sz="2400" dirty="0" smtClean="0">
+              <a:solidFill>
+                <a:schemeClr val="accent5"/>
+              </a:solidFill>
+            </a:endParaRPr>
+          </a:p>
+          <a:p>
+            <a:r>
+              <a:rPr lang="fr-FR" sz="2400" dirty="0" smtClean="0">
+                <a:solidFill>
+                  <a:schemeClr val="accent5"/>
+                </a:solidFill>
+              </a:rPr>
+              <a:t>Affichage des profils des amis avec photo, vidéo, </a:t>
+            </a:r>
+            <a:r>
+              <a:rPr lang="fr-FR" sz="2400" dirty="0" smtClean="0">
+                <a:solidFill>
+                  <a:schemeClr val="accent5"/>
+                </a:solidFill>
+              </a:rPr>
+              <a:t>infos, </a:t>
+            </a:r>
+            <a:r>
+              <a:rPr lang="fr-FR" sz="2400" dirty="0" smtClean="0">
+                <a:solidFill>
+                  <a:schemeClr val="accent5"/>
+                </a:solidFill>
+              </a:rPr>
+              <a:t>mur</a:t>
+            </a:r>
+          </a:p>
+          <a:p>
+            <a:r>
+              <a:rPr lang="fr-FR" sz="2400" dirty="0" smtClean="0">
+                <a:solidFill>
+                  <a:schemeClr val="accent5"/>
+                </a:solidFill>
+              </a:rPr>
+              <a:t>« </a:t>
+            </a:r>
+            <a:r>
+              <a:rPr lang="fr-FR" sz="2400" dirty="0" err="1" smtClean="0">
+                <a:solidFill>
+                  <a:schemeClr val="accent5"/>
+                </a:solidFill>
+              </a:rPr>
+              <a:t>Retweets</a:t>
+            </a:r>
+            <a:r>
+              <a:rPr lang="fr-FR" sz="2400" dirty="0" smtClean="0">
+                <a:solidFill>
+                  <a:schemeClr val="accent5"/>
+                </a:solidFill>
+              </a:rPr>
+              <a:t> » </a:t>
+            </a:r>
+            <a:r>
+              <a:rPr lang="fr-FR" sz="2400" dirty="0" smtClean="0">
+                <a:solidFill>
+                  <a:schemeClr val="accent5"/>
+                </a:solidFill>
+              </a:rPr>
+              <a:t>et </a:t>
+            </a:r>
+            <a:r>
+              <a:rPr lang="fr-FR" sz="2400" dirty="0" smtClean="0">
+                <a:solidFill>
+                  <a:schemeClr val="accent5"/>
+                </a:solidFill>
+              </a:rPr>
+              <a:t>commentaires</a:t>
+            </a:r>
+            <a:endParaRPr lang="fr-FR" sz="2400" dirty="0" smtClean="0">
+              <a:solidFill>
+                <a:schemeClr val="accent5"/>
+              </a:solidFill>
+            </a:endParaRPr>
           </a:p>
         </p:txBody>
       </p:sp>
@@ -8896,35 +9419,31 @@
                   <a:schemeClr val="accent5"/>
                 </a:solidFill>
               </a:rPr>
-              <a:t>Fils d’actualités, liste d’amis des compte fusionné</a:t>
-            </a:r>
-          </a:p>
-          <a:p>
+              <a:t>Fils </a:t>
+            </a:r>
             <a:r>
               <a:rPr lang="fr-FR" sz="2400" dirty="0" smtClean="0">
                 <a:solidFill>
                   <a:schemeClr val="accent5"/>
                 </a:solidFill>
               </a:rPr>
-              <a:t>Post de statut multi comptes</a:t>
-            </a:r>
-          </a:p>
-          <a:p>
+              <a:t>d’actualités et </a:t>
+            </a:r>
             <a:r>
               <a:rPr lang="fr-FR" sz="2400" dirty="0" smtClean="0">
                 <a:solidFill>
                   <a:schemeClr val="accent5"/>
                 </a:solidFill>
               </a:rPr>
-              <a:t>Chat </a:t>
-            </a:r>
-            <a:r>
-              <a:rPr lang="fr-FR" sz="2400" dirty="0" err="1" smtClean="0">
-                <a:solidFill>
-                  <a:schemeClr val="accent5"/>
-                </a:solidFill>
-              </a:rPr>
-              <a:t>Facebook</a:t>
+              <a:t>liste d’amis des compte </a:t>
+            </a:r>
+            <a:r>
+              <a:rPr lang="fr-FR" sz="2400" dirty="0" smtClean="0">
+                <a:solidFill>
+                  <a:schemeClr val="accent5"/>
+                </a:solidFill>
+              </a:rPr>
+              <a:t>fusionnés</a:t>
             </a:r>
             <a:endParaRPr lang="fr-FR" sz="2400" dirty="0" smtClean="0">
               <a:solidFill>
@@ -8939,15 +9458,23 @@
                   <a:schemeClr val="accent5"/>
                 </a:solidFill>
               </a:rPr>
-              <a:t>Recherche &amp; Trends </a:t>
-            </a:r>
-            <a:r>
-              <a:rPr lang="fr-FR" sz="2400" dirty="0" err="1" smtClean="0">
-                <a:solidFill>
-                  <a:schemeClr val="accent5"/>
-                </a:solidFill>
-              </a:rPr>
-              <a:t>Twitter</a:t>
+              <a:t>Mise à jour </a:t>
+            </a:r>
+            <a:r>
+              <a:rPr lang="fr-FR" sz="2400" dirty="0" smtClean="0">
+                <a:solidFill>
+                  <a:schemeClr val="accent5"/>
+                </a:solidFill>
+              </a:rPr>
+              <a:t>de statut </a:t>
+            </a:r>
+            <a:r>
+              <a:rPr lang="fr-FR" sz="2400" dirty="0" smtClean="0">
+                <a:solidFill>
+                  <a:schemeClr val="accent5"/>
+                </a:solidFill>
+              </a:rPr>
+              <a:t>multi-comptes</a:t>
             </a:r>
             <a:endParaRPr lang="fr-FR" sz="2400" dirty="0" smtClean="0">
               <a:solidFill>
@@ -8962,8 +9489,21 @@
                   <a:schemeClr val="accent5"/>
                 </a:solidFill>
               </a:rPr>
-              <a:t>Affichage des profils des amis avec photo, vidéo, info, mur</a:t>
-            </a:r>
+              <a:t>Chat </a:t>
+            </a:r>
+            <a:r>
+              <a:rPr lang="fr-FR" sz="2400" dirty="0" err="1" smtClean="0">
+                <a:solidFill>
+                  <a:schemeClr val="accent5"/>
+                </a:solidFill>
+              </a:rPr>
+              <a:t>Facebook</a:t>
+            </a:r>
+            <a:endParaRPr lang="fr-FR" sz="2400" dirty="0" smtClean="0">
+              <a:solidFill>
+                <a:schemeClr val="accent5"/>
+              </a:solidFill>
+            </a:endParaRPr>
           </a:p>
           <a:p>
             <a:r>
@@ -8972,17 +9512,82 @@
                   <a:schemeClr val="accent5"/>
                 </a:solidFill>
               </a:rPr>
+              <a:t>Recherche &amp; </a:t>
+            </a:r>
+            <a:r>
+              <a:rPr lang="fr-FR" sz="2400" dirty="0" smtClean="0">
+                <a:solidFill>
+                  <a:schemeClr val="accent5"/>
+                </a:solidFill>
+              </a:rPr>
+              <a:t>« Trends » </a:t>
+            </a:r>
+            <a:r>
+              <a:rPr lang="fr-FR" sz="2400" dirty="0" err="1" smtClean="0">
+                <a:solidFill>
+                  <a:schemeClr val="accent5"/>
+                </a:solidFill>
+              </a:rPr>
+              <a:t>Twitter</a:t>
+            </a:r>
+            <a:endParaRPr lang="fr-FR" sz="2400" dirty="0" smtClean="0">
+              <a:solidFill>
+                <a:schemeClr val="accent5"/>
+              </a:solidFill>
+            </a:endParaRPr>
+          </a:p>
+          <a:p>
+            <a:r>
+              <a:rPr lang="fr-FR" sz="2400" dirty="0" smtClean="0">
+                <a:solidFill>
+                  <a:schemeClr val="accent5"/>
+                </a:solidFill>
+              </a:rPr>
+              <a:t>Affichage des profils des amis avec photo, vidéo, </a:t>
+            </a:r>
+            <a:r>
+              <a:rPr lang="fr-FR" sz="2400" dirty="0" smtClean="0">
+                <a:solidFill>
+                  <a:schemeClr val="accent5"/>
+                </a:solidFill>
+              </a:rPr>
+              <a:t>infos, </a:t>
+            </a:r>
+            <a:r>
+              <a:rPr lang="fr-FR" sz="2400" dirty="0" smtClean="0">
+                <a:solidFill>
+                  <a:schemeClr val="accent5"/>
+                </a:solidFill>
+              </a:rPr>
+              <a:t>mur</a:t>
+            </a:r>
+          </a:p>
+          <a:p>
+            <a:r>
+              <a:rPr lang="fr-FR" sz="2400" dirty="0" smtClean="0">
+                <a:solidFill>
+                  <a:schemeClr val="accent5"/>
+                </a:solidFill>
+              </a:rPr>
               <a:t>Notifications</a:t>
             </a:r>
           </a:p>
           <a:p>
             <a:r>
+              <a:rPr lang="fr-FR" sz="2400" dirty="0" smtClean="0">
+                <a:solidFill>
+                  <a:schemeClr val="accent5"/>
+                </a:solidFill>
+              </a:rPr>
+              <a:t>« </a:t>
+            </a:r>
+            <a:r>
               <a:rPr lang="fr-FR" sz="2400" dirty="0" err="1" smtClean="0">
                 <a:solidFill>
                   <a:schemeClr val="accent5"/>
                 </a:solidFill>
               </a:rPr>
-              <a:t>Retweet</a:t>
+              <a:t>Retweets</a:t>
             </a:r>
             <a:r>
               <a:rPr lang="fr-FR" sz="2400" dirty="0" smtClean="0">
@@ -8990,17 +9595,25 @@
                   <a:schemeClr val="accent5"/>
                 </a:solidFill>
               </a:rPr>
-              <a:t> et comment</a:t>
-            </a:r>
-          </a:p>
-          <a:p>
-            <a:r>
-              <a:rPr lang="fr-FR" sz="2400" smtClean="0">
-                <a:solidFill>
-                  <a:schemeClr val="accent5"/>
-                </a:solidFill>
-              </a:rPr>
-              <a:t>Multi Langue</a:t>
+              <a:t> » </a:t>
+            </a:r>
+            <a:r>
+              <a:rPr lang="fr-FR" sz="2400" dirty="0" smtClean="0">
+                <a:solidFill>
+                  <a:schemeClr val="accent5"/>
+                </a:solidFill>
+              </a:rPr>
+              <a:t>et comment</a:t>
+            </a:r>
+          </a:p>
+          <a:p>
+            <a:r>
+              <a:rPr lang="fr-FR" sz="2400" dirty="0" smtClean="0">
+                <a:solidFill>
+                  <a:schemeClr val="accent5"/>
+                </a:solidFill>
+              </a:rPr>
+              <a:t>Multilingue</a:t>
             </a:r>
             <a:endParaRPr lang="fr-FR" sz="2400" dirty="0" smtClean="0">
               <a:solidFill>

--- a/trunk/Docs/eip 10.09.11/myNETwork.pptx
+++ b/trunk/Docs/eip 10.09.11/myNETwork.pptx
@@ -215,7 +215,7 @@
             <a:fld id="{A3291612-96C3-FB49-ADA5-B02F4C585055}" type="datetimeFigureOut">
               <a:rPr lang="fr-FR" smtClean="0"/>
               <a:pPr/>
-              <a:t>08/09/2011</a:t>
+              <a:t>09/09/2011</a:t>
             </a:fld>
             <a:endParaRPr lang="fr-FR"/>
           </a:p>
@@ -377,7 +377,7 @@
             <a:fld id="{C5949931-6558-954D-A879-86C3E86B48F0}" type="datetimeFigureOut">
               <a:rPr lang="fr-FR" smtClean="0"/>
               <a:pPr/>
-              <a:t>08/09/2011</a:t>
+              <a:t>09/09/2011</a:t>
             </a:fld>
             <a:endParaRPr lang="fr-FR"/>
           </a:p>
@@ -829,7 +829,7 @@
             <a:fld id="{B60B5DCD-40DC-5844-9C05-E0DFE5F22869}" type="datetimeFigureOut">
               <a:rPr lang="fr-FR" smtClean="0"/>
               <a:pPr/>
-              <a:t>08/09/2011</a:t>
+              <a:t>09/09/2011</a:t>
             </a:fld>
             <a:endParaRPr lang="fr-FR"/>
           </a:p>
@@ -1008,7 +1008,7 @@
             <a:fld id="{B60B5DCD-40DC-5844-9C05-E0DFE5F22869}" type="datetimeFigureOut">
               <a:rPr lang="fr-FR" smtClean="0"/>
               <a:pPr/>
-              <a:t>08/09/2011</a:t>
+              <a:t>09/09/2011</a:t>
             </a:fld>
             <a:endParaRPr lang="fr-FR"/>
           </a:p>
@@ -1197,7 +1197,7 @@
             <a:fld id="{B60B5DCD-40DC-5844-9C05-E0DFE5F22869}" type="datetimeFigureOut">
               <a:rPr lang="fr-FR" smtClean="0"/>
               <a:pPr/>
-              <a:t>08/09/2011</a:t>
+              <a:t>09/09/2011</a:t>
             </a:fld>
             <a:endParaRPr lang="fr-FR"/>
           </a:p>
@@ -1376,7 +1376,7 @@
             <a:fld id="{B60B5DCD-40DC-5844-9C05-E0DFE5F22869}" type="datetimeFigureOut">
               <a:rPr lang="fr-FR" smtClean="0"/>
               <a:pPr/>
-              <a:t>08/09/2011</a:t>
+              <a:t>09/09/2011</a:t>
             </a:fld>
             <a:endParaRPr lang="fr-FR"/>
           </a:p>
@@ -1631,7 +1631,7 @@
             <a:fld id="{B60B5DCD-40DC-5844-9C05-E0DFE5F22869}" type="datetimeFigureOut">
               <a:rPr lang="fr-FR" smtClean="0"/>
               <a:pPr/>
-              <a:t>08/09/2011</a:t>
+              <a:t>09/09/2011</a:t>
             </a:fld>
             <a:endParaRPr lang="fr-FR"/>
           </a:p>
@@ -1928,7 +1928,7 @@
             <a:fld id="{B60B5DCD-40DC-5844-9C05-E0DFE5F22869}" type="datetimeFigureOut">
               <a:rPr lang="fr-FR" smtClean="0"/>
               <a:pPr/>
-              <a:t>08/09/2011</a:t>
+              <a:t>09/09/2011</a:t>
             </a:fld>
             <a:endParaRPr lang="fr-FR"/>
           </a:p>
@@ -2359,7 +2359,7 @@
             <a:fld id="{B60B5DCD-40DC-5844-9C05-E0DFE5F22869}" type="datetimeFigureOut">
               <a:rPr lang="fr-FR" smtClean="0"/>
               <a:pPr/>
-              <a:t>08/09/2011</a:t>
+              <a:t>09/09/2011</a:t>
             </a:fld>
             <a:endParaRPr lang="fr-FR"/>
           </a:p>
@@ -2486,7 +2486,7 @@
             <a:fld id="{B60B5DCD-40DC-5844-9C05-E0DFE5F22869}" type="datetimeFigureOut">
               <a:rPr lang="fr-FR" smtClean="0"/>
               <a:pPr/>
-              <a:t>08/09/2011</a:t>
+              <a:t>09/09/2011</a:t>
             </a:fld>
             <a:endParaRPr lang="fr-FR"/>
           </a:p>
@@ -2590,7 +2590,7 @@
             <a:fld id="{B60B5DCD-40DC-5844-9C05-E0DFE5F22869}" type="datetimeFigureOut">
               <a:rPr lang="fr-FR" smtClean="0"/>
               <a:pPr/>
-              <a:t>08/09/2011</a:t>
+              <a:t>09/09/2011</a:t>
             </a:fld>
             <a:endParaRPr lang="fr-FR"/>
           </a:p>
@@ -2876,7 +2876,7 @@
             <a:fld id="{B60B5DCD-40DC-5844-9C05-E0DFE5F22869}" type="datetimeFigureOut">
               <a:rPr lang="fr-FR" smtClean="0"/>
               <a:pPr/>
-              <a:t>08/09/2011</a:t>
+              <a:t>09/09/2011</a:t>
             </a:fld>
             <a:endParaRPr lang="fr-FR"/>
           </a:p>
@@ -3144,7 +3144,7 @@
             <a:fld id="{B60B5DCD-40DC-5844-9C05-E0DFE5F22869}" type="datetimeFigureOut">
               <a:rPr lang="fr-FR" smtClean="0"/>
               <a:pPr/>
-              <a:t>08/09/2011</a:t>
+              <a:t>09/09/2011</a:t>
             </a:fld>
             <a:endParaRPr lang="fr-FR"/>
           </a:p>
@@ -3395,7 +3395,7 @@
             <a:fld id="{B60B5DCD-40DC-5844-9C05-E0DFE5F22869}" type="datetimeFigureOut">
               <a:rPr lang="fr-FR" smtClean="0"/>
               <a:pPr/>
-              <a:t>08/09/2011</a:t>
+              <a:t>09/09/2011</a:t>
             </a:fld>
             <a:endParaRPr lang="fr-FR"/>
           </a:p>
@@ -4279,23 +4279,7 @@
                   <a:schemeClr val="accent5"/>
                 </a:solidFill>
               </a:rPr>
-              <a:t>Mise à jour de </a:t>
-            </a:r>
-            <a:r>
-              <a:rPr lang="fr-FR" sz="2400" dirty="0" smtClean="0">
-                <a:solidFill>
-                  <a:schemeClr val="accent5"/>
-                </a:solidFill>
-              </a:rPr>
-              <a:t>statut </a:t>
-            </a:r>
-            <a:r>
-              <a:rPr lang="fr-FR" sz="2400" dirty="0" smtClean="0">
-                <a:solidFill>
-                  <a:schemeClr val="accent5"/>
-                </a:solidFill>
-              </a:rPr>
-              <a:t>multi-comptes</a:t>
+              <a:t>Mise à jour de statut multi-comptes</a:t>
             </a:r>
           </a:p>
           <a:p>
@@ -4336,15 +4320,17 @@
                   <a:schemeClr val="accent5"/>
                 </a:solidFill>
               </a:rPr>
-              <a:t> </a:t>
-            </a:r>
+              <a:t> d’url dans les statuts</a:t>
+            </a:r>
+          </a:p>
+          <a:p>
             <a:r>
               <a:rPr lang="fr-FR" sz="2400" dirty="0" smtClean="0">
                 <a:solidFill>
                   <a:schemeClr val="accent5"/>
                 </a:solidFill>
               </a:rPr>
-              <a:t>d’url dans les statuts</a:t>
+              <a:t>Affichage des profils des amis avec photo, infos, mur</a:t>
             </a:r>
           </a:p>
           <a:p>
@@ -4354,7 +4340,15 @@
                   <a:schemeClr val="accent5"/>
                 </a:solidFill>
               </a:rPr>
-              <a:t>Affichage des profils des amis avec </a:t>
+              <a:t>« </a:t>
+            </a:r>
+            <a:r>
+              <a:rPr lang="fr-FR" sz="2400" dirty="0" err="1" smtClean="0">
+                <a:solidFill>
+                  <a:schemeClr val="accent5"/>
+                </a:solidFill>
+              </a:rPr>
+              <a:t>Retweets</a:t>
             </a:r>
             <a:r>
               <a:rPr lang="fr-FR" sz="2400" dirty="0" smtClean="0">
@@ -4362,65 +4356,18 @@
                   <a:schemeClr val="accent5"/>
                 </a:solidFill>
               </a:rPr>
-              <a:t>photo, </a:t>
-            </a:r>
+              <a:t> » et commentaires</a:t>
+            </a:r>
+          </a:p>
+          <a:p>
             <a:r>
               <a:rPr lang="fr-FR" sz="2400" dirty="0" smtClean="0">
                 <a:solidFill>
                   <a:schemeClr val="accent5"/>
                 </a:solidFill>
               </a:rPr>
-              <a:t>infos, mur</a:t>
-            </a:r>
-          </a:p>
-          <a:p>
-            <a:r>
-              <a:rPr lang="fr-FR" sz="2400" dirty="0" smtClean="0">
-                <a:solidFill>
-                  <a:schemeClr val="accent5"/>
-                </a:solidFill>
-              </a:rPr>
-              <a:t>« </a:t>
-            </a:r>
-            <a:r>
-              <a:rPr lang="fr-FR" sz="2400" dirty="0" err="1" smtClean="0">
-                <a:solidFill>
-                  <a:schemeClr val="accent5"/>
-                </a:solidFill>
-              </a:rPr>
-              <a:t>Retweets</a:t>
-            </a:r>
-            <a:r>
-              <a:rPr lang="fr-FR" sz="2400" dirty="0" smtClean="0">
-                <a:solidFill>
-                  <a:schemeClr val="accent5"/>
-                </a:solidFill>
-              </a:rPr>
-              <a:t> » et </a:t>
-            </a:r>
-            <a:r>
-              <a:rPr lang="fr-FR" sz="2400" dirty="0" smtClean="0">
-                <a:solidFill>
-                  <a:schemeClr val="accent5"/>
-                </a:solidFill>
-              </a:rPr>
-              <a:t>commentaires</a:t>
-            </a:r>
-          </a:p>
-          <a:p>
-            <a:r>
-              <a:rPr lang="fr-FR" sz="2400" dirty="0" smtClean="0">
-                <a:solidFill>
-                  <a:schemeClr val="accent5"/>
-                </a:solidFill>
-              </a:rPr>
               <a:t>Multilingue</a:t>
             </a:r>
-            <a:endParaRPr lang="fr-FR" sz="2400" dirty="0" smtClean="0">
-              <a:solidFill>
-                <a:schemeClr val="accent5"/>
-              </a:solidFill>
-            </a:endParaRPr>
           </a:p>
           <a:p>
             <a:endParaRPr lang="fr-FR" sz="2400" dirty="0" smtClean="0">
@@ -5552,11 +5499,6 @@
               </a:rPr>
               <a:t>Fonctionnalités</a:t>
             </a:r>
-            <a:endParaRPr lang="fr-FR" sz="2400" dirty="0" smtClean="0">
-              <a:solidFill>
-                <a:schemeClr val="accent5"/>
-              </a:solidFill>
-            </a:endParaRPr>
           </a:p>
           <a:p>
             <a:pPr marL="342900" indent="-342900" fontAlgn="base">
@@ -5697,21 +5639,8 @@
                   <a:schemeClr val="accent5"/>
                 </a:solidFill>
               </a:rPr>
-              <a:t> en </a:t>
-            </a:r>
-            <a:r>
-              <a:rPr lang="fr-FR" sz="2400" dirty="0" smtClean="0">
-                <a:solidFill>
-                  <a:schemeClr val="accent5"/>
-                </a:solidFill>
-              </a:rPr>
-              <a:t>conception</a:t>
-            </a:r>
-            <a:endParaRPr lang="fr-FR" sz="2400" dirty="0" smtClean="0">
-              <a:solidFill>
-                <a:schemeClr val="accent5"/>
-              </a:solidFill>
-            </a:endParaRPr>
+              <a:t> en conception</a:t>
+            </a:r>
           </a:p>
           <a:p>
             <a:pPr>
@@ -6062,10 +5991,20 @@
                 <a:ea typeface="ＭＳ Ｐゴシック" charset="-128"/>
                 <a:cs typeface="ＭＳ Ｐゴシック" charset="-128"/>
               </a:rPr>
-              <a:t> réseau sociaux </a:t>
-            </a:r>
-            <a:r>
-              <a:rPr kumimoji="0" lang="fr-FR" sz="2400" b="0" i="0" u="none" strike="noStrike" kern="1200" cap="none" spc="0" normalizeH="0" noProof="0" dirty="0" smtClean="0">
+              <a:t> réseau sociaux (</a:t>
+            </a:r>
+            <a:r>
+              <a:rPr lang="fr-FR" sz="2400" dirty="0" err="1" smtClean="0">
+                <a:solidFill>
+                  <a:schemeClr val="accent5"/>
+                </a:solidFill>
+                <a:ea typeface="ＭＳ Ｐゴシック" charset="-128"/>
+                <a:cs typeface="ＭＳ Ｐゴシック" charset="-128"/>
+              </a:rPr>
+              <a:t>G</a:t>
+            </a:r>
+            <a:r>
+              <a:rPr kumimoji="0" lang="fr-FR" sz="2400" b="0" i="0" u="none" strike="noStrike" kern="1200" cap="none" spc="0" normalizeH="0" noProof="0" dirty="0" err="1" smtClean="0">
                 <a:ln>
                   <a:noFill/>
                 </a:ln>
@@ -6079,20 +6018,10 @@
                 <a:ea typeface="ＭＳ Ｐゴシック" charset="-128"/>
                 <a:cs typeface="ＭＳ Ｐゴシック" charset="-128"/>
               </a:rPr>
-              <a:t>(</a:t>
-            </a:r>
-            <a:r>
-              <a:rPr lang="fr-FR" sz="2400" dirty="0" err="1" smtClean="0">
-                <a:solidFill>
-                  <a:schemeClr val="accent5"/>
-                </a:solidFill>
-                <a:ea typeface="ＭＳ Ｐゴシック" charset="-128"/>
-                <a:cs typeface="ＭＳ Ｐゴシック" charset="-128"/>
-              </a:rPr>
-              <a:t>G</a:t>
-            </a:r>
-            <a:r>
-              <a:rPr kumimoji="0" lang="fr-FR" sz="2400" b="0" i="0" u="none" strike="noStrike" kern="1200" cap="none" spc="0" normalizeH="0" noProof="0" dirty="0" err="1" smtClean="0">
+              <a:t>oogle</a:t>
+            </a:r>
+            <a:r>
+              <a:rPr kumimoji="0" lang="fr-FR" sz="2400" b="0" i="0" u="none" strike="noStrike" kern="1200" cap="none" spc="0" normalizeH="0" noProof="0" dirty="0" smtClean="0">
                 <a:ln>
                   <a:noFill/>
                 </a:ln>
@@ -6106,41 +6035,7 @@
                 <a:ea typeface="ＭＳ Ｐゴシック" charset="-128"/>
                 <a:cs typeface="ＭＳ Ｐゴシック" charset="-128"/>
               </a:rPr>
-              <a:t>oogle</a:t>
-            </a:r>
-            <a:r>
-              <a:rPr kumimoji="0" lang="fr-FR" sz="2400" b="0" i="0" u="none" strike="noStrike" kern="1200" cap="none" spc="0" normalizeH="0" noProof="0" dirty="0" smtClean="0">
-                <a:ln>
-                  <a:noFill/>
-                </a:ln>
-                <a:solidFill>
-                  <a:schemeClr val="accent5"/>
-                </a:solidFill>
-                <a:effectLst/>
-                <a:uLnTx/>
-                <a:uFillTx/>
-                <a:latin typeface="+mn-lt"/>
-                <a:ea typeface="ＭＳ Ｐゴシック" charset="-128"/>
-                <a:cs typeface="ＭＳ Ｐゴシック" charset="-128"/>
-              </a:rPr>
-              <a:t> </a:t>
-            </a:r>
-            <a:r>
-              <a:rPr kumimoji="0" lang="fr-FR" sz="2400" b="0" i="0" u="none" strike="noStrike" kern="1200" cap="none" spc="0" normalizeH="0" noProof="0" dirty="0" smtClean="0">
-                <a:ln>
-                  <a:noFill/>
-                </a:ln>
-                <a:solidFill>
-                  <a:schemeClr val="accent5"/>
-                </a:solidFill>
-                <a:effectLst/>
-                <a:uLnTx/>
-                <a:uFillTx/>
-                <a:latin typeface="+mn-lt"/>
-                <a:ea typeface="ＭＳ Ｐゴシック" charset="-128"/>
-                <a:cs typeface="ＭＳ Ｐゴシック" charset="-128"/>
-              </a:rPr>
-              <a:t>+, </a:t>
+              <a:t> +, </a:t>
             </a:r>
             <a:r>
               <a:rPr lang="fr-FR" sz="2400" dirty="0" smtClean="0">
@@ -7321,21 +7216,8 @@
                   <a:schemeClr val="accent5"/>
                 </a:solidFill>
               </a:rPr>
-              <a:t>Fabien </a:t>
-            </a:r>
-            <a:r>
-              <a:rPr lang="fr-FR" sz="2400" dirty="0" smtClean="0">
-                <a:solidFill>
-                  <a:schemeClr val="accent5"/>
-                </a:solidFill>
-              </a:rPr>
-              <a:t>LE MOIGN</a:t>
-            </a:r>
-            <a:endParaRPr lang="fr-FR" sz="2400" dirty="0" smtClean="0">
-              <a:solidFill>
-                <a:schemeClr val="accent5"/>
-              </a:solidFill>
-            </a:endParaRPr>
+              <a:t>Fabien LE MOIGN</a:t>
+            </a:r>
           </a:p>
           <a:p>
             <a:r>
@@ -7481,7 +7363,31 @@
                   <a:schemeClr val="accent5"/>
                 </a:solidFill>
               </a:rPr>
-              <a:t>EIP – Etna Innovation Project</a:t>
+              <a:t>EIP – Etna </a:t>
+            </a:r>
+            <a:r>
+              <a:rPr lang="fr-FR" sz="2800" dirty="0" err="1" smtClean="0">
+                <a:solidFill>
+                  <a:schemeClr val="accent5"/>
+                </a:solidFill>
+              </a:rPr>
+              <a:t>Innovative</a:t>
+            </a:r>
+            <a:r>
+              <a:rPr lang="fr-FR" sz="2800" dirty="0" smtClean="0">
+                <a:solidFill>
+                  <a:schemeClr val="accent5"/>
+                </a:solidFill>
+              </a:rPr>
+              <a:t> </a:t>
+            </a:r>
+            <a:r>
+              <a:rPr lang="fr-FR" sz="2800" dirty="0" smtClean="0">
+                <a:solidFill>
+                  <a:schemeClr val="accent5"/>
+                </a:solidFill>
+              </a:rPr>
+              <a:t>Project</a:t>
             </a:r>
           </a:p>
         </p:txBody>
@@ -7662,13 +7568,6 @@
               </a:rPr>
               <a:t>Marketing et communication</a:t>
             </a:r>
-            <a:endParaRPr lang="fr-FR" sz="3200" dirty="0" smtClean="0">
-              <a:solidFill>
-                <a:schemeClr val="accent5"/>
-              </a:solidFill>
-              <a:ea typeface="ＭＳ Ｐゴシック" charset="-128"/>
-              <a:cs typeface="ＭＳ Ｐゴシック" charset="-128"/>
-            </a:endParaRPr>
           </a:p>
           <a:p>
             <a:pPr marL="342900" marR="0" lvl="0" indent="-342900" algn="l" defTabSz="457200" rtl="0" eaLnBrk="1" fontAlgn="base" latinLnBrk="0" hangingPunct="1">
@@ -7731,57 +7630,7 @@
                 <a:ea typeface="ＭＳ Ｐゴシック" charset="-128"/>
                 <a:cs typeface="ＭＳ Ｐゴシック" charset="-128"/>
               </a:rPr>
-              <a:t>Maîtrise </a:t>
-            </a:r>
-            <a:r>
-              <a:rPr lang="fr-FR" sz="3200" dirty="0" smtClean="0">
-                <a:solidFill>
-                  <a:schemeClr val="accent5"/>
-                </a:solidFill>
-                <a:ea typeface="ＭＳ Ｐゴシック" charset="-128"/>
-                <a:cs typeface="ＭＳ Ｐゴシック" charset="-128"/>
-              </a:rPr>
-              <a:t>de </a:t>
-            </a:r>
-            <a:r>
-              <a:rPr lang="fr-FR" sz="3200" dirty="0" smtClean="0">
-                <a:solidFill>
-                  <a:schemeClr val="accent5"/>
-                </a:solidFill>
-                <a:ea typeface="ＭＳ Ｐゴシック" charset="-128"/>
-                <a:cs typeface="ＭＳ Ｐゴシック" charset="-128"/>
-              </a:rPr>
-              <a:t>différents langages </a:t>
-            </a:r>
-            <a:r>
-              <a:rPr lang="fr-FR" sz="3200" dirty="0" smtClean="0">
-                <a:solidFill>
-                  <a:schemeClr val="accent5"/>
-                </a:solidFill>
-                <a:ea typeface="ＭＳ Ｐゴシック" charset="-128"/>
-                <a:cs typeface="ＭＳ Ｐゴシック" charset="-128"/>
-              </a:rPr>
-              <a:t>de </a:t>
-            </a:r>
-            <a:r>
-              <a:rPr lang="fr-FR" sz="3200" dirty="0" smtClean="0">
-                <a:solidFill>
-                  <a:schemeClr val="accent5"/>
-                </a:solidFill>
-                <a:ea typeface="ＭＳ Ｐゴシック" charset="-128"/>
-                <a:cs typeface="ＭＳ Ｐゴシック" charset="-128"/>
-              </a:rPr>
-              <a:t>programmation et </a:t>
-            </a:r>
-            <a:r>
-              <a:rPr lang="fr-FR" sz="3200" dirty="0" smtClean="0">
-                <a:solidFill>
-                  <a:schemeClr val="accent5"/>
-                </a:solidFill>
-                <a:ea typeface="ＭＳ Ｐゴシック" charset="-128"/>
-                <a:cs typeface="ＭＳ Ｐゴシック" charset="-128"/>
-              </a:rPr>
-              <a:t>technologies</a:t>
+              <a:t>Maîtrise de différents langages de programmation et technologies</a:t>
             </a:r>
             <a:endParaRPr kumimoji="0" lang="fr-FR" sz="3200" b="0" i="0" u="none" strike="noStrike" kern="1200" cap="none" spc="0" normalizeH="0" baseline="0" noProof="0" dirty="0" smtClean="0">
               <a:ln>
@@ -7935,21 +7784,8 @@
                   <a:schemeClr val="accent5"/>
                 </a:solidFill>
               </a:rPr>
-              <a:t>Outils de Centralisation de </a:t>
-            </a:r>
-            <a:r>
-              <a:rPr lang="fr-FR" sz="2400" dirty="0" smtClean="0">
-                <a:solidFill>
-                  <a:schemeClr val="accent5"/>
-                </a:solidFill>
-              </a:rPr>
-              <a:t>Réseaux Sociaux</a:t>
-            </a:r>
-            <a:endParaRPr lang="fr-FR" sz="2400" dirty="0" smtClean="0">
-              <a:solidFill>
-                <a:schemeClr val="accent5"/>
-              </a:solidFill>
-            </a:endParaRPr>
+              <a:t>Outils de Centralisation de Réseaux Sociaux</a:t>
+            </a:r>
           </a:p>
           <a:p>
             <a:pPr lvl="1">
@@ -7971,23 +7807,7 @@
                   <a:schemeClr val="accent5"/>
                 </a:solidFill>
               </a:rPr>
-              <a:t> – 750 millions </a:t>
-            </a:r>
-            <a:r>
-              <a:rPr lang="fr-FR" sz="2400" dirty="0" smtClean="0">
-                <a:solidFill>
-                  <a:schemeClr val="accent5"/>
-                </a:solidFill>
-              </a:rPr>
-              <a:t>de </a:t>
-            </a:r>
-            <a:r>
-              <a:rPr lang="fr-FR" sz="2400" dirty="0" smtClean="0">
-                <a:solidFill>
-                  <a:schemeClr val="accent5"/>
-                </a:solidFill>
-              </a:rPr>
-              <a:t>membres actifs</a:t>
+              <a:t> – 750 millions de membres actifs</a:t>
             </a:r>
           </a:p>
           <a:p>
@@ -8084,15 +7904,7 @@
                   <a:schemeClr val="accent5"/>
                 </a:solidFill>
               </a:rPr>
-              <a:t> </a:t>
-            </a:r>
-            <a:r>
-              <a:rPr lang="fr-FR" sz="2400" dirty="0" smtClean="0">
-                <a:solidFill>
-                  <a:schemeClr val="accent5"/>
-                </a:solidFill>
-              </a:rPr>
-              <a:t>– Java</a:t>
+              <a:t> – Java</a:t>
             </a:r>
           </a:p>
           <a:p>
@@ -8107,21 +7919,8 @@
                   <a:schemeClr val="accent5"/>
                 </a:solidFill>
               </a:rPr>
-              <a:t>Windows Phone 7 – Microsoft </a:t>
-            </a:r>
-            <a:r>
-              <a:rPr lang="fr-FR" sz="2400" dirty="0" smtClean="0">
-                <a:solidFill>
-                  <a:schemeClr val="accent5"/>
-                </a:solidFill>
-              </a:rPr>
-              <a:t>Silverlight</a:t>
-            </a:r>
-            <a:endParaRPr lang="fr-FR" sz="2400" dirty="0" smtClean="0">
-              <a:solidFill>
-                <a:schemeClr val="accent5"/>
-              </a:solidFill>
-            </a:endParaRPr>
+              <a:t>Windows Phone 7 – Microsoft Silverlight</a:t>
+            </a:r>
           </a:p>
         </p:txBody>
       </p:sp>
@@ -8291,15 +8090,7 @@
                   <a:schemeClr val="accent5"/>
                 </a:solidFill>
               </a:rPr>
-              <a:t>Moins d'une dizaine d'acteur sur le </a:t>
-            </a:r>
-            <a:r>
-              <a:rPr lang="fr-FR" sz="2400" dirty="0" smtClean="0">
-                <a:solidFill>
-                  <a:schemeClr val="accent5"/>
-                </a:solidFill>
-              </a:rPr>
-              <a:t>marché</a:t>
+              <a:t>Moins d'une dizaine d'acteur sur le marché</a:t>
             </a:r>
           </a:p>
           <a:p>
@@ -8319,21 +8110,8 @@
                   <a:schemeClr val="accent5"/>
                 </a:solidFill>
               </a:rPr>
-              <a:t>Les plus utilisé alliant les deux </a:t>
-            </a:r>
-            <a:r>
-              <a:rPr lang="fr-FR" sz="2400" dirty="0" smtClean="0">
-                <a:solidFill>
-                  <a:schemeClr val="accent5"/>
-                </a:solidFill>
-              </a:rPr>
-              <a:t>réseaux : </a:t>
-            </a:r>
-            <a:endParaRPr lang="fr-FR" sz="2400" dirty="0" smtClean="0">
-              <a:solidFill>
-                <a:schemeClr val="accent5"/>
-              </a:solidFill>
-            </a:endParaRPr>
+              <a:t>Les plus utilisé alliant les deux réseaux : </a:t>
+            </a:r>
           </a:p>
           <a:p>
             <a:pPr lvl="1"/>
@@ -8384,6 +8162,94 @@
                 </a:solidFill>
               </a:rPr>
               <a:t> </a:t>
+            </a:r>
+          </a:p>
+          <a:p>
+            <a:pPr lvl="1">
+              <a:buNone/>
+            </a:pPr>
+            <a:r>
+              <a:rPr lang="fr-FR" sz="2000" i="1" dirty="0" smtClean="0">
+                <a:solidFill>
+                  <a:schemeClr val="accent5"/>
+                </a:solidFill>
+              </a:rPr>
+              <a:t>PC/Mac/Linux (Silverlight), </a:t>
+            </a:r>
+            <a:r>
+              <a:rPr lang="fr-FR" sz="2000" i="1" dirty="0" err="1" smtClean="0">
+                <a:solidFill>
+                  <a:schemeClr val="accent5"/>
+                </a:solidFill>
+              </a:rPr>
+              <a:t>Android</a:t>
+            </a:r>
+            <a:r>
+              <a:rPr lang="fr-FR" sz="2000" i="1" dirty="0" smtClean="0">
+                <a:solidFill>
+                  <a:schemeClr val="accent5"/>
+                </a:solidFill>
+              </a:rPr>
+              <a:t>, </a:t>
+            </a:r>
+            <a:r>
+              <a:rPr lang="fr-FR" sz="2000" i="1" dirty="0" err="1" smtClean="0">
+                <a:solidFill>
+                  <a:schemeClr val="accent5"/>
+                </a:solidFill>
+              </a:rPr>
+              <a:t>iPhone</a:t>
+            </a:r>
+            <a:r>
+              <a:rPr lang="fr-FR" sz="2000" i="1" dirty="0" smtClean="0">
+                <a:solidFill>
+                  <a:schemeClr val="accent5"/>
+                </a:solidFill>
+              </a:rPr>
+              <a:t>, WP7</a:t>
+            </a:r>
+          </a:p>
+          <a:p>
+            <a:pPr lvl="1"/>
+            <a:r>
+              <a:rPr lang="fr-FR" sz="2000" b="1" dirty="0" err="1" smtClean="0">
+                <a:solidFill>
+                  <a:schemeClr val="accent5"/>
+                </a:solidFill>
+              </a:rPr>
+              <a:t>TweetDeck</a:t>
+            </a:r>
+            <a:r>
+              <a:rPr lang="fr-FR" sz="2000" dirty="0" smtClean="0">
+                <a:solidFill>
+                  <a:schemeClr val="accent5"/>
+                </a:solidFill>
+              </a:rPr>
+              <a:t> – </a:t>
+            </a:r>
+            <a:r>
+              <a:rPr lang="fr-FR" sz="2000" dirty="0" err="1" smtClean="0">
+                <a:solidFill>
+                  <a:schemeClr val="accent5"/>
+                </a:solidFill>
+              </a:rPr>
+              <a:t>Twitter</a:t>
+            </a:r>
+            <a:r>
+              <a:rPr lang="fr-FR" sz="2000" dirty="0" smtClean="0">
+                <a:solidFill>
+                  <a:schemeClr val="accent5"/>
+                </a:solidFill>
+              </a:rPr>
+              <a:t>, </a:t>
+            </a:r>
+            <a:r>
+              <a:rPr lang="fr-FR" sz="2000" dirty="0" err="1" smtClean="0">
+                <a:solidFill>
+                  <a:schemeClr val="accent5"/>
+                </a:solidFill>
+              </a:rPr>
+              <a:t>Facebook</a:t>
             </a:r>
             <a:endParaRPr lang="fr-FR" sz="2000" dirty="0" smtClean="0">
               <a:solidFill>
@@ -8401,145 +8267,7 @@
                   <a:schemeClr val="accent5"/>
                 </a:solidFill>
               </a:rPr>
-              <a:t>PC/Mac/Linux </a:t>
-            </a:r>
-            <a:r>
-              <a:rPr lang="fr-FR" sz="2000" i="1" dirty="0" smtClean="0">
-                <a:solidFill>
-                  <a:schemeClr val="accent5"/>
-                </a:solidFill>
-              </a:rPr>
-              <a:t>(Silverlight), </a:t>
-            </a:r>
-            <a:r>
-              <a:rPr lang="fr-FR" sz="2000" i="1" dirty="0" err="1" smtClean="0">
-                <a:solidFill>
-                  <a:schemeClr val="accent5"/>
-                </a:solidFill>
-              </a:rPr>
-              <a:t>Android</a:t>
-            </a:r>
-            <a:r>
-              <a:rPr lang="fr-FR" sz="2000" i="1" dirty="0" smtClean="0">
-                <a:solidFill>
-                  <a:schemeClr val="accent5"/>
-                </a:solidFill>
-              </a:rPr>
-              <a:t>, </a:t>
-            </a:r>
-            <a:r>
-              <a:rPr lang="fr-FR" sz="2000" i="1" dirty="0" err="1" smtClean="0">
-                <a:solidFill>
-                  <a:schemeClr val="accent5"/>
-                </a:solidFill>
-              </a:rPr>
-              <a:t>iPhone</a:t>
-            </a:r>
-            <a:r>
-              <a:rPr lang="fr-FR" sz="2000" i="1" dirty="0" smtClean="0">
-                <a:solidFill>
-                  <a:schemeClr val="accent5"/>
-                </a:solidFill>
-              </a:rPr>
-              <a:t>, </a:t>
-            </a:r>
-            <a:r>
-              <a:rPr lang="fr-FR" sz="2000" i="1" dirty="0" smtClean="0">
-                <a:solidFill>
-                  <a:schemeClr val="accent5"/>
-                </a:solidFill>
-              </a:rPr>
-              <a:t>WP7</a:t>
-            </a:r>
-            <a:endParaRPr lang="fr-FR" sz="2000" i="1" dirty="0" smtClean="0">
-              <a:solidFill>
-                <a:schemeClr val="accent5"/>
-              </a:solidFill>
-            </a:endParaRPr>
-          </a:p>
-          <a:p>
-            <a:pPr lvl="1"/>
-            <a:r>
-              <a:rPr lang="fr-FR" sz="2000" b="1" dirty="0" err="1" smtClean="0">
-                <a:solidFill>
-                  <a:schemeClr val="accent5"/>
-                </a:solidFill>
-              </a:rPr>
-              <a:t>TweetDeck</a:t>
-            </a:r>
-            <a:r>
-              <a:rPr lang="fr-FR" sz="2000" dirty="0" smtClean="0">
-                <a:solidFill>
-                  <a:schemeClr val="accent5"/>
-                </a:solidFill>
-              </a:rPr>
-              <a:t> – </a:t>
-            </a:r>
-            <a:r>
-              <a:rPr lang="fr-FR" sz="2000" dirty="0" err="1" smtClean="0">
-                <a:solidFill>
-                  <a:schemeClr val="accent5"/>
-                </a:solidFill>
-              </a:rPr>
-              <a:t>Twitter</a:t>
-            </a:r>
-            <a:r>
-              <a:rPr lang="fr-FR" sz="2000" dirty="0" smtClean="0">
-                <a:solidFill>
-                  <a:schemeClr val="accent5"/>
-                </a:solidFill>
-              </a:rPr>
-              <a:t>, </a:t>
-            </a:r>
-            <a:r>
-              <a:rPr lang="fr-FR" sz="2000" dirty="0" err="1" smtClean="0">
-                <a:solidFill>
-                  <a:schemeClr val="accent5"/>
-                </a:solidFill>
-              </a:rPr>
-              <a:t>Facebook</a:t>
-            </a:r>
-            <a:endParaRPr lang="fr-FR" sz="2000" dirty="0" smtClean="0">
-              <a:solidFill>
-                <a:schemeClr val="accent5"/>
-              </a:solidFill>
-            </a:endParaRPr>
-          </a:p>
-          <a:p>
-            <a:pPr lvl="1">
-              <a:buNone/>
-            </a:pPr>
-            <a:r>
-              <a:rPr lang="fr-FR" sz="2000" i="1" dirty="0" smtClean="0">
-                <a:solidFill>
-                  <a:schemeClr val="accent5"/>
-                </a:solidFill>
-              </a:rPr>
-              <a:t>PC/Mac/Linux </a:t>
-            </a:r>
-            <a:r>
-              <a:rPr lang="fr-FR" sz="2000" i="1" dirty="0" smtClean="0">
-                <a:solidFill>
-                  <a:schemeClr val="accent5"/>
-                </a:solidFill>
-              </a:rPr>
-              <a:t>(Adobe Air ou Chrome </a:t>
-            </a:r>
-            <a:r>
-              <a:rPr lang="fr-FR" sz="2000" i="1" dirty="0" smtClean="0">
-                <a:solidFill>
-                  <a:schemeClr val="accent5"/>
-                </a:solidFill>
-              </a:rPr>
-              <a:t>extension</a:t>
-            </a:r>
-            <a:r>
-              <a:rPr lang="fr-FR" sz="2000" i="1" dirty="0" smtClean="0">
-                <a:solidFill>
-                  <a:schemeClr val="accent5"/>
-                </a:solidFill>
-              </a:rPr>
-              <a:t>), </a:t>
+              <a:t>PC/Mac/Linux (Adobe Air ou Chrome extension), </a:t>
             </a:r>
             <a:r>
               <a:rPr lang="fr-FR" sz="2000" i="1" dirty="0" err="1" smtClean="0">
@@ -8588,37 +8316,8 @@
                   <a:schemeClr val="accent5"/>
                 </a:solidFill>
               </a:rPr>
-              <a:t>Les gros </a:t>
-            </a:r>
-            <a:r>
-              <a:rPr lang="fr-FR" sz="2400" dirty="0" smtClean="0">
-                <a:solidFill>
-                  <a:schemeClr val="accent5"/>
-                </a:solidFill>
-              </a:rPr>
-              <a:t>acteurs </a:t>
-            </a:r>
-            <a:r>
-              <a:rPr lang="fr-FR" sz="2400" dirty="0" smtClean="0">
-                <a:solidFill>
-                  <a:schemeClr val="accent5"/>
-                </a:solidFill>
-              </a:rPr>
-              <a:t>gérant un seul des </a:t>
-            </a:r>
-            <a:r>
-              <a:rPr lang="fr-FR" sz="2400" dirty="0" smtClean="0">
-                <a:solidFill>
-                  <a:schemeClr val="accent5"/>
-                </a:solidFill>
-              </a:rPr>
-              <a:t>réseaux :</a:t>
-            </a:r>
-            <a:endParaRPr lang="fr-FR" sz="2400" dirty="0" smtClean="0">
-              <a:solidFill>
-                <a:schemeClr val="accent5"/>
-              </a:solidFill>
-            </a:endParaRPr>
+              <a:t>Les gros acteurs gérant un seul des réseaux :</a:t>
+            </a:r>
           </a:p>
           <a:p>
             <a:pPr lvl="1"/>
@@ -8636,7 +8335,18 @@
                   <a:schemeClr val="accent5"/>
                 </a:solidFill>
               </a:rPr>
-              <a:t> – </a:t>
+              <a:t> – Tous les supports</a:t>
+            </a:r>
+          </a:p>
+          <a:p>
+            <a:pPr lvl="1"/>
+            <a:r>
+              <a:rPr lang="fr-FR" sz="2000" b="1" dirty="0" err="1" smtClean="0">
+                <a:solidFill>
+                  <a:schemeClr val="accent5"/>
+                </a:solidFill>
+              </a:rPr>
+              <a:t>Twitter</a:t>
             </a:r>
             <a:r>
               <a:rPr lang="fr-FR" sz="2000" dirty="0" smtClean="0">
@@ -8644,64 +8354,8 @@
                   <a:schemeClr val="accent5"/>
                 </a:solidFill>
               </a:rPr>
-              <a:t>Tous </a:t>
-            </a:r>
-            <a:r>
-              <a:rPr lang="fr-FR" sz="2000" dirty="0" smtClean="0">
-                <a:solidFill>
-                  <a:schemeClr val="accent5"/>
-                </a:solidFill>
-              </a:rPr>
-              <a:t>les supports</a:t>
-            </a:r>
-          </a:p>
-          <a:p>
-            <a:pPr lvl="1"/>
-            <a:r>
-              <a:rPr lang="fr-FR" sz="2000" b="1" dirty="0" err="1" smtClean="0">
-                <a:solidFill>
-                  <a:schemeClr val="accent5"/>
-                </a:solidFill>
-              </a:rPr>
-              <a:t>Twitter</a:t>
-            </a:r>
-            <a:r>
-              <a:rPr lang="fr-FR" sz="2000" dirty="0" smtClean="0">
-                <a:solidFill>
-                  <a:schemeClr val="accent5"/>
-                </a:solidFill>
-              </a:rPr>
-              <a:t> – </a:t>
-            </a:r>
-            <a:r>
-              <a:rPr lang="fr-FR" sz="2000" dirty="0" smtClean="0">
-                <a:solidFill>
-                  <a:schemeClr val="accent5"/>
-                </a:solidFill>
-              </a:rPr>
-              <a:t>Tous </a:t>
-            </a:r>
-            <a:r>
-              <a:rPr lang="fr-FR" sz="2000" dirty="0" smtClean="0">
-                <a:solidFill>
-                  <a:schemeClr val="accent5"/>
-                </a:solidFill>
-              </a:rPr>
-              <a:t>les </a:t>
-            </a:r>
-            <a:r>
-              <a:rPr lang="fr-FR" sz="2000" dirty="0" smtClean="0">
-                <a:solidFill>
-                  <a:schemeClr val="accent5"/>
-                </a:solidFill>
-              </a:rPr>
-              <a:t>supports</a:t>
-            </a:r>
-            <a:endParaRPr lang="fr-FR" sz="2000" dirty="0" smtClean="0">
-              <a:solidFill>
-                <a:schemeClr val="accent5"/>
-              </a:solidFill>
-            </a:endParaRPr>
+              <a:t> – Tous les supports</a:t>
+            </a:r>
           </a:p>
           <a:p>
             <a:pPr lvl="1"/>
@@ -8859,31 +8513,35 @@
                   <a:schemeClr val="accent5"/>
                 </a:solidFill>
               </a:rPr>
-              <a:t>Fils </a:t>
-            </a:r>
+              <a:t>Fils d’actualités et liste d’amis des comptes fusionnés</a:t>
+            </a:r>
+          </a:p>
+          <a:p>
             <a:r>
               <a:rPr lang="fr-FR" sz="2400" dirty="0" smtClean="0">
                 <a:solidFill>
                   <a:schemeClr val="accent5"/>
                 </a:solidFill>
               </a:rPr>
-              <a:t>d’actualités et </a:t>
-            </a:r>
+              <a:t>Mise à jour de statut et d’images multi-comptes</a:t>
+            </a:r>
+          </a:p>
+          <a:p>
             <a:r>
               <a:rPr lang="fr-FR" sz="2400" dirty="0" smtClean="0">
                 <a:solidFill>
                   <a:schemeClr val="accent5"/>
                 </a:solidFill>
               </a:rPr>
-              <a:t>liste d’amis des </a:t>
-            </a:r>
-            <a:r>
-              <a:rPr lang="fr-FR" sz="2400" dirty="0" smtClean="0">
-                <a:solidFill>
-                  <a:schemeClr val="accent5"/>
-                </a:solidFill>
-              </a:rPr>
-              <a:t>comptes fusionnés</a:t>
+              <a:t>Messages privés </a:t>
+            </a:r>
+            <a:r>
+              <a:rPr lang="fr-FR" sz="2400" dirty="0" err="1" smtClean="0">
+                <a:solidFill>
+                  <a:schemeClr val="accent5"/>
+                </a:solidFill>
+              </a:rPr>
+              <a:t>Facebook</a:t>
             </a:r>
             <a:endParaRPr lang="fr-FR" sz="2400" dirty="0" smtClean="0">
               <a:solidFill>
@@ -8898,7 +8556,17 @@
                   <a:schemeClr val="accent5"/>
                 </a:solidFill>
               </a:rPr>
-              <a:t>Mise à jour</a:t>
+              <a:t>Notifications</a:t>
+            </a:r>
+          </a:p>
+          <a:p>
+            <a:r>
+              <a:rPr lang="fr-FR" sz="2400" dirty="0" err="1" smtClean="0">
+                <a:solidFill>
+                  <a:schemeClr val="accent5"/>
+                </a:solidFill>
+              </a:rPr>
+              <a:t>Raccourcisseur</a:t>
             </a:r>
             <a:r>
               <a:rPr lang="fr-FR" sz="2400" dirty="0" smtClean="0">
@@ -8906,166 +8574,44 @@
                   <a:schemeClr val="accent5"/>
                 </a:solidFill>
               </a:rPr>
-              <a:t> </a:t>
-            </a:r>
+              <a:t> d’url dans les statuts</a:t>
+            </a:r>
+          </a:p>
+          <a:p>
             <a:r>
               <a:rPr lang="fr-FR" sz="2400" dirty="0" smtClean="0">
                 <a:solidFill>
                   <a:schemeClr val="accent5"/>
                 </a:solidFill>
               </a:rPr>
-              <a:t>de statut et </a:t>
-            </a:r>
+              <a:t>Affichage des profils des amis avec photo, vidéo, infos, mur</a:t>
+            </a:r>
+          </a:p>
+          <a:p>
             <a:r>
               <a:rPr lang="fr-FR" sz="2400" dirty="0" smtClean="0">
                 <a:solidFill>
                   <a:schemeClr val="accent5"/>
                 </a:solidFill>
               </a:rPr>
-              <a:t>d’images multi-comptes</a:t>
-            </a:r>
-            <a:endParaRPr lang="fr-FR" sz="2400" dirty="0" smtClean="0">
-              <a:solidFill>
-                <a:schemeClr val="accent5"/>
-              </a:solidFill>
-            </a:endParaRPr>
-          </a:p>
-          <a:p>
+              <a:t>« </a:t>
+            </a:r>
+            <a:r>
+              <a:rPr lang="fr-FR" sz="2400" dirty="0" err="1" smtClean="0">
+                <a:solidFill>
+                  <a:schemeClr val="accent5"/>
+                </a:solidFill>
+              </a:rPr>
+              <a:t>Retweets</a:t>
+            </a:r>
             <a:r>
               <a:rPr lang="fr-FR" sz="2400" dirty="0" smtClean="0">
                 <a:solidFill>
                   <a:schemeClr val="accent5"/>
                 </a:solidFill>
               </a:rPr>
-              <a:t>Messages privés </a:t>
-            </a:r>
-            <a:r>
-              <a:rPr lang="fr-FR" sz="2400" dirty="0" err="1" smtClean="0">
-                <a:solidFill>
-                  <a:schemeClr val="accent5"/>
-                </a:solidFill>
-              </a:rPr>
-              <a:t>Facebook</a:t>
-            </a:r>
-            <a:endParaRPr lang="fr-FR" sz="2400" dirty="0" smtClean="0">
-              <a:solidFill>
-                <a:schemeClr val="accent5"/>
-              </a:solidFill>
-            </a:endParaRPr>
-          </a:p>
-          <a:p>
-            <a:r>
-              <a:rPr lang="fr-FR" sz="2400" dirty="0" smtClean="0">
-                <a:solidFill>
-                  <a:schemeClr val="accent5"/>
-                </a:solidFill>
-              </a:rPr>
-              <a:t>Notifications</a:t>
-            </a:r>
-          </a:p>
-          <a:p>
-            <a:r>
-              <a:rPr lang="fr-FR" sz="2400" dirty="0" err="1" smtClean="0">
-                <a:solidFill>
-                  <a:schemeClr val="accent5"/>
-                </a:solidFill>
-              </a:rPr>
-              <a:t>Raccourcisseur</a:t>
-            </a:r>
-            <a:r>
-              <a:rPr lang="fr-FR" sz="2400" dirty="0" smtClean="0">
-                <a:solidFill>
-                  <a:schemeClr val="accent5"/>
-                </a:solidFill>
-              </a:rPr>
-              <a:t> d’url dans les </a:t>
-            </a:r>
-            <a:r>
-              <a:rPr lang="fr-FR" sz="2400" dirty="0" smtClean="0">
-                <a:solidFill>
-                  <a:schemeClr val="accent5"/>
-                </a:solidFill>
-              </a:rPr>
-              <a:t>statuts</a:t>
-            </a:r>
-            <a:endParaRPr lang="fr-FR" sz="2400" dirty="0" smtClean="0">
-              <a:solidFill>
-                <a:schemeClr val="accent5"/>
-              </a:solidFill>
-            </a:endParaRPr>
-          </a:p>
-          <a:p>
-            <a:r>
-              <a:rPr lang="fr-FR" sz="2400" dirty="0" smtClean="0">
-                <a:solidFill>
-                  <a:schemeClr val="accent5"/>
-                </a:solidFill>
-              </a:rPr>
-              <a:t>Affichage des profils des amis avec photo, vidéo, </a:t>
-            </a:r>
-            <a:r>
-              <a:rPr lang="fr-FR" sz="2400" dirty="0" smtClean="0">
-                <a:solidFill>
-                  <a:schemeClr val="accent5"/>
-                </a:solidFill>
-              </a:rPr>
-              <a:t>infos, </a:t>
-            </a:r>
-            <a:r>
-              <a:rPr lang="fr-FR" sz="2400" dirty="0" smtClean="0">
-                <a:solidFill>
-                  <a:schemeClr val="accent5"/>
-                </a:solidFill>
-              </a:rPr>
-              <a:t>mur</a:t>
-            </a:r>
-          </a:p>
-          <a:p>
-            <a:r>
-              <a:rPr lang="fr-FR" sz="2400" dirty="0" smtClean="0">
-                <a:solidFill>
-                  <a:schemeClr val="accent5"/>
-                </a:solidFill>
-              </a:rPr>
-              <a:t>« </a:t>
-            </a:r>
-            <a:r>
-              <a:rPr lang="fr-FR" sz="2400" dirty="0" err="1" smtClean="0">
-                <a:solidFill>
-                  <a:schemeClr val="accent5"/>
-                </a:solidFill>
-              </a:rPr>
-              <a:t>Retweets</a:t>
-            </a:r>
-            <a:r>
-              <a:rPr lang="fr-FR" sz="2400" dirty="0" smtClean="0">
-                <a:solidFill>
-                  <a:schemeClr val="accent5"/>
-                </a:solidFill>
-              </a:rPr>
-              <a:t> » </a:t>
-            </a:r>
-            <a:r>
-              <a:rPr lang="fr-FR" sz="2400" dirty="0" smtClean="0">
-                <a:solidFill>
-                  <a:schemeClr val="accent5"/>
-                </a:solidFill>
-              </a:rPr>
-              <a:t>et </a:t>
-            </a:r>
-            <a:r>
-              <a:rPr lang="fr-FR" sz="2400" dirty="0" smtClean="0">
-                <a:solidFill>
-                  <a:schemeClr val="accent5"/>
-                </a:solidFill>
-              </a:rPr>
-              <a:t>commentaires</a:t>
-            </a:r>
-            <a:endParaRPr lang="fr-FR" sz="2400" dirty="0" smtClean="0">
-              <a:solidFill>
-                <a:schemeClr val="accent5"/>
-              </a:solidFill>
-            </a:endParaRPr>
+              <a:t> » et commentaires</a:t>
+            </a:r>
           </a:p>
         </p:txBody>
       </p:sp>
@@ -9419,31 +8965,35 @@
                   <a:schemeClr val="accent5"/>
                 </a:solidFill>
               </a:rPr>
-              <a:t>Fils </a:t>
-            </a:r>
+              <a:t>Fils d’actualités et liste d’amis des compte fusionnés</a:t>
+            </a:r>
+          </a:p>
+          <a:p>
             <a:r>
               <a:rPr lang="fr-FR" sz="2400" dirty="0" smtClean="0">
                 <a:solidFill>
                   <a:schemeClr val="accent5"/>
                 </a:solidFill>
               </a:rPr>
-              <a:t>d’actualités et </a:t>
-            </a:r>
+              <a:t>Mise à jour de statut multi-comptes</a:t>
+            </a:r>
+          </a:p>
+          <a:p>
             <a:r>
               <a:rPr lang="fr-FR" sz="2400" dirty="0" smtClean="0">
                 <a:solidFill>
                   <a:schemeClr val="accent5"/>
                 </a:solidFill>
               </a:rPr>
-              <a:t>liste d’amis des compte </a:t>
-            </a:r>
-            <a:r>
-              <a:rPr lang="fr-FR" sz="2400" dirty="0" smtClean="0">
-                <a:solidFill>
-                  <a:schemeClr val="accent5"/>
-                </a:solidFill>
-              </a:rPr>
-              <a:t>fusionnés</a:t>
+              <a:t>Chat </a:t>
+            </a:r>
+            <a:r>
+              <a:rPr lang="fr-FR" sz="2400" dirty="0" err="1" smtClean="0">
+                <a:solidFill>
+                  <a:schemeClr val="accent5"/>
+                </a:solidFill>
+              </a:rPr>
+              <a:t>Facebook</a:t>
             </a:r>
             <a:endParaRPr lang="fr-FR" sz="2400" dirty="0" smtClean="0">
               <a:solidFill>
@@ -9458,23 +9008,15 @@
                   <a:schemeClr val="accent5"/>
                 </a:solidFill>
               </a:rPr>
-              <a:t>Mise à jour </a:t>
-            </a:r>
-            <a:r>
-              <a:rPr lang="fr-FR" sz="2400" dirty="0" smtClean="0">
-                <a:solidFill>
-                  <a:schemeClr val="accent5"/>
-                </a:solidFill>
-              </a:rPr>
-              <a:t>de statut </a:t>
-            </a:r>
-            <a:r>
-              <a:rPr lang="fr-FR" sz="2400" dirty="0" smtClean="0">
-                <a:solidFill>
-                  <a:schemeClr val="accent5"/>
-                </a:solidFill>
-              </a:rPr>
-              <a:t>multi-comptes</a:t>
+              <a:t>Recherche &amp; « Trends » </a:t>
+            </a:r>
+            <a:r>
+              <a:rPr lang="fr-FR" sz="2400" dirty="0" err="1" smtClean="0">
+                <a:solidFill>
+                  <a:schemeClr val="accent5"/>
+                </a:solidFill>
+              </a:rPr>
+              <a:t>Twitter</a:t>
             </a:r>
             <a:endParaRPr lang="fr-FR" sz="2400" dirty="0" smtClean="0">
               <a:solidFill>
@@ -9489,7 +9031,27 @@
                   <a:schemeClr val="accent5"/>
                 </a:solidFill>
               </a:rPr>
-              <a:t>Chat </a:t>
+              <a:t>Affichage des profils des amis avec photo, vidéo, infos, mur</a:t>
+            </a:r>
+          </a:p>
+          <a:p>
+            <a:r>
+              <a:rPr lang="fr-FR" sz="2400" dirty="0" smtClean="0">
+                <a:solidFill>
+                  <a:schemeClr val="accent5"/>
+                </a:solidFill>
+              </a:rPr>
+              <a:t>Notifications</a:t>
+            </a:r>
+          </a:p>
+          <a:p>
+            <a:r>
+              <a:rPr lang="fr-FR" sz="2400" dirty="0" smtClean="0">
+                <a:solidFill>
+                  <a:schemeClr val="accent5"/>
+                </a:solidFill>
+              </a:rPr>
+              <a:t>« </a:t>
             </a:r>
             <a:r>
               <a:rPr lang="fr-FR" sz="2400" dirty="0" err="1" smtClean="0">
@@ -9497,129 +9059,26 @@
                   <a:schemeClr val="accent5"/>
                 </a:solidFill>
               </a:rPr>
-              <a:t>Facebook</a:t>
-            </a:r>
-            <a:endParaRPr lang="fr-FR" sz="2400" dirty="0" smtClean="0">
-              <a:solidFill>
-                <a:schemeClr val="accent5"/>
-              </a:solidFill>
-            </a:endParaRPr>
-          </a:p>
-          <a:p>
+              <a:t>Retweets</a:t>
+            </a:r>
             <a:r>
               <a:rPr lang="fr-FR" sz="2400" dirty="0" smtClean="0">
                 <a:solidFill>
                   <a:schemeClr val="accent5"/>
                 </a:solidFill>
               </a:rPr>
-              <a:t>Recherche &amp; </a:t>
-            </a:r>
+              <a:t> » et comment</a:t>
+            </a:r>
+          </a:p>
+          <a:p>
             <a:r>
               <a:rPr lang="fr-FR" sz="2400" dirty="0" smtClean="0">
                 <a:solidFill>
                   <a:schemeClr val="accent5"/>
                 </a:solidFill>
               </a:rPr>
-              <a:t>« Trends » </a:t>
-            </a:r>
-            <a:r>
-              <a:rPr lang="fr-FR" sz="2400" dirty="0" err="1" smtClean="0">
-                <a:solidFill>
-                  <a:schemeClr val="accent5"/>
-                </a:solidFill>
-              </a:rPr>
-              <a:t>Twitter</a:t>
-            </a:r>
-            <a:endParaRPr lang="fr-FR" sz="2400" dirty="0" smtClean="0">
-              <a:solidFill>
-                <a:schemeClr val="accent5"/>
-              </a:solidFill>
-            </a:endParaRPr>
-          </a:p>
-          <a:p>
-            <a:r>
-              <a:rPr lang="fr-FR" sz="2400" dirty="0" smtClean="0">
-                <a:solidFill>
-                  <a:schemeClr val="accent5"/>
-                </a:solidFill>
-              </a:rPr>
-              <a:t>Affichage des profils des amis avec photo, vidéo, </a:t>
-            </a:r>
-            <a:r>
-              <a:rPr lang="fr-FR" sz="2400" dirty="0" smtClean="0">
-                <a:solidFill>
-                  <a:schemeClr val="accent5"/>
-                </a:solidFill>
-              </a:rPr>
-              <a:t>infos, </a:t>
-            </a:r>
-            <a:r>
-              <a:rPr lang="fr-FR" sz="2400" dirty="0" smtClean="0">
-                <a:solidFill>
-                  <a:schemeClr val="accent5"/>
-                </a:solidFill>
-              </a:rPr>
-              <a:t>mur</a:t>
-            </a:r>
-          </a:p>
-          <a:p>
-            <a:r>
-              <a:rPr lang="fr-FR" sz="2400" dirty="0" smtClean="0">
-                <a:solidFill>
-                  <a:schemeClr val="accent5"/>
-                </a:solidFill>
-              </a:rPr>
-              <a:t>Notifications</a:t>
-            </a:r>
-          </a:p>
-          <a:p>
-            <a:r>
-              <a:rPr lang="fr-FR" sz="2400" dirty="0" smtClean="0">
-                <a:solidFill>
-                  <a:schemeClr val="accent5"/>
-                </a:solidFill>
-              </a:rPr>
-              <a:t>« </a:t>
-            </a:r>
-            <a:r>
-              <a:rPr lang="fr-FR" sz="2400" dirty="0" err="1" smtClean="0">
-                <a:solidFill>
-                  <a:schemeClr val="accent5"/>
-                </a:solidFill>
-              </a:rPr>
-              <a:t>Retweets</a:t>
-            </a:r>
-            <a:r>
-              <a:rPr lang="fr-FR" sz="2400" dirty="0" smtClean="0">
-                <a:solidFill>
-                  <a:schemeClr val="accent5"/>
-                </a:solidFill>
-              </a:rPr>
-              <a:t> » </a:t>
-            </a:r>
-            <a:r>
-              <a:rPr lang="fr-FR" sz="2400" dirty="0" smtClean="0">
-                <a:solidFill>
-                  <a:schemeClr val="accent5"/>
-                </a:solidFill>
-              </a:rPr>
-              <a:t>et comment</a:t>
-            </a:r>
-          </a:p>
-          <a:p>
-            <a:r>
-              <a:rPr lang="fr-FR" sz="2400" dirty="0" smtClean="0">
-                <a:solidFill>
-                  <a:schemeClr val="accent5"/>
-                </a:solidFill>
-              </a:rPr>
               <a:t>Multilingue</a:t>
             </a:r>
-            <a:endParaRPr lang="fr-FR" sz="2400" dirty="0" smtClean="0">
-              <a:solidFill>
-                <a:schemeClr val="accent5"/>
-              </a:solidFill>
-            </a:endParaRPr>
           </a:p>
         </p:txBody>
       </p:sp>

--- a/trunk/Docs/eip 10.09.11/myNETwork.pptx
+++ b/trunk/Docs/eip 10.09.11/myNETwork.pptx
@@ -5,10 +5,10 @@
     <p:sldMasterId id="2147483684" r:id="rId1"/>
   </p:sldMasterIdLst>
   <p:notesMasterIdLst>
-    <p:notesMasterId r:id="rId22"/>
+    <p:notesMasterId r:id="rId20"/>
   </p:notesMasterIdLst>
   <p:handoutMasterIdLst>
-    <p:handoutMasterId r:id="rId23"/>
+    <p:handoutMasterId r:id="rId21"/>
   </p:handoutMasterIdLst>
   <p:sldIdLst>
     <p:sldId id="260" r:id="rId2"/>
@@ -29,8 +29,6 @@
     <p:sldId id="277" r:id="rId17"/>
     <p:sldId id="280" r:id="rId18"/>
     <p:sldId id="262" r:id="rId19"/>
-    <p:sldId id="266" r:id="rId20"/>
-    <p:sldId id="258" r:id="rId21"/>
   </p:sldIdLst>
   <p:sldSz cx="9144000" cy="6858000" type="screen4x3"/>
   <p:notesSz cx="6858000" cy="9144000"/>
@@ -5232,70 +5230,152 @@
           <a:lstStyle/>
           <a:p>
             <a:r>
-              <a:rPr lang="fr-FR" sz="2400" smtClean="0">
-                <a:solidFill>
-                  <a:schemeClr val="accent5"/>
-                </a:solidFill>
-              </a:rPr>
-              <a:t>1944 téléchargement (unique ?)</a:t>
-            </a:r>
-            <a:endParaRPr lang="fr-FR" sz="2400" dirty="0" smtClean="0">
+              <a:rPr lang="fr-FR" sz="2400" dirty="0" smtClean="0">
+                <a:solidFill>
+                  <a:schemeClr val="accent5"/>
+                </a:solidFill>
+              </a:rPr>
+              <a:t>Lancement de l’application </a:t>
+            </a:r>
+            <a:r>
+              <a:rPr lang="fr-FR" sz="2400" dirty="0" err="1" smtClean="0">
+                <a:solidFill>
+                  <a:schemeClr val="accent5"/>
+                </a:solidFill>
+              </a:rPr>
+              <a:t>android</a:t>
+            </a:r>
+            <a:r>
+              <a:rPr lang="fr-FR" sz="2400" dirty="0" smtClean="0">
+                <a:solidFill>
+                  <a:schemeClr val="accent5"/>
+                </a:solidFill>
+              </a:rPr>
+              <a:t> le 08 août 2011 :</a:t>
+            </a:r>
+          </a:p>
+          <a:p>
+            <a:pPr lvl="1">
+              <a:buFontTx/>
+              <a:buChar char="-"/>
+            </a:pPr>
+            <a:r>
+              <a:rPr lang="fr-FR" sz="2000" dirty="0" smtClean="0">
+                <a:solidFill>
+                  <a:schemeClr val="accent5"/>
+                </a:solidFill>
+              </a:rPr>
+              <a:t>2400</a:t>
+            </a:r>
+            <a:r>
+              <a:rPr lang="fr-FR" sz="2000" dirty="0" smtClean="0">
+                <a:solidFill>
+                  <a:schemeClr val="accent5"/>
+                </a:solidFill>
+              </a:rPr>
+              <a:t> téléchargements</a:t>
+            </a:r>
+          </a:p>
+          <a:p>
+            <a:pPr lvl="1">
+              <a:buFontTx/>
+              <a:buChar char="-"/>
+            </a:pPr>
+            <a:r>
+              <a:rPr lang="fr-FR" sz="2000" dirty="0" smtClean="0">
+                <a:solidFill>
+                  <a:schemeClr val="accent5"/>
+                </a:solidFill>
+              </a:rPr>
+              <a:t>700 </a:t>
+            </a:r>
+            <a:r>
+              <a:rPr lang="fr-FR" sz="2000" dirty="0" smtClean="0">
+                <a:solidFill>
+                  <a:schemeClr val="accent5"/>
+                </a:solidFill>
+              </a:rPr>
+              <a:t>utilisateurs </a:t>
+            </a:r>
+            <a:r>
+              <a:rPr lang="fr-FR" sz="2000" dirty="0" smtClean="0">
+                <a:solidFill>
+                  <a:schemeClr val="accent5"/>
+                </a:solidFill>
+              </a:rPr>
+              <a:t>actifs</a:t>
+            </a:r>
+          </a:p>
+          <a:p>
+            <a:pPr lvl="1">
+              <a:buFontTx/>
+              <a:buChar char="-"/>
+            </a:pPr>
+            <a:r>
+              <a:rPr lang="fr-FR" sz="2000" dirty="0" smtClean="0">
+                <a:solidFill>
+                  <a:schemeClr val="accent5"/>
+                </a:solidFill>
+              </a:rPr>
+              <a:t>6500 pages vues par jour</a:t>
+            </a:r>
+          </a:p>
+          <a:p>
+            <a:pPr lvl="1">
+              <a:buFontTx/>
+              <a:buChar char="-"/>
+            </a:pPr>
+            <a:r>
+              <a:rPr lang="fr-FR" sz="2000" dirty="0" smtClean="0">
+                <a:solidFill>
+                  <a:schemeClr val="accent5"/>
+                </a:solidFill>
+              </a:rPr>
+              <a:t>70 000 appels à l’API </a:t>
+            </a:r>
+            <a:r>
+              <a:rPr lang="fr-FR" sz="2000" dirty="0" err="1" smtClean="0">
+                <a:solidFill>
+                  <a:schemeClr val="accent5"/>
+                </a:solidFill>
+              </a:rPr>
+              <a:t>Faceboo</a:t>
+            </a:r>
+            <a:r>
+              <a:rPr lang="fr-FR" sz="2000" dirty="0" err="1" smtClean="0">
+                <a:solidFill>
+                  <a:schemeClr val="accent5"/>
+                </a:solidFill>
+              </a:rPr>
+              <a:t>k</a:t>
+            </a:r>
+            <a:r>
+              <a:rPr lang="fr-FR" sz="2000" dirty="0" smtClean="0">
+                <a:solidFill>
+                  <a:schemeClr val="accent5"/>
+                </a:solidFill>
+              </a:rPr>
+              <a:t> par jour</a:t>
+            </a:r>
+          </a:p>
+          <a:p>
+            <a:pPr lvl="1">
+              <a:buFontTx/>
+              <a:buChar char="-"/>
+            </a:pPr>
+            <a:r>
+              <a:rPr lang="fr-FR" sz="2000" dirty="0" smtClean="0">
+                <a:solidFill>
+                  <a:schemeClr val="accent5"/>
+                </a:solidFill>
+              </a:rPr>
+              <a:t>35 notes, avec une moyenne de 4.3/5</a:t>
+            </a:r>
+            <a:endParaRPr lang="fr-FR" sz="2000" dirty="0" smtClean="0">
               <a:solidFill>
                 <a:schemeClr val="accent5"/>
               </a:solidFill>
             </a:endParaRPr>
-          </a:p>
-          <a:p>
-            <a:r>
-              <a:rPr lang="fr-FR" sz="2400" dirty="0" smtClean="0">
-                <a:solidFill>
-                  <a:schemeClr val="accent5"/>
-                </a:solidFill>
-              </a:rPr>
-              <a:t>615 utilisateurs actifs</a:t>
-            </a:r>
-          </a:p>
-          <a:p>
-            <a:r>
-              <a:rPr lang="fr-FR" sz="2400" dirty="0" smtClean="0">
-                <a:solidFill>
-                  <a:schemeClr val="accent5"/>
-                </a:solidFill>
-              </a:rPr>
-              <a:t>XXXX actions (a voir avec le </a:t>
-            </a:r>
-            <a:r>
-              <a:rPr lang="fr-FR" sz="2400" dirty="0" err="1" smtClean="0">
-                <a:solidFill>
-                  <a:schemeClr val="accent5"/>
-                </a:solidFill>
-              </a:rPr>
-              <a:t>google</a:t>
-            </a:r>
-            <a:r>
-              <a:rPr lang="fr-FR" sz="2400" dirty="0" smtClean="0">
-                <a:solidFill>
-                  <a:schemeClr val="accent5"/>
-                </a:solidFill>
-              </a:rPr>
-              <a:t> </a:t>
-            </a:r>
-            <a:r>
-              <a:rPr lang="fr-FR" sz="2400" dirty="0" err="1" smtClean="0">
-                <a:solidFill>
-                  <a:schemeClr val="accent5"/>
-                </a:solidFill>
-              </a:rPr>
-              <a:t>analytics</a:t>
-            </a:r>
-            <a:r>
-              <a:rPr lang="fr-FR" sz="2400" dirty="0" smtClean="0">
-                <a:solidFill>
-                  <a:schemeClr val="accent5"/>
-                </a:solidFill>
-              </a:rPr>
-              <a:t>)</a:t>
-            </a:r>
           </a:p>
         </p:txBody>
       </p:sp>
@@ -5797,7 +5877,7 @@
         </p:nvSpPr>
         <p:spPr bwMode="auto">
           <a:xfrm>
-            <a:off x="609600" y="1132015"/>
+            <a:off x="609600" y="1248250"/>
             <a:ext cx="8229600" cy="626997"/>
           </a:xfrm>
           <a:prstGeom prst="rect">
@@ -5819,92 +5899,28 @@
           </a:bodyPr>
           <a:lstStyle/>
           <a:p>
-            <a:pPr marL="0" marR="0" lvl="0" indent="0" algn="l" defTabSz="457200" rtl="0" eaLnBrk="1" fontAlgn="base" latinLnBrk="0" hangingPunct="1">
-              <a:lnSpc>
-                <a:spcPct val="100000"/>
-              </a:lnSpc>
+            <a:pPr fontAlgn="base">
               <a:spcBef>
                 <a:spcPct val="0"/>
               </a:spcBef>
               <a:spcAft>
                 <a:spcPct val="0"/>
               </a:spcAft>
-              <a:buClrTx/>
-              <a:buSzTx/>
-              <a:buFontTx/>
-              <a:buNone/>
-              <a:tabLst/>
               <a:defRPr/>
             </a:pPr>
             <a:r>
-              <a:rPr lang="fr-FR" sz="3600" noProof="0" dirty="0" smtClean="0">
-                <a:latin typeface="+mj-lt"/>
-                <a:ea typeface="ＭＳ Ｐゴシック" charset="-128"/>
-                <a:cs typeface="ＭＳ Ｐゴシック" charset="-128"/>
-              </a:rPr>
-              <a:t>Ouverture</a:t>
-            </a:r>
-            <a:endParaRPr kumimoji="0" lang="fr-FR" sz="3600" b="0" i="0" u="none" strike="noStrike" kern="1200" cap="none" spc="0" normalizeH="0" baseline="0" noProof="0" dirty="0">
-              <a:ln>
-                <a:noFill/>
-              </a:ln>
-              <a:effectLst/>
-              <a:uLnTx/>
-              <a:uFillTx/>
-              <a:latin typeface="+mj-lt"/>
-              <a:ea typeface="ＭＳ Ｐゴシック" charset="-128"/>
-              <a:cs typeface="ＭＳ Ｐゴシック" charset="-128"/>
-            </a:endParaRPr>
-          </a:p>
-        </p:txBody>
-      </p:sp>
-      <p:sp>
-        <p:nvSpPr>
-          <p:cNvPr id="6" name="Espace réservé du contenu 5"/>
-          <p:cNvSpPr>
-            <a:spLocks noGrp="1"/>
-          </p:cNvSpPr>
-          <p:nvPr>
-            <p:ph idx="1"/>
-          </p:nvPr>
-        </p:nvSpPr>
-        <p:spPr>
-          <a:xfrm>
-            <a:off x="457200" y="1797808"/>
-            <a:ext cx="8229600" cy="762512"/>
-          </a:xfrm>
-        </p:spPr>
-        <p:txBody>
-          <a:bodyPr/>
-          <a:lstStyle/>
-          <a:p>
-            <a:pPr>
-              <a:buClr>
-                <a:schemeClr val="accent5"/>
-              </a:buClr>
-              <a:buNone/>
-            </a:pPr>
-            <a:r>
-              <a:rPr lang="fr-FR" sz="2800" dirty="0" smtClean="0">
-                <a:solidFill>
-                  <a:schemeClr val="accent5"/>
-                </a:solidFill>
-              </a:rPr>
-              <a:t>Gros potentiel restant à exploiter :</a:t>
-            </a:r>
-          </a:p>
-          <a:p>
-            <a:pPr>
-              <a:buClr>
-                <a:schemeClr val="accent5"/>
-              </a:buClr>
-              <a:buNone/>
-            </a:pPr>
-            <a:endParaRPr lang="fr-FR" sz="2800" dirty="0" smtClean="0">
-              <a:solidFill>
-                <a:schemeClr val="accent5"/>
-              </a:solidFill>
-            </a:endParaRPr>
+              <a:rPr lang="fr-FR" sz="3600" dirty="0" smtClean="0"/>
+              <a:t>Gros </a:t>
+            </a:r>
+            <a:r>
+              <a:rPr lang="fr-FR" sz="3600" dirty="0" smtClean="0"/>
+              <a:t>potentiel restant à exploiter </a:t>
+            </a:r>
+            <a:r>
+              <a:rPr lang="fr-FR" sz="3600" dirty="0" smtClean="0"/>
+              <a:t>:</a:t>
+            </a:r>
+            <a:endParaRPr lang="fr-FR" sz="3600" dirty="0" smtClean="0"/>
           </a:p>
         </p:txBody>
       </p:sp>
@@ -5918,8 +5934,8 @@
         </p:nvSpPr>
         <p:spPr bwMode="auto">
           <a:xfrm>
-            <a:off x="457200" y="2560320"/>
-            <a:ext cx="8229600" cy="3182112"/>
+            <a:off x="457200" y="2224007"/>
+            <a:ext cx="8229600" cy="3518425"/>
           </a:xfrm>
           <a:prstGeom prst="rect">
             <a:avLst/>
@@ -5974,10 +5990,10 @@
                 <a:ea typeface="ＭＳ Ｐゴシック" charset="-128"/>
                 <a:cs typeface="ＭＳ Ｐゴシック" charset="-128"/>
               </a:rPr>
-              <a:t>Ajout de nouveaux</a:t>
-            </a:r>
-            <a:r>
-              <a:rPr kumimoji="0" lang="fr-FR" sz="2400" b="0" i="0" u="none" strike="noStrike" kern="1200" cap="none" spc="0" normalizeH="0" noProof="0" dirty="0" smtClean="0">
+              <a:t>Ajout </a:t>
+            </a:r>
+            <a:r>
+              <a:rPr kumimoji="0" lang="fr-FR" sz="2400" b="0" i="0" u="none" strike="noStrike" kern="1200" cap="none" spc="0" normalizeH="0" baseline="0" noProof="0" dirty="0" err="1" smtClean="0">
                 <a:ln>
                   <a:noFill/>
                 </a:ln>
@@ -5991,17 +6007,7 @@
                 <a:ea typeface="ＭＳ Ｐゴシック" charset="-128"/>
                 <a:cs typeface="ＭＳ Ｐゴシック" charset="-128"/>
               </a:rPr>
-              <a:t> réseau sociaux (</a:t>
-            </a:r>
-            <a:r>
-              <a:rPr lang="fr-FR" sz="2400" dirty="0" err="1" smtClean="0">
-                <a:solidFill>
-                  <a:schemeClr val="accent5"/>
-                </a:solidFill>
-                <a:ea typeface="ＭＳ Ｐゴシック" charset="-128"/>
-                <a:cs typeface="ＭＳ Ｐゴシック" charset="-128"/>
-              </a:rPr>
-              <a:t>G</a:t>
+              <a:t>de</a:t>
             </a:r>
             <a:r>
               <a:rPr kumimoji="0" lang="fr-FR" sz="2400" b="0" i="0" u="none" strike="noStrike" kern="1200" cap="none" spc="0" normalizeH="0" noProof="0" dirty="0" err="1" smtClean="0">
@@ -6018,7 +6024,7 @@
                 <a:ea typeface="ＭＳ Ｐゴシック" charset="-128"/>
                 <a:cs typeface="ＭＳ Ｐゴシック" charset="-128"/>
               </a:rPr>
-              <a:t>oogle</a:t>
+              <a:t>réseau</a:t>
             </a:r>
             <a:r>
               <a:rPr kumimoji="0" lang="fr-FR" sz="2400" b="0" i="0" u="none" strike="noStrike" kern="1200" cap="none" spc="0" normalizeH="0" noProof="0" dirty="0" smtClean="0">
@@ -6035,20 +6041,10 @@
                 <a:ea typeface="ＭＳ Ｐゴシック" charset="-128"/>
                 <a:cs typeface="ＭＳ Ｐゴシック" charset="-128"/>
               </a:rPr>
-              <a:t> +, </a:t>
-            </a:r>
-            <a:r>
-              <a:rPr lang="fr-FR" sz="2400" dirty="0" smtClean="0">
-                <a:solidFill>
-                  <a:schemeClr val="accent5"/>
-                </a:solidFill>
-                <a:ea typeface="ＭＳ Ｐゴシック" charset="-128"/>
-                <a:cs typeface="ＭＳ Ｐゴシック" charset="-128"/>
-              </a:rPr>
-              <a:t>L</a:t>
-            </a:r>
-            <a:r>
-              <a:rPr kumimoji="0" lang="fr-FR" sz="2400" b="0" i="0" u="none" strike="noStrike" kern="1200" cap="none" spc="0" normalizeH="0" noProof="0" dirty="0" err="1" smtClean="0">
+              <a:t> </a:t>
+            </a:r>
+            <a:r>
+              <a:rPr kumimoji="0" lang="fr-FR" sz="2400" b="0" i="0" u="none" strike="noStrike" kern="1200" cap="none" spc="0" normalizeH="0" noProof="0" dirty="0" smtClean="0">
                 <a:ln>
                   <a:noFill/>
                 </a:ln>
@@ -6062,10 +6058,20 @@
                 <a:ea typeface="ＭＳ Ｐゴシック" charset="-128"/>
                 <a:cs typeface="ＭＳ Ｐゴシック" charset="-128"/>
               </a:rPr>
-              <a:t>inkedIn</a:t>
-            </a:r>
-            <a:r>
-              <a:rPr kumimoji="0" lang="fr-FR" sz="2400" b="0" i="0" u="none" strike="noStrike" kern="1200" cap="none" spc="0" normalizeH="0" noProof="0" dirty="0" smtClean="0">
+              <a:t>sociaux (</a:t>
+            </a:r>
+            <a:r>
+              <a:rPr lang="fr-FR" sz="2400" dirty="0" err="1" smtClean="0">
+                <a:solidFill>
+                  <a:schemeClr val="accent5"/>
+                </a:solidFill>
+                <a:ea typeface="ＭＳ Ｐゴシック" charset="-128"/>
+                <a:cs typeface="ＭＳ Ｐゴシック" charset="-128"/>
+              </a:rPr>
+              <a:t>G</a:t>
+            </a:r>
+            <a:r>
+              <a:rPr kumimoji="0" lang="fr-FR" sz="2400" b="0" i="0" u="none" strike="noStrike" kern="1200" cap="none" spc="0" normalizeH="0" noProof="0" dirty="0" err="1" smtClean="0">
                 <a:ln>
                   <a:noFill/>
                 </a:ln>
@@ -6079,22 +6085,103 @@
                 <a:ea typeface="ＭＳ Ｐゴシック" charset="-128"/>
                 <a:cs typeface="ＭＳ Ｐゴシック" charset="-128"/>
               </a:rPr>
-              <a:t>…)</a:t>
-            </a:r>
-            <a:endParaRPr kumimoji="0" lang="fr-FR" sz="2400" b="0" i="0" u="none" strike="noStrike" kern="1200" cap="none" spc="0" normalizeH="0" baseline="0" noProof="0" dirty="0" smtClean="0">
-              <a:ln>
-                <a:noFill/>
-              </a:ln>
-              <a:solidFill>
-                <a:schemeClr val="accent5"/>
-              </a:solidFill>
-              <a:effectLst/>
-              <a:uLnTx/>
-              <a:uFillTx/>
-              <a:latin typeface="+mn-lt"/>
-              <a:ea typeface="ＭＳ Ｐゴシック" charset="-128"/>
-              <a:cs typeface="ＭＳ Ｐゴシック" charset="-128"/>
-            </a:endParaRPr>
+              <a:t>oogle</a:t>
+            </a:r>
+            <a:r>
+              <a:rPr kumimoji="0" lang="fr-FR" sz="2400" b="0" i="0" u="none" strike="noStrike" kern="1200" cap="none" spc="0" normalizeH="0" noProof="0" dirty="0" smtClean="0">
+                <a:ln>
+                  <a:noFill/>
+                </a:ln>
+                <a:solidFill>
+                  <a:schemeClr val="accent5"/>
+                </a:solidFill>
+                <a:effectLst/>
+                <a:uLnTx/>
+                <a:uFillTx/>
+                <a:latin typeface="+mn-lt"/>
+                <a:ea typeface="ＭＳ Ｐゴシック" charset="-128"/>
+                <a:cs typeface="ＭＳ Ｐゴシック" charset="-128"/>
+              </a:rPr>
+              <a:t> +, </a:t>
+            </a:r>
+            <a:r>
+              <a:rPr lang="fr-FR" sz="2400" dirty="0" smtClean="0">
+                <a:solidFill>
+                  <a:schemeClr val="accent5"/>
+                </a:solidFill>
+                <a:ea typeface="ＭＳ Ｐゴシック" charset="-128"/>
+                <a:cs typeface="ＭＳ Ｐゴシック" charset="-128"/>
+              </a:rPr>
+              <a:t>L</a:t>
+            </a:r>
+            <a:r>
+              <a:rPr kumimoji="0" lang="fr-FR" sz="2400" b="0" i="0" u="none" strike="noStrike" kern="1200" cap="none" spc="0" normalizeH="0" noProof="0" dirty="0" err="1" smtClean="0">
+                <a:ln>
+                  <a:noFill/>
+                </a:ln>
+                <a:solidFill>
+                  <a:schemeClr val="accent5"/>
+                </a:solidFill>
+                <a:effectLst/>
+                <a:uLnTx/>
+                <a:uFillTx/>
+                <a:latin typeface="+mn-lt"/>
+                <a:ea typeface="ＭＳ Ｐゴシック" charset="-128"/>
+                <a:cs typeface="ＭＳ Ｐゴシック" charset="-128"/>
+              </a:rPr>
+              <a:t>inkedIn</a:t>
+            </a:r>
+            <a:r>
+              <a:rPr kumimoji="0" lang="fr-FR" sz="2400" b="0" i="0" u="none" strike="noStrike" kern="1200" cap="none" spc="0" normalizeH="0" noProof="0" dirty="0" smtClean="0">
+                <a:ln>
+                  <a:noFill/>
+                </a:ln>
+                <a:solidFill>
+                  <a:schemeClr val="accent5"/>
+                </a:solidFill>
+                <a:effectLst/>
+                <a:uLnTx/>
+                <a:uFillTx/>
+                <a:latin typeface="+mn-lt"/>
+                <a:ea typeface="ＭＳ Ｐゴシック" charset="-128"/>
+                <a:cs typeface="ＭＳ Ｐゴシック" charset="-128"/>
+              </a:rPr>
+              <a:t>, </a:t>
+            </a:r>
+            <a:r>
+              <a:rPr kumimoji="0" lang="fr-FR" sz="2400" b="0" i="0" u="none" strike="noStrike" kern="1200" cap="none" spc="0" normalizeH="0" noProof="0" dirty="0" err="1" smtClean="0">
+                <a:ln>
+                  <a:noFill/>
+                </a:ln>
+                <a:solidFill>
+                  <a:schemeClr val="accent5"/>
+                </a:solidFill>
+                <a:effectLst/>
+                <a:uLnTx/>
+                <a:uFillTx/>
+                <a:latin typeface="+mn-lt"/>
+                <a:ea typeface="ＭＳ Ｐゴシック" charset="-128"/>
+                <a:cs typeface="ＭＳ Ｐゴシック" charset="-128"/>
+              </a:rPr>
+              <a:t>Foursquare</a:t>
+            </a:r>
+            <a:r>
+              <a:rPr kumimoji="0" lang="fr-FR" sz="2400" b="0" i="0" u="none" strike="noStrike" kern="1200" cap="none" spc="0" normalizeH="0" noProof="0" dirty="0" smtClean="0">
+                <a:ln>
+                  <a:noFill/>
+                </a:ln>
+                <a:solidFill>
+                  <a:schemeClr val="accent5"/>
+                </a:solidFill>
+                <a:effectLst/>
+                <a:uLnTx/>
+                <a:uFillTx/>
+                <a:latin typeface="+mn-lt"/>
+                <a:ea typeface="ＭＳ Ｐゴシック" charset="-128"/>
+                <a:cs typeface="ＭＳ Ｐゴシック" charset="-128"/>
+              </a:rPr>
+              <a:t>)</a:t>
+            </a:r>
           </a:p>
           <a:p>
             <a:pPr marL="342900" marR="0" lvl="0" indent="-342900" algn="l" defTabSz="457200" rtl="0" eaLnBrk="1" fontAlgn="base" latinLnBrk="0" hangingPunct="1">
@@ -6131,17 +6218,54 @@
                 <a:ea typeface="ＭＳ Ｐゴシック" charset="-128"/>
                 <a:cs typeface="ＭＳ Ｐゴシック" charset="-128"/>
               </a:rPr>
-              <a:t>Développement de</a:t>
-            </a:r>
-            <a:r>
-              <a:rPr lang="fr-FR" sz="2400" dirty="0" smtClean="0">
-                <a:solidFill>
-                  <a:schemeClr val="accent5"/>
-                </a:solidFill>
+              <a:t>Développement des</a:t>
+            </a:r>
+            <a:r>
+              <a:rPr kumimoji="0" lang="fr-FR" sz="2400" b="0" i="0" u="none" strike="noStrike" kern="1200" cap="none" spc="0" normalizeH="0" noProof="0" dirty="0" smtClean="0">
+                <a:ln>
+                  <a:noFill/>
+                </a:ln>
+                <a:solidFill>
+                  <a:schemeClr val="accent5"/>
+                </a:solidFill>
+                <a:effectLst/>
+                <a:uLnTx/>
+                <a:uFillTx/>
+                <a:latin typeface="+mn-lt"/>
                 <a:ea typeface="ＭＳ Ｐゴシック" charset="-128"/>
                 <a:cs typeface="ＭＳ Ｐゴシック" charset="-128"/>
               </a:rPr>
-              <a:t>s versions Windows Phone et </a:t>
+              <a:t> v</a:t>
+            </a:r>
+            <a:r>
+              <a:rPr lang="fr-FR" sz="2400" dirty="0" err="1" smtClean="0">
+                <a:solidFill>
+                  <a:schemeClr val="accent5"/>
+                </a:solidFill>
+                <a:ea typeface="ＭＳ Ｐゴシック" charset="-128"/>
+                <a:cs typeface="ＭＳ Ｐゴシック" charset="-128"/>
+              </a:rPr>
+              <a:t>ersions</a:t>
+            </a:r>
+            <a:r>
+              <a:rPr lang="fr-FR" sz="2400" dirty="0" smtClean="0">
+                <a:solidFill>
+                  <a:schemeClr val="accent5"/>
+                </a:solidFill>
+                <a:ea typeface="ＭＳ Ｐゴシック" charset="-128"/>
+                <a:cs typeface="ＭＳ Ｐゴシック" charset="-128"/>
+              </a:rPr>
+              <a:t> </a:t>
+            </a:r>
+            <a:r>
+              <a:rPr lang="fr-FR" sz="2400" dirty="0" smtClean="0">
+                <a:solidFill>
+                  <a:schemeClr val="accent5"/>
+                </a:solidFill>
+                <a:ea typeface="ＭＳ Ｐゴシック" charset="-128"/>
+                <a:cs typeface="ＭＳ Ｐゴシック" charset="-128"/>
+              </a:rPr>
+              <a:t>Windows Phone et </a:t>
             </a:r>
             <a:r>
               <a:rPr lang="fr-FR" sz="2400" dirty="0" err="1" smtClean="0">
@@ -6269,521 +6393,6 @@
 </p:sld>
 </file>
 
-<file path=ppt/slides/slide19.xml><?xml version="1.0" encoding="utf-8"?>
-<p:sld xmlns:a="http://schemas.openxmlformats.org/drawingml/2006/main" xmlns:r="http://schemas.openxmlformats.org/officeDocument/2006/relationships" xmlns:p="http://schemas.openxmlformats.org/presentationml/2006/main" show="0">
-  <p:cSld>
-    <p:spTree>
-      <p:nvGrpSpPr>
-        <p:cNvPr id="1" name=""/>
-        <p:cNvGrpSpPr/>
-        <p:nvPr/>
-      </p:nvGrpSpPr>
-      <p:grpSpPr>
-        <a:xfrm>
-          <a:off x="0" y="0"/>
-          <a:ext cx="0" cy="0"/>
-          <a:chOff x="0" y="0"/>
-          <a:chExt cx="0" cy="0"/>
-        </a:xfrm>
-      </p:grpSpPr>
-      <p:sp>
-        <p:nvSpPr>
-          <p:cNvPr id="4" name="Titre 3"/>
-          <p:cNvSpPr>
-            <a:spLocks noGrp="1"/>
-          </p:cNvSpPr>
-          <p:nvPr>
-            <p:ph type="title"/>
-          </p:nvPr>
-        </p:nvSpPr>
-        <p:spPr>
-          <a:xfrm>
-            <a:off x="457200" y="155120"/>
-            <a:ext cx="8229600" cy="626997"/>
-          </a:xfrm>
-        </p:spPr>
-        <p:txBody>
-          <a:bodyPr/>
-          <a:lstStyle/>
-          <a:p>
-            <a:pPr algn="l"/>
-            <a:r>
-              <a:rPr lang="fr-FR" dirty="0" smtClean="0">
-                <a:solidFill>
-                  <a:schemeClr val="bg1"/>
-                </a:solidFill>
-              </a:rPr>
-              <a:t>Titre - Texte </a:t>
-            </a:r>
-            <a:endParaRPr lang="fr-FR" dirty="0">
-              <a:solidFill>
-                <a:schemeClr val="bg1"/>
-              </a:solidFill>
-            </a:endParaRPr>
-          </a:p>
-        </p:txBody>
-      </p:sp>
-      <p:sp>
-        <p:nvSpPr>
-          <p:cNvPr id="6" name="Espace réservé du contenu 5"/>
-          <p:cNvSpPr>
-            <a:spLocks noGrp="1"/>
-          </p:cNvSpPr>
-          <p:nvPr>
-            <p:ph idx="1"/>
-          </p:nvPr>
-        </p:nvSpPr>
-        <p:spPr>
-          <a:xfrm>
-            <a:off x="457201" y="1939203"/>
-            <a:ext cx="8229600" cy="1621723"/>
-          </a:xfrm>
-        </p:spPr>
-        <p:txBody>
-          <a:bodyPr/>
-          <a:lstStyle/>
-          <a:p>
-            <a:pPr>
-              <a:buClr>
-                <a:schemeClr val="accent5"/>
-              </a:buClr>
-              <a:buNone/>
-            </a:pPr>
-            <a:r>
-              <a:rPr lang="fr-FR" sz="2800" dirty="0" smtClean="0">
-                <a:solidFill>
-                  <a:schemeClr val="accent5"/>
-                </a:solidFill>
-              </a:rPr>
-              <a:t>Corps du texte </a:t>
-            </a:r>
-            <a:r>
-              <a:rPr lang="fr-FR" sz="2800" dirty="0" err="1" smtClean="0">
-                <a:solidFill>
-                  <a:schemeClr val="accent5"/>
-                </a:solidFill>
-              </a:rPr>
-              <a:t>lorem</a:t>
-            </a:r>
-            <a:r>
-              <a:rPr lang="fr-FR" sz="2800" dirty="0" smtClean="0">
-                <a:solidFill>
-                  <a:schemeClr val="accent5"/>
-                </a:solidFill>
-              </a:rPr>
-              <a:t> </a:t>
-            </a:r>
-            <a:r>
-              <a:rPr lang="fr-FR" sz="2800" dirty="0" err="1" smtClean="0">
-                <a:solidFill>
-                  <a:schemeClr val="accent5"/>
-                </a:solidFill>
-              </a:rPr>
-              <a:t>ipsum</a:t>
-            </a:r>
-            <a:endParaRPr lang="fr-FR" sz="2800" dirty="0" smtClean="0">
-              <a:solidFill>
-                <a:schemeClr val="accent5"/>
-              </a:solidFill>
-            </a:endParaRPr>
-          </a:p>
-          <a:p>
-            <a:pPr>
-              <a:buClr>
-                <a:schemeClr val="accent5"/>
-              </a:buClr>
-              <a:buNone/>
-            </a:pPr>
-            <a:r>
-              <a:rPr lang="fr-FR" sz="2800" dirty="0" smtClean="0">
-                <a:solidFill>
-                  <a:schemeClr val="accent5"/>
-                </a:solidFill>
-              </a:rPr>
-              <a:t>URL : </a:t>
-            </a:r>
-            <a:r>
-              <a:rPr lang="fr-FR" sz="2800" dirty="0" smtClean="0">
-                <a:solidFill>
-                  <a:schemeClr val="accent5"/>
-                </a:solidFill>
-                <a:hlinkClick r:id="rId2"/>
-              </a:rPr>
-              <a:t>http://</a:t>
-            </a:r>
-            <a:r>
-              <a:rPr lang="fr-FR" sz="2800" dirty="0" err="1" smtClean="0">
-                <a:solidFill>
-                  <a:schemeClr val="accent5"/>
-                </a:solidFill>
-                <a:hlinkClick r:id="rId2"/>
-              </a:rPr>
-              <a:t>www.loltrain.com</a:t>
-            </a:r>
-            <a:endParaRPr lang="fr-FR" sz="2800" dirty="0" smtClean="0">
-              <a:solidFill>
-                <a:schemeClr val="accent5"/>
-              </a:solidFill>
-            </a:endParaRPr>
-          </a:p>
-          <a:p>
-            <a:pPr>
-              <a:buClr>
-                <a:schemeClr val="accent5"/>
-              </a:buClr>
-              <a:buNone/>
-            </a:pPr>
-            <a:endParaRPr lang="fr-FR" sz="2800" dirty="0">
-              <a:solidFill>
-                <a:schemeClr val="accent5"/>
-              </a:solidFill>
-            </a:endParaRPr>
-          </a:p>
-        </p:txBody>
-      </p:sp>
-      <p:sp>
-        <p:nvSpPr>
-          <p:cNvPr id="5" name="Titre 3"/>
-          <p:cNvSpPr txBox="1">
-            <a:spLocks/>
-          </p:cNvSpPr>
-          <p:nvPr/>
-        </p:nvSpPr>
-        <p:spPr bwMode="auto">
-          <a:xfrm>
-            <a:off x="609600" y="1132015"/>
-            <a:ext cx="8229600" cy="626997"/>
-          </a:xfrm>
-          <a:prstGeom prst="rect">
-            <a:avLst/>
-          </a:prstGeom>
-          <a:noFill/>
-          <a:ln w="9525">
-            <a:noFill/>
-            <a:miter lim="800000"/>
-            <a:headEnd/>
-            <a:tailEnd/>
-          </a:ln>
-        </p:spPr>
-        <p:txBody>
-          <a:bodyPr vert="horz" wrap="square" lIns="91440" tIns="45720" rIns="91440" bIns="45720" numCol="1" anchor="ctr" anchorCtr="0" compatLnSpc="1">
-            <a:prstTxWarp prst="textNoShape">
-              <a:avLst/>
-            </a:prstTxWarp>
-          </a:bodyPr>
-          <a:lstStyle/>
-          <a:p>
-            <a:pPr marL="0" marR="0" lvl="0" indent="0" algn="l" defTabSz="457200" rtl="0" eaLnBrk="1" fontAlgn="base" latinLnBrk="0" hangingPunct="1">
-              <a:lnSpc>
-                <a:spcPct val="100000"/>
-              </a:lnSpc>
-              <a:spcBef>
-                <a:spcPct val="0"/>
-              </a:spcBef>
-              <a:spcAft>
-                <a:spcPct val="0"/>
-              </a:spcAft>
-              <a:buClrTx/>
-              <a:buSzTx/>
-              <a:buFontTx/>
-              <a:buNone/>
-              <a:tabLst/>
-              <a:defRPr/>
-            </a:pPr>
-            <a:r>
-              <a:rPr kumimoji="0" lang="fr-FR" sz="3600" b="0" i="0" u="none" strike="noStrike" kern="1200" cap="none" spc="0" normalizeH="0" baseline="0" noProof="0" dirty="0" smtClean="0">
-                <a:ln>
-                  <a:noFill/>
-                </a:ln>
-                <a:effectLst/>
-                <a:uLnTx/>
-                <a:uFillTx/>
-                <a:latin typeface="+mj-lt"/>
-                <a:ea typeface="ＭＳ Ｐゴシック" charset="-128"/>
-                <a:cs typeface="ＭＳ Ｐゴシック" charset="-128"/>
-              </a:rPr>
-              <a:t>Sous-titre</a:t>
-            </a:r>
-            <a:endParaRPr kumimoji="0" lang="fr-FR" sz="3600" b="0" i="0" u="none" strike="noStrike" kern="1200" cap="none" spc="0" normalizeH="0" baseline="0" noProof="0" dirty="0">
-              <a:ln>
-                <a:noFill/>
-              </a:ln>
-              <a:effectLst/>
-              <a:uLnTx/>
-              <a:uFillTx/>
-              <a:latin typeface="+mj-lt"/>
-              <a:ea typeface="ＭＳ Ｐゴシック" charset="-128"/>
-              <a:cs typeface="ＭＳ Ｐゴシック" charset="-128"/>
-            </a:endParaRPr>
-          </a:p>
-        </p:txBody>
-      </p:sp>
-      <p:sp>
-        <p:nvSpPr>
-          <p:cNvPr id="7" name="Espace réservé du contenu 5"/>
-          <p:cNvSpPr txBox="1">
-            <a:spLocks/>
-          </p:cNvSpPr>
-          <p:nvPr/>
-        </p:nvSpPr>
-        <p:spPr bwMode="auto">
-          <a:xfrm>
-            <a:off x="457201" y="3363573"/>
-            <a:ext cx="8229600" cy="1836237"/>
-          </a:xfrm>
-          <a:prstGeom prst="rect">
-            <a:avLst/>
-          </a:prstGeom>
-          <a:noFill/>
-          <a:ln w="9525">
-            <a:noFill/>
-            <a:miter lim="800000"/>
-            <a:headEnd/>
-            <a:tailEnd/>
-          </a:ln>
-        </p:spPr>
-        <p:txBody>
-          <a:bodyPr vert="horz" wrap="square" lIns="91440" tIns="45720" rIns="91440" bIns="45720" numCol="1" anchor="t" anchorCtr="0" compatLnSpc="1">
-            <a:prstTxWarp prst="textNoShape">
-              <a:avLst/>
-            </a:prstTxWarp>
-          </a:bodyPr>
-          <a:lstStyle/>
-          <a:p>
-            <a:pPr marL="342900" marR="0" lvl="0" indent="-342900" algn="l" defTabSz="457200" rtl="0" eaLnBrk="1" fontAlgn="base" latinLnBrk="0" hangingPunct="1">
-              <a:lnSpc>
-                <a:spcPct val="100000"/>
-              </a:lnSpc>
-              <a:spcBef>
-                <a:spcPct val="20000"/>
-              </a:spcBef>
-              <a:spcAft>
-                <a:spcPct val="0"/>
-              </a:spcAft>
-              <a:buClr>
-                <a:schemeClr val="accent5"/>
-              </a:buClr>
-              <a:buSzTx/>
-              <a:buFont typeface="Arial" charset="0"/>
-              <a:buChar char="•"/>
-              <a:tabLst/>
-              <a:defRPr/>
-            </a:pPr>
-            <a:r>
-              <a:rPr kumimoji="0" lang="fr-FR" sz="3200" b="0" i="0" u="none" strike="noStrike" kern="1200" cap="none" spc="0" normalizeH="0" baseline="0" noProof="0" dirty="0" smtClean="0">
-                <a:ln>
-                  <a:noFill/>
-                </a:ln>
-                <a:solidFill>
-                  <a:schemeClr val="accent5"/>
-                </a:solidFill>
-                <a:effectLst/>
-                <a:uLnTx/>
-                <a:uFillTx/>
-                <a:latin typeface="+mn-lt"/>
-                <a:ea typeface="ＭＳ Ｐゴシック" charset="-128"/>
-                <a:cs typeface="ＭＳ Ｐゴシック" charset="-128"/>
-              </a:rPr>
-              <a:t>Liste </a:t>
-            </a:r>
-            <a:r>
-              <a:rPr kumimoji="0" lang="fr-FR" sz="3200" b="0" i="0" u="none" strike="noStrike" kern="1200" cap="none" spc="0" normalizeH="0" baseline="0" noProof="0" dirty="0" err="1" smtClean="0">
-                <a:ln>
-                  <a:noFill/>
-                </a:ln>
-                <a:solidFill>
-                  <a:schemeClr val="accent5"/>
-                </a:solidFill>
-                <a:effectLst/>
-                <a:uLnTx/>
-                <a:uFillTx/>
-                <a:latin typeface="+mn-lt"/>
-                <a:ea typeface="ＭＳ Ｐゴシック" charset="-128"/>
-                <a:cs typeface="ＭＳ Ｐゴシック" charset="-128"/>
-              </a:rPr>
-              <a:t>lorem</a:t>
-            </a:r>
-            <a:r>
-              <a:rPr kumimoji="0" lang="fr-FR" sz="3200" b="0" i="0" u="none" strike="noStrike" kern="1200" cap="none" spc="0" normalizeH="0" baseline="0" noProof="0" dirty="0" smtClean="0">
-                <a:ln>
-                  <a:noFill/>
-                </a:ln>
-                <a:solidFill>
-                  <a:schemeClr val="accent5"/>
-                </a:solidFill>
-                <a:effectLst/>
-                <a:uLnTx/>
-                <a:uFillTx/>
-                <a:latin typeface="+mn-lt"/>
-                <a:ea typeface="ＭＳ Ｐゴシック" charset="-128"/>
-                <a:cs typeface="ＭＳ Ｐゴシック" charset="-128"/>
-              </a:rPr>
-              <a:t> </a:t>
-            </a:r>
-            <a:r>
-              <a:rPr kumimoji="0" lang="fr-FR" sz="3200" b="0" i="0" u="none" strike="noStrike" kern="1200" cap="none" spc="0" normalizeH="0" baseline="0" noProof="0" dirty="0" err="1" smtClean="0">
-                <a:ln>
-                  <a:noFill/>
-                </a:ln>
-                <a:solidFill>
-                  <a:schemeClr val="accent5"/>
-                </a:solidFill>
-                <a:effectLst/>
-                <a:uLnTx/>
-                <a:uFillTx/>
-                <a:latin typeface="+mn-lt"/>
-                <a:ea typeface="ＭＳ Ｐゴシック" charset="-128"/>
-                <a:cs typeface="ＭＳ Ｐゴシック" charset="-128"/>
-              </a:rPr>
-              <a:t>ipsum</a:t>
-            </a:r>
-            <a:endParaRPr kumimoji="0" lang="fr-FR" sz="3200" b="0" i="0" u="none" strike="noStrike" kern="1200" cap="none" spc="0" normalizeH="0" baseline="0" noProof="0" dirty="0" smtClean="0">
-              <a:ln>
-                <a:noFill/>
-              </a:ln>
-              <a:solidFill>
-                <a:schemeClr val="accent5"/>
-              </a:solidFill>
-              <a:effectLst/>
-              <a:uLnTx/>
-              <a:uFillTx/>
-              <a:latin typeface="+mn-lt"/>
-              <a:ea typeface="ＭＳ Ｐゴシック" charset="-128"/>
-              <a:cs typeface="ＭＳ Ｐゴシック" charset="-128"/>
-            </a:endParaRPr>
-          </a:p>
-          <a:p>
-            <a:pPr marL="342900" marR="0" lvl="0" indent="-342900" algn="l" defTabSz="457200" rtl="0" eaLnBrk="1" fontAlgn="base" latinLnBrk="0" hangingPunct="1">
-              <a:lnSpc>
-                <a:spcPct val="100000"/>
-              </a:lnSpc>
-              <a:spcBef>
-                <a:spcPct val="20000"/>
-              </a:spcBef>
-              <a:spcAft>
-                <a:spcPct val="0"/>
-              </a:spcAft>
-              <a:buClr>
-                <a:schemeClr val="accent5"/>
-              </a:buClr>
-              <a:buSzTx/>
-              <a:buFont typeface="Arial" charset="0"/>
-              <a:buChar char="•"/>
-              <a:tabLst/>
-              <a:defRPr/>
-            </a:pPr>
-            <a:r>
-              <a:rPr kumimoji="0" lang="fr-FR" sz="3200" b="0" i="0" u="none" strike="noStrike" kern="1200" cap="none" spc="0" normalizeH="0" baseline="0" noProof="0" dirty="0" smtClean="0">
-                <a:ln>
-                  <a:noFill/>
-                </a:ln>
-                <a:solidFill>
-                  <a:schemeClr val="accent5"/>
-                </a:solidFill>
-                <a:effectLst/>
-                <a:uLnTx/>
-                <a:uFillTx/>
-                <a:latin typeface="+mn-lt"/>
-                <a:ea typeface="ＭＳ Ｐゴシック" charset="-128"/>
-                <a:cs typeface="ＭＳ Ｐゴシック" charset="-128"/>
-              </a:rPr>
-              <a:t>Liste </a:t>
-            </a:r>
-            <a:r>
-              <a:rPr kumimoji="0" lang="fr-FR" sz="3200" b="0" i="0" u="none" strike="noStrike" kern="1200" cap="none" spc="0" normalizeH="0" baseline="0" noProof="0" dirty="0" err="1" smtClean="0">
-                <a:ln>
-                  <a:noFill/>
-                </a:ln>
-                <a:solidFill>
-                  <a:schemeClr val="accent5"/>
-                </a:solidFill>
-                <a:effectLst/>
-                <a:uLnTx/>
-                <a:uFillTx/>
-                <a:latin typeface="+mn-lt"/>
-                <a:ea typeface="ＭＳ Ｐゴシック" charset="-128"/>
-                <a:cs typeface="ＭＳ Ｐゴシック" charset="-128"/>
-              </a:rPr>
-              <a:t>tagada</a:t>
-            </a:r>
-            <a:endParaRPr kumimoji="0" lang="fr-FR" sz="3200" b="0" i="0" u="none" strike="noStrike" kern="1200" cap="none" spc="0" normalizeH="0" baseline="0" noProof="0" dirty="0" smtClean="0">
-              <a:ln>
-                <a:noFill/>
-              </a:ln>
-              <a:solidFill>
-                <a:schemeClr val="accent5"/>
-              </a:solidFill>
-              <a:effectLst/>
-              <a:uLnTx/>
-              <a:uFillTx/>
-              <a:latin typeface="+mn-lt"/>
-              <a:ea typeface="ＭＳ Ｐゴシック" charset="-128"/>
-              <a:cs typeface="ＭＳ Ｐゴシック" charset="-128"/>
-            </a:endParaRPr>
-          </a:p>
-          <a:p>
-            <a:pPr marL="342900" marR="0" lvl="0" indent="-342900" algn="l" defTabSz="457200" rtl="0" eaLnBrk="1" fontAlgn="base" latinLnBrk="0" hangingPunct="1">
-              <a:lnSpc>
-                <a:spcPct val="100000"/>
-              </a:lnSpc>
-              <a:spcBef>
-                <a:spcPct val="20000"/>
-              </a:spcBef>
-              <a:spcAft>
-                <a:spcPct val="0"/>
-              </a:spcAft>
-              <a:buClr>
-                <a:schemeClr val="bg2"/>
-              </a:buClr>
-              <a:buSzTx/>
-              <a:buFont typeface="Arial" charset="0"/>
-              <a:buChar char="•"/>
-              <a:tabLst/>
-              <a:defRPr/>
-            </a:pPr>
-            <a:r>
-              <a:rPr lang="fr-FR" sz="3200" dirty="0" smtClean="0">
-                <a:solidFill>
-                  <a:schemeClr val="bg2"/>
-                </a:solidFill>
-                <a:ea typeface="ＭＳ Ｐゴシック" charset="-128"/>
-                <a:cs typeface="ＭＳ Ｐゴシック" charset="-128"/>
-              </a:rPr>
-              <a:t>Etape future (non –réalisée ) … </a:t>
-            </a:r>
-            <a:endParaRPr kumimoji="0" lang="fr-FR" sz="3200" b="0" i="0" u="none" strike="noStrike" kern="1200" cap="none" spc="0" normalizeH="0" baseline="0" noProof="0" dirty="0">
-              <a:ln>
-                <a:noFill/>
-              </a:ln>
-              <a:solidFill>
-                <a:schemeClr val="bg2"/>
-              </a:solidFill>
-              <a:effectLst/>
-              <a:uLnTx/>
-              <a:uFillTx/>
-              <a:latin typeface="+mn-lt"/>
-              <a:ea typeface="ＭＳ Ｐゴシック" charset="-128"/>
-              <a:cs typeface="ＭＳ Ｐゴシック" charset="-128"/>
-            </a:endParaRPr>
-          </a:p>
-        </p:txBody>
-      </p:sp>
-    </p:spTree>
-  </p:cSld>
-  <p:clrMapOvr>
-    <a:masterClrMapping/>
-  </p:clrMapOvr>
-  <p:transition/>
-  <p:timing>
-    <p:tnLst>
-      <p:par>
-        <p:cTn id="1" dur="indefinite" restart="never" nodeType="tmRoot"/>
-      </p:par>
-    </p:tnLst>
-  </p:timing>
-</p:sld>
-</file>
-
 <file path=ppt/slides/slide2.xml><?xml version="1.0" encoding="utf-8"?>
 <p:sld xmlns:a="http://schemas.openxmlformats.org/drawingml/2006/main" xmlns:r="http://schemas.openxmlformats.org/officeDocument/2006/relationships" xmlns:p="http://schemas.openxmlformats.org/presentationml/2006/main">
   <p:cSld>
@@ -6964,138 +6573,6 @@
   <p:clrMapOvr>
     <a:masterClrMapping/>
   </p:clrMapOvr>
-  <p:timing>
-    <p:tnLst>
-      <p:par>
-        <p:cTn id="1" dur="indefinite" restart="never" nodeType="tmRoot"/>
-      </p:par>
-    </p:tnLst>
-  </p:timing>
-</p:sld>
-</file>
-
-<file path=ppt/slides/slide20.xml><?xml version="1.0" encoding="utf-8"?>
-<p:sld xmlns:a="http://schemas.openxmlformats.org/drawingml/2006/main" xmlns:r="http://schemas.openxmlformats.org/officeDocument/2006/relationships" xmlns:p="http://schemas.openxmlformats.org/presentationml/2006/main" show="0">
-  <p:cSld>
-    <p:spTree>
-      <p:nvGrpSpPr>
-        <p:cNvPr id="1" name=""/>
-        <p:cNvGrpSpPr/>
-        <p:nvPr/>
-      </p:nvGrpSpPr>
-      <p:grpSpPr>
-        <a:xfrm>
-          <a:off x="0" y="0"/>
-          <a:ext cx="0" cy="0"/>
-          <a:chOff x="0" y="0"/>
-          <a:chExt cx="0" cy="0"/>
-        </a:xfrm>
-      </p:grpSpPr>
-      <p:sp>
-        <p:nvSpPr>
-          <p:cNvPr id="4" name="Titre 3"/>
-          <p:cNvSpPr>
-            <a:spLocks noGrp="1"/>
-          </p:cNvSpPr>
-          <p:nvPr>
-            <p:ph type="title"/>
-          </p:nvPr>
-        </p:nvSpPr>
-        <p:spPr>
-          <a:xfrm>
-            <a:off x="457200" y="155120"/>
-            <a:ext cx="8229600" cy="626997"/>
-          </a:xfrm>
-        </p:spPr>
-        <p:txBody>
-          <a:bodyPr/>
-          <a:lstStyle/>
-          <a:p>
-            <a:pPr algn="l"/>
-            <a:r>
-              <a:rPr lang="fr-FR" dirty="0" smtClean="0">
-                <a:solidFill>
-                  <a:schemeClr val="bg1"/>
-                </a:solidFill>
-              </a:rPr>
-              <a:t>Titre - Image</a:t>
-            </a:r>
-            <a:endParaRPr lang="fr-FR" dirty="0">
-              <a:solidFill>
-                <a:schemeClr val="bg1"/>
-              </a:solidFill>
-            </a:endParaRPr>
-          </a:p>
-        </p:txBody>
-      </p:sp>
-      <p:sp>
-        <p:nvSpPr>
-          <p:cNvPr id="5" name="ZoneTexte 4"/>
-          <p:cNvSpPr txBox="1"/>
-          <p:nvPr/>
-        </p:nvSpPr>
-        <p:spPr>
-          <a:xfrm>
-            <a:off x="457200" y="5598995"/>
-            <a:ext cx="8229600" cy="369332"/>
-          </a:xfrm>
-          <a:prstGeom prst="rect">
-            <a:avLst/>
-          </a:prstGeom>
-          <a:noFill/>
-        </p:spPr>
-        <p:txBody>
-          <a:bodyPr wrap="square" rtlCol="0">
-            <a:spAutoFit/>
-          </a:bodyPr>
-          <a:lstStyle/>
-          <a:p>
-            <a:r>
-              <a:rPr lang="fr-FR" dirty="0" smtClean="0">
-                <a:solidFill>
-                  <a:schemeClr val="bg2"/>
-                </a:solidFill>
-              </a:rPr>
-              <a:t>Légende</a:t>
-            </a:r>
-            <a:endParaRPr lang="fr-FR" dirty="0">
-              <a:solidFill>
-                <a:schemeClr val="bg2"/>
-              </a:solidFill>
-            </a:endParaRPr>
-          </a:p>
-        </p:txBody>
-      </p:sp>
-      <p:pic>
-        <p:nvPicPr>
-          <p:cNvPr id="12" name="Espace réservé du contenu 11" descr="MyNetworkBulle.png"/>
-          <p:cNvPicPr>
-            <a:picLocks noGrp="1" noChangeAspect="1"/>
-          </p:cNvPicPr>
-          <p:nvPr>
-            <p:ph idx="1"/>
-          </p:nvPr>
-        </p:nvPicPr>
-        <p:blipFill>
-          <a:blip r:embed="rId2"/>
-          <a:srcRect l="-54613" r="-54613"/>
-          <a:stretch>
-            <a:fillRect/>
-          </a:stretch>
-        </p:blipFill>
-        <p:spPr>
-          <a:xfrm>
-            <a:off x="937729" y="1377817"/>
-            <a:ext cx="7143750" cy="3928802"/>
-          </a:xfrm>
-        </p:spPr>
-      </p:pic>
-    </p:spTree>
-  </p:cSld>
-  <p:clrMapOvr>
-    <a:masterClrMapping/>
-  </p:clrMapOvr>
-  <p:transition/>
   <p:timing>
     <p:tnLst>
       <p:par>
@@ -9077,8 +8554,13 @@
                   <a:schemeClr val="accent5"/>
                 </a:solidFill>
               </a:rPr>
-              <a:t>Multilingue</a:t>
-            </a:r>
+              <a:t>Multilingue : FR, EN, PT, ES</a:t>
+            </a:r>
+            <a:endParaRPr lang="fr-FR" sz="2400" dirty="0" smtClean="0">
+              <a:solidFill>
+                <a:schemeClr val="accent5"/>
+              </a:solidFill>
+            </a:endParaRPr>
           </a:p>
         </p:txBody>
       </p:sp>

--- a/trunk/Docs/eip 10.09.11/myNETwork.pptx
+++ b/trunk/Docs/eip 10.09.11/myNETwork.pptx
@@ -16,16 +16,16 @@
     <p:sldId id="265" r:id="rId4"/>
     <p:sldId id="279" r:id="rId5"/>
     <p:sldId id="263" r:id="rId6"/>
-    <p:sldId id="267" r:id="rId7"/>
-    <p:sldId id="271" r:id="rId8"/>
-    <p:sldId id="273" r:id="rId9"/>
-    <p:sldId id="268" r:id="rId10"/>
+    <p:sldId id="282" r:id="rId7"/>
+    <p:sldId id="267" r:id="rId8"/>
+    <p:sldId id="271" r:id="rId9"/>
+    <p:sldId id="273" r:id="rId10"/>
     <p:sldId id="270" r:id="rId11"/>
-    <p:sldId id="274" r:id="rId12"/>
-    <p:sldId id="275" r:id="rId13"/>
-    <p:sldId id="276" r:id="rId14"/>
-    <p:sldId id="281" r:id="rId15"/>
-    <p:sldId id="269" r:id="rId16"/>
+    <p:sldId id="275" r:id="rId12"/>
+    <p:sldId id="276" r:id="rId13"/>
+    <p:sldId id="281" r:id="rId14"/>
+    <p:sldId id="269" r:id="rId15"/>
+    <p:sldId id="283" r:id="rId16"/>
     <p:sldId id="277" r:id="rId17"/>
     <p:sldId id="280" r:id="rId18"/>
     <p:sldId id="262" r:id="rId19"/>
@@ -213,7 +213,7 @@
             <a:fld id="{A3291612-96C3-FB49-ADA5-B02F4C585055}" type="datetimeFigureOut">
               <a:rPr lang="fr-FR" smtClean="0"/>
               <a:pPr/>
-              <a:t>09/09/2011</a:t>
+              <a:t>10/09/2011</a:t>
             </a:fld>
             <a:endParaRPr lang="fr-FR"/>
           </a:p>
@@ -375,7 +375,7 @@
             <a:fld id="{C5949931-6558-954D-A879-86C3E86B48F0}" type="datetimeFigureOut">
               <a:rPr lang="fr-FR" smtClean="0"/>
               <a:pPr/>
-              <a:t>09/09/2011</a:t>
+              <a:t>10/09/2011</a:t>
             </a:fld>
             <a:endParaRPr lang="fr-FR"/>
           </a:p>
@@ -827,7 +827,7 @@
             <a:fld id="{B60B5DCD-40DC-5844-9C05-E0DFE5F22869}" type="datetimeFigureOut">
               <a:rPr lang="fr-FR" smtClean="0"/>
               <a:pPr/>
-              <a:t>09/09/2011</a:t>
+              <a:t>10/09/2011</a:t>
             </a:fld>
             <a:endParaRPr lang="fr-FR"/>
           </a:p>
@@ -1006,7 +1006,7 @@
             <a:fld id="{B60B5DCD-40DC-5844-9C05-E0DFE5F22869}" type="datetimeFigureOut">
               <a:rPr lang="fr-FR" smtClean="0"/>
               <a:pPr/>
-              <a:t>09/09/2011</a:t>
+              <a:t>10/09/2011</a:t>
             </a:fld>
             <a:endParaRPr lang="fr-FR"/>
           </a:p>
@@ -1195,7 +1195,7 @@
             <a:fld id="{B60B5DCD-40DC-5844-9C05-E0DFE5F22869}" type="datetimeFigureOut">
               <a:rPr lang="fr-FR" smtClean="0"/>
               <a:pPr/>
-              <a:t>09/09/2011</a:t>
+              <a:t>10/09/2011</a:t>
             </a:fld>
             <a:endParaRPr lang="fr-FR"/>
           </a:p>
@@ -1374,7 +1374,7 @@
             <a:fld id="{B60B5DCD-40DC-5844-9C05-E0DFE5F22869}" type="datetimeFigureOut">
               <a:rPr lang="fr-FR" smtClean="0"/>
               <a:pPr/>
-              <a:t>09/09/2011</a:t>
+              <a:t>10/09/2011</a:t>
             </a:fld>
             <a:endParaRPr lang="fr-FR"/>
           </a:p>
@@ -1629,7 +1629,7 @@
             <a:fld id="{B60B5DCD-40DC-5844-9C05-E0DFE5F22869}" type="datetimeFigureOut">
               <a:rPr lang="fr-FR" smtClean="0"/>
               <a:pPr/>
-              <a:t>09/09/2011</a:t>
+              <a:t>10/09/2011</a:t>
             </a:fld>
             <a:endParaRPr lang="fr-FR"/>
           </a:p>
@@ -1926,7 +1926,7 @@
             <a:fld id="{B60B5DCD-40DC-5844-9C05-E0DFE5F22869}" type="datetimeFigureOut">
               <a:rPr lang="fr-FR" smtClean="0"/>
               <a:pPr/>
-              <a:t>09/09/2011</a:t>
+              <a:t>10/09/2011</a:t>
             </a:fld>
             <a:endParaRPr lang="fr-FR"/>
           </a:p>
@@ -2357,7 +2357,7 @@
             <a:fld id="{B60B5DCD-40DC-5844-9C05-E0DFE5F22869}" type="datetimeFigureOut">
               <a:rPr lang="fr-FR" smtClean="0"/>
               <a:pPr/>
-              <a:t>09/09/2011</a:t>
+              <a:t>10/09/2011</a:t>
             </a:fld>
             <a:endParaRPr lang="fr-FR"/>
           </a:p>
@@ -2484,7 +2484,7 @@
             <a:fld id="{B60B5DCD-40DC-5844-9C05-E0DFE5F22869}" type="datetimeFigureOut">
               <a:rPr lang="fr-FR" smtClean="0"/>
               <a:pPr/>
-              <a:t>09/09/2011</a:t>
+              <a:t>10/09/2011</a:t>
             </a:fld>
             <a:endParaRPr lang="fr-FR"/>
           </a:p>
@@ -2588,7 +2588,7 @@
             <a:fld id="{B60B5DCD-40DC-5844-9C05-E0DFE5F22869}" type="datetimeFigureOut">
               <a:rPr lang="fr-FR" smtClean="0"/>
               <a:pPr/>
-              <a:t>09/09/2011</a:t>
+              <a:t>10/09/2011</a:t>
             </a:fld>
             <a:endParaRPr lang="fr-FR"/>
           </a:p>
@@ -2874,7 +2874,7 @@
             <a:fld id="{B60B5DCD-40DC-5844-9C05-E0DFE5F22869}" type="datetimeFigureOut">
               <a:rPr lang="fr-FR" smtClean="0"/>
               <a:pPr/>
-              <a:t>09/09/2011</a:t>
+              <a:t>10/09/2011</a:t>
             </a:fld>
             <a:endParaRPr lang="fr-FR"/>
           </a:p>
@@ -3142,7 +3142,7 @@
             <a:fld id="{B60B5DCD-40DC-5844-9C05-E0DFE5F22869}" type="datetimeFigureOut">
               <a:rPr lang="fr-FR" smtClean="0"/>
               <a:pPr/>
-              <a:t>09/09/2011</a:t>
+              <a:t>10/09/2011</a:t>
             </a:fld>
             <a:endParaRPr lang="fr-FR"/>
           </a:p>
@@ -3393,7 +3393,7 @@
             <a:fld id="{B60B5DCD-40DC-5844-9C05-E0DFE5F22869}" type="datetimeFigureOut">
               <a:rPr lang="fr-FR" smtClean="0"/>
               <a:pPr/>
-              <a:t>09/09/2011</a:t>
+              <a:t>10/09/2011</a:t>
             </a:fld>
             <a:endParaRPr lang="fr-FR"/>
           </a:p>
@@ -4034,12 +4034,12 @@
           <a:p>
             <a:pPr algn="l"/>
             <a:r>
-              <a:rPr lang="fr-FR" dirty="0" err="1" smtClean="0">
+              <a:rPr lang="fr-FR" dirty="0" smtClean="0">
                 <a:solidFill>
                   <a:schemeClr val="bg1"/>
                 </a:solidFill>
               </a:rPr>
-              <a:t>Android</a:t>
+              <a:t>Applications</a:t>
             </a:r>
             <a:endParaRPr lang="fr-FR" dirty="0">
               <a:solidFill>
@@ -4051,66 +4051,6 @@
       </p:sp>
       <p:sp>
         <p:nvSpPr>
-          <p:cNvPr id="8" name="Espace réservé du contenu 7"/>
-          <p:cNvSpPr>
-            <a:spLocks noGrp="1"/>
-          </p:cNvSpPr>
-          <p:nvPr>
-            <p:ph idx="1"/>
-          </p:nvPr>
-        </p:nvSpPr>
-        <p:spPr>
-          <a:xfrm>
-            <a:off x="457200" y="1068224"/>
-            <a:ext cx="8229600" cy="5170206"/>
-          </a:xfrm>
-        </p:spPr>
-        <p:txBody>
-          <a:bodyPr/>
-          <a:lstStyle/>
-          <a:p>
-            <a:endParaRPr lang="fr-FR" sz="2000" dirty="0" smtClean="0">
-              <a:solidFill>
-                <a:schemeClr val="accent5"/>
-              </a:solidFill>
-            </a:endParaRPr>
-          </a:p>
-        </p:txBody>
-      </p:sp>
-      <p:pic>
-        <p:nvPicPr>
-          <p:cNvPr id="5" name="Espace réservé du contenu 11" descr="MyNetworkBulle.png"/>
-          <p:cNvPicPr>
-            <a:picLocks noChangeAspect="1"/>
-          </p:cNvPicPr>
-          <p:nvPr/>
-        </p:nvPicPr>
-        <p:blipFill>
-          <a:blip r:embed="rId2"/>
-          <a:srcRect l="-54613" r="-54613"/>
-          <a:stretch>
-            <a:fillRect/>
-          </a:stretch>
-        </p:blipFill>
-        <p:spPr bwMode="auto">
-          <a:xfrm>
-            <a:off x="937729" y="1839301"/>
-            <a:ext cx="7143750" cy="3928802"/>
-          </a:xfrm>
-          <a:prstGeom prst="rect">
-            <a:avLst/>
-          </a:prstGeom>
-          <a:noFill/>
-          <a:ln w="9525">
-            <a:noFill/>
-            <a:miter lim="800000"/>
-            <a:headEnd/>
-            <a:tailEnd/>
-          </a:ln>
-        </p:spPr>
-      </p:pic>
-      <p:sp>
-        <p:nvSpPr>
           <p:cNvPr id="9" name="Titre 3"/>
           <p:cNvSpPr txBox="1">
             <a:spLocks/>
@@ -4119,7 +4059,7 @@
         </p:nvSpPr>
         <p:spPr bwMode="auto">
           <a:xfrm>
-            <a:off x="609600" y="1132015"/>
+            <a:off x="637304" y="1173581"/>
             <a:ext cx="8229600" cy="626997"/>
           </a:xfrm>
           <a:prstGeom prst="rect">
@@ -4151,12 +4091,12 @@
               <a:defRPr/>
             </a:pPr>
             <a:r>
-              <a:rPr lang="fr-FR" sz="3600" dirty="0" smtClean="0">
+              <a:rPr lang="fr-FR" sz="3600" dirty="0" err="1" smtClean="0">
                 <a:latin typeface="+mj-lt"/>
                 <a:ea typeface="ＭＳ Ｐゴシック" charset="-128"/>
                 <a:cs typeface="ＭＳ Ｐゴシック" charset="-128"/>
               </a:rPr>
-              <a:t>Démonstration</a:t>
+              <a:t>Android</a:t>
             </a:r>
             <a:endParaRPr kumimoji="0" lang="fr-FR" sz="3600" b="0" i="0" u="none" strike="noStrike" kern="1200" cap="none" spc="0" normalizeH="0" baseline="0" noProof="0" dirty="0">
               <a:ln>
@@ -4172,6 +4112,84 @@
           </a:p>
         </p:txBody>
       </p:sp>
+      <p:pic>
+        <p:nvPicPr>
+          <p:cNvPr id="1026" name="Picture 2" descr="C:\eip-silverlight\Docs\screenshots android\07.08.11\feeds_1.png"/>
+          <p:cNvPicPr>
+            <a:picLocks noChangeAspect="1" noChangeArrowheads="1"/>
+          </p:cNvPicPr>
+          <p:nvPr/>
+        </p:nvPicPr>
+        <p:blipFill>
+          <a:blip r:embed="rId2"/>
+          <a:srcRect/>
+          <a:stretch>
+            <a:fillRect/>
+          </a:stretch>
+        </p:blipFill>
+        <p:spPr bwMode="auto">
+          <a:xfrm>
+            <a:off x="637304" y="2008396"/>
+            <a:ext cx="2386062" cy="3976770"/>
+          </a:xfrm>
+          <a:prstGeom prst="rect">
+            <a:avLst/>
+          </a:prstGeom>
+          <a:noFill/>
+        </p:spPr>
+      </p:pic>
+      <p:pic>
+        <p:nvPicPr>
+          <p:cNvPr id="1027" name="Picture 3" descr="C:\eip-silverlight\Docs\screenshots android\09.09.11\friends.png"/>
+          <p:cNvPicPr>
+            <a:picLocks noChangeAspect="1" noChangeArrowheads="1"/>
+          </p:cNvPicPr>
+          <p:nvPr/>
+        </p:nvPicPr>
+        <p:blipFill>
+          <a:blip r:embed="rId3"/>
+          <a:srcRect/>
+          <a:stretch>
+            <a:fillRect/>
+          </a:stretch>
+        </p:blipFill>
+        <p:spPr bwMode="auto">
+          <a:xfrm>
+            <a:off x="3324513" y="2008396"/>
+            <a:ext cx="2389468" cy="3982447"/>
+          </a:xfrm>
+          <a:prstGeom prst="rect">
+            <a:avLst/>
+          </a:prstGeom>
+          <a:noFill/>
+        </p:spPr>
+      </p:pic>
+      <p:pic>
+        <p:nvPicPr>
+          <p:cNvPr id="1028" name="Picture 4" descr="C:\eip-silverlight\Docs\screenshots android\17.08.11\chat conv.png"/>
+          <p:cNvPicPr>
+            <a:picLocks noChangeAspect="1" noChangeArrowheads="1"/>
+          </p:cNvPicPr>
+          <p:nvPr/>
+        </p:nvPicPr>
+        <p:blipFill>
+          <a:blip r:embed="rId4"/>
+          <a:srcRect/>
+          <a:stretch>
+            <a:fillRect/>
+          </a:stretch>
+        </p:blipFill>
+        <p:spPr bwMode="auto">
+          <a:xfrm>
+            <a:off x="6031836" y="2008396"/>
+            <a:ext cx="2654964" cy="3982447"/>
+          </a:xfrm>
+          <a:prstGeom prst="rect">
+            <a:avLst/>
+          </a:prstGeom>
+          <a:noFill/>
+        </p:spPr>
+      </p:pic>
     </p:spTree>
   </p:cSld>
   <p:clrMapOvr>
@@ -4243,149 +4261,7 @@
       </p:sp>
       <p:sp>
         <p:nvSpPr>
-          <p:cNvPr id="5" name="Espace réservé du contenu 7"/>
-          <p:cNvSpPr>
-            <a:spLocks noGrp="1"/>
-          </p:cNvSpPr>
-          <p:nvPr>
-            <p:ph idx="1"/>
-          </p:nvPr>
-        </p:nvSpPr>
-        <p:spPr>
-          <a:xfrm>
-            <a:off x="457200" y="1905712"/>
-            <a:ext cx="8229600" cy="4320000"/>
-          </a:xfrm>
-        </p:spPr>
-        <p:txBody>
-          <a:bodyPr/>
-          <a:lstStyle/>
-          <a:p>
-            <a:r>
-              <a:rPr lang="fr-FR" sz="2400" dirty="0" smtClean="0">
-                <a:solidFill>
-                  <a:schemeClr val="accent5"/>
-                </a:solidFill>
-              </a:rPr>
-              <a:t>Fils d’actualités et liste d’amis des comptes fusionnés</a:t>
-            </a:r>
-          </a:p>
-          <a:p>
-            <a:r>
-              <a:rPr lang="fr-FR" sz="2400" dirty="0" smtClean="0">
-                <a:solidFill>
-                  <a:schemeClr val="accent5"/>
-                </a:solidFill>
-              </a:rPr>
-              <a:t>Mise à jour de statut multi-comptes</a:t>
-            </a:r>
-          </a:p>
-          <a:p>
-            <a:r>
-              <a:rPr lang="fr-FR" sz="2400" dirty="0" smtClean="0">
-                <a:solidFill>
-                  <a:schemeClr val="accent5"/>
-                </a:solidFill>
-              </a:rPr>
-              <a:t>Messages privés </a:t>
-            </a:r>
-            <a:r>
-              <a:rPr lang="fr-FR" sz="2400" dirty="0" err="1" smtClean="0">
-                <a:solidFill>
-                  <a:schemeClr val="accent5"/>
-                </a:solidFill>
-              </a:rPr>
-              <a:t>Facebook</a:t>
-            </a:r>
-            <a:endParaRPr lang="fr-FR" sz="2400" dirty="0" smtClean="0">
-              <a:solidFill>
-                <a:schemeClr val="accent5"/>
-              </a:solidFill>
-            </a:endParaRPr>
-          </a:p>
-          <a:p>
-            <a:r>
-              <a:rPr lang="fr-FR" sz="2400" dirty="0" err="1" smtClean="0">
-                <a:solidFill>
-                  <a:schemeClr val="accent5"/>
-                </a:solidFill>
-              </a:rPr>
-              <a:t>Raccourcisseur</a:t>
-            </a:r>
-            <a:r>
-              <a:rPr lang="fr-FR" sz="2400" dirty="0" smtClean="0">
-                <a:solidFill>
-                  <a:schemeClr val="accent5"/>
-                </a:solidFill>
-              </a:rPr>
-              <a:t> d’url dans les statuts</a:t>
-            </a:r>
-          </a:p>
-          <a:p>
-            <a:r>
-              <a:rPr lang="fr-FR" sz="2400" dirty="0" smtClean="0">
-                <a:solidFill>
-                  <a:schemeClr val="accent5"/>
-                </a:solidFill>
-              </a:rPr>
-              <a:t>Affichage des profils des amis avec photo, infos, mur</a:t>
-            </a:r>
-          </a:p>
-          <a:p>
-            <a:r>
-              <a:rPr lang="fr-FR" sz="2400" dirty="0" smtClean="0">
-                <a:solidFill>
-                  <a:schemeClr val="accent5"/>
-                </a:solidFill>
-              </a:rPr>
-              <a:t>« </a:t>
-            </a:r>
-            <a:r>
-              <a:rPr lang="fr-FR" sz="2400" dirty="0" err="1" smtClean="0">
-                <a:solidFill>
-                  <a:schemeClr val="accent5"/>
-                </a:solidFill>
-              </a:rPr>
-              <a:t>Retweets</a:t>
-            </a:r>
-            <a:r>
-              <a:rPr lang="fr-FR" sz="2400" dirty="0" smtClean="0">
-                <a:solidFill>
-                  <a:schemeClr val="accent5"/>
-                </a:solidFill>
-              </a:rPr>
-              <a:t> » et commentaires</a:t>
-            </a:r>
-          </a:p>
-          <a:p>
-            <a:r>
-              <a:rPr lang="fr-FR" sz="2400" dirty="0" smtClean="0">
-                <a:solidFill>
-                  <a:schemeClr val="accent5"/>
-                </a:solidFill>
-              </a:rPr>
-              <a:t>Multilingue</a:t>
-            </a:r>
-          </a:p>
-          <a:p>
-            <a:endParaRPr lang="fr-FR" sz="2400" dirty="0" smtClean="0">
-              <a:solidFill>
-                <a:schemeClr val="accent5"/>
-              </a:solidFill>
-            </a:endParaRPr>
-          </a:p>
-          <a:p>
-            <a:endParaRPr lang="fr-FR" sz="2400" dirty="0" smtClean="0">
-              <a:solidFill>
-                <a:schemeClr val="accent5"/>
-              </a:solidFill>
-            </a:endParaRPr>
-          </a:p>
-        </p:txBody>
-      </p:sp>
-      <p:sp>
-        <p:nvSpPr>
-          <p:cNvPr id="6" name="Titre 3"/>
+          <p:cNvPr id="7" name="Titre 3"/>
           <p:cNvSpPr txBox="1">
             <a:spLocks/>
           </p:cNvSpPr>
@@ -4430,7 +4306,7 @@
                 <a:ea typeface="ＭＳ Ｐゴシック" charset="-128"/>
                 <a:cs typeface="ＭＳ Ｐゴシック" charset="-128"/>
               </a:rPr>
-              <a:t>Spécifications</a:t>
+              <a:t>Démonstration</a:t>
             </a:r>
             <a:endParaRPr kumimoji="0" lang="fr-FR" sz="3600" b="0" i="0" u="none" strike="noStrike" kern="1200" cap="none" spc="0" normalizeH="0" baseline="0" noProof="0" dirty="0">
               <a:ln>
@@ -4446,6 +4322,84 @@
           </a:p>
         </p:txBody>
       </p:sp>
+      <p:pic>
+        <p:nvPicPr>
+          <p:cNvPr id="2050" name="Picture 2" descr="C:\eip-silverlight\Docs\screen wp7\home.jpg"/>
+          <p:cNvPicPr>
+            <a:picLocks noChangeAspect="1" noChangeArrowheads="1"/>
+          </p:cNvPicPr>
+          <p:nvPr/>
+        </p:nvPicPr>
+        <p:blipFill>
+          <a:blip r:embed="rId2"/>
+          <a:srcRect/>
+          <a:stretch>
+            <a:fillRect/>
+          </a:stretch>
+        </p:blipFill>
+        <p:spPr bwMode="auto">
+          <a:xfrm>
+            <a:off x="614578" y="1976036"/>
+            <a:ext cx="2095933" cy="3926417"/>
+          </a:xfrm>
+          <a:prstGeom prst="rect">
+            <a:avLst/>
+          </a:prstGeom>
+          <a:noFill/>
+        </p:spPr>
+      </p:pic>
+      <p:pic>
+        <p:nvPicPr>
+          <p:cNvPr id="2051" name="Picture 3" descr="C:\eip-silverlight\Docs\screen wp7\comptes.jpg"/>
+          <p:cNvPicPr>
+            <a:picLocks noChangeAspect="1" noChangeArrowheads="1"/>
+          </p:cNvPicPr>
+          <p:nvPr/>
+        </p:nvPicPr>
+        <p:blipFill>
+          <a:blip r:embed="rId3"/>
+          <a:srcRect/>
+          <a:stretch>
+            <a:fillRect/>
+          </a:stretch>
+        </p:blipFill>
+        <p:spPr bwMode="auto">
+          <a:xfrm>
+            <a:off x="6189664" y="2042434"/>
+            <a:ext cx="1989016" cy="3726125"/>
+          </a:xfrm>
+          <a:prstGeom prst="rect">
+            <a:avLst/>
+          </a:prstGeom>
+          <a:noFill/>
+        </p:spPr>
+      </p:pic>
+      <p:pic>
+        <p:nvPicPr>
+          <p:cNvPr id="2052" name="Picture 4" descr="C:\eip-silverlight\Docs\screen wp7\new-tweet.jpg"/>
+          <p:cNvPicPr>
+            <a:picLocks noChangeAspect="1" noChangeArrowheads="1"/>
+          </p:cNvPicPr>
+          <p:nvPr/>
+        </p:nvPicPr>
+        <p:blipFill>
+          <a:blip r:embed="rId4"/>
+          <a:srcRect/>
+          <a:stretch>
+            <a:fillRect/>
+          </a:stretch>
+        </p:blipFill>
+        <p:spPr bwMode="auto">
+          <a:xfrm>
+            <a:off x="3390900" y="1976036"/>
+            <a:ext cx="2024459" cy="3792523"/>
+          </a:xfrm>
+          <a:prstGeom prst="rect">
+            <a:avLst/>
+          </a:prstGeom>
+          <a:noFill/>
+        </p:spPr>
+      </p:pic>
     </p:spTree>
   </p:cSld>
   <p:clrMapOvr>
@@ -4500,12 +4454,12 @@
           <a:p>
             <a:pPr algn="l"/>
             <a:r>
-              <a:rPr lang="fr-FR" dirty="0" smtClean="0">
+              <a:rPr lang="fr-FR" dirty="0" err="1" smtClean="0">
                 <a:solidFill>
                   <a:schemeClr val="bg1"/>
                 </a:solidFill>
               </a:rPr>
-              <a:t>Windows Phone 7</a:t>
+              <a:t>iPhone</a:t>
             </a:r>
             <a:endParaRPr lang="fr-FR" dirty="0">
               <a:solidFill>
@@ -4515,69 +4469,80 @@
           </a:p>
         </p:txBody>
       </p:sp>
-      <p:sp>
-        <p:nvSpPr>
-          <p:cNvPr id="8" name="Espace réservé du contenu 7"/>
-          <p:cNvSpPr>
-            <a:spLocks noGrp="1"/>
-          </p:cNvSpPr>
+      <p:pic>
+        <p:nvPicPr>
+          <p:cNvPr id="5" name="Espace réservé du contenu 4" descr="20110209_Flux.jpg"/>
+          <p:cNvPicPr>
+            <a:picLocks noGrp="1" noChangeAspect="1"/>
+          </p:cNvPicPr>
           <p:nvPr>
             <p:ph idx="1"/>
           </p:nvPr>
-        </p:nvSpPr>
+        </p:nvPicPr>
+        <p:blipFill>
+          <a:blip r:embed="rId2"/>
+          <a:stretch>
+            <a:fillRect/>
+          </a:stretch>
+        </p:blipFill>
         <p:spPr>
           <a:xfrm>
-            <a:off x="457200" y="1068224"/>
-            <a:ext cx="8229600" cy="5170206"/>
+            <a:off x="457200" y="1911838"/>
+            <a:ext cx="2131233" cy="4124074"/>
           </a:xfrm>
         </p:spPr>
-        <p:txBody>
-          <a:bodyPr/>
-          <a:lstStyle/>
-          <a:p>
-            <a:endParaRPr lang="fr-FR" sz="2000" dirty="0" smtClean="0">
-              <a:solidFill>
-                <a:schemeClr val="accent5"/>
-              </a:solidFill>
-            </a:endParaRPr>
-          </a:p>
-        </p:txBody>
-      </p:sp>
+      </p:pic>
       <p:pic>
         <p:nvPicPr>
-          <p:cNvPr id="6" name="Espace réservé du contenu 11" descr="MyNetworkBulle.png"/>
+          <p:cNvPr id="7" name="Image 6" descr="20110209_Flux_twitter_option.jpg"/>
           <p:cNvPicPr>
             <a:picLocks noChangeAspect="1"/>
           </p:cNvPicPr>
           <p:nvPr/>
         </p:nvPicPr>
         <p:blipFill>
-          <a:blip r:embed="rId2"/>
-          <a:srcRect l="-54613" r="-54613"/>
+          <a:blip r:embed="rId3"/>
           <a:stretch>
             <a:fillRect/>
           </a:stretch>
         </p:blipFill>
-        <p:spPr bwMode="auto">
+        <p:spPr>
           <a:xfrm>
-            <a:off x="937729" y="1839301"/>
-            <a:ext cx="7143750" cy="3928802"/>
+            <a:off x="3230476" y="1911838"/>
+            <a:ext cx="2131233" cy="4124074"/>
           </a:xfrm>
           <a:prstGeom prst="rect">
             <a:avLst/>
           </a:prstGeom>
-          <a:noFill/>
-          <a:ln w="9525">
-            <a:noFill/>
-            <a:miter lim="800000"/>
-            <a:headEnd/>
-            <a:tailEnd/>
-          </a:ln>
         </p:spPr>
       </p:pic>
-      <p:sp>
-        <p:nvSpPr>
-          <p:cNvPr id="7" name="Titre 3"/>
+      <p:pic>
+        <p:nvPicPr>
+          <p:cNvPr id="9" name="Image 8" descr="20110902_TwitterProfil.jpg"/>
+          <p:cNvPicPr>
+            <a:picLocks noChangeAspect="1"/>
+          </p:cNvPicPr>
+          <p:nvPr/>
+        </p:nvPicPr>
+        <p:blipFill>
+          <a:blip r:embed="rId4"/>
+          <a:stretch>
+            <a:fillRect/>
+          </a:stretch>
+        </p:blipFill>
+        <p:spPr>
+          <a:xfrm>
+            <a:off x="6084512" y="1911838"/>
+            <a:ext cx="2131233" cy="4124074"/>
+          </a:xfrm>
+          <a:prstGeom prst="rect">
+            <a:avLst/>
+          </a:prstGeom>
+        </p:spPr>
+      </p:pic>
+      <p:sp>
+        <p:nvSpPr>
+          <p:cNvPr id="8" name="Titre 3"/>
           <p:cNvSpPr txBox="1">
             <a:spLocks/>
           </p:cNvSpPr>
@@ -4585,7 +4550,7 @@
         </p:nvSpPr>
         <p:spPr bwMode="auto">
           <a:xfrm>
-            <a:off x="609600" y="1132015"/>
+            <a:off x="568040" y="1132015"/>
             <a:ext cx="8229600" cy="626997"/>
           </a:xfrm>
           <a:prstGeom prst="rect">
@@ -4622,19 +4587,8 @@
                 <a:ea typeface="ＭＳ Ｐゴシック" charset="-128"/>
                 <a:cs typeface="ＭＳ Ｐゴシック" charset="-128"/>
               </a:rPr>
-              <a:t>Démonstration</a:t>
-            </a:r>
-            <a:endParaRPr kumimoji="0" lang="fr-FR" sz="3600" b="0" i="0" u="none" strike="noStrike" kern="1200" cap="none" spc="0" normalizeH="0" baseline="0" noProof="0" dirty="0">
-              <a:ln>
-                <a:noFill/>
-              </a:ln>
-              <a:effectLst/>
-              <a:uLnTx/>
-              <a:uFillTx/>
-              <a:latin typeface="+mj-lt"/>
-              <a:ea typeface="ＭＳ Ｐゴシック" charset="-128"/>
-              <a:cs typeface="ＭＳ Ｐゴシック" charset="-128"/>
-            </a:endParaRPr>
+              <a:t>Prototype</a:t>
+            </a:r>
           </a:p>
         </p:txBody>
       </p:sp>
@@ -4692,12 +4646,12 @@
           <a:p>
             <a:pPr algn="l"/>
             <a:r>
-              <a:rPr lang="fr-FR" dirty="0" err="1" smtClean="0">
+              <a:rPr lang="fr-FR" dirty="0" smtClean="0">
                 <a:solidFill>
                   <a:schemeClr val="bg1"/>
                 </a:solidFill>
               </a:rPr>
-              <a:t>iPhone</a:t>
+              <a:t>Communication</a:t>
             </a:r>
             <a:endParaRPr lang="fr-FR" dirty="0">
               <a:solidFill>
@@ -4707,77 +4661,327 @@
           </a:p>
         </p:txBody>
       </p:sp>
-      <p:pic>
-        <p:nvPicPr>
-          <p:cNvPr id="5" name="Espace réservé du contenu 4" descr="20110209_Flux.jpg"/>
-          <p:cNvPicPr>
-            <a:picLocks noGrp="1" noChangeAspect="1"/>
-          </p:cNvPicPr>
-          <p:nvPr>
-            <p:ph idx="1"/>
-          </p:nvPr>
-        </p:nvPicPr>
-        <p:blipFill>
-          <a:blip r:embed="rId2"/>
-          <a:stretch>
-            <a:fillRect/>
-          </a:stretch>
-        </p:blipFill>
-        <p:spPr>
+      <p:sp>
+        <p:nvSpPr>
+          <p:cNvPr id="5" name="Titre 3"/>
+          <p:cNvSpPr txBox="1">
+            <a:spLocks/>
+          </p:cNvSpPr>
+          <p:nvPr/>
+        </p:nvSpPr>
+        <p:spPr bwMode="auto">
           <a:xfrm>
-            <a:off x="457200" y="971067"/>
-            <a:ext cx="2671996" cy="5170487"/>
-          </a:xfrm>
-        </p:spPr>
-      </p:pic>
-      <p:pic>
-        <p:nvPicPr>
-          <p:cNvPr id="7" name="Image 6" descr="20110209_Flux_twitter_option.jpg"/>
-          <p:cNvPicPr>
-            <a:picLocks noChangeAspect="1"/>
-          </p:cNvPicPr>
-          <p:nvPr/>
-        </p:nvPicPr>
-        <p:blipFill>
-          <a:blip r:embed="rId3"/>
-          <a:stretch>
-            <a:fillRect/>
-          </a:stretch>
-        </p:blipFill>
-        <p:spPr>
-          <a:xfrm>
-            <a:off x="3230476" y="965734"/>
-            <a:ext cx="2674752" cy="5175818"/>
+            <a:off x="595745" y="1132015"/>
+            <a:ext cx="8229600" cy="626997"/>
           </a:xfrm>
           <a:prstGeom prst="rect">
             <a:avLst/>
           </a:prstGeom>
+          <a:noFill/>
+          <a:ln w="9525">
+            <a:noFill/>
+            <a:miter lim="800000"/>
+            <a:headEnd/>
+            <a:tailEnd/>
+          </a:ln>
         </p:spPr>
-      </p:pic>
-      <p:pic>
-        <p:nvPicPr>
-          <p:cNvPr id="9" name="Image 8" descr="20110902_TwitterProfil.jpg"/>
-          <p:cNvPicPr>
-            <a:picLocks noChangeAspect="1"/>
-          </p:cNvPicPr>
-          <p:nvPr/>
-        </p:nvPicPr>
-        <p:blipFill>
-          <a:blip r:embed="rId4"/>
-          <a:stretch>
-            <a:fillRect/>
-          </a:stretch>
-        </p:blipFill>
+        <p:txBody>
+          <a:bodyPr vert="horz" wrap="square" lIns="91440" tIns="45720" rIns="91440" bIns="45720" numCol="1" anchor="ctr" anchorCtr="0" compatLnSpc="1">
+            <a:prstTxWarp prst="textNoShape">
+              <a:avLst/>
+            </a:prstTxWarp>
+          </a:bodyPr>
+          <a:lstStyle/>
+          <a:p>
+            <a:pPr marL="0" marR="0" lvl="0" indent="0" algn="l" defTabSz="457200" rtl="0" eaLnBrk="1" fontAlgn="base" latinLnBrk="0" hangingPunct="1">
+              <a:lnSpc>
+                <a:spcPct val="100000"/>
+              </a:lnSpc>
+              <a:spcBef>
+                <a:spcPct val="0"/>
+              </a:spcBef>
+              <a:spcAft>
+                <a:spcPct val="0"/>
+              </a:spcAft>
+              <a:buClrTx/>
+              <a:buSzTx/>
+              <a:buFontTx/>
+              <a:buNone/>
+              <a:tabLst/>
+              <a:defRPr/>
+            </a:pPr>
+            <a:r>
+              <a:rPr lang="fr-FR" sz="3600" noProof="0" dirty="0" smtClean="0">
+                <a:latin typeface="+mj-lt"/>
+                <a:ea typeface="ＭＳ Ｐゴシック" charset="-128"/>
+                <a:cs typeface="ＭＳ Ｐゴシック" charset="-128"/>
+              </a:rPr>
+              <a:t>Les supports</a:t>
+            </a:r>
+            <a:endParaRPr kumimoji="0" lang="fr-FR" sz="3600" b="0" i="0" u="none" strike="noStrike" kern="1200" cap="none" spc="0" normalizeH="0" baseline="0" noProof="0" dirty="0">
+              <a:ln>
+                <a:noFill/>
+              </a:ln>
+              <a:effectLst/>
+              <a:uLnTx/>
+              <a:uFillTx/>
+              <a:latin typeface="+mj-lt"/>
+              <a:ea typeface="ＭＳ Ｐゴシック" charset="-128"/>
+              <a:cs typeface="ＭＳ Ｐゴシック" charset="-128"/>
+            </a:endParaRPr>
+          </a:p>
+        </p:txBody>
+      </p:sp>
+      <p:sp>
+        <p:nvSpPr>
+          <p:cNvPr id="6" name="Espace réservé du contenu 5"/>
+          <p:cNvSpPr>
+            <a:spLocks noGrp="1"/>
+          </p:cNvSpPr>
+          <p:nvPr>
+            <p:ph idx="1"/>
+          </p:nvPr>
+        </p:nvSpPr>
         <p:spPr>
           <a:xfrm>
-            <a:off x="6014803" y="965734"/>
-            <a:ext cx="2671996" cy="5170487"/>
+            <a:off x="457200" y="1947672"/>
+            <a:ext cx="8382000" cy="4215384"/>
           </a:xfrm>
-          <a:prstGeom prst="rect">
-            <a:avLst/>
-          </a:prstGeom>
         </p:spPr>
-      </p:pic>
+        <p:txBody>
+          <a:bodyPr/>
+          <a:lstStyle/>
+          <a:p>
+            <a:pPr>
+              <a:buClr>
+                <a:schemeClr val="accent5"/>
+              </a:buClr>
+              <a:buNone/>
+            </a:pPr>
+            <a:r>
+              <a:rPr lang="fr-FR" sz="2600" dirty="0" smtClean="0">
+                <a:solidFill>
+                  <a:schemeClr val="accent5"/>
+                </a:solidFill>
+              </a:rPr>
+              <a:t>Site web : </a:t>
+            </a:r>
+          </a:p>
+          <a:p>
+            <a:pPr>
+              <a:buClr>
+                <a:schemeClr val="accent5"/>
+              </a:buClr>
+              <a:buNone/>
+            </a:pPr>
+            <a:r>
+              <a:rPr lang="fr-FR" sz="2600" dirty="0" smtClean="0">
+                <a:solidFill>
+                  <a:schemeClr val="accent5"/>
+                </a:solidFill>
+                <a:hlinkClick r:id="rId2"/>
+              </a:rPr>
+              <a:t>http://mynetwork-project.com</a:t>
+            </a:r>
+            <a:endParaRPr lang="fr-FR" sz="2600" dirty="0" smtClean="0">
+              <a:solidFill>
+                <a:schemeClr val="accent5"/>
+              </a:solidFill>
+            </a:endParaRPr>
+          </a:p>
+          <a:p>
+            <a:pPr>
+              <a:buClr>
+                <a:schemeClr val="accent5"/>
+              </a:buClr>
+              <a:buNone/>
+            </a:pPr>
+            <a:r>
+              <a:rPr lang="fr-FR" sz="2600" dirty="0" smtClean="0">
+                <a:solidFill>
+                  <a:schemeClr val="accent5"/>
+                </a:solidFill>
+              </a:rPr>
+              <a:t>Page </a:t>
+            </a:r>
+            <a:r>
+              <a:rPr lang="fr-FR" sz="2600" dirty="0" err="1" smtClean="0">
+                <a:solidFill>
+                  <a:schemeClr val="accent5"/>
+                </a:solidFill>
+              </a:rPr>
+              <a:t>Facebook</a:t>
+            </a:r>
+            <a:r>
+              <a:rPr lang="fr-FR" sz="2600" dirty="0" smtClean="0">
+                <a:solidFill>
+                  <a:schemeClr val="accent5"/>
+                </a:solidFill>
+              </a:rPr>
+              <a:t> :</a:t>
+            </a:r>
+          </a:p>
+          <a:p>
+            <a:pPr>
+              <a:buClr>
+                <a:schemeClr val="accent5"/>
+              </a:buClr>
+              <a:buNone/>
+            </a:pPr>
+            <a:r>
+              <a:rPr lang="fr-FR" sz="2600" dirty="0" smtClean="0">
+                <a:solidFill>
+                  <a:schemeClr val="accent5"/>
+                </a:solidFill>
+                <a:hlinkClick r:id="rId3"/>
+              </a:rPr>
+              <a:t>http://www.facebook.com/myNETwork.Project</a:t>
+            </a:r>
+            <a:endParaRPr lang="fr-FR" sz="2600" dirty="0" smtClean="0">
+              <a:solidFill>
+                <a:schemeClr val="accent5"/>
+              </a:solidFill>
+            </a:endParaRPr>
+          </a:p>
+          <a:p>
+            <a:pPr>
+              <a:buClr>
+                <a:schemeClr val="accent5"/>
+              </a:buClr>
+              <a:buNone/>
+            </a:pPr>
+            <a:r>
+              <a:rPr lang="fr-FR" sz="2600" dirty="0" smtClean="0">
+                <a:solidFill>
+                  <a:schemeClr val="accent5"/>
+                </a:solidFill>
+              </a:rPr>
+              <a:t>Compte </a:t>
+            </a:r>
+            <a:r>
+              <a:rPr lang="fr-FR" sz="2600" dirty="0" err="1" smtClean="0">
+                <a:solidFill>
+                  <a:schemeClr val="accent5"/>
+                </a:solidFill>
+              </a:rPr>
+              <a:t>Twitter</a:t>
+            </a:r>
+            <a:r>
+              <a:rPr lang="fr-FR" sz="2600" dirty="0" smtClean="0">
+                <a:solidFill>
+                  <a:schemeClr val="accent5"/>
+                </a:solidFill>
+              </a:rPr>
+              <a:t> :</a:t>
+            </a:r>
+          </a:p>
+          <a:p>
+            <a:pPr>
+              <a:buClr>
+                <a:schemeClr val="accent5"/>
+              </a:buClr>
+              <a:buNone/>
+            </a:pPr>
+            <a:r>
+              <a:rPr lang="fr-FR" sz="2600" dirty="0" smtClean="0">
+                <a:solidFill>
+                  <a:schemeClr val="accent5"/>
+                </a:solidFill>
+                <a:hlinkClick r:id="rId4"/>
+              </a:rPr>
+              <a:t>https://twitter.com/#!/P_myNETwork</a:t>
+            </a:r>
+            <a:endParaRPr lang="fr-FR" sz="2600" dirty="0" smtClean="0">
+              <a:solidFill>
+                <a:schemeClr val="accent5"/>
+              </a:solidFill>
+            </a:endParaRPr>
+          </a:p>
+          <a:p>
+            <a:pPr>
+              <a:buClr>
+                <a:schemeClr val="accent5"/>
+              </a:buClr>
+              <a:buNone/>
+            </a:pPr>
+            <a:r>
+              <a:rPr lang="fr-FR" sz="2600" dirty="0" err="1" smtClean="0">
+                <a:solidFill>
+                  <a:schemeClr val="accent5"/>
+                </a:solidFill>
+              </a:rPr>
+              <a:t>Android</a:t>
+            </a:r>
+            <a:r>
+              <a:rPr lang="fr-FR" sz="2600" dirty="0" smtClean="0">
+                <a:solidFill>
+                  <a:schemeClr val="accent5"/>
+                </a:solidFill>
+              </a:rPr>
+              <a:t> </a:t>
+            </a:r>
+            <a:r>
+              <a:rPr lang="fr-FR" sz="2600" dirty="0" err="1" smtClean="0">
+                <a:solidFill>
+                  <a:schemeClr val="accent5"/>
+                </a:solidFill>
+              </a:rPr>
+              <a:t>market</a:t>
+            </a:r>
+            <a:r>
+              <a:rPr lang="fr-FR" sz="2600" dirty="0" smtClean="0">
+                <a:solidFill>
+                  <a:schemeClr val="accent5"/>
+                </a:solidFill>
+              </a:rPr>
+              <a:t>  : </a:t>
+            </a:r>
+          </a:p>
+          <a:p>
+            <a:pPr>
+              <a:buClr>
+                <a:schemeClr val="accent5"/>
+              </a:buClr>
+              <a:buNone/>
+            </a:pPr>
+            <a:r>
+              <a:rPr lang="fr-FR" sz="2600" dirty="0" smtClean="0">
+                <a:solidFill>
+                  <a:schemeClr val="accent5"/>
+                </a:solidFill>
+                <a:hlinkClick r:id="rId5"/>
+              </a:rPr>
+              <a:t>https://market.android.com/details?id=com.myNETwork</a:t>
+            </a:r>
+            <a:endParaRPr lang="fr-FR" sz="2600" dirty="0" smtClean="0">
+              <a:solidFill>
+                <a:schemeClr val="accent5"/>
+              </a:solidFill>
+            </a:endParaRPr>
+          </a:p>
+          <a:p>
+            <a:pPr>
+              <a:buClr>
+                <a:schemeClr val="accent5"/>
+              </a:buClr>
+              <a:buNone/>
+            </a:pPr>
+            <a:r>
+              <a:rPr lang="fr-FR" sz="2600" dirty="0" smtClean="0">
+                <a:solidFill>
+                  <a:schemeClr val="accent5"/>
+                </a:solidFill>
+              </a:rPr>
+              <a:t>Dossier de presse </a:t>
+            </a:r>
+            <a:endParaRPr lang="fr-FR" sz="2600" dirty="0">
+              <a:solidFill>
+                <a:schemeClr val="accent5"/>
+              </a:solidFill>
+            </a:endParaRPr>
+          </a:p>
+        </p:txBody>
+      </p:sp>
     </p:spTree>
   </p:cSld>
   <p:clrMapOvr>
@@ -4849,7 +5053,153 @@
       </p:sp>
       <p:sp>
         <p:nvSpPr>
-          <p:cNvPr id="5" name="Titre 3"/>
+          <p:cNvPr id="7" name="Espace réservé du contenu 7"/>
+          <p:cNvSpPr>
+            <a:spLocks noGrp="1"/>
+          </p:cNvSpPr>
+          <p:nvPr>
+            <p:ph idx="1"/>
+          </p:nvPr>
+        </p:nvSpPr>
+        <p:spPr>
+          <a:xfrm>
+            <a:off x="457199" y="1905712"/>
+            <a:ext cx="8686801" cy="4320000"/>
+          </a:xfrm>
+        </p:spPr>
+        <p:txBody>
+          <a:bodyPr/>
+          <a:lstStyle/>
+          <a:p>
+            <a:r>
+              <a:rPr lang="fr-FR" dirty="0" smtClean="0">
+                <a:solidFill>
+                  <a:schemeClr val="accent5"/>
+                </a:solidFill>
+              </a:rPr>
+              <a:t>Lancement de l’application </a:t>
+            </a:r>
+            <a:r>
+              <a:rPr lang="fr-FR" dirty="0" err="1" smtClean="0">
+                <a:solidFill>
+                  <a:schemeClr val="accent5"/>
+                </a:solidFill>
+              </a:rPr>
+              <a:t>android</a:t>
+            </a:r>
+            <a:r>
+              <a:rPr lang="fr-FR" dirty="0" smtClean="0">
+                <a:solidFill>
+                  <a:schemeClr val="accent5"/>
+                </a:solidFill>
+              </a:rPr>
+              <a:t> le 08 </a:t>
+            </a:r>
+            <a:r>
+              <a:rPr lang="fr-FR" dirty="0" smtClean="0">
+                <a:solidFill>
+                  <a:schemeClr val="accent5"/>
+                </a:solidFill>
+              </a:rPr>
+              <a:t>août :</a:t>
+            </a:r>
+            <a:endParaRPr lang="fr-FR" dirty="0" smtClean="0">
+              <a:solidFill>
+                <a:schemeClr val="accent5"/>
+              </a:solidFill>
+            </a:endParaRPr>
+          </a:p>
+          <a:p>
+            <a:pPr lvl="1">
+              <a:buFontTx/>
+              <a:buChar char="-"/>
+            </a:pPr>
+            <a:r>
+              <a:rPr lang="fr-FR" dirty="0" smtClean="0">
+                <a:solidFill>
+                  <a:schemeClr val="accent5"/>
+                </a:solidFill>
+              </a:rPr>
+              <a:t>2400 téléchargements</a:t>
+            </a:r>
+          </a:p>
+          <a:p>
+            <a:pPr lvl="1">
+              <a:buFontTx/>
+              <a:buChar char="-"/>
+            </a:pPr>
+            <a:r>
+              <a:rPr lang="fr-FR" dirty="0" smtClean="0">
+                <a:solidFill>
+                  <a:schemeClr val="accent5"/>
+                </a:solidFill>
+              </a:rPr>
+              <a:t>700 utilisateurs actifs</a:t>
+            </a:r>
+          </a:p>
+          <a:p>
+            <a:pPr lvl="1">
+              <a:buFontTx/>
+              <a:buChar char="-"/>
+            </a:pPr>
+            <a:r>
+              <a:rPr lang="fr-FR" dirty="0" smtClean="0">
+                <a:solidFill>
+                  <a:schemeClr val="accent5"/>
+                </a:solidFill>
+              </a:rPr>
+              <a:t>6500 pages vues par jour</a:t>
+            </a:r>
+          </a:p>
+          <a:p>
+            <a:pPr lvl="1">
+              <a:buFontTx/>
+              <a:buChar char="-"/>
+            </a:pPr>
+            <a:r>
+              <a:rPr lang="fr-FR" dirty="0" smtClean="0">
+                <a:solidFill>
+                  <a:schemeClr val="accent5"/>
+                </a:solidFill>
+              </a:rPr>
+              <a:t>70 000 appels à l’API </a:t>
+            </a:r>
+            <a:r>
+              <a:rPr lang="fr-FR" dirty="0" err="1" smtClean="0">
+                <a:solidFill>
+                  <a:schemeClr val="accent5"/>
+                </a:solidFill>
+              </a:rPr>
+              <a:t>Facebook</a:t>
+            </a:r>
+            <a:r>
+              <a:rPr lang="fr-FR" dirty="0" smtClean="0">
+                <a:solidFill>
+                  <a:schemeClr val="accent5"/>
+                </a:solidFill>
+              </a:rPr>
+              <a:t> par jour</a:t>
+            </a:r>
+          </a:p>
+          <a:p>
+            <a:pPr lvl="1">
+              <a:buFontTx/>
+              <a:buChar char="-"/>
+            </a:pPr>
+            <a:r>
+              <a:rPr lang="fr-FR" dirty="0" smtClean="0">
+                <a:solidFill>
+                  <a:schemeClr val="accent5"/>
+                </a:solidFill>
+              </a:rPr>
+              <a:t>35 notes, avec une moyenne de 4.3/5</a:t>
+            </a:r>
+          </a:p>
+        </p:txBody>
+      </p:sp>
+      <p:sp>
+        <p:nvSpPr>
+          <p:cNvPr id="9" name="Titre 3"/>
           <p:cNvSpPr txBox="1">
             <a:spLocks/>
           </p:cNvSpPr>
@@ -4879,30 +5229,22 @@
           </a:bodyPr>
           <a:lstStyle/>
           <a:p>
-            <a:pPr marL="0" marR="0" lvl="0" indent="0" algn="l" defTabSz="457200" rtl="0" eaLnBrk="1" fontAlgn="base" latinLnBrk="0" hangingPunct="1">
-              <a:lnSpc>
-                <a:spcPct val="100000"/>
-              </a:lnSpc>
+            <a:pPr lvl="0" fontAlgn="base">
               <a:spcBef>
                 <a:spcPct val="0"/>
               </a:spcBef>
               <a:spcAft>
                 <a:spcPct val="0"/>
               </a:spcAft>
-              <a:buClrTx/>
-              <a:buSzTx/>
-              <a:buFontTx/>
-              <a:buNone/>
-              <a:tabLst/>
               <a:defRPr/>
             </a:pPr>
             <a:r>
-              <a:rPr lang="fr-FR" sz="3600" noProof="0" dirty="0" smtClean="0">
+              <a:rPr lang="fr-FR" sz="3600" dirty="0" smtClean="0">
                 <a:latin typeface="+mj-lt"/>
                 <a:ea typeface="ＭＳ Ｐゴシック" charset="-128"/>
                 <a:cs typeface="ＭＳ Ｐゴシック" charset="-128"/>
               </a:rPr>
-              <a:t>Les supports</a:t>
+              <a:t>Statistiques</a:t>
             </a:r>
             <a:endParaRPr kumimoji="0" lang="fr-FR" sz="3600" b="0" i="0" u="none" strike="noStrike" kern="1200" cap="none" spc="0" normalizeH="0" baseline="0" noProof="0" dirty="0">
               <a:ln>
@@ -4914,228 +5256,6 @@
               <a:latin typeface="+mj-lt"/>
               <a:ea typeface="ＭＳ Ｐゴシック" charset="-128"/>
               <a:cs typeface="ＭＳ Ｐゴシック" charset="-128"/>
-            </a:endParaRPr>
-          </a:p>
-        </p:txBody>
-      </p:sp>
-      <p:sp>
-        <p:nvSpPr>
-          <p:cNvPr id="6" name="Espace réservé du contenu 5"/>
-          <p:cNvSpPr>
-            <a:spLocks noGrp="1"/>
-          </p:cNvSpPr>
-          <p:nvPr>
-            <p:ph idx="1"/>
-          </p:nvPr>
-        </p:nvSpPr>
-        <p:spPr>
-          <a:xfrm>
-            <a:off x="457200" y="1947672"/>
-            <a:ext cx="8382000" cy="4215384"/>
-          </a:xfrm>
-        </p:spPr>
-        <p:txBody>
-          <a:bodyPr/>
-          <a:lstStyle/>
-          <a:p>
-            <a:pPr>
-              <a:buClr>
-                <a:schemeClr val="accent5"/>
-              </a:buClr>
-              <a:buNone/>
-            </a:pPr>
-            <a:r>
-              <a:rPr lang="fr-FR" sz="2800" dirty="0" smtClean="0">
-                <a:solidFill>
-                  <a:schemeClr val="accent5"/>
-                </a:solidFill>
-              </a:rPr>
-              <a:t>Site web : </a:t>
-            </a:r>
-          </a:p>
-          <a:p>
-            <a:pPr>
-              <a:buClr>
-                <a:schemeClr val="accent5"/>
-              </a:buClr>
-              <a:buNone/>
-            </a:pPr>
-            <a:r>
-              <a:rPr lang="fr-FR" sz="2800" dirty="0" smtClean="0">
-                <a:solidFill>
-                  <a:schemeClr val="accent5"/>
-                </a:solidFill>
-                <a:hlinkClick r:id="rId2"/>
-              </a:rPr>
-              <a:t>http://mynetwork-project.com</a:t>
-            </a:r>
-            <a:endParaRPr lang="fr-FR" sz="2800" dirty="0" smtClean="0">
-              <a:solidFill>
-                <a:schemeClr val="accent5"/>
-              </a:solidFill>
-            </a:endParaRPr>
-          </a:p>
-          <a:p>
-            <a:pPr>
-              <a:buClr>
-                <a:schemeClr val="accent5"/>
-              </a:buClr>
-              <a:buNone/>
-            </a:pPr>
-            <a:r>
-              <a:rPr lang="fr-FR" sz="2800" dirty="0" err="1" smtClean="0">
-                <a:solidFill>
-                  <a:schemeClr val="accent5"/>
-                </a:solidFill>
-              </a:rPr>
-              <a:t>Facebook</a:t>
-            </a:r>
-            <a:r>
-              <a:rPr lang="fr-FR" sz="2800" dirty="0" smtClean="0">
-                <a:solidFill>
-                  <a:schemeClr val="accent5"/>
-                </a:solidFill>
-              </a:rPr>
-              <a:t> :</a:t>
-            </a:r>
-          </a:p>
-          <a:p>
-            <a:pPr>
-              <a:buClr>
-                <a:schemeClr val="accent5"/>
-              </a:buClr>
-              <a:buNone/>
-            </a:pPr>
-            <a:r>
-              <a:rPr lang="fr-FR" sz="2800" dirty="0" smtClean="0">
-                <a:solidFill>
-                  <a:schemeClr val="accent5"/>
-                </a:solidFill>
-                <a:hlinkClick r:id="rId3"/>
-              </a:rPr>
-              <a:t>http://www.facebook.com/myNETwork.Project</a:t>
-            </a:r>
-            <a:endParaRPr lang="fr-FR" sz="2800" dirty="0" smtClean="0">
-              <a:solidFill>
-                <a:schemeClr val="accent5"/>
-              </a:solidFill>
-            </a:endParaRPr>
-          </a:p>
-          <a:p>
-            <a:pPr>
-              <a:buClr>
-                <a:schemeClr val="accent5"/>
-              </a:buClr>
-              <a:buNone/>
-            </a:pPr>
-            <a:r>
-              <a:rPr lang="fr-FR" sz="2800" dirty="0" err="1" smtClean="0">
-                <a:solidFill>
-                  <a:schemeClr val="accent5"/>
-                </a:solidFill>
-              </a:rPr>
-              <a:t>Twitter</a:t>
-            </a:r>
-            <a:r>
-              <a:rPr lang="fr-FR" sz="2800" dirty="0" smtClean="0">
-                <a:solidFill>
-                  <a:schemeClr val="accent5"/>
-                </a:solidFill>
-              </a:rPr>
-              <a:t> :</a:t>
-            </a:r>
-          </a:p>
-          <a:p>
-            <a:pPr>
-              <a:buClr>
-                <a:schemeClr val="accent5"/>
-              </a:buClr>
-              <a:buNone/>
-            </a:pPr>
-            <a:r>
-              <a:rPr lang="fr-FR" sz="2800" dirty="0" smtClean="0">
-                <a:solidFill>
-                  <a:schemeClr val="accent5"/>
-                </a:solidFill>
-                <a:hlinkClick r:id="rId4"/>
-              </a:rPr>
-              <a:t>https://twitter.com/#!/P_myNETwork</a:t>
-            </a:r>
-            <a:endParaRPr lang="fr-FR" sz="2800" dirty="0" smtClean="0">
-              <a:solidFill>
-                <a:schemeClr val="accent5"/>
-              </a:solidFill>
-            </a:endParaRPr>
-          </a:p>
-          <a:p>
-            <a:pPr>
-              <a:buClr>
-                <a:schemeClr val="accent5"/>
-              </a:buClr>
-              <a:buNone/>
-            </a:pPr>
-            <a:r>
-              <a:rPr lang="fr-FR" sz="2800" dirty="0" err="1" smtClean="0">
-                <a:solidFill>
-                  <a:schemeClr val="accent5"/>
-                </a:solidFill>
-              </a:rPr>
-              <a:t>Android</a:t>
-            </a:r>
-            <a:r>
-              <a:rPr lang="fr-FR" sz="2800" dirty="0" smtClean="0">
-                <a:solidFill>
-                  <a:schemeClr val="accent5"/>
-                </a:solidFill>
-              </a:rPr>
-              <a:t> </a:t>
-            </a:r>
-            <a:r>
-              <a:rPr lang="fr-FR" sz="2800" dirty="0" err="1" smtClean="0">
-                <a:solidFill>
-                  <a:schemeClr val="accent5"/>
-                </a:solidFill>
-              </a:rPr>
-              <a:t>market</a:t>
-            </a:r>
-            <a:r>
-              <a:rPr lang="fr-FR" sz="2800" dirty="0" smtClean="0">
-                <a:solidFill>
-                  <a:schemeClr val="accent5"/>
-                </a:solidFill>
-              </a:rPr>
-              <a:t>  : </a:t>
-            </a:r>
-          </a:p>
-          <a:p>
-            <a:pPr>
-              <a:buClr>
-                <a:schemeClr val="accent5"/>
-              </a:buClr>
-              <a:buNone/>
-            </a:pPr>
-            <a:r>
-              <a:rPr lang="fr-FR" sz="2800" dirty="0" smtClean="0">
-                <a:solidFill>
-                  <a:schemeClr val="accent5"/>
-                </a:solidFill>
-                <a:hlinkClick r:id="rId5" invalidUrl="https:///"/>
-              </a:rPr>
-              <a:t>https://</a:t>
-            </a:r>
-            <a:r>
-              <a:rPr lang="fr-FR" sz="2800" dirty="0" smtClean="0">
-                <a:solidFill>
-                  <a:schemeClr val="accent5"/>
-                </a:solidFill>
-                <a:hlinkClick r:id="rId2"/>
-              </a:rPr>
-              <a:t>market.android.com/details?id=com.myNETwork</a:t>
-            </a:r>
-            <a:endParaRPr lang="fr-FR" sz="2800" dirty="0">
-              <a:solidFill>
-                <a:schemeClr val="accent5"/>
-              </a:solidFill>
             </a:endParaRPr>
           </a:p>
         </p:txBody>
@@ -5211,176 +5331,6 @@
       </p:sp>
       <p:sp>
         <p:nvSpPr>
-          <p:cNvPr id="7" name="Espace réservé du contenu 7"/>
-          <p:cNvSpPr>
-            <a:spLocks noGrp="1"/>
-          </p:cNvSpPr>
-          <p:nvPr>
-            <p:ph idx="1"/>
-          </p:nvPr>
-        </p:nvSpPr>
-        <p:spPr>
-          <a:xfrm>
-            <a:off x="457200" y="1905712"/>
-            <a:ext cx="8229600" cy="4320000"/>
-          </a:xfrm>
-        </p:spPr>
-        <p:txBody>
-          <a:bodyPr/>
-          <a:lstStyle/>
-          <a:p>
-            <a:r>
-              <a:rPr lang="fr-FR" sz="2400" dirty="0" smtClean="0">
-                <a:solidFill>
-                  <a:schemeClr val="accent5"/>
-                </a:solidFill>
-              </a:rPr>
-              <a:t>Lancement de l’application </a:t>
-            </a:r>
-            <a:r>
-              <a:rPr lang="fr-FR" sz="2400" dirty="0" err="1" smtClean="0">
-                <a:solidFill>
-                  <a:schemeClr val="accent5"/>
-                </a:solidFill>
-              </a:rPr>
-              <a:t>android</a:t>
-            </a:r>
-            <a:r>
-              <a:rPr lang="fr-FR" sz="2400" dirty="0" smtClean="0">
-                <a:solidFill>
-                  <a:schemeClr val="accent5"/>
-                </a:solidFill>
-              </a:rPr>
-              <a:t> le 08 août 2011 :</a:t>
-            </a:r>
-          </a:p>
-          <a:p>
-            <a:pPr lvl="1">
-              <a:buFontTx/>
-              <a:buChar char="-"/>
-            </a:pPr>
-            <a:r>
-              <a:rPr lang="fr-FR" sz="2000" dirty="0" smtClean="0">
-                <a:solidFill>
-                  <a:schemeClr val="accent5"/>
-                </a:solidFill>
-              </a:rPr>
-              <a:t>2400</a:t>
-            </a:r>
-            <a:r>
-              <a:rPr lang="fr-FR" sz="2000" dirty="0" smtClean="0">
-                <a:solidFill>
-                  <a:schemeClr val="accent5"/>
-                </a:solidFill>
-              </a:rPr>
-              <a:t> téléchargements</a:t>
-            </a:r>
-          </a:p>
-          <a:p>
-            <a:pPr lvl="1">
-              <a:buFontTx/>
-              <a:buChar char="-"/>
-            </a:pPr>
-            <a:r>
-              <a:rPr lang="fr-FR" sz="2000" dirty="0" smtClean="0">
-                <a:solidFill>
-                  <a:schemeClr val="accent5"/>
-                </a:solidFill>
-              </a:rPr>
-              <a:t>700 </a:t>
-            </a:r>
-            <a:r>
-              <a:rPr lang="fr-FR" sz="2000" dirty="0" smtClean="0">
-                <a:solidFill>
-                  <a:schemeClr val="accent5"/>
-                </a:solidFill>
-              </a:rPr>
-              <a:t>utilisateurs </a:t>
-            </a:r>
-            <a:r>
-              <a:rPr lang="fr-FR" sz="2000" dirty="0" smtClean="0">
-                <a:solidFill>
-                  <a:schemeClr val="accent5"/>
-                </a:solidFill>
-              </a:rPr>
-              <a:t>actifs</a:t>
-            </a:r>
-          </a:p>
-          <a:p>
-            <a:pPr lvl="1">
-              <a:buFontTx/>
-              <a:buChar char="-"/>
-            </a:pPr>
-            <a:r>
-              <a:rPr lang="fr-FR" sz="2000" dirty="0" smtClean="0">
-                <a:solidFill>
-                  <a:schemeClr val="accent5"/>
-                </a:solidFill>
-              </a:rPr>
-              <a:t>6500 pages vues par jour</a:t>
-            </a:r>
-          </a:p>
-          <a:p>
-            <a:pPr lvl="1">
-              <a:buFontTx/>
-              <a:buChar char="-"/>
-            </a:pPr>
-            <a:r>
-              <a:rPr lang="fr-FR" sz="2000" dirty="0" smtClean="0">
-                <a:solidFill>
-                  <a:schemeClr val="accent5"/>
-                </a:solidFill>
-              </a:rPr>
-              <a:t>70 000 appels à l’API </a:t>
-            </a:r>
-            <a:r>
-              <a:rPr lang="fr-FR" sz="2000" dirty="0" err="1" smtClean="0">
-                <a:solidFill>
-                  <a:schemeClr val="accent5"/>
-                </a:solidFill>
-              </a:rPr>
-              <a:t>Faceboo</a:t>
-            </a:r>
-            <a:r>
-              <a:rPr lang="fr-FR" sz="2000" dirty="0" err="1" smtClean="0">
-                <a:solidFill>
-                  <a:schemeClr val="accent5"/>
-                </a:solidFill>
-              </a:rPr>
-              <a:t>k</a:t>
-            </a:r>
-            <a:r>
-              <a:rPr lang="fr-FR" sz="2000" dirty="0" smtClean="0">
-                <a:solidFill>
-                  <a:schemeClr val="accent5"/>
-                </a:solidFill>
-              </a:rPr>
-              <a:t> par jour</a:t>
-            </a:r>
-          </a:p>
-          <a:p>
-            <a:pPr lvl="1">
-              <a:buFontTx/>
-              <a:buChar char="-"/>
-            </a:pPr>
-            <a:r>
-              <a:rPr lang="fr-FR" sz="2000" dirty="0" smtClean="0">
-                <a:solidFill>
-                  <a:schemeClr val="accent5"/>
-                </a:solidFill>
-              </a:rPr>
-              <a:t>35 notes, avec une moyenne de 4.3/5</a:t>
-            </a:r>
-            <a:endParaRPr lang="fr-FR" sz="2000" dirty="0" smtClean="0">
-              <a:solidFill>
-                <a:schemeClr val="accent5"/>
-              </a:solidFill>
-            </a:endParaRPr>
-          </a:p>
-        </p:txBody>
-      </p:sp>
-      <p:sp>
-        <p:nvSpPr>
           <p:cNvPr id="9" name="Titre 3"/>
           <p:cNvSpPr txBox="1">
             <a:spLocks/>
@@ -5442,6 +5392,32 @@
           </a:p>
         </p:txBody>
       </p:sp>
+      <p:pic>
+        <p:nvPicPr>
+          <p:cNvPr id="1028" name="Picture 4" descr="C:\eip-silverlight\Docs\eip 10.09.11\market pays 2.png"/>
+          <p:cNvPicPr>
+            <a:picLocks noChangeAspect="1" noChangeArrowheads="1"/>
+          </p:cNvPicPr>
+          <p:nvPr/>
+        </p:nvPicPr>
+        <p:blipFill>
+          <a:blip r:embed="rId2"/>
+          <a:srcRect/>
+          <a:stretch>
+            <a:fillRect/>
+          </a:stretch>
+        </p:blipFill>
+        <p:spPr bwMode="auto">
+          <a:xfrm>
+            <a:off x="162229" y="2227763"/>
+            <a:ext cx="8839199" cy="3124033"/>
+          </a:xfrm>
+          <a:prstGeom prst="rect">
+            <a:avLst/>
+          </a:prstGeom>
+          <a:noFill/>
+        </p:spPr>
+      </p:pic>
     </p:spTree>
   </p:cSld>
   <p:clrMapOvr>
@@ -5547,9 +5523,15 @@
               <a:buClr>
                 <a:schemeClr val="accent5"/>
               </a:buClr>
-              <a:buFont typeface="Arial" pitchFamily="34" charset="0"/>
-              <a:buChar char="•"/>
             </a:pPr>
+            <a:r>
+              <a:rPr lang="fr-FR" sz="2400" dirty="0" smtClean="0">
+                <a:solidFill>
+                  <a:schemeClr val="accent5"/>
+                </a:solidFill>
+              </a:rPr>
+              <a:t>Nouveaux acquis</a:t>
+            </a:r>
             <a:endParaRPr lang="fr-FR" sz="2400" dirty="0" smtClean="0">
               <a:solidFill>
                 <a:schemeClr val="accent5"/>
@@ -5577,7 +5559,7 @@
                   <a:schemeClr val="accent5"/>
                 </a:solidFill>
               </a:rPr>
-              <a:t>Fonctionnalités</a:t>
+              <a:t>Gestion de projets</a:t>
             </a:r>
           </a:p>
           <a:p>
@@ -5601,15 +5583,8 @@
                   <a:schemeClr val="accent5"/>
                 </a:solidFill>
               </a:rPr>
-              <a:t>Application Web en version Alpha</a:t>
-            </a:r>
-            <a:endParaRPr lang="fr-FR" sz="2400" dirty="0" smtClean="0">
-              <a:solidFill>
-                <a:schemeClr val="accent5"/>
-              </a:solidFill>
-              <a:ea typeface="ＭＳ Ｐゴシック" charset="-128"/>
-              <a:cs typeface="ＭＳ Ｐゴシック" charset="-128"/>
-            </a:endParaRPr>
+              <a:t>Découverte du développement mobile</a:t>
+            </a:r>
           </a:p>
           <a:p>
             <a:pPr marL="342900" indent="-342900" fontAlgn="base">
@@ -5632,6 +5607,104 @@
                   <a:schemeClr val="accent5"/>
                 </a:solidFill>
               </a:rPr>
+              <a:t>Marketing et communication</a:t>
+            </a:r>
+          </a:p>
+          <a:p>
+            <a:pPr marL="342900" indent="-342900" fontAlgn="base">
+              <a:spcBef>
+                <a:spcPct val="20000"/>
+              </a:spcBef>
+              <a:spcAft>
+                <a:spcPct val="0"/>
+              </a:spcAft>
+              <a:buClr>
+                <a:schemeClr val="accent5"/>
+              </a:buClr>
+              <a:buFont typeface="Arial" charset="0"/>
+              <a:buChar char="•"/>
+              <a:defRPr/>
+            </a:pPr>
+            <a:endParaRPr lang="fr-FR" sz="2400" dirty="0" smtClean="0">
+              <a:solidFill>
+                <a:schemeClr val="accent5"/>
+              </a:solidFill>
+            </a:endParaRPr>
+          </a:p>
+          <a:p>
+            <a:pPr marL="342900" indent="-342900" fontAlgn="base">
+              <a:spcBef>
+                <a:spcPct val="20000"/>
+              </a:spcBef>
+              <a:spcAft>
+                <a:spcPct val="0"/>
+              </a:spcAft>
+              <a:buClr>
+                <a:schemeClr val="accent5"/>
+              </a:buClr>
+              <a:defRPr/>
+            </a:pPr>
+            <a:r>
+              <a:rPr lang="fr-FR" sz="2400" dirty="0" smtClean="0">
+                <a:solidFill>
+                  <a:schemeClr val="accent5"/>
+                </a:solidFill>
+              </a:rPr>
+              <a:t>Avancement</a:t>
+            </a:r>
+          </a:p>
+          <a:p>
+            <a:pPr marL="342900" indent="-342900" fontAlgn="base">
+              <a:spcBef>
+                <a:spcPct val="20000"/>
+              </a:spcBef>
+              <a:spcAft>
+                <a:spcPct val="0"/>
+              </a:spcAft>
+              <a:buClr>
+                <a:schemeClr val="accent5"/>
+              </a:buClr>
+              <a:buFont typeface="Arial" charset="0"/>
+              <a:buChar char="•"/>
+              <a:defRPr/>
+            </a:pPr>
+            <a:r>
+              <a:rPr lang="fr-FR" sz="2400" dirty="0" smtClean="0">
+                <a:solidFill>
+                  <a:schemeClr val="accent5"/>
+                </a:solidFill>
+              </a:rPr>
+              <a:t>Version Web disponible</a:t>
+            </a:r>
+            <a:endParaRPr lang="fr-FR" sz="2400" dirty="0" smtClean="0">
+              <a:solidFill>
+                <a:schemeClr val="accent5"/>
+              </a:solidFill>
+              <a:ea typeface="ＭＳ Ｐゴシック" charset="-128"/>
+              <a:cs typeface="ＭＳ Ｐゴシック" charset="-128"/>
+            </a:endParaRPr>
+          </a:p>
+          <a:p>
+            <a:pPr marL="342900" indent="-342900" fontAlgn="base">
+              <a:spcBef>
+                <a:spcPct val="20000"/>
+              </a:spcBef>
+              <a:spcAft>
+                <a:spcPct val="0"/>
+              </a:spcAft>
+              <a:buClr>
+                <a:schemeClr val="accent5"/>
+              </a:buClr>
+              <a:buFont typeface="Arial" charset="0"/>
+              <a:buChar char="•"/>
+              <a:defRPr/>
+            </a:pPr>
+            <a:r>
+              <a:rPr lang="fr-FR" sz="2400" dirty="0" smtClean="0">
+                <a:solidFill>
+                  <a:schemeClr val="accent5"/>
+                </a:solidFill>
+              </a:rPr>
               <a:t>Version </a:t>
             </a:r>
             <a:r>
@@ -5648,7 +5721,15 @@
                   <a:schemeClr val="accent5"/>
                 </a:solidFill>
               </a:rPr>
-              <a:t> disponible en Beta</a:t>
+              <a:t> </a:t>
+            </a:r>
+            <a:r>
+              <a:rPr lang="fr-FR" sz="2400" dirty="0" smtClean="0">
+                <a:solidFill>
+                  <a:schemeClr val="accent5"/>
+                </a:solidFill>
+              </a:rPr>
+              <a:t>disponible</a:t>
             </a:r>
             <a:endParaRPr lang="fr-FR" sz="2400" dirty="0" smtClean="0">
               <a:solidFill>
@@ -5719,8 +5800,21 @@
                   <a:schemeClr val="accent5"/>
                 </a:solidFill>
               </a:rPr>
-              <a:t> en conception</a:t>
-            </a:r>
+              <a:t> en </a:t>
+            </a:r>
+            <a:r>
+              <a:rPr lang="fr-FR" sz="2400" dirty="0" smtClean="0">
+                <a:solidFill>
+                  <a:schemeClr val="accent5"/>
+                </a:solidFill>
+              </a:rPr>
+              <a:t>cours de conception</a:t>
+            </a:r>
+            <a:endParaRPr lang="fr-FR" sz="2400" dirty="0" smtClean="0">
+              <a:solidFill>
+                <a:schemeClr val="accent5"/>
+              </a:solidFill>
+            </a:endParaRPr>
           </a:p>
           <a:p>
             <a:pPr>
@@ -5910,15 +6004,11 @@
             </a:pPr>
             <a:r>
               <a:rPr lang="fr-FR" sz="3600" dirty="0" smtClean="0"/>
-              <a:t>Gros </a:t>
+              <a:t>P</a:t>
             </a:r>
             <a:r>
               <a:rPr lang="fr-FR" sz="3600" dirty="0" smtClean="0"/>
-              <a:t>potentiel restant à exploiter </a:t>
-            </a:r>
-            <a:r>
-              <a:rPr lang="fr-FR" sz="3600" dirty="0" smtClean="0"/>
-              <a:t>:</a:t>
+              <a:t>otentiel important</a:t>
             </a:r>
             <a:endParaRPr lang="fr-FR" sz="3600" dirty="0" smtClean="0"/>
           </a:p>
@@ -5993,7 +6083,7 @@
               <a:t>Ajout </a:t>
             </a:r>
             <a:r>
-              <a:rPr kumimoji="0" lang="fr-FR" sz="2400" b="0" i="0" u="none" strike="noStrike" kern="1200" cap="none" spc="0" normalizeH="0" baseline="0" noProof="0" dirty="0" err="1" smtClean="0">
+              <a:rPr kumimoji="0" lang="fr-FR" sz="2400" b="0" i="0" u="none" strike="noStrike" kern="1200" cap="none" spc="0" normalizeH="0" baseline="0" noProof="0" dirty="0" smtClean="0">
                 <a:ln>
                   <a:noFill/>
                 </a:ln>
@@ -6007,10 +6097,10 @@
                 <a:ea typeface="ＭＳ Ｐゴシック" charset="-128"/>
                 <a:cs typeface="ＭＳ Ｐゴシック" charset="-128"/>
               </a:rPr>
-              <a:t>de</a:t>
-            </a:r>
-            <a:r>
-              <a:rPr kumimoji="0" lang="fr-FR" sz="2400" b="0" i="0" u="none" strike="noStrike" kern="1200" cap="none" spc="0" normalizeH="0" noProof="0" dirty="0" err="1" smtClean="0">
+              <a:t>de </a:t>
+            </a:r>
+            <a:r>
+              <a:rPr kumimoji="0" lang="fr-FR" sz="2400" b="0" i="0" u="none" strike="noStrike" kern="1200" cap="none" spc="0" normalizeH="0" noProof="0" dirty="0" smtClean="0">
                 <a:ln>
                   <a:noFill/>
                 </a:ln>
@@ -6024,24 +6114,7 @@
                 <a:ea typeface="ＭＳ Ｐゴシック" charset="-128"/>
                 <a:cs typeface="ＭＳ Ｐゴシック" charset="-128"/>
               </a:rPr>
-              <a:t>réseau</a:t>
-            </a:r>
-            <a:r>
-              <a:rPr kumimoji="0" lang="fr-FR" sz="2400" b="0" i="0" u="none" strike="noStrike" kern="1200" cap="none" spc="0" normalizeH="0" noProof="0" dirty="0" smtClean="0">
-                <a:ln>
-                  <a:noFill/>
-                </a:ln>
-                <a:solidFill>
-                  <a:schemeClr val="accent5"/>
-                </a:solidFill>
-                <a:effectLst/>
-                <a:uLnTx/>
-                <a:uFillTx/>
-                <a:latin typeface="+mn-lt"/>
-                <a:ea typeface="ＭＳ Ｐゴシック" charset="-128"/>
-                <a:cs typeface="ＭＳ Ｐゴシック" charset="-128"/>
-              </a:rPr>
-              <a:t> </a:t>
+              <a:t>réseaux </a:t>
             </a:r>
             <a:r>
               <a:rPr kumimoji="0" lang="fr-FR" sz="2400" b="0" i="0" u="none" strike="noStrike" kern="1200" cap="none" spc="0" normalizeH="0" noProof="0" dirty="0" smtClean="0">
@@ -6255,27 +6328,37 @@
                 <a:ea typeface="ＭＳ Ｐゴシック" charset="-128"/>
                 <a:cs typeface="ＭＳ Ｐゴシック" charset="-128"/>
               </a:rPr>
-              <a:t> </a:t>
-            </a:r>
-            <a:r>
-              <a:rPr lang="fr-FR" sz="2400" dirty="0" smtClean="0">
+              <a:t> Windows Phone et </a:t>
+            </a:r>
+            <a:r>
+              <a:rPr lang="fr-FR" sz="2400" dirty="0" err="1" smtClean="0">
                 <a:solidFill>
                   <a:schemeClr val="accent5"/>
                 </a:solidFill>
                 <a:ea typeface="ＭＳ Ｐゴシック" charset="-128"/>
                 <a:cs typeface="ＭＳ Ｐゴシック" charset="-128"/>
               </a:rPr>
-              <a:t>Windows Phone et </a:t>
-            </a:r>
-            <a:r>
-              <a:rPr lang="fr-FR" sz="2400" dirty="0" err="1" smtClean="0">
+              <a:t>iPhone</a:t>
+            </a:r>
+            <a:r>
+              <a:rPr lang="fr-FR" sz="2400" dirty="0" smtClean="0">
                 <a:solidFill>
                   <a:schemeClr val="accent5"/>
                 </a:solidFill>
                 <a:ea typeface="ＭＳ Ｐゴシック" charset="-128"/>
                 <a:cs typeface="ＭＳ Ｐゴシック" charset="-128"/>
               </a:rPr>
-              <a:t>iPhone</a:t>
+              <a:t>/</a:t>
+            </a:r>
+            <a:r>
+              <a:rPr lang="fr-FR" sz="2400" dirty="0" err="1" smtClean="0">
+                <a:solidFill>
+                  <a:schemeClr val="accent5"/>
+                </a:solidFill>
+                <a:ea typeface="ＭＳ Ｐゴシック" charset="-128"/>
+                <a:cs typeface="ＭＳ Ｐゴシック" charset="-128"/>
+              </a:rPr>
+              <a:t>iPad</a:t>
             </a:r>
             <a:endParaRPr lang="fr-FR" sz="2400" dirty="0" smtClean="0">
               <a:solidFill>
@@ -6313,7 +6396,135 @@
                 <a:ea typeface="ＭＳ Ｐゴシック" charset="-128"/>
                 <a:cs typeface="ＭＳ Ｐゴシック" charset="-128"/>
               </a:rPr>
-              <a:t>Ajout de nouvelles fonctionnalités exclusives</a:t>
+              <a:t>Ajout de nouvelles fonctionnalités </a:t>
+            </a:r>
+            <a:r>
+              <a:rPr lang="fr-FR" sz="2400" dirty="0" smtClean="0">
+                <a:solidFill>
+                  <a:schemeClr val="accent5"/>
+                </a:solidFill>
+                <a:ea typeface="ＭＳ Ｐゴシック" charset="-128"/>
+                <a:cs typeface="ＭＳ Ｐゴシック" charset="-128"/>
+              </a:rPr>
+              <a:t>exclusives</a:t>
+            </a:r>
+          </a:p>
+          <a:p>
+            <a:pPr marL="800100" lvl="1" indent="-342900" fontAlgn="base">
+              <a:spcBef>
+                <a:spcPct val="20000"/>
+              </a:spcBef>
+              <a:spcAft>
+                <a:spcPct val="0"/>
+              </a:spcAft>
+              <a:buClr>
+                <a:schemeClr val="accent5"/>
+              </a:buClr>
+              <a:buFont typeface="Arial" charset="0"/>
+              <a:buChar char="•"/>
+              <a:defRPr/>
+            </a:pPr>
+            <a:r>
+              <a:rPr kumimoji="0" lang="fr-FR" sz="2400" b="0" i="0" u="none" strike="noStrike" kern="1200" cap="none" spc="0" normalizeH="0" baseline="0" noProof="0" dirty="0" smtClean="0">
+                <a:ln>
+                  <a:noFill/>
+                </a:ln>
+                <a:solidFill>
+                  <a:schemeClr val="accent5"/>
+                </a:solidFill>
+                <a:effectLst/>
+                <a:uLnTx/>
+                <a:uFillTx/>
+                <a:latin typeface="+mn-lt"/>
+                <a:ea typeface="ＭＳ Ｐゴシック" charset="-128"/>
+                <a:cs typeface="ＭＳ Ｐゴシック" charset="-128"/>
+              </a:rPr>
+              <a:t>Chat</a:t>
+            </a:r>
+          </a:p>
+          <a:p>
+            <a:pPr marL="800100" lvl="1" indent="-342900" fontAlgn="base">
+              <a:spcBef>
+                <a:spcPct val="20000"/>
+              </a:spcBef>
+              <a:spcAft>
+                <a:spcPct val="0"/>
+              </a:spcAft>
+              <a:buClr>
+                <a:schemeClr val="accent5"/>
+              </a:buClr>
+              <a:buFont typeface="Arial" charset="0"/>
+              <a:buChar char="•"/>
+              <a:defRPr/>
+            </a:pPr>
+            <a:r>
+              <a:rPr lang="fr-FR" sz="2400" dirty="0" smtClean="0">
+                <a:solidFill>
+                  <a:schemeClr val="accent5"/>
+                </a:solidFill>
+                <a:ea typeface="ＭＳ Ｐゴシック" charset="-128"/>
+                <a:cs typeface="ＭＳ Ｐゴシック" charset="-128"/>
+              </a:rPr>
+              <a:t>Interactions entre les réseaux</a:t>
+            </a:r>
+          </a:p>
+          <a:p>
+            <a:pPr marL="800100" lvl="1" indent="-342900" fontAlgn="base">
+              <a:spcBef>
+                <a:spcPct val="20000"/>
+              </a:spcBef>
+              <a:spcAft>
+                <a:spcPct val="0"/>
+              </a:spcAft>
+              <a:buClr>
+                <a:schemeClr val="accent5"/>
+              </a:buClr>
+              <a:buFont typeface="Arial" charset="0"/>
+              <a:buChar char="•"/>
+              <a:defRPr/>
+            </a:pPr>
+            <a:r>
+              <a:rPr lang="fr-FR" sz="2400" dirty="0" smtClean="0">
+                <a:solidFill>
+                  <a:schemeClr val="accent5"/>
+                </a:solidFill>
+                <a:ea typeface="ＭＳ Ｐゴシック" charset="-128"/>
+                <a:cs typeface="ＭＳ Ｐゴシック" charset="-128"/>
+              </a:rPr>
+              <a:t>Envoi de statut en différé</a:t>
+            </a:r>
+          </a:p>
+          <a:p>
+            <a:pPr marL="800100" lvl="1" indent="-342900" fontAlgn="base">
+              <a:spcBef>
+                <a:spcPct val="20000"/>
+              </a:spcBef>
+              <a:spcAft>
+                <a:spcPct val="0"/>
+              </a:spcAft>
+              <a:buClr>
+                <a:schemeClr val="accent5"/>
+              </a:buClr>
+              <a:buFont typeface="Arial" charset="0"/>
+              <a:buChar char="•"/>
+              <a:defRPr/>
+            </a:pPr>
+            <a:r>
+              <a:rPr kumimoji="0" lang="fr-FR" sz="2400" b="0" i="0" u="none" strike="noStrike" kern="1200" cap="none" spc="0" normalizeH="0" baseline="0" noProof="0" dirty="0" smtClean="0">
+                <a:ln>
+                  <a:noFill/>
+                </a:ln>
+                <a:solidFill>
+                  <a:schemeClr val="accent5"/>
+                </a:solidFill>
+                <a:effectLst/>
+                <a:uLnTx/>
+                <a:uFillTx/>
+                <a:latin typeface="+mn-lt"/>
+                <a:ea typeface="ＭＳ Ｐゴシック" charset="-128"/>
+                <a:cs typeface="ＭＳ Ｐゴシック" charset="-128"/>
+              </a:rPr>
+              <a:t>Lecture de flux RSS</a:t>
             </a:r>
             <a:endParaRPr kumimoji="0" lang="fr-FR" sz="2400" b="0" i="0" u="none" strike="noStrike" kern="1200" cap="none" spc="0" normalizeH="0" baseline="0" noProof="0" dirty="0" smtClean="0">
               <a:ln>
@@ -6459,7 +6670,7 @@
         </p:nvSpPr>
         <p:spPr>
           <a:xfrm>
-            <a:off x="457200" y="1726250"/>
+            <a:off x="457200" y="1260761"/>
             <a:ext cx="8229600" cy="4512180"/>
           </a:xfrm>
         </p:spPr>
@@ -6468,7 +6679,7 @@
           <a:lstStyle/>
           <a:p>
             <a:r>
-              <a:rPr lang="fr-FR" sz="2400" dirty="0" smtClean="0">
+              <a:rPr lang="fr-FR" sz="4400" dirty="0" smtClean="0">
                 <a:solidFill>
                   <a:schemeClr val="accent5"/>
                 </a:solidFill>
@@ -6478,7 +6689,7 @@
           </a:p>
           <a:p>
             <a:r>
-              <a:rPr lang="fr-FR" sz="2400" dirty="0" smtClean="0">
+              <a:rPr lang="fr-FR" sz="4400" dirty="0" smtClean="0">
                 <a:solidFill>
                   <a:schemeClr val="accent5"/>
                 </a:solidFill>
@@ -6488,7 +6699,7 @@
           </a:p>
           <a:p>
             <a:r>
-              <a:rPr lang="fr-FR" sz="2400" dirty="0" smtClean="0">
+              <a:rPr lang="fr-FR" sz="4400" dirty="0" smtClean="0">
                 <a:solidFill>
                   <a:schemeClr val="accent5"/>
                 </a:solidFill>
@@ -6498,24 +6709,14 @@
           </a:p>
           <a:p>
             <a:r>
-              <a:rPr lang="fr-FR" sz="2400" dirty="0" smtClean="0">
-                <a:solidFill>
-                  <a:schemeClr val="accent5"/>
-                </a:solidFill>
-              </a:rPr>
-              <a:t>Silverlight</a:t>
-            </a:r>
-          </a:p>
-          <a:p>
-            <a:r>
-              <a:rPr lang="fr-FR" sz="2400" dirty="0" err="1" smtClean="0">
-                <a:solidFill>
-                  <a:schemeClr val="accent5"/>
-                </a:solidFill>
-              </a:rPr>
-              <a:t>Android</a:t>
-            </a:r>
-            <a:endParaRPr lang="fr-FR" sz="2400" dirty="0" smtClean="0">
+              <a:rPr lang="fr-FR" sz="4400" dirty="0" smtClean="0">
+                <a:solidFill>
+                  <a:schemeClr val="accent5"/>
+                </a:solidFill>
+              </a:rPr>
+              <a:t>Applications</a:t>
+            </a:r>
+            <a:endParaRPr lang="fr-FR" sz="4400" dirty="0" smtClean="0">
               <a:solidFill>
                 <a:schemeClr val="accent5"/>
               </a:solidFill>
@@ -6523,32 +6724,7 @@
           </a:p>
           <a:p>
             <a:r>
-              <a:rPr lang="fr-FR" sz="2400" dirty="0" smtClean="0">
-                <a:solidFill>
-                  <a:schemeClr val="accent5"/>
-                </a:solidFill>
-              </a:rPr>
-              <a:t>Windows Phone 7</a:t>
-            </a:r>
-          </a:p>
-          <a:p>
-            <a:r>
-              <a:rPr lang="fr-FR" sz="2400" dirty="0" err="1" smtClean="0">
-                <a:solidFill>
-                  <a:schemeClr val="accent5"/>
-                </a:solidFill>
-              </a:rPr>
-              <a:t>iPhone</a:t>
-            </a:r>
-            <a:endParaRPr lang="fr-FR" sz="2400" dirty="0" smtClean="0">
-              <a:solidFill>
-                <a:schemeClr val="accent5"/>
-              </a:solidFill>
-            </a:endParaRPr>
-          </a:p>
-          <a:p>
-            <a:r>
-              <a:rPr lang="fr-FR" sz="2400" dirty="0" smtClean="0">
+              <a:rPr lang="fr-FR" sz="4400" dirty="0" smtClean="0">
                 <a:solidFill>
                   <a:schemeClr val="accent5"/>
                 </a:solidFill>
@@ -6558,7 +6734,7 @@
           </a:p>
           <a:p>
             <a:r>
-              <a:rPr lang="fr-FR" sz="2400" dirty="0" smtClean="0">
+              <a:rPr lang="fr-FR" sz="4400" dirty="0" smtClean="0">
                 <a:solidFill>
                   <a:schemeClr val="accent5"/>
                 </a:solidFill>
@@ -6649,7 +6825,7 @@
         </p:nvSpPr>
         <p:spPr>
           <a:xfrm>
-            <a:off x="457200" y="1854436"/>
+            <a:off x="457200" y="1906717"/>
             <a:ext cx="8229600" cy="4383993"/>
           </a:xfrm>
         </p:spPr>
@@ -6658,83 +6834,173 @@
           <a:lstStyle/>
           <a:p>
             <a:r>
-              <a:rPr lang="fr-FR" sz="2400" dirty="0" smtClean="0">
-                <a:solidFill>
-                  <a:schemeClr val="accent5"/>
-                </a:solidFill>
-              </a:rPr>
-              <a:t>Chef de Projet : Clément BONFILS</a:t>
-            </a:r>
-          </a:p>
-          <a:p>
-            <a:r>
-              <a:rPr lang="fr-FR" sz="2400" dirty="0" smtClean="0">
-                <a:solidFill>
-                  <a:schemeClr val="accent5"/>
-                </a:solidFill>
-              </a:rPr>
-              <a:t>Carole CHEVALIER</a:t>
-            </a:r>
-          </a:p>
-          <a:p>
-            <a:r>
-              <a:rPr lang="fr-FR" sz="2400" dirty="0" smtClean="0">
-                <a:solidFill>
-                  <a:schemeClr val="accent5"/>
-                </a:solidFill>
-              </a:rPr>
-              <a:t>Aurélien BÉDUER</a:t>
-            </a:r>
-          </a:p>
-          <a:p>
-            <a:r>
-              <a:rPr lang="fr-FR" sz="2400" dirty="0" smtClean="0">
-                <a:solidFill>
-                  <a:schemeClr val="accent5"/>
-                </a:solidFill>
-              </a:rPr>
-              <a:t>Fabien LE MOIGN</a:t>
-            </a:r>
-          </a:p>
-          <a:p>
-            <a:r>
-              <a:rPr lang="fr-FR" sz="2400" dirty="0" smtClean="0">
-                <a:solidFill>
-                  <a:schemeClr val="accent5"/>
-                </a:solidFill>
-              </a:rPr>
-              <a:t>Luc FASQUELLE</a:t>
-            </a:r>
-          </a:p>
-          <a:p>
-            <a:r>
-              <a:rPr lang="fr-FR" sz="2400" dirty="0" smtClean="0">
-                <a:solidFill>
-                  <a:schemeClr val="accent5"/>
-                </a:solidFill>
-              </a:rPr>
-              <a:t>Graphiste extérieur : </a:t>
-            </a:r>
-            <a:r>
-              <a:rPr lang="fr-FR" sz="2400" dirty="0" err="1" smtClean="0">
-                <a:solidFill>
-                  <a:schemeClr val="accent5"/>
-                </a:solidFill>
-              </a:rPr>
-              <a:t>Jocelin</a:t>
-            </a:r>
-            <a:r>
-              <a:rPr lang="fr-FR" sz="2400" dirty="0" smtClean="0">
-                <a:solidFill>
-                  <a:schemeClr val="accent5"/>
-                </a:solidFill>
-              </a:rPr>
-              <a:t> FRANCEZON</a:t>
-            </a:r>
-            <a:endParaRPr lang="fr-FR" sz="2400" dirty="0">
+              <a:rPr lang="fr-FR" sz="3600" dirty="0" smtClean="0">
+                <a:solidFill>
+                  <a:schemeClr val="accent5"/>
+                </a:solidFill>
+              </a:rPr>
+              <a:t>Clément BONFILS : Chef de </a:t>
+            </a:r>
+            <a:r>
+              <a:rPr lang="fr-FR" sz="3600" dirty="0" smtClean="0">
+                <a:solidFill>
+                  <a:schemeClr val="accent5"/>
+                </a:solidFill>
+              </a:rPr>
+              <a:t>Projet</a:t>
+            </a:r>
+            <a:endParaRPr lang="fr-FR" sz="3600" dirty="0" smtClean="0">
               <a:solidFill>
                 <a:schemeClr val="accent5"/>
               </a:solidFill>
+            </a:endParaRPr>
+          </a:p>
+          <a:p>
+            <a:r>
+              <a:rPr lang="fr-FR" sz="3600" dirty="0" smtClean="0">
+                <a:solidFill>
+                  <a:schemeClr val="accent5"/>
+                </a:solidFill>
+              </a:rPr>
+              <a:t>Carole CHEVALIER</a:t>
+            </a:r>
+          </a:p>
+          <a:p>
+            <a:r>
+              <a:rPr lang="fr-FR" sz="3600" dirty="0" smtClean="0">
+                <a:solidFill>
+                  <a:schemeClr val="accent5"/>
+                </a:solidFill>
+              </a:rPr>
+              <a:t>Aurélien BÉDUER</a:t>
+            </a:r>
+          </a:p>
+          <a:p>
+            <a:r>
+              <a:rPr lang="fr-FR" sz="3600" dirty="0" smtClean="0">
+                <a:solidFill>
+                  <a:schemeClr val="accent5"/>
+                </a:solidFill>
+              </a:rPr>
+              <a:t>Fabien LE MOIGN</a:t>
+            </a:r>
+          </a:p>
+          <a:p>
+            <a:r>
+              <a:rPr lang="fr-FR" sz="3600" dirty="0" smtClean="0">
+                <a:solidFill>
+                  <a:schemeClr val="accent5"/>
+                </a:solidFill>
+              </a:rPr>
+              <a:t>Luc FASQUELLE</a:t>
+            </a:r>
+          </a:p>
+          <a:p>
+            <a:r>
+              <a:rPr lang="fr-FR" sz="3600" dirty="0" err="1" smtClean="0">
+                <a:solidFill>
+                  <a:schemeClr val="accent5"/>
+                </a:solidFill>
+              </a:rPr>
+              <a:t>Jocelin</a:t>
+            </a:r>
+            <a:r>
+              <a:rPr lang="fr-FR" sz="3600" dirty="0" smtClean="0">
+                <a:solidFill>
+                  <a:schemeClr val="accent5"/>
+                </a:solidFill>
+              </a:rPr>
+              <a:t> FRANCEZON : Graphiste </a:t>
+            </a:r>
+            <a:r>
+              <a:rPr lang="fr-FR" sz="3600" dirty="0" smtClean="0">
+                <a:solidFill>
+                  <a:schemeClr val="accent5"/>
+                </a:solidFill>
+              </a:rPr>
+              <a:t>extérieur</a:t>
+            </a:r>
+            <a:endParaRPr lang="fr-FR" sz="3600" dirty="0">
+              <a:solidFill>
+                <a:schemeClr val="accent5"/>
+              </a:solidFill>
+            </a:endParaRPr>
+          </a:p>
+        </p:txBody>
+      </p:sp>
+      <p:sp>
+        <p:nvSpPr>
+          <p:cNvPr id="5" name="Titre 3"/>
+          <p:cNvSpPr txBox="1">
+            <a:spLocks/>
+          </p:cNvSpPr>
+          <p:nvPr/>
+        </p:nvSpPr>
+        <p:spPr bwMode="auto">
+          <a:xfrm>
+            <a:off x="609600" y="1132015"/>
+            <a:ext cx="8229600" cy="626997"/>
+          </a:xfrm>
+          <a:prstGeom prst="rect">
+            <a:avLst/>
+          </a:prstGeom>
+          <a:noFill/>
+          <a:ln w="9525">
+            <a:noFill/>
+            <a:miter lim="800000"/>
+            <a:headEnd/>
+            <a:tailEnd/>
+          </a:ln>
+        </p:spPr>
+        <p:txBody>
+          <a:bodyPr vert="horz" wrap="square" lIns="91440" tIns="45720" rIns="91440" bIns="45720" numCol="1" anchor="ctr" anchorCtr="0" compatLnSpc="1">
+            <a:prstTxWarp prst="textNoShape">
+              <a:avLst/>
+            </a:prstTxWarp>
+          </a:bodyPr>
+          <a:lstStyle/>
+          <a:p>
+            <a:pPr marL="0" marR="0" lvl="0" indent="0" algn="l" defTabSz="457200" rtl="0" eaLnBrk="1" fontAlgn="base" latinLnBrk="0" hangingPunct="1">
+              <a:lnSpc>
+                <a:spcPct val="100000"/>
+              </a:lnSpc>
+              <a:spcBef>
+                <a:spcPct val="0"/>
+              </a:spcBef>
+              <a:spcAft>
+                <a:spcPct val="0"/>
+              </a:spcAft>
+              <a:buClrTx/>
+              <a:buSzTx/>
+              <a:buFontTx/>
+              <a:buNone/>
+              <a:tabLst/>
+              <a:defRPr/>
+            </a:pPr>
+            <a:r>
+              <a:rPr kumimoji="0" lang="fr-FR" sz="3600" b="0" i="0" u="none" strike="noStrike" kern="1200" cap="none" spc="0" normalizeH="0" baseline="0" noProof="0" dirty="0" smtClean="0">
+                <a:ln>
+                  <a:noFill/>
+                </a:ln>
+                <a:effectLst/>
+                <a:uLnTx/>
+                <a:uFillTx/>
+                <a:latin typeface="+mj-lt"/>
+                <a:ea typeface="ＭＳ Ｐゴシック" charset="-128"/>
+                <a:cs typeface="ＭＳ Ｐゴシック" charset="-128"/>
+              </a:rPr>
+              <a:t>L’équipe</a:t>
+            </a:r>
+            <a:endParaRPr kumimoji="0" lang="fr-FR" sz="3600" b="0" i="0" u="none" strike="noStrike" kern="1200" cap="none" spc="0" normalizeH="0" baseline="0" noProof="0" dirty="0">
+              <a:ln>
+                <a:noFill/>
+              </a:ln>
+              <a:effectLst/>
+              <a:uLnTx/>
+              <a:uFillTx/>
+              <a:latin typeface="+mj-lt"/>
+              <a:ea typeface="ＭＳ Ｐゴシック" charset="-128"/>
+              <a:cs typeface="ＭＳ Ｐゴシック" charset="-128"/>
             </a:endParaRPr>
           </a:p>
         </p:txBody>
@@ -6835,7 +7101,7 @@
               <a:buNone/>
             </a:pPr>
             <a:r>
-              <a:rPr lang="fr-FR" sz="2800" dirty="0" smtClean="0">
+              <a:rPr lang="fr-FR" sz="4000" dirty="0" smtClean="0">
                 <a:solidFill>
                   <a:schemeClr val="accent5"/>
                 </a:solidFill>
@@ -6843,7 +7109,7 @@
               <a:t>EIP – Etna </a:t>
             </a:r>
             <a:r>
-              <a:rPr lang="fr-FR" sz="2800" dirty="0" err="1" smtClean="0">
+              <a:rPr lang="fr-FR" sz="4000" dirty="0" err="1" smtClean="0">
                 <a:solidFill>
                   <a:schemeClr val="accent5"/>
                 </a:solidFill>
@@ -6851,20 +7117,12 @@
               <a:t>Innovative</a:t>
             </a:r>
             <a:r>
-              <a:rPr lang="fr-FR" sz="2800" dirty="0" smtClean="0">
-                <a:solidFill>
-                  <a:schemeClr val="accent5"/>
-                </a:solidFill>
-              </a:rPr>
-              <a:t> </a:t>
-            </a:r>
-            <a:r>
-              <a:rPr lang="fr-FR" sz="2800" dirty="0" smtClean="0">
-                <a:solidFill>
-                  <a:schemeClr val="accent5"/>
-                </a:solidFill>
-              </a:rPr>
-              <a:t>Project</a:t>
+              <a:rPr lang="fr-FR" sz="4000" dirty="0" smtClean="0">
+                <a:solidFill>
+                  <a:schemeClr val="accent5"/>
+                </a:solidFill>
+              </a:rPr>
+              <a:t> Project</a:t>
             </a:r>
           </a:p>
         </p:txBody>
@@ -6956,8 +7214,8 @@
         </p:nvSpPr>
         <p:spPr bwMode="auto">
           <a:xfrm>
-            <a:off x="457200" y="2624328"/>
-            <a:ext cx="8229600" cy="3364992"/>
+            <a:off x="457201" y="2840182"/>
+            <a:ext cx="8229600" cy="3149138"/>
           </a:xfrm>
           <a:prstGeom prst="rect">
             <a:avLst/>
@@ -6998,7 +7256,7 @@
               <a:defRPr/>
             </a:pPr>
             <a:r>
-              <a:rPr kumimoji="0" lang="fr-FR" sz="3200" b="0" i="0" u="none" strike="noStrike" kern="1200" cap="none" spc="0" normalizeH="0" baseline="0" noProof="0" dirty="0" smtClean="0">
+              <a:rPr kumimoji="0" lang="fr-FR" sz="3600" b="0" i="0" u="none" strike="noStrike" kern="1200" cap="none" spc="0" normalizeH="0" baseline="0" noProof="0" dirty="0" smtClean="0">
                 <a:ln>
                   <a:noFill/>
                 </a:ln>
@@ -7036,7 +7294,7 @@
               <a:defRPr/>
             </a:pPr>
             <a:r>
-              <a:rPr lang="fr-FR" sz="3200" dirty="0" smtClean="0">
+              <a:rPr lang="fr-FR" sz="3600" dirty="0" smtClean="0">
                 <a:solidFill>
                   <a:schemeClr val="accent5"/>
                 </a:solidFill>
@@ -7067,7 +7325,7 @@
               <a:defRPr/>
             </a:pPr>
             <a:r>
-              <a:rPr kumimoji="0" lang="fr-FR" sz="3200" b="0" i="0" u="none" strike="noStrike" kern="1200" cap="none" spc="0" normalizeH="0" baseline="0" noProof="0" dirty="0" smtClean="0">
+              <a:rPr kumimoji="0" lang="fr-FR" sz="3600" b="0" i="0" u="none" strike="noStrike" kern="1200" cap="none" spc="0" normalizeH="0" baseline="0" noProof="0" dirty="0" smtClean="0">
                 <a:ln>
                   <a:noFill/>
                 </a:ln>
@@ -7081,7 +7339,7 @@
                 <a:ea typeface="ＭＳ Ｐゴシック" charset="-128"/>
                 <a:cs typeface="ＭＳ Ｐゴシック" charset="-128"/>
               </a:rPr>
-              <a:t>Suivi qualité</a:t>
+              <a:t>Qualité</a:t>
             </a:r>
           </a:p>
           <a:p>
@@ -7100,16 +7358,16 @@
               <a:defRPr/>
             </a:pPr>
             <a:r>
-              <a:rPr lang="fr-FR" sz="3200" dirty="0" smtClean="0">
+              <a:rPr lang="fr-FR" sz="3600" dirty="0" smtClean="0">
                 <a:solidFill>
                   <a:schemeClr val="accent5"/>
                 </a:solidFill>
                 <a:ea typeface="ＭＳ Ｐゴシック" charset="-128"/>
                 <a:cs typeface="ＭＳ Ｐゴシック" charset="-128"/>
               </a:rPr>
-              <a:t>Maîtrise de différents langages de programmation et technologies</a:t>
-            </a:r>
-            <a:endParaRPr kumimoji="0" lang="fr-FR" sz="3200" b="0" i="0" u="none" strike="noStrike" kern="1200" cap="none" spc="0" normalizeH="0" baseline="0" noProof="0" dirty="0" smtClean="0">
+              <a:t>Maîtrise de différentes technologies</a:t>
+            </a:r>
+            <a:endParaRPr kumimoji="0" lang="fr-FR" sz="3600" b="0" i="0" u="none" strike="noStrike" kern="1200" cap="none" spc="0" normalizeH="0" baseline="0" noProof="0" dirty="0" smtClean="0">
               <a:ln>
                 <a:noFill/>
               </a:ln>
@@ -7144,7 +7402,7 @@
               <a:tabLst/>
               <a:defRPr/>
             </a:pPr>
-            <a:endParaRPr kumimoji="0" lang="fr-FR" sz="3200" b="0" i="0" u="none" strike="noStrike" kern="1200" cap="none" spc="0" normalizeH="0" baseline="0" noProof="0" dirty="0" smtClean="0">
+            <a:endParaRPr kumimoji="0" lang="fr-FR" sz="4000" b="0" i="0" u="none" strike="noStrike" kern="1200" cap="none" spc="0" normalizeH="0" baseline="0" noProof="0" dirty="0" smtClean="0">
               <a:ln>
                 <a:noFill/>
               </a:ln>
@@ -7242,92 +7500,51 @@
         </p:nvSpPr>
         <p:spPr>
           <a:xfrm>
-            <a:off x="457201" y="1939203"/>
+            <a:off x="457201" y="1996409"/>
             <a:ext cx="8229600" cy="4085582"/>
           </a:xfrm>
         </p:spPr>
         <p:txBody>
           <a:bodyPr/>
           <a:lstStyle/>
+          <a:p>
+            <a:pPr>
+              <a:buClr>
+                <a:schemeClr val="accent5"/>
+              </a:buClr>
+              <a:buNone/>
+            </a:pPr>
+            <a:r>
+              <a:rPr lang="fr-FR" sz="3600" dirty="0" err="1" smtClean="0">
+                <a:solidFill>
+                  <a:schemeClr val="accent5"/>
+                </a:solidFill>
+              </a:rPr>
+              <a:t>Agrégateur</a:t>
+            </a:r>
+            <a:r>
+              <a:rPr lang="fr-FR" sz="3600" dirty="0" smtClean="0">
+                <a:solidFill>
+                  <a:schemeClr val="accent5"/>
+                </a:solidFill>
+              </a:rPr>
+              <a:t> de réseaux sociaux</a:t>
+            </a:r>
+            <a:endParaRPr lang="fr-FR" sz="3600" dirty="0" smtClean="0">
+              <a:solidFill>
+                <a:schemeClr val="accent5"/>
+              </a:solidFill>
+            </a:endParaRPr>
+          </a:p>
           <a:p>
             <a:pPr>
               <a:buClr>
                 <a:schemeClr val="accent5"/>
               </a:buClr>
             </a:pPr>
-            <a:r>
-              <a:rPr lang="fr-FR" sz="2400" dirty="0" smtClean="0">
-                <a:solidFill>
-                  <a:schemeClr val="accent5"/>
-                </a:solidFill>
-              </a:rPr>
-              <a:t>Outils de Centralisation de Réseaux Sociaux</a:t>
-            </a:r>
-          </a:p>
-          <a:p>
-            <a:pPr lvl="1">
-              <a:buClr>
-                <a:schemeClr val="accent5"/>
-              </a:buClr>
-            </a:pPr>
-            <a:r>
-              <a:rPr lang="fr-FR" sz="2400" dirty="0" err="1" smtClean="0">
-                <a:solidFill>
-                  <a:schemeClr val="accent5"/>
-                </a:solidFill>
-              </a:rPr>
-              <a:t>Facebook</a:t>
-            </a:r>
-            <a:r>
-              <a:rPr lang="fr-FR" sz="2400" dirty="0" smtClean="0">
-                <a:solidFill>
-                  <a:schemeClr val="accent5"/>
-                </a:solidFill>
-              </a:rPr>
-              <a:t> – 750 millions de membres actifs</a:t>
-            </a:r>
-          </a:p>
-          <a:p>
-            <a:pPr lvl="1">
-              <a:buClr>
-                <a:schemeClr val="accent5"/>
-              </a:buClr>
-            </a:pPr>
-            <a:r>
-              <a:rPr lang="fr-FR" sz="2400" dirty="0" err="1" smtClean="0">
-                <a:solidFill>
-                  <a:schemeClr val="accent5"/>
-                </a:solidFill>
-              </a:rPr>
-              <a:t>Twitter</a:t>
-            </a:r>
-            <a:r>
-              <a:rPr lang="fr-FR" sz="2400" dirty="0" smtClean="0">
-                <a:solidFill>
-                  <a:schemeClr val="accent5"/>
-                </a:solidFill>
-              </a:rPr>
-              <a:t> – 50 millions de membres actifs</a:t>
-            </a:r>
-          </a:p>
-          <a:p>
-            <a:pPr lvl="1">
-              <a:buClr>
-                <a:schemeClr val="accent5"/>
-              </a:buClr>
-            </a:pPr>
-            <a:r>
-              <a:rPr lang="fr-FR" sz="2400" dirty="0" smtClean="0">
-                <a:solidFill>
-                  <a:schemeClr val="bg2"/>
-                </a:solidFill>
-                <a:cs typeface="ＭＳ Ｐゴシック" charset="-128"/>
-              </a:rPr>
-              <a:t>Google + - 25 millions d’utilisateurs</a:t>
-            </a:r>
             <a:endParaRPr lang="fr-FR" sz="2400" dirty="0" smtClean="0">
               <a:solidFill>
-                <a:schemeClr val="bg2"/>
+                <a:schemeClr val="accent5"/>
               </a:solidFill>
             </a:endParaRPr>
           </a:p>
@@ -7338,66 +7555,128 @@
               </a:buClr>
             </a:pPr>
             <a:r>
-              <a:rPr lang="fr-FR" sz="2400" dirty="0" smtClean="0">
-                <a:solidFill>
-                  <a:schemeClr val="accent5"/>
-                </a:solidFill>
-              </a:rPr>
-              <a:t>Supports </a:t>
-            </a:r>
-          </a:p>
-          <a:p>
-            <a:pPr lvl="1">
+              <a:rPr lang="fr-FR" sz="2800" dirty="0" smtClean="0">
+                <a:solidFill>
+                  <a:schemeClr val="accent5"/>
+                </a:solidFill>
+              </a:rPr>
+              <a:t>Accéder simultanément à </a:t>
+            </a:r>
+            <a:r>
+              <a:rPr lang="fr-FR" sz="2800" dirty="0" smtClean="0">
+                <a:solidFill>
+                  <a:schemeClr val="accent5"/>
+                </a:solidFill>
+              </a:rPr>
+              <a:t>différents </a:t>
+            </a:r>
+            <a:r>
+              <a:rPr lang="fr-FR" sz="2800" dirty="0" smtClean="0">
+                <a:solidFill>
+                  <a:schemeClr val="accent5"/>
+                </a:solidFill>
+              </a:rPr>
+              <a:t>réseaux</a:t>
+            </a:r>
+          </a:p>
+          <a:p>
+            <a:pPr>
               <a:buClr>
                 <a:schemeClr val="accent5"/>
               </a:buClr>
             </a:pPr>
             <a:r>
-              <a:rPr lang="fr-FR" sz="2400" dirty="0" smtClean="0">
-                <a:solidFill>
-                  <a:schemeClr val="accent5"/>
-                </a:solidFill>
-              </a:rPr>
-              <a:t>PC/Mac/Linux – Microsoft Silverlight</a:t>
-            </a:r>
-          </a:p>
-          <a:p>
-            <a:pPr lvl="1">
+              <a:rPr lang="fr-FR" sz="2800" dirty="0" smtClean="0">
+                <a:solidFill>
+                  <a:schemeClr val="accent5"/>
+                </a:solidFill>
+              </a:rPr>
+              <a:t>Regrouper les fonctionnalités</a:t>
+            </a:r>
+          </a:p>
+          <a:p>
+            <a:pPr>
               <a:buClr>
                 <a:schemeClr val="accent5"/>
               </a:buClr>
             </a:pPr>
             <a:r>
-              <a:rPr lang="fr-FR" sz="2400" dirty="0" err="1" smtClean="0">
-                <a:solidFill>
-                  <a:schemeClr val="accent5"/>
-                </a:solidFill>
-              </a:rPr>
-              <a:t>Android</a:t>
-            </a:r>
-            <a:r>
-              <a:rPr lang="fr-FR" sz="2400" dirty="0" smtClean="0">
-                <a:solidFill>
-                  <a:schemeClr val="accent5"/>
-                </a:solidFill>
-              </a:rPr>
-              <a:t> – Java</a:t>
-            </a:r>
-          </a:p>
-          <a:p>
-            <a:pPr lvl="1">
+              <a:rPr lang="fr-FR" sz="2800" dirty="0" smtClean="0">
+                <a:solidFill>
+                  <a:schemeClr val="accent5"/>
+                </a:solidFill>
+              </a:rPr>
+              <a:t>Faciliter et simplifier leur utilisation </a:t>
+            </a:r>
+          </a:p>
+          <a:p>
+            <a:pPr>
               <a:buClr>
                 <a:schemeClr val="accent5"/>
               </a:buClr>
             </a:pPr>
             <a:r>
-              <a:rPr lang="fr-FR" sz="2400" dirty="0" smtClean="0">
-                <a:solidFill>
-                  <a:schemeClr val="accent5"/>
-                </a:solidFill>
-              </a:rPr>
-              <a:t>Windows Phone 7 – Microsoft Silverlight</a:t>
-            </a:r>
+              <a:rPr lang="fr-FR" sz="2800" dirty="0" smtClean="0">
+                <a:solidFill>
+                  <a:schemeClr val="accent5"/>
+                </a:solidFill>
+              </a:rPr>
+              <a:t>Se connecter à plusieurs comptes d’un même </a:t>
+            </a:r>
+            <a:r>
+              <a:rPr lang="fr-FR" sz="2800" dirty="0" smtClean="0">
+                <a:solidFill>
+                  <a:schemeClr val="accent5"/>
+                </a:solidFill>
+              </a:rPr>
+              <a:t>réseau</a:t>
+            </a:r>
+          </a:p>
+          <a:p>
+            <a:pPr>
+              <a:buClr>
+                <a:schemeClr val="accent5"/>
+              </a:buClr>
+            </a:pPr>
+            <a:r>
+              <a:rPr lang="fr-FR" sz="2800" dirty="0" err="1" smtClean="0">
+                <a:solidFill>
+                  <a:schemeClr val="accent5"/>
+                </a:solidFill>
+              </a:rPr>
+              <a:t>Multi-plateforme</a:t>
+            </a:r>
+            <a:endParaRPr lang="fr-FR" sz="2800" dirty="0" smtClean="0">
+              <a:solidFill>
+                <a:schemeClr val="accent5"/>
+              </a:solidFill>
+            </a:endParaRPr>
+          </a:p>
+          <a:p>
+            <a:pPr>
+              <a:buClr>
+                <a:schemeClr val="accent5"/>
+              </a:buClr>
+              <a:buNone/>
+            </a:pPr>
+            <a:endParaRPr lang="fr-FR" sz="2400" dirty="0" smtClean="0">
+              <a:solidFill>
+                <a:schemeClr val="accent5"/>
+              </a:solidFill>
+            </a:endParaRPr>
+          </a:p>
+          <a:p>
+            <a:pPr>
+              <a:buClr>
+                <a:schemeClr val="accent5"/>
+              </a:buClr>
+              <a:buNone/>
+            </a:pPr>
+            <a:endParaRPr lang="fr-FR" sz="2400" dirty="0" smtClean="0">
+              <a:solidFill>
+                <a:schemeClr val="accent5"/>
+              </a:solidFill>
+            </a:endParaRPr>
           </a:p>
         </p:txBody>
       </p:sp>
@@ -7456,7 +7735,7 @@
                 <a:ea typeface="ＭＳ Ｐゴシック" charset="-128"/>
                 <a:cs typeface="ＭＳ Ｐゴシック" charset="-128"/>
               </a:rPr>
-              <a:t>myNetWork</a:t>
+              <a:t>myNETwork</a:t>
             </a:r>
             <a:endParaRPr kumimoji="0" lang="fr-FR" sz="3600" b="0" i="0" u="none" strike="noStrike" kern="1200" cap="none" spc="0" normalizeH="0" baseline="0" noProof="0" dirty="0">
               <a:ln>
@@ -7472,6 +7751,38 @@
           </a:p>
         </p:txBody>
       </p:sp>
+      <p:pic>
+        <p:nvPicPr>
+          <p:cNvPr id="7" name="Espace réservé du contenu 11" descr="MyNetworkBulle.png"/>
+          <p:cNvPicPr>
+            <a:picLocks noChangeAspect="1"/>
+          </p:cNvPicPr>
+          <p:nvPr/>
+        </p:nvPicPr>
+        <p:blipFill>
+          <a:blip r:embed="rId2"/>
+          <a:srcRect l="-54613" r="-54613"/>
+          <a:stretch>
+            <a:fillRect/>
+          </a:stretch>
+        </p:blipFill>
+        <p:spPr bwMode="auto">
+          <a:xfrm>
+            <a:off x="5749710" y="1132015"/>
+            <a:ext cx="4131709" cy="2272289"/>
+          </a:xfrm>
+          <a:prstGeom prst="rect">
+            <a:avLst/>
+          </a:prstGeom>
+          <a:noFill/>
+          <a:ln w="9525">
+            <a:noFill/>
+            <a:miter lim="800000"/>
+            <a:headEnd/>
+            <a:tailEnd/>
+          </a:ln>
+        </p:spPr>
+      </p:pic>
     </p:spTree>
   </p:cSld>
   <p:clrMapOvr>
@@ -7531,7 +7842,7 @@
                   <a:schemeClr val="bg1"/>
                 </a:solidFill>
               </a:rPr>
-              <a:t>Etude de l’existant</a:t>
+              <a:t>Présentation du projet</a:t>
             </a:r>
             <a:endParaRPr lang="fr-FR" dirty="0">
               <a:solidFill>
@@ -7543,7 +7854,7 @@
       </p:sp>
       <p:sp>
         <p:nvSpPr>
-          <p:cNvPr id="8" name="Espace réservé du contenu 7"/>
+          <p:cNvPr id="6" name="Espace réservé du contenu 5"/>
           <p:cNvSpPr>
             <a:spLocks noGrp="1"/>
           </p:cNvSpPr>
@@ -7553,25 +7864,162 @@
         </p:nvSpPr>
         <p:spPr>
           <a:xfrm>
-            <a:off x="457200" y="1068224"/>
-            <a:ext cx="8229600" cy="5170206"/>
+            <a:off x="457201" y="2055401"/>
+            <a:ext cx="8229600" cy="4085582"/>
           </a:xfrm>
         </p:spPr>
         <p:txBody>
           <a:bodyPr/>
           <a:lstStyle/>
           <a:p>
-            <a:r>
-              <a:rPr lang="fr-FR" sz="2400" dirty="0" smtClean="0">
-                <a:solidFill>
-                  <a:schemeClr val="accent5"/>
-                </a:solidFill>
-              </a:rPr>
-              <a:t>Moins d'une dizaine d'acteur sur le marché</a:t>
-            </a:r>
-          </a:p>
-          <a:p>
             <a:pPr>
+              <a:buClr>
+                <a:schemeClr val="accent5"/>
+              </a:buClr>
+            </a:pPr>
+            <a:r>
+              <a:rPr lang="fr-FR" sz="3600" dirty="0" err="1" smtClean="0">
+                <a:solidFill>
+                  <a:schemeClr val="accent5"/>
+                </a:solidFill>
+              </a:rPr>
+              <a:t>Facebook</a:t>
+            </a:r>
+            <a:r>
+              <a:rPr lang="fr-FR" sz="3600" dirty="0" smtClean="0">
+                <a:solidFill>
+                  <a:schemeClr val="accent5"/>
+                </a:solidFill>
+              </a:rPr>
+              <a:t> </a:t>
+            </a:r>
+            <a:r>
+              <a:rPr lang="fr-FR" sz="3600" dirty="0" smtClean="0">
+                <a:solidFill>
+                  <a:schemeClr val="accent5"/>
+                </a:solidFill>
+              </a:rPr>
+              <a:t>: 750 millions de </a:t>
+            </a:r>
+            <a:r>
+              <a:rPr lang="fr-FR" sz="3600" dirty="0" smtClean="0">
+                <a:solidFill>
+                  <a:schemeClr val="accent5"/>
+                </a:solidFill>
+              </a:rPr>
+              <a:t>membres</a:t>
+            </a:r>
+            <a:endParaRPr lang="fr-FR" sz="3600" dirty="0" smtClean="0">
+              <a:solidFill>
+                <a:schemeClr val="accent5"/>
+              </a:solidFill>
+            </a:endParaRPr>
+          </a:p>
+          <a:p>
+            <a:pPr>
+              <a:buClr>
+                <a:schemeClr val="accent5"/>
+              </a:buClr>
+            </a:pPr>
+            <a:r>
+              <a:rPr lang="fr-FR" sz="3600" dirty="0" err="1" smtClean="0">
+                <a:solidFill>
+                  <a:schemeClr val="accent5"/>
+                </a:solidFill>
+              </a:rPr>
+              <a:t>Twitter</a:t>
+            </a:r>
+            <a:r>
+              <a:rPr lang="fr-FR" sz="3600" dirty="0" smtClean="0">
+                <a:solidFill>
+                  <a:schemeClr val="accent5"/>
+                </a:solidFill>
+              </a:rPr>
+              <a:t> : 105 millions</a:t>
+            </a:r>
+          </a:p>
+          <a:p>
+            <a:pPr>
+              <a:buClr>
+                <a:schemeClr val="accent5"/>
+              </a:buClr>
+            </a:pPr>
+            <a:r>
+              <a:rPr lang="fr-FR" sz="3600" dirty="0" err="1" smtClean="0">
+                <a:solidFill>
+                  <a:schemeClr val="accent6"/>
+                </a:solidFill>
+              </a:rPr>
+              <a:t>LinkedIn</a:t>
+            </a:r>
+            <a:r>
+              <a:rPr lang="fr-FR" sz="3600" dirty="0" smtClean="0">
+                <a:solidFill>
+                  <a:schemeClr val="accent6"/>
+                </a:solidFill>
+              </a:rPr>
+              <a:t> : 100 </a:t>
+            </a:r>
+            <a:r>
+              <a:rPr lang="fr-FR" sz="3600" dirty="0" smtClean="0">
+                <a:solidFill>
+                  <a:schemeClr val="accent6"/>
+                </a:solidFill>
+              </a:rPr>
+              <a:t>millions</a:t>
+            </a:r>
+          </a:p>
+          <a:p>
+            <a:pPr>
+              <a:buClr>
+                <a:schemeClr val="accent5"/>
+              </a:buClr>
+            </a:pPr>
+            <a:r>
+              <a:rPr lang="fr-FR" sz="3600" dirty="0" smtClean="0">
+                <a:solidFill>
+                  <a:schemeClr val="accent6"/>
+                </a:solidFill>
+              </a:rPr>
+              <a:t>Google+ : 25 </a:t>
+            </a:r>
+            <a:r>
+              <a:rPr lang="fr-FR" sz="3600" dirty="0" smtClean="0">
+                <a:solidFill>
+                  <a:schemeClr val="accent6"/>
+                </a:solidFill>
+              </a:rPr>
+              <a:t>millions</a:t>
+            </a:r>
+          </a:p>
+          <a:p>
+            <a:pPr>
+              <a:buClr>
+                <a:schemeClr val="accent5"/>
+              </a:buClr>
+            </a:pPr>
+            <a:r>
+              <a:rPr lang="fr-FR" sz="3600" dirty="0" err="1" smtClean="0">
+                <a:solidFill>
+                  <a:schemeClr val="accent6"/>
+                </a:solidFill>
+              </a:rPr>
+              <a:t>Foursquare</a:t>
+            </a:r>
+            <a:r>
+              <a:rPr lang="fr-FR" sz="3600" dirty="0" smtClean="0">
+                <a:solidFill>
+                  <a:schemeClr val="accent6"/>
+                </a:solidFill>
+              </a:rPr>
+              <a:t> : 10 millions</a:t>
+            </a:r>
+          </a:p>
+          <a:p>
+            <a:pPr>
+              <a:buClr>
+                <a:schemeClr val="accent5"/>
+              </a:buClr>
               <a:buNone/>
             </a:pPr>
             <a:endParaRPr lang="fr-FR" sz="2400" dirty="0" smtClean="0">
@@ -7580,318 +8028,76 @@
               </a:solidFill>
             </a:endParaRPr>
           </a:p>
-          <a:p>
-            <a:r>
-              <a:rPr lang="fr-FR" sz="2400" dirty="0" smtClean="0">
-                <a:solidFill>
-                  <a:schemeClr val="accent5"/>
-                </a:solidFill>
-              </a:rPr>
-              <a:t>Les plus utilisé alliant les deux réseaux : </a:t>
-            </a:r>
-          </a:p>
-          <a:p>
-            <a:pPr lvl="1"/>
-            <a:r>
-              <a:rPr lang="fr-FR" sz="2000" b="1" dirty="0" err="1" smtClean="0">
-                <a:solidFill>
-                  <a:schemeClr val="accent5"/>
-                </a:solidFill>
-              </a:rPr>
-              <a:t>Seesmic</a:t>
-            </a:r>
-            <a:r>
-              <a:rPr lang="fr-FR" sz="2000" dirty="0" smtClean="0">
-                <a:solidFill>
-                  <a:schemeClr val="accent5"/>
-                </a:solidFill>
-              </a:rPr>
-              <a:t> – </a:t>
-            </a:r>
-            <a:r>
-              <a:rPr lang="fr-FR" sz="2000" dirty="0" err="1" smtClean="0">
-                <a:solidFill>
-                  <a:schemeClr val="accent5"/>
-                </a:solidFill>
-              </a:rPr>
-              <a:t>Twitter</a:t>
-            </a:r>
-            <a:r>
-              <a:rPr lang="fr-FR" sz="2000" dirty="0" smtClean="0">
-                <a:solidFill>
-                  <a:schemeClr val="accent5"/>
-                </a:solidFill>
-              </a:rPr>
-              <a:t>, </a:t>
-            </a:r>
-            <a:r>
-              <a:rPr lang="fr-FR" sz="2000" dirty="0" err="1" smtClean="0">
-                <a:solidFill>
-                  <a:schemeClr val="accent5"/>
-                </a:solidFill>
-              </a:rPr>
-              <a:t>Facebook</a:t>
-            </a:r>
-            <a:r>
-              <a:rPr lang="fr-FR" sz="2000" dirty="0" smtClean="0">
-                <a:solidFill>
-                  <a:schemeClr val="accent5"/>
-                </a:solidFill>
-              </a:rPr>
-              <a:t> </a:t>
-            </a:r>
-          </a:p>
-          <a:p>
-            <a:pPr lvl="1">
+        </p:txBody>
+      </p:sp>
+      <p:sp>
+        <p:nvSpPr>
+          <p:cNvPr id="5" name="Titre 3"/>
+          <p:cNvSpPr txBox="1">
+            <a:spLocks/>
+          </p:cNvSpPr>
+          <p:nvPr/>
+        </p:nvSpPr>
+        <p:spPr bwMode="auto">
+          <a:xfrm>
+            <a:off x="609600" y="1132015"/>
+            <a:ext cx="8229600" cy="626997"/>
+          </a:xfrm>
+          <a:prstGeom prst="rect">
+            <a:avLst/>
+          </a:prstGeom>
+          <a:noFill/>
+          <a:ln w="9525">
+            <a:noFill/>
+            <a:miter lim="800000"/>
+            <a:headEnd/>
+            <a:tailEnd/>
+          </a:ln>
+        </p:spPr>
+        <p:txBody>
+          <a:bodyPr vert="horz" wrap="square" lIns="91440" tIns="45720" rIns="91440" bIns="45720" numCol="1" anchor="ctr" anchorCtr="0" compatLnSpc="1">
+            <a:prstTxWarp prst="textNoShape">
+              <a:avLst/>
+            </a:prstTxWarp>
+          </a:bodyPr>
+          <a:lstStyle/>
+          <a:p>
+            <a:pPr marL="0" marR="0" lvl="0" indent="0" algn="l" defTabSz="457200" rtl="0" eaLnBrk="1" fontAlgn="base" latinLnBrk="0" hangingPunct="1">
+              <a:lnSpc>
+                <a:spcPct val="100000"/>
+              </a:lnSpc>
+              <a:spcBef>
+                <a:spcPct val="0"/>
+              </a:spcBef>
+              <a:spcAft>
+                <a:spcPct val="0"/>
+              </a:spcAft>
+              <a:buClrTx/>
+              <a:buSzTx/>
+              <a:buFontTx/>
               <a:buNone/>
+              <a:tabLst/>
+              <a:defRPr/>
             </a:pPr>
             <a:r>
-              <a:rPr lang="fr-FR" sz="2000" i="1" dirty="0" smtClean="0">
-                <a:solidFill>
-                  <a:schemeClr val="accent5"/>
-                </a:solidFill>
-              </a:rPr>
-              <a:t>PC/Mac/Linux (Silverlight), </a:t>
-            </a:r>
-            <a:r>
-              <a:rPr lang="fr-FR" sz="2000" i="1" dirty="0" err="1" smtClean="0">
-                <a:solidFill>
-                  <a:schemeClr val="accent5"/>
-                </a:solidFill>
-              </a:rPr>
-              <a:t>Android</a:t>
-            </a:r>
-            <a:r>
-              <a:rPr lang="fr-FR" sz="2000" i="1" dirty="0" smtClean="0">
-                <a:solidFill>
-                  <a:schemeClr val="accent5"/>
-                </a:solidFill>
-              </a:rPr>
-              <a:t>, </a:t>
-            </a:r>
-            <a:r>
-              <a:rPr lang="fr-FR" sz="2000" i="1" dirty="0" err="1" smtClean="0">
-                <a:solidFill>
-                  <a:schemeClr val="accent5"/>
-                </a:solidFill>
-              </a:rPr>
-              <a:t>iPhone</a:t>
-            </a:r>
-            <a:r>
-              <a:rPr lang="fr-FR" sz="2000" i="1" dirty="0" smtClean="0">
-                <a:solidFill>
-                  <a:schemeClr val="accent5"/>
-                </a:solidFill>
-              </a:rPr>
-              <a:t>, WP7</a:t>
-            </a:r>
-          </a:p>
-          <a:p>
-            <a:pPr lvl="1"/>
-            <a:r>
-              <a:rPr lang="fr-FR" sz="2000" b="1" dirty="0" err="1" smtClean="0">
-                <a:solidFill>
-                  <a:schemeClr val="accent5"/>
-                </a:solidFill>
-              </a:rPr>
-              <a:t>TweetDeck</a:t>
-            </a:r>
-            <a:r>
-              <a:rPr lang="fr-FR" sz="2000" dirty="0" smtClean="0">
-                <a:solidFill>
-                  <a:schemeClr val="accent5"/>
-                </a:solidFill>
-              </a:rPr>
-              <a:t> – </a:t>
-            </a:r>
-            <a:r>
-              <a:rPr lang="fr-FR" sz="2000" dirty="0" err="1" smtClean="0">
-                <a:solidFill>
-                  <a:schemeClr val="accent5"/>
-                </a:solidFill>
-              </a:rPr>
-              <a:t>Twitter</a:t>
-            </a:r>
-            <a:r>
-              <a:rPr lang="fr-FR" sz="2000" dirty="0" smtClean="0">
-                <a:solidFill>
-                  <a:schemeClr val="accent5"/>
-                </a:solidFill>
-              </a:rPr>
-              <a:t>, </a:t>
-            </a:r>
-            <a:r>
-              <a:rPr lang="fr-FR" sz="2000" dirty="0" err="1" smtClean="0">
-                <a:solidFill>
-                  <a:schemeClr val="accent5"/>
-                </a:solidFill>
-              </a:rPr>
-              <a:t>Facebook</a:t>
-            </a:r>
-            <a:endParaRPr lang="fr-FR" sz="2000" dirty="0" smtClean="0">
-              <a:solidFill>
-                <a:schemeClr val="accent5"/>
-              </a:solidFill>
+              <a:rPr lang="fr-FR" sz="3600" dirty="0" smtClean="0">
+                <a:latin typeface="+mj-lt"/>
+                <a:ea typeface="ＭＳ Ｐゴシック" charset="-128"/>
+                <a:cs typeface="ＭＳ Ｐゴシック" charset="-128"/>
+              </a:rPr>
+              <a:t>Principaux réseaux sociaux</a:t>
+            </a:r>
+            <a:endParaRPr kumimoji="0" lang="fr-FR" sz="3600" b="0" i="0" u="none" strike="noStrike" kern="1200" cap="none" spc="0" normalizeH="0" baseline="0" noProof="0" dirty="0">
+              <a:ln>
+                <a:noFill/>
+              </a:ln>
+              <a:effectLst/>
+              <a:uLnTx/>
+              <a:uFillTx/>
+              <a:latin typeface="+mj-lt"/>
+              <a:ea typeface="ＭＳ Ｐゴシック" charset="-128"/>
+              <a:cs typeface="ＭＳ Ｐゴシック" charset="-128"/>
             </a:endParaRPr>
-          </a:p>
-          <a:p>
-            <a:pPr lvl="1">
-              <a:buNone/>
-            </a:pPr>
-            <a:r>
-              <a:rPr lang="fr-FR" sz="2000" i="1" dirty="0" smtClean="0">
-                <a:solidFill>
-                  <a:schemeClr val="accent5"/>
-                </a:solidFill>
-              </a:rPr>
-              <a:t>PC/Mac/Linux (Adobe Air ou Chrome extension), </a:t>
-            </a:r>
-            <a:r>
-              <a:rPr lang="fr-FR" sz="2000" i="1" dirty="0" err="1" smtClean="0">
-                <a:solidFill>
-                  <a:schemeClr val="accent5"/>
-                </a:solidFill>
-              </a:rPr>
-              <a:t>Android</a:t>
-            </a:r>
-            <a:r>
-              <a:rPr lang="fr-FR" sz="2000" i="1" dirty="0" smtClean="0">
-                <a:solidFill>
-                  <a:schemeClr val="accent5"/>
-                </a:solidFill>
-              </a:rPr>
-              <a:t>, </a:t>
-            </a:r>
-            <a:r>
-              <a:rPr lang="fr-FR" sz="2000" i="1" dirty="0" err="1" smtClean="0">
-                <a:solidFill>
-                  <a:schemeClr val="accent5"/>
-                </a:solidFill>
-              </a:rPr>
-              <a:t>iPhone</a:t>
-            </a:r>
-            <a:endParaRPr lang="fr-FR" sz="2000" i="1" dirty="0" smtClean="0">
-              <a:solidFill>
-                <a:schemeClr val="accent5"/>
-              </a:solidFill>
-            </a:endParaRPr>
-          </a:p>
-          <a:p>
-            <a:pPr lvl="1">
-              <a:buNone/>
-            </a:pPr>
-            <a:endParaRPr lang="fr-FR" sz="2000" i="1" dirty="0" smtClean="0">
-              <a:solidFill>
-                <a:schemeClr val="accent5"/>
-              </a:solidFill>
-            </a:endParaRPr>
-          </a:p>
-          <a:p>
-            <a:r>
-              <a:rPr lang="fr-FR" sz="2400" dirty="0" smtClean="0">
-                <a:solidFill>
-                  <a:schemeClr val="accent5"/>
-                </a:solidFill>
-              </a:rPr>
-              <a:t>Les gros acteurs gérant un seul des réseaux :</a:t>
-            </a:r>
-          </a:p>
-          <a:p>
-            <a:pPr lvl="1"/>
-            <a:r>
-              <a:rPr lang="fr-FR" sz="2000" b="1" dirty="0" err="1" smtClean="0">
-                <a:solidFill>
-                  <a:schemeClr val="accent5"/>
-                </a:solidFill>
-              </a:rPr>
-              <a:t>Facebook</a:t>
-            </a:r>
-            <a:r>
-              <a:rPr lang="fr-FR" sz="2000" dirty="0" smtClean="0">
-                <a:solidFill>
-                  <a:schemeClr val="accent5"/>
-                </a:solidFill>
-              </a:rPr>
-              <a:t> – Tous les supports</a:t>
-            </a:r>
-          </a:p>
-          <a:p>
-            <a:pPr lvl="1"/>
-            <a:r>
-              <a:rPr lang="fr-FR" sz="2000" b="1" dirty="0" err="1" smtClean="0">
-                <a:solidFill>
-                  <a:schemeClr val="accent5"/>
-                </a:solidFill>
-              </a:rPr>
-              <a:t>Twitter</a:t>
-            </a:r>
-            <a:r>
-              <a:rPr lang="fr-FR" sz="2000" dirty="0" smtClean="0">
-                <a:solidFill>
-                  <a:schemeClr val="accent5"/>
-                </a:solidFill>
-              </a:rPr>
-              <a:t> – Tous les supports</a:t>
-            </a:r>
-          </a:p>
-          <a:p>
-            <a:pPr lvl="1"/>
-            <a:r>
-              <a:rPr lang="fr-FR" sz="2000" b="1" dirty="0" smtClean="0">
-                <a:solidFill>
-                  <a:schemeClr val="accent5"/>
-                </a:solidFill>
-              </a:rPr>
-              <a:t>Microsoft </a:t>
-            </a:r>
-            <a:r>
-              <a:rPr lang="fr-FR" sz="2000" b="1" dirty="0" err="1" smtClean="0">
-                <a:solidFill>
-                  <a:schemeClr val="accent5"/>
-                </a:solidFill>
-              </a:rPr>
-              <a:t>Fishbowl</a:t>
-            </a:r>
-            <a:r>
-              <a:rPr lang="fr-FR" sz="2000" dirty="0" smtClean="0">
-                <a:solidFill>
-                  <a:schemeClr val="accent5"/>
-                </a:solidFill>
-              </a:rPr>
-              <a:t> – </a:t>
-            </a:r>
-            <a:r>
-              <a:rPr lang="fr-FR" sz="2000" dirty="0" err="1" smtClean="0">
-                <a:solidFill>
-                  <a:schemeClr val="accent5"/>
-                </a:solidFill>
-              </a:rPr>
-              <a:t>Facebook</a:t>
-            </a:r>
-            <a:r>
-              <a:rPr lang="fr-FR" sz="2000" dirty="0" smtClean="0">
-                <a:solidFill>
-                  <a:schemeClr val="accent5"/>
-                </a:solidFill>
-              </a:rPr>
-              <a:t> – </a:t>
-            </a:r>
-            <a:r>
-              <a:rPr lang="fr-FR" sz="2000" dirty="0" err="1" smtClean="0">
-                <a:solidFill>
-                  <a:schemeClr val="accent5"/>
-                </a:solidFill>
-              </a:rPr>
-              <a:t>Silverlight</a:t>
-            </a:r>
-            <a:r>
-              <a:rPr lang="fr-FR" sz="2000" dirty="0" smtClean="0">
-                <a:solidFill>
-                  <a:schemeClr val="accent5"/>
-                </a:solidFill>
-              </a:rPr>
-              <a:t> et WP7</a:t>
-            </a:r>
           </a:p>
         </p:txBody>
       </p:sp>
@@ -7949,12 +8155,12 @@
           <a:p>
             <a:pPr algn="l"/>
             <a:r>
-              <a:rPr lang="fr-FR" dirty="0" err="1" smtClean="0">
+              <a:rPr lang="fr-FR" dirty="0" smtClean="0">
                 <a:solidFill>
                   <a:schemeClr val="bg1"/>
                 </a:solidFill>
               </a:rPr>
-              <a:t>Silverlight</a:t>
+              <a:t>Etude de l’existant</a:t>
             </a:r>
             <a:endParaRPr lang="fr-FR" dirty="0">
               <a:solidFill>
@@ -7966,7 +8172,7 @@
       </p:sp>
       <p:sp>
         <p:nvSpPr>
-          <p:cNvPr id="5" name="Espace réservé du contenu 7"/>
+          <p:cNvPr id="8" name="Espace réservé du contenu 7"/>
           <p:cNvSpPr>
             <a:spLocks noGrp="1"/>
           </p:cNvSpPr>
@@ -7976,51 +8182,26 @@
         </p:nvSpPr>
         <p:spPr>
           <a:xfrm>
-            <a:off x="457200" y="1905712"/>
-            <a:ext cx="8229600" cy="4320000"/>
+            <a:off x="368707" y="1961535"/>
+            <a:ext cx="8863781" cy="4276894"/>
           </a:xfrm>
         </p:spPr>
         <p:txBody>
           <a:bodyPr/>
           <a:lstStyle/>
           <a:p>
-            <a:r>
-              <a:rPr lang="fr-FR" sz="2400" dirty="0" smtClean="0">
-                <a:solidFill>
-                  <a:schemeClr val="accent5"/>
-                </a:solidFill>
-              </a:rPr>
-              <a:t>Fils d’actualités et liste d’amis des comptes fusionnés</a:t>
-            </a:r>
-          </a:p>
-          <a:p>
-            <a:r>
-              <a:rPr lang="fr-FR" sz="2400" dirty="0" smtClean="0">
-                <a:solidFill>
-                  <a:schemeClr val="accent5"/>
-                </a:solidFill>
-              </a:rPr>
-              <a:t>Mise à jour de statut et d’images multi-comptes</a:t>
-            </a:r>
-          </a:p>
-          <a:p>
-            <a:r>
-              <a:rPr lang="fr-FR" sz="2400" dirty="0" smtClean="0">
-                <a:solidFill>
-                  <a:schemeClr val="accent5"/>
-                </a:solidFill>
-              </a:rPr>
-              <a:t>Messages privés </a:t>
-            </a:r>
-            <a:r>
-              <a:rPr lang="fr-FR" sz="2400" dirty="0" err="1" smtClean="0">
-                <a:solidFill>
-                  <a:schemeClr val="accent5"/>
-                </a:solidFill>
-              </a:rPr>
-              <a:t>Facebook</a:t>
-            </a:r>
-            <a:endParaRPr lang="fr-FR" sz="2400" dirty="0" smtClean="0">
+            <a:pPr>
+              <a:buNone/>
+            </a:pPr>
+            <a:r>
+              <a:rPr lang="fr-FR" dirty="0" smtClean="0">
+                <a:solidFill>
+                  <a:schemeClr val="accent5"/>
+                </a:solidFill>
+              </a:rPr>
+              <a:t>Acteurs majeurs : </a:t>
+            </a:r>
+            <a:endParaRPr lang="fr-FR" dirty="0" smtClean="0">
               <a:solidFill>
                 <a:schemeClr val="accent5"/>
               </a:solidFill>
@@ -8028,73 +8209,334 @@
           </a:p>
           <a:p>
             <a:r>
-              <a:rPr lang="fr-FR" sz="2400" dirty="0" smtClean="0">
-                <a:solidFill>
-                  <a:schemeClr val="accent5"/>
-                </a:solidFill>
-              </a:rPr>
-              <a:t>Notifications</a:t>
-            </a:r>
-          </a:p>
-          <a:p>
-            <a:r>
-              <a:rPr lang="fr-FR" sz="2400" dirty="0" err="1" smtClean="0">
-                <a:solidFill>
-                  <a:schemeClr val="accent5"/>
-                </a:solidFill>
-              </a:rPr>
-              <a:t>Raccourcisseur</a:t>
-            </a:r>
-            <a:r>
-              <a:rPr lang="fr-FR" sz="2400" dirty="0" smtClean="0">
-                <a:solidFill>
-                  <a:schemeClr val="accent5"/>
-                </a:solidFill>
-              </a:rPr>
-              <a:t> d’url dans les statuts</a:t>
-            </a:r>
-          </a:p>
-          <a:p>
-            <a:r>
-              <a:rPr lang="fr-FR" sz="2400" dirty="0" smtClean="0">
-                <a:solidFill>
-                  <a:schemeClr val="accent5"/>
-                </a:solidFill>
-              </a:rPr>
-              <a:t>Affichage des profils des amis avec photo, vidéo, infos, mur</a:t>
-            </a:r>
-          </a:p>
-          <a:p>
-            <a:r>
-              <a:rPr lang="fr-FR" sz="2400" dirty="0" smtClean="0">
-                <a:solidFill>
-                  <a:schemeClr val="accent5"/>
-                </a:solidFill>
-              </a:rPr>
-              <a:t>« </a:t>
-            </a:r>
-            <a:r>
-              <a:rPr lang="fr-FR" sz="2400" dirty="0" err="1" smtClean="0">
-                <a:solidFill>
-                  <a:schemeClr val="accent5"/>
-                </a:solidFill>
-              </a:rPr>
-              <a:t>Retweets</a:t>
-            </a:r>
-            <a:r>
-              <a:rPr lang="fr-FR" sz="2400" dirty="0" smtClean="0">
-                <a:solidFill>
-                  <a:schemeClr val="accent5"/>
-                </a:solidFill>
-              </a:rPr>
-              <a:t> » et commentaires</a:t>
-            </a:r>
-          </a:p>
-        </p:txBody>
-      </p:sp>
-      <p:sp>
-        <p:nvSpPr>
-          <p:cNvPr id="6" name="Titre 3"/>
+              <a:rPr lang="fr-FR" b="1" dirty="0" err="1" smtClean="0">
+                <a:solidFill>
+                  <a:schemeClr val="accent5"/>
+                </a:solidFill>
+              </a:rPr>
+              <a:t>Seesmic</a:t>
+            </a:r>
+            <a:r>
+              <a:rPr lang="fr-FR" dirty="0" smtClean="0">
+                <a:solidFill>
+                  <a:schemeClr val="accent5"/>
+                </a:solidFill>
+              </a:rPr>
+              <a:t> – </a:t>
+            </a:r>
+            <a:r>
+              <a:rPr lang="fr-FR" dirty="0" err="1" smtClean="0">
+                <a:solidFill>
+                  <a:schemeClr val="accent5"/>
+                </a:solidFill>
+              </a:rPr>
+              <a:t>Twitter</a:t>
+            </a:r>
+            <a:r>
+              <a:rPr lang="fr-FR" dirty="0" smtClean="0">
+                <a:solidFill>
+                  <a:schemeClr val="accent5"/>
+                </a:solidFill>
+              </a:rPr>
+              <a:t>, </a:t>
+            </a:r>
+            <a:r>
+              <a:rPr lang="fr-FR" dirty="0" err="1" smtClean="0">
+                <a:solidFill>
+                  <a:schemeClr val="accent5"/>
+                </a:solidFill>
+              </a:rPr>
+              <a:t>Facebook</a:t>
+            </a:r>
+            <a:r>
+              <a:rPr lang="fr-FR" dirty="0" smtClean="0">
+                <a:solidFill>
+                  <a:schemeClr val="accent5"/>
+                </a:solidFill>
+              </a:rPr>
+              <a:t> </a:t>
+            </a:r>
+          </a:p>
+          <a:p>
+            <a:pPr lvl="1">
+              <a:buNone/>
+            </a:pPr>
+            <a:r>
+              <a:rPr lang="fr-FR" sz="2400" i="1" dirty="0" err="1" smtClean="0">
+                <a:solidFill>
+                  <a:schemeClr val="accent5"/>
+                </a:solidFill>
+              </a:rPr>
+              <a:t>Android</a:t>
+            </a:r>
+            <a:r>
+              <a:rPr lang="fr-FR" sz="2400" i="1" dirty="0" smtClean="0">
+                <a:solidFill>
+                  <a:schemeClr val="accent5"/>
+                </a:solidFill>
+              </a:rPr>
+              <a:t>, </a:t>
+            </a:r>
+            <a:r>
+              <a:rPr lang="fr-FR" sz="2400" i="1" dirty="0" err="1" smtClean="0">
+                <a:solidFill>
+                  <a:schemeClr val="accent5"/>
+                </a:solidFill>
+              </a:rPr>
+              <a:t>iPhone</a:t>
+            </a:r>
+            <a:r>
+              <a:rPr lang="fr-FR" sz="2400" i="1" dirty="0" smtClean="0">
+                <a:solidFill>
+                  <a:schemeClr val="accent5"/>
+                </a:solidFill>
+              </a:rPr>
+              <a:t>, </a:t>
+            </a:r>
+            <a:r>
+              <a:rPr lang="fr-FR" sz="2400" i="1" dirty="0" smtClean="0">
+                <a:solidFill>
+                  <a:schemeClr val="accent5"/>
+                </a:solidFill>
+              </a:rPr>
+              <a:t>WP7, PC/Mac/Linux</a:t>
+            </a:r>
+            <a:endParaRPr lang="fr-FR" sz="2400" i="1" dirty="0" smtClean="0">
+              <a:solidFill>
+                <a:schemeClr val="accent5"/>
+              </a:solidFill>
+            </a:endParaRPr>
+          </a:p>
+          <a:p>
+            <a:r>
+              <a:rPr lang="fr-FR" b="1" dirty="0" err="1" smtClean="0">
+                <a:solidFill>
+                  <a:schemeClr val="accent5"/>
+                </a:solidFill>
+              </a:rPr>
+              <a:t>TweetDeck</a:t>
+            </a:r>
+            <a:r>
+              <a:rPr lang="fr-FR" dirty="0" smtClean="0">
+                <a:solidFill>
+                  <a:schemeClr val="accent5"/>
+                </a:solidFill>
+              </a:rPr>
+              <a:t> – </a:t>
+            </a:r>
+            <a:r>
+              <a:rPr lang="fr-FR" dirty="0" err="1" smtClean="0">
+                <a:solidFill>
+                  <a:schemeClr val="accent5"/>
+                </a:solidFill>
+              </a:rPr>
+              <a:t>Twitter</a:t>
+            </a:r>
+            <a:r>
+              <a:rPr lang="fr-FR" dirty="0" smtClean="0">
+                <a:solidFill>
+                  <a:schemeClr val="accent5"/>
+                </a:solidFill>
+              </a:rPr>
+              <a:t>, </a:t>
+            </a:r>
+            <a:r>
+              <a:rPr lang="fr-FR" dirty="0" err="1" smtClean="0">
+                <a:solidFill>
+                  <a:schemeClr val="accent5"/>
+                </a:solidFill>
+              </a:rPr>
+              <a:t>Facebook</a:t>
+            </a:r>
+            <a:endParaRPr lang="fr-FR" dirty="0" smtClean="0">
+              <a:solidFill>
+                <a:schemeClr val="accent5"/>
+              </a:solidFill>
+            </a:endParaRPr>
+          </a:p>
+          <a:p>
+            <a:pPr lvl="1">
+              <a:buNone/>
+            </a:pPr>
+            <a:r>
+              <a:rPr lang="fr-FR" sz="2400" i="1" dirty="0" err="1" smtClean="0">
+                <a:solidFill>
+                  <a:schemeClr val="accent5"/>
+                </a:solidFill>
+              </a:rPr>
+              <a:t>Android</a:t>
+            </a:r>
+            <a:r>
+              <a:rPr lang="fr-FR" sz="2400" i="1" dirty="0" smtClean="0">
+                <a:solidFill>
+                  <a:schemeClr val="accent5"/>
+                </a:solidFill>
+              </a:rPr>
+              <a:t>, </a:t>
+            </a:r>
+            <a:r>
+              <a:rPr lang="fr-FR" sz="2400" i="1" dirty="0" err="1" smtClean="0">
+                <a:solidFill>
+                  <a:schemeClr val="accent5"/>
+                </a:solidFill>
+              </a:rPr>
+              <a:t>iPhone</a:t>
+            </a:r>
+            <a:r>
+              <a:rPr lang="fr-FR" sz="2400" i="1" dirty="0" smtClean="0">
+                <a:solidFill>
+                  <a:schemeClr val="accent5"/>
+                </a:solidFill>
+              </a:rPr>
+              <a:t>, PC/Mac/Linux</a:t>
+            </a:r>
+            <a:endParaRPr lang="fr-FR" sz="2400" i="1" dirty="0" smtClean="0">
+              <a:solidFill>
+                <a:schemeClr val="accent5"/>
+              </a:solidFill>
+            </a:endParaRPr>
+          </a:p>
+          <a:p>
+            <a:r>
+              <a:rPr lang="fr-FR" b="1" dirty="0" err="1" smtClean="0">
+                <a:solidFill>
+                  <a:schemeClr val="accent5"/>
+                </a:solidFill>
+              </a:rPr>
+              <a:t>Hootsuite</a:t>
+            </a:r>
+            <a:r>
+              <a:rPr lang="fr-FR" b="1" dirty="0" smtClean="0">
+                <a:solidFill>
+                  <a:schemeClr val="accent5"/>
+                </a:solidFill>
+              </a:rPr>
+              <a:t> </a:t>
+            </a:r>
+            <a:r>
+              <a:rPr lang="fr-FR" dirty="0" smtClean="0">
+                <a:solidFill>
+                  <a:schemeClr val="accent5"/>
+                </a:solidFill>
+              </a:rPr>
+              <a:t>– </a:t>
+            </a:r>
+            <a:r>
+              <a:rPr lang="fr-FR" dirty="0" err="1" smtClean="0">
+                <a:solidFill>
+                  <a:schemeClr val="accent5"/>
+                </a:solidFill>
+              </a:rPr>
+              <a:t>Twitter</a:t>
+            </a:r>
+            <a:r>
+              <a:rPr lang="fr-FR" dirty="0" smtClean="0">
+                <a:solidFill>
+                  <a:schemeClr val="accent5"/>
+                </a:solidFill>
+              </a:rPr>
+              <a:t>, </a:t>
+            </a:r>
+            <a:r>
+              <a:rPr lang="fr-FR" dirty="0" err="1" smtClean="0">
+                <a:solidFill>
+                  <a:schemeClr val="accent5"/>
+                </a:solidFill>
+              </a:rPr>
+              <a:t>Facebook</a:t>
+            </a:r>
+            <a:r>
+              <a:rPr lang="fr-FR" dirty="0" smtClean="0">
+                <a:solidFill>
+                  <a:schemeClr val="accent5"/>
+                </a:solidFill>
+              </a:rPr>
+              <a:t> </a:t>
+            </a:r>
+          </a:p>
+          <a:p>
+            <a:pPr lvl="1">
+              <a:buNone/>
+            </a:pPr>
+            <a:r>
+              <a:rPr lang="fr-FR" sz="2400" i="1" dirty="0" err="1" smtClean="0">
+                <a:solidFill>
+                  <a:schemeClr val="accent5"/>
+                </a:solidFill>
+              </a:rPr>
+              <a:t>Android</a:t>
+            </a:r>
+            <a:r>
+              <a:rPr lang="fr-FR" sz="2400" i="1" dirty="0" smtClean="0">
+                <a:solidFill>
+                  <a:schemeClr val="accent5"/>
+                </a:solidFill>
+              </a:rPr>
+              <a:t>, </a:t>
+            </a:r>
+            <a:r>
+              <a:rPr lang="fr-FR" sz="2400" i="1" dirty="0" err="1" smtClean="0">
+                <a:solidFill>
+                  <a:schemeClr val="accent5"/>
+                </a:solidFill>
+              </a:rPr>
+              <a:t>iPhone</a:t>
+            </a:r>
+            <a:r>
+              <a:rPr lang="fr-FR" sz="2400" i="1" dirty="0" smtClean="0">
+                <a:solidFill>
+                  <a:schemeClr val="accent5"/>
+                </a:solidFill>
+              </a:rPr>
+              <a:t>, </a:t>
+            </a:r>
+            <a:r>
+              <a:rPr lang="fr-FR" sz="2400" i="1" dirty="0" err="1" smtClean="0">
+                <a:solidFill>
+                  <a:schemeClr val="accent5"/>
+                </a:solidFill>
+              </a:rPr>
+              <a:t>B</a:t>
+            </a:r>
+            <a:r>
+              <a:rPr lang="fr-FR" sz="2400" i="1" dirty="0" err="1" smtClean="0">
+                <a:solidFill>
+                  <a:schemeClr val="accent5"/>
+                </a:solidFill>
+              </a:rPr>
+              <a:t>lackberry</a:t>
+            </a:r>
+            <a:endParaRPr lang="fr-FR" sz="2400" i="1" dirty="0" smtClean="0">
+              <a:solidFill>
+                <a:schemeClr val="accent5"/>
+              </a:solidFill>
+            </a:endParaRPr>
+          </a:p>
+          <a:p>
+            <a:pPr lvl="1">
+              <a:buNone/>
+            </a:pPr>
+            <a:endParaRPr lang="fr-FR" sz="2000" i="1" dirty="0" smtClean="0">
+              <a:solidFill>
+                <a:schemeClr val="accent5"/>
+              </a:solidFill>
+            </a:endParaRPr>
+          </a:p>
+          <a:p>
+            <a:pPr lvl="1">
+              <a:buNone/>
+            </a:pPr>
+            <a:endParaRPr lang="fr-FR" sz="2000" i="1" dirty="0" smtClean="0">
+              <a:solidFill>
+                <a:schemeClr val="accent5"/>
+              </a:solidFill>
+            </a:endParaRPr>
+          </a:p>
+        </p:txBody>
+      </p:sp>
+      <p:sp>
+        <p:nvSpPr>
+          <p:cNvPr id="5" name="Titre 3"/>
           <p:cNvSpPr txBox="1">
             <a:spLocks/>
           </p:cNvSpPr>
@@ -8139,7 +8581,7 @@
                 <a:ea typeface="ＭＳ Ｐゴシック" charset="-128"/>
                 <a:cs typeface="ＭＳ Ｐゴシック" charset="-128"/>
               </a:rPr>
-              <a:t>Spécifications</a:t>
+              <a:t>Concurrents</a:t>
             </a:r>
             <a:endParaRPr kumimoji="0" lang="fr-FR" sz="3600" b="0" i="0" u="none" strike="noStrike" kern="1200" cap="none" spc="0" normalizeH="0" baseline="0" noProof="0" dirty="0">
               <a:ln>
@@ -8209,12 +8651,12 @@
           <a:p>
             <a:pPr algn="l"/>
             <a:r>
-              <a:rPr lang="fr-FR" dirty="0" err="1" smtClean="0">
+              <a:rPr lang="fr-FR" dirty="0" smtClean="0">
                 <a:solidFill>
                   <a:schemeClr val="bg1"/>
                 </a:solidFill>
               </a:rPr>
-              <a:t>Silverlight</a:t>
+              <a:t>Applications</a:t>
             </a:r>
             <a:endParaRPr lang="fr-FR" dirty="0">
               <a:solidFill>
@@ -8226,7 +8668,7 @@
       </p:sp>
       <p:sp>
         <p:nvSpPr>
-          <p:cNvPr id="8" name="Espace réservé du contenu 7"/>
+          <p:cNvPr id="5" name="Espace réservé du contenu 7"/>
           <p:cNvSpPr>
             <a:spLocks noGrp="1"/>
           </p:cNvSpPr>
@@ -8236,17 +8678,303 @@
         </p:nvSpPr>
         <p:spPr>
           <a:xfrm>
-            <a:off x="457200" y="1068224"/>
-            <a:ext cx="8229600" cy="5170206"/>
+            <a:off x="457200" y="1905712"/>
+            <a:ext cx="8229600" cy="4320000"/>
           </a:xfrm>
         </p:spPr>
         <p:txBody>
           <a:bodyPr/>
           <a:lstStyle/>
           <a:p>
-            <a:endParaRPr lang="fr-FR" sz="2000" dirty="0" smtClean="0">
+            <a:r>
+              <a:rPr lang="fr-FR" sz="2800" dirty="0" smtClean="0">
+                <a:solidFill>
+                  <a:schemeClr val="accent5"/>
+                </a:solidFill>
+              </a:rPr>
+              <a:t>Fils d’actualités fusionnés</a:t>
+            </a:r>
+          </a:p>
+          <a:p>
+            <a:r>
+              <a:rPr lang="fr-FR" sz="2800" dirty="0" smtClean="0">
+                <a:solidFill>
+                  <a:schemeClr val="accent5"/>
+                </a:solidFill>
+              </a:rPr>
+              <a:t>Amis</a:t>
+            </a:r>
+            <a:endParaRPr lang="fr-FR" sz="2800" dirty="0" smtClean="0">
               <a:solidFill>
                 <a:schemeClr val="accent5"/>
+              </a:solidFill>
+            </a:endParaRPr>
+          </a:p>
+          <a:p>
+            <a:r>
+              <a:rPr lang="fr-FR" sz="2800" dirty="0" smtClean="0">
+                <a:solidFill>
+                  <a:schemeClr val="accent5"/>
+                </a:solidFill>
+              </a:rPr>
+              <a:t>Mise à jour de statut </a:t>
+            </a:r>
+            <a:r>
+              <a:rPr lang="fr-FR" sz="2800" dirty="0" smtClean="0">
+                <a:solidFill>
+                  <a:schemeClr val="accent5"/>
+                </a:solidFill>
+              </a:rPr>
+              <a:t>avec image et localisation</a:t>
+            </a:r>
+            <a:endParaRPr lang="fr-FR" sz="2800" dirty="0" smtClean="0">
+              <a:solidFill>
+                <a:schemeClr val="accent5"/>
+              </a:solidFill>
+            </a:endParaRPr>
+          </a:p>
+          <a:p>
+            <a:r>
+              <a:rPr lang="fr-FR" sz="2800" dirty="0" smtClean="0">
+                <a:solidFill>
+                  <a:schemeClr val="accent5"/>
+                </a:solidFill>
+              </a:rPr>
+              <a:t>Messages </a:t>
+            </a:r>
+            <a:r>
+              <a:rPr lang="fr-FR" sz="2800" dirty="0" smtClean="0">
+                <a:solidFill>
+                  <a:schemeClr val="accent5"/>
+                </a:solidFill>
+              </a:rPr>
+              <a:t>privés</a:t>
+            </a:r>
+            <a:endParaRPr lang="fr-FR" sz="2800" dirty="0" smtClean="0">
+              <a:solidFill>
+                <a:schemeClr val="accent5"/>
+              </a:solidFill>
+            </a:endParaRPr>
+          </a:p>
+          <a:p>
+            <a:r>
+              <a:rPr lang="fr-FR" sz="2800" dirty="0" smtClean="0">
+                <a:solidFill>
+                  <a:schemeClr val="accent5"/>
+                </a:solidFill>
+              </a:rPr>
+              <a:t>Notifications</a:t>
+            </a:r>
+          </a:p>
+          <a:p>
+            <a:r>
+              <a:rPr lang="fr-FR" sz="2800" dirty="0" smtClean="0">
+                <a:solidFill>
+                  <a:schemeClr val="accent5"/>
+                </a:solidFill>
+              </a:rPr>
+              <a:t>Profils avec </a:t>
+            </a:r>
+            <a:r>
+              <a:rPr lang="fr-FR" sz="2800" dirty="0" smtClean="0">
+                <a:solidFill>
+                  <a:schemeClr val="accent5"/>
+                </a:solidFill>
+              </a:rPr>
+              <a:t>photo, vidéo, infos, mur</a:t>
+            </a:r>
+          </a:p>
+          <a:p>
+            <a:r>
+              <a:rPr lang="fr-FR" sz="2800" dirty="0" smtClean="0">
+                <a:solidFill>
+                  <a:schemeClr val="accent5"/>
+                </a:solidFill>
+              </a:rPr>
+              <a:t>« </a:t>
+            </a:r>
+            <a:r>
+              <a:rPr lang="fr-FR" sz="2800" dirty="0" err="1" smtClean="0">
+                <a:solidFill>
+                  <a:schemeClr val="accent5"/>
+                </a:solidFill>
+              </a:rPr>
+              <a:t>Retweet</a:t>
+            </a:r>
+            <a:r>
+              <a:rPr lang="fr-FR" sz="2800" dirty="0" smtClean="0">
+                <a:solidFill>
+                  <a:schemeClr val="accent5"/>
+                </a:solidFill>
+              </a:rPr>
+              <a:t> »</a:t>
+            </a:r>
+            <a:r>
+              <a:rPr lang="fr-FR" sz="2800" dirty="0" smtClean="0">
+                <a:solidFill>
+                  <a:schemeClr val="accent5"/>
+                </a:solidFill>
+              </a:rPr>
+              <a:t>,</a:t>
+            </a:r>
+            <a:r>
+              <a:rPr lang="fr-FR" sz="2800" dirty="0" smtClean="0">
+                <a:solidFill>
+                  <a:schemeClr val="accent5"/>
+                </a:solidFill>
+              </a:rPr>
+              <a:t> commentaires et « j’aime »</a:t>
+            </a:r>
+          </a:p>
+          <a:p>
+            <a:r>
+              <a:rPr lang="fr-FR" sz="2800" dirty="0" smtClean="0">
+                <a:solidFill>
+                  <a:schemeClr val="accent5"/>
+                </a:solidFill>
+              </a:rPr>
+              <a:t>Discussion instantanée, Tendances</a:t>
+            </a:r>
+          </a:p>
+          <a:p>
+            <a:pPr>
+              <a:buNone/>
+            </a:pPr>
+            <a:endParaRPr lang="fr-FR" sz="2800" dirty="0" smtClean="0">
+              <a:solidFill>
+                <a:schemeClr val="accent5"/>
+              </a:solidFill>
+            </a:endParaRPr>
+          </a:p>
+        </p:txBody>
+      </p:sp>
+      <p:sp>
+        <p:nvSpPr>
+          <p:cNvPr id="6" name="Titre 3"/>
+          <p:cNvSpPr txBox="1">
+            <a:spLocks/>
+          </p:cNvSpPr>
+          <p:nvPr/>
+        </p:nvSpPr>
+        <p:spPr bwMode="auto">
+          <a:xfrm>
+            <a:off x="609600" y="1132015"/>
+            <a:ext cx="8229600" cy="626997"/>
+          </a:xfrm>
+          <a:prstGeom prst="rect">
+            <a:avLst/>
+          </a:prstGeom>
+          <a:noFill/>
+          <a:ln w="9525">
+            <a:noFill/>
+            <a:miter lim="800000"/>
+            <a:headEnd/>
+            <a:tailEnd/>
+          </a:ln>
+        </p:spPr>
+        <p:txBody>
+          <a:bodyPr vert="horz" wrap="square" lIns="91440" tIns="45720" rIns="91440" bIns="45720" numCol="1" anchor="ctr" anchorCtr="0" compatLnSpc="1">
+            <a:prstTxWarp prst="textNoShape">
+              <a:avLst/>
+            </a:prstTxWarp>
+          </a:bodyPr>
+          <a:lstStyle/>
+          <a:p>
+            <a:pPr lvl="0" fontAlgn="base">
+              <a:spcBef>
+                <a:spcPct val="0"/>
+              </a:spcBef>
+              <a:spcAft>
+                <a:spcPct val="0"/>
+              </a:spcAft>
+              <a:defRPr/>
+            </a:pPr>
+            <a:r>
+              <a:rPr lang="fr-FR" sz="3600" dirty="0" smtClean="0">
+                <a:latin typeface="+mj-lt"/>
+                <a:ea typeface="ＭＳ Ｐゴシック" charset="-128"/>
+                <a:cs typeface="ＭＳ Ｐゴシック" charset="-128"/>
+              </a:rPr>
+              <a:t>Spécifications fonctionnelles</a:t>
+            </a:r>
+            <a:endParaRPr kumimoji="0" lang="fr-FR" sz="3600" b="0" i="0" u="none" strike="noStrike" kern="1200" cap="none" spc="0" normalizeH="0" baseline="0" noProof="0" dirty="0">
+              <a:ln>
+                <a:noFill/>
+              </a:ln>
+              <a:effectLst/>
+              <a:uLnTx/>
+              <a:uFillTx/>
+              <a:latin typeface="+mj-lt"/>
+              <a:ea typeface="ＭＳ Ｐゴシック" charset="-128"/>
+              <a:cs typeface="ＭＳ Ｐゴシック" charset="-128"/>
+            </a:endParaRPr>
+          </a:p>
+        </p:txBody>
+      </p:sp>
+    </p:spTree>
+  </p:cSld>
+  <p:clrMapOvr>
+    <a:masterClrMapping/>
+  </p:clrMapOvr>
+  <p:timing>
+    <p:tnLst>
+      <p:par>
+        <p:cTn id="1" dur="indefinite" restart="never" nodeType="tmRoot"/>
+      </p:par>
+    </p:tnLst>
+  </p:timing>
+</p:sld>
+</file>
+
+<file path=ppt/slides/slide9.xml><?xml version="1.0" encoding="utf-8"?>
+<p:sld xmlns:a="http://schemas.openxmlformats.org/drawingml/2006/main" xmlns:r="http://schemas.openxmlformats.org/officeDocument/2006/relationships" xmlns:p="http://schemas.openxmlformats.org/presentationml/2006/main">
+  <p:cSld>
+    <p:spTree>
+      <p:nvGrpSpPr>
+        <p:cNvPr id="1" name=""/>
+        <p:cNvGrpSpPr/>
+        <p:nvPr/>
+      </p:nvGrpSpPr>
+      <p:grpSpPr>
+        <a:xfrm>
+          <a:off x="0" y="0"/>
+          <a:ext cx="0" cy="0"/>
+          <a:chOff x="0" y="0"/>
+          <a:chExt cx="0" cy="0"/>
+        </a:xfrm>
+      </p:grpSpPr>
+      <p:sp>
+        <p:nvSpPr>
+          <p:cNvPr id="4" name="Titre 3"/>
+          <p:cNvSpPr>
+            <a:spLocks noGrp="1"/>
+          </p:cNvSpPr>
+          <p:nvPr>
+            <p:ph type="title"/>
+          </p:nvPr>
+        </p:nvSpPr>
+        <p:spPr>
+          <a:xfrm>
+            <a:off x="457200" y="155120"/>
+            <a:ext cx="8229600" cy="626997"/>
+          </a:xfrm>
+        </p:spPr>
+        <p:txBody>
+          <a:bodyPr/>
+          <a:lstStyle/>
+          <a:p>
+            <a:pPr algn="l"/>
+            <a:r>
+              <a:rPr lang="fr-FR" dirty="0" smtClean="0">
+                <a:solidFill>
+                  <a:schemeClr val="bg1"/>
+                </a:solidFill>
+              </a:rPr>
+              <a:t>Applications</a:t>
+            </a:r>
+            <a:endParaRPr lang="fr-FR" dirty="0">
+              <a:solidFill>
+                <a:schemeClr val="bg1"/>
               </a:solidFill>
             </a:endParaRPr>
           </a:p>
@@ -8326,300 +9054,14 @@
               <a:defRPr/>
             </a:pPr>
             <a:r>
-              <a:rPr lang="fr-FR" sz="3600" dirty="0" smtClean="0">
+              <a:rPr lang="fr-FR" sz="3600" noProof="0" dirty="0" err="1" smtClean="0">
                 <a:latin typeface="+mj-lt"/>
                 <a:ea typeface="ＭＳ Ｐゴシック" charset="-128"/>
                 <a:cs typeface="ＭＳ Ｐゴシック" charset="-128"/>
               </a:rPr>
-              <a:t>Démonstration</a:t>
-            </a:r>
-            <a:endParaRPr kumimoji="0" lang="fr-FR" sz="3600" b="0" i="0" u="none" strike="noStrike" kern="1200" cap="none" spc="0" normalizeH="0" baseline="0" noProof="0" dirty="0">
-              <a:ln>
-                <a:noFill/>
-              </a:ln>
-              <a:effectLst/>
-              <a:uLnTx/>
-              <a:uFillTx/>
-              <a:latin typeface="+mj-lt"/>
-              <a:ea typeface="ＭＳ Ｐゴシック" charset="-128"/>
-              <a:cs typeface="ＭＳ Ｐゴシック" charset="-128"/>
-            </a:endParaRPr>
-          </a:p>
-        </p:txBody>
-      </p:sp>
-    </p:spTree>
-  </p:cSld>
-  <p:clrMapOvr>
-    <a:masterClrMapping/>
-  </p:clrMapOvr>
-  <p:timing>
-    <p:tnLst>
-      <p:par>
-        <p:cTn id="1" dur="indefinite" restart="never" nodeType="tmRoot"/>
-      </p:par>
-    </p:tnLst>
-  </p:timing>
-</p:sld>
-</file>
-
-<file path=ppt/slides/slide9.xml><?xml version="1.0" encoding="utf-8"?>
-<p:sld xmlns:a="http://schemas.openxmlformats.org/drawingml/2006/main" xmlns:r="http://schemas.openxmlformats.org/officeDocument/2006/relationships" xmlns:p="http://schemas.openxmlformats.org/presentationml/2006/main">
-  <p:cSld>
-    <p:spTree>
-      <p:nvGrpSpPr>
-        <p:cNvPr id="1" name=""/>
-        <p:cNvGrpSpPr/>
-        <p:nvPr/>
-      </p:nvGrpSpPr>
-      <p:grpSpPr>
-        <a:xfrm>
-          <a:off x="0" y="0"/>
-          <a:ext cx="0" cy="0"/>
-          <a:chOff x="0" y="0"/>
-          <a:chExt cx="0" cy="0"/>
-        </a:xfrm>
-      </p:grpSpPr>
-      <p:sp>
-        <p:nvSpPr>
-          <p:cNvPr id="4" name="Titre 3"/>
-          <p:cNvSpPr>
-            <a:spLocks noGrp="1"/>
-          </p:cNvSpPr>
-          <p:nvPr>
-            <p:ph type="title"/>
-          </p:nvPr>
-        </p:nvSpPr>
-        <p:spPr>
-          <a:xfrm>
-            <a:off x="457200" y="155120"/>
-            <a:ext cx="8229600" cy="626997"/>
-          </a:xfrm>
-        </p:spPr>
-        <p:txBody>
-          <a:bodyPr/>
-          <a:lstStyle/>
-          <a:p>
-            <a:pPr algn="l"/>
-            <a:r>
-              <a:rPr lang="fr-FR" dirty="0" err="1" smtClean="0">
-                <a:solidFill>
-                  <a:schemeClr val="bg1"/>
-                </a:solidFill>
-              </a:rPr>
-              <a:t>Android</a:t>
-            </a:r>
-            <a:endParaRPr lang="fr-FR" dirty="0">
-              <a:solidFill>
-                <a:schemeClr val="bg1"/>
-              </a:solidFill>
-            </a:endParaRPr>
-          </a:p>
-        </p:txBody>
-      </p:sp>
-      <p:sp>
-        <p:nvSpPr>
-          <p:cNvPr id="8" name="Espace réservé du contenu 7"/>
-          <p:cNvSpPr>
-            <a:spLocks noGrp="1"/>
-          </p:cNvSpPr>
-          <p:nvPr>
-            <p:ph idx="1"/>
-          </p:nvPr>
-        </p:nvSpPr>
-        <p:spPr>
-          <a:xfrm>
-            <a:off x="457200" y="1905712"/>
-            <a:ext cx="8229600" cy="4320000"/>
-          </a:xfrm>
-        </p:spPr>
-        <p:txBody>
-          <a:bodyPr/>
-          <a:lstStyle/>
-          <a:p>
-            <a:r>
-              <a:rPr lang="fr-FR" sz="2400" dirty="0" smtClean="0">
-                <a:solidFill>
-                  <a:schemeClr val="accent5"/>
-                </a:solidFill>
-              </a:rPr>
-              <a:t>Fils d’actualités et liste d’amis des compte fusionnés</a:t>
-            </a:r>
-          </a:p>
-          <a:p>
-            <a:r>
-              <a:rPr lang="fr-FR" sz="2400" dirty="0" smtClean="0">
-                <a:solidFill>
-                  <a:schemeClr val="accent5"/>
-                </a:solidFill>
-              </a:rPr>
-              <a:t>Mise à jour de statut multi-comptes</a:t>
-            </a:r>
-          </a:p>
-          <a:p>
-            <a:r>
-              <a:rPr lang="fr-FR" sz="2400" dirty="0" smtClean="0">
-                <a:solidFill>
-                  <a:schemeClr val="accent5"/>
-                </a:solidFill>
-              </a:rPr>
-              <a:t>Chat </a:t>
-            </a:r>
-            <a:r>
-              <a:rPr lang="fr-FR" sz="2400" dirty="0" err="1" smtClean="0">
-                <a:solidFill>
-                  <a:schemeClr val="accent5"/>
-                </a:solidFill>
-              </a:rPr>
-              <a:t>Facebook</a:t>
-            </a:r>
-            <a:endParaRPr lang="fr-FR" sz="2400" dirty="0" smtClean="0">
-              <a:solidFill>
-                <a:schemeClr val="accent5"/>
-              </a:solidFill>
-            </a:endParaRPr>
-          </a:p>
-          <a:p>
-            <a:r>
-              <a:rPr lang="fr-FR" sz="2400" dirty="0" smtClean="0">
-                <a:solidFill>
-                  <a:schemeClr val="accent5"/>
-                </a:solidFill>
-              </a:rPr>
-              <a:t>Recherche &amp; « Trends » </a:t>
-            </a:r>
-            <a:r>
-              <a:rPr lang="fr-FR" sz="2400" dirty="0" err="1" smtClean="0">
-                <a:solidFill>
-                  <a:schemeClr val="accent5"/>
-                </a:solidFill>
-              </a:rPr>
-              <a:t>Twitter</a:t>
-            </a:r>
-            <a:endParaRPr lang="fr-FR" sz="2400" dirty="0" smtClean="0">
-              <a:solidFill>
-                <a:schemeClr val="accent5"/>
-              </a:solidFill>
-            </a:endParaRPr>
-          </a:p>
-          <a:p>
-            <a:r>
-              <a:rPr lang="fr-FR" sz="2400" dirty="0" smtClean="0">
-                <a:solidFill>
-                  <a:schemeClr val="accent5"/>
-                </a:solidFill>
-              </a:rPr>
-              <a:t>Affichage des profils des amis avec photo, vidéo, infos, mur</a:t>
-            </a:r>
-          </a:p>
-          <a:p>
-            <a:r>
-              <a:rPr lang="fr-FR" sz="2400" dirty="0" smtClean="0">
-                <a:solidFill>
-                  <a:schemeClr val="accent5"/>
-                </a:solidFill>
-              </a:rPr>
-              <a:t>Notifications</a:t>
-            </a:r>
-          </a:p>
-          <a:p>
-            <a:r>
-              <a:rPr lang="fr-FR" sz="2400" dirty="0" smtClean="0">
-                <a:solidFill>
-                  <a:schemeClr val="accent5"/>
-                </a:solidFill>
-              </a:rPr>
-              <a:t>« </a:t>
-            </a:r>
-            <a:r>
-              <a:rPr lang="fr-FR" sz="2400" dirty="0" err="1" smtClean="0">
-                <a:solidFill>
-                  <a:schemeClr val="accent5"/>
-                </a:solidFill>
-              </a:rPr>
-              <a:t>Retweets</a:t>
-            </a:r>
-            <a:r>
-              <a:rPr lang="fr-FR" sz="2400" dirty="0" smtClean="0">
-                <a:solidFill>
-                  <a:schemeClr val="accent5"/>
-                </a:solidFill>
-              </a:rPr>
-              <a:t> » et comment</a:t>
-            </a:r>
-          </a:p>
-          <a:p>
-            <a:r>
-              <a:rPr lang="fr-FR" sz="2400" dirty="0" smtClean="0">
-                <a:solidFill>
-                  <a:schemeClr val="accent5"/>
-                </a:solidFill>
-              </a:rPr>
-              <a:t>Multilingue : FR, EN, PT, ES</a:t>
-            </a:r>
-            <a:endParaRPr lang="fr-FR" sz="2400" dirty="0" smtClean="0">
-              <a:solidFill>
-                <a:schemeClr val="accent5"/>
-              </a:solidFill>
-            </a:endParaRPr>
-          </a:p>
-        </p:txBody>
-      </p:sp>
-      <p:sp>
-        <p:nvSpPr>
-          <p:cNvPr id="5" name="Titre 3"/>
-          <p:cNvSpPr txBox="1">
-            <a:spLocks/>
-          </p:cNvSpPr>
-          <p:nvPr/>
-        </p:nvSpPr>
-        <p:spPr bwMode="auto">
-          <a:xfrm>
-            <a:off x="609600" y="1132015"/>
-            <a:ext cx="8229600" cy="626997"/>
-          </a:xfrm>
-          <a:prstGeom prst="rect">
-            <a:avLst/>
-          </a:prstGeom>
-          <a:noFill/>
-          <a:ln w="9525">
-            <a:noFill/>
-            <a:miter lim="800000"/>
-            <a:headEnd/>
-            <a:tailEnd/>
-          </a:ln>
-        </p:spPr>
-        <p:txBody>
-          <a:bodyPr vert="horz" wrap="square" lIns="91440" tIns="45720" rIns="91440" bIns="45720" numCol="1" anchor="ctr" anchorCtr="0" compatLnSpc="1">
-            <a:prstTxWarp prst="textNoShape">
-              <a:avLst/>
-            </a:prstTxWarp>
-          </a:bodyPr>
-          <a:lstStyle/>
-          <a:p>
-            <a:pPr lvl="0" fontAlgn="base">
-              <a:spcBef>
-                <a:spcPct val="0"/>
-              </a:spcBef>
-              <a:spcAft>
-                <a:spcPct val="0"/>
-              </a:spcAft>
-              <a:defRPr/>
-            </a:pPr>
-            <a:r>
-              <a:rPr lang="fr-FR" sz="3600" dirty="0" smtClean="0">
-                <a:latin typeface="+mj-lt"/>
-                <a:ea typeface="ＭＳ Ｐゴシック" charset="-128"/>
-                <a:cs typeface="ＭＳ Ｐゴシック" charset="-128"/>
-              </a:rPr>
-              <a:t>Spécifications</a:t>
-            </a:r>
-            <a:endParaRPr kumimoji="0" lang="fr-FR" sz="3600" b="0" i="0" u="none" strike="noStrike" kern="1200" cap="none" spc="0" normalizeH="0" baseline="0" noProof="0" dirty="0">
-              <a:ln>
-                <a:noFill/>
-              </a:ln>
-              <a:effectLst/>
-              <a:uLnTx/>
-              <a:uFillTx/>
+              <a:t>Silverlight</a:t>
+            </a:r>
+            <a:endParaRPr lang="fr-FR" sz="3600" noProof="0" dirty="0" smtClean="0">
               <a:latin typeface="+mj-lt"/>
               <a:ea typeface="ＭＳ Ｐゴシック" charset="-128"/>
               <a:cs typeface="ＭＳ Ｐゴシック" charset="-128"/>
